--- a/Presentation_oral_LIEUTAUD_CELINE.pptx
+++ b/Presentation_oral_LIEUTAUD_CELINE.pptx
@@ -111,6 +111,11 @@
       </a:defRPr>
     </a:lvl9pPr>
   </p:defaultTextStyle>
+  <p:extLst>
+    <p:ext uri="{EFAFB233-063F-42B5-8137-9DF3F51BA10A}">
+      <p15:sldGuideLst xmlns:p15="http://schemas.microsoft.com/office/powerpoint/2012/main"/>
+    </p:ext>
+  </p:extLst>
 </p:presentation>
 </file>
 
@@ -3003,7 +3008,7 @@
           <a:p>
             <a:fld id="{55DE3638-8134-4337-8A69-795DC6005521}" type="datetimeFigureOut">
               <a:rPr lang="fr-FR" smtClean="0"/>
-              <a:t>12/04/2021</a:t>
+              <a:t>19/04/2021</a:t>
             </a:fld>
             <a:endParaRPr lang="fr-FR"/>
           </a:p>
@@ -3436,7 +3441,7 @@
           <a:p>
             <a:fld id="{72EA7947-E287-4738-8C82-07CE4F01EF03}" type="datetime2">
               <a:rPr lang="en-US" smtClean="0"/>
-              <a:t>Monday, April 12, 2021</a:t>
+              <a:t>Monday, April 19, 2021</a:t>
             </a:fld>
             <a:endParaRPr lang="en-US" dirty="0"/>
           </a:p>
@@ -4472,7 +4477,7 @@
           <a:p>
             <a:fld id="{EE2EBD84-71F4-4271-8C46-0D47C0A9B12E}" type="datetime2">
               <a:rPr lang="en-US" smtClean="0"/>
-              <a:t>Monday, April 12, 2021</a:t>
+              <a:t>Monday, April 19, 2021</a:t>
             </a:fld>
             <a:endParaRPr lang="en-US"/>
           </a:p>
@@ -4683,7 +4688,7 @@
           <a:p>
             <a:fld id="{ABAE0CE1-F450-4107-B2CB-17B18F8A3F4A}" type="datetime2">
               <a:rPr lang="en-US" smtClean="0"/>
-              <a:t>Monday, April 12, 2021</a:t>
+              <a:t>Monday, April 19, 2021</a:t>
             </a:fld>
             <a:endParaRPr lang="en-US"/>
           </a:p>
@@ -5348,7 +5353,7 @@
           <a:p>
             <a:fld id="{6FE8C025-CD7A-4966-867E-81CF82B15267}" type="datetime2">
               <a:rPr lang="en-US" smtClean="0"/>
-              <a:t>Monday, April 12, 2021</a:t>
+              <a:t>Monday, April 19, 2021</a:t>
             </a:fld>
             <a:endParaRPr lang="en-US"/>
           </a:p>
@@ -5968,7 +5973,7 @@
           <a:p>
             <a:fld id="{FE809929-0719-4517-94D6-FDF7F99E70F6}" type="datetime2">
               <a:rPr lang="en-US" smtClean="0"/>
-              <a:t>Monday, April 12, 2021</a:t>
+              <a:t>Monday, April 19, 2021</a:t>
             </a:fld>
             <a:endParaRPr lang="en-US"/>
           </a:p>
@@ -7086,7 +7091,7 @@
           <a:p>
             <a:fld id="{20E95673-5512-4AAA-9AEB-E00C61EC65D5}" type="datetime2">
               <a:rPr lang="en-US" smtClean="0"/>
-              <a:t>Monday, April 12, 2021</a:t>
+              <a:t>Monday, April 19, 2021</a:t>
             </a:fld>
             <a:endParaRPr lang="en-US"/>
           </a:p>
@@ -7633,7 +7638,7 @@
           <a:p>
             <a:fld id="{C13138FA-2E87-4873-8BBA-13E447C9A99A}" type="datetime2">
               <a:rPr lang="en-US" smtClean="0"/>
-              <a:t>Monday, April 12, 2021</a:t>
+              <a:t>Monday, April 19, 2021</a:t>
             </a:fld>
             <a:endParaRPr lang="en-US"/>
           </a:p>
@@ -7794,7 +7799,7 @@
           <a:p>
             <a:fld id="{D75BB40A-97BD-4BFB-B639-0BFF95FDE8B7}" type="datetime2">
               <a:rPr lang="en-US" smtClean="0"/>
-              <a:t>Monday, April 12, 2021</a:t>
+              <a:t>Monday, April 19, 2021</a:t>
             </a:fld>
             <a:endParaRPr lang="en-US"/>
           </a:p>
@@ -8829,7 +8834,7 @@
           <a:p>
             <a:fld id="{9EE9E0E3-ECF6-4CFE-8698-AEFEBCECC3C0}" type="datetime2">
               <a:rPr lang="en-US" smtClean="0"/>
-              <a:t>Monday, April 12, 2021</a:t>
+              <a:t>Monday, April 19, 2021</a:t>
             </a:fld>
             <a:endParaRPr lang="en-US"/>
           </a:p>
@@ -9475,7 +9480,7 @@
           <a:p>
             <a:fld id="{251462FC-960E-4740-921F-B36862979F21}" type="datetime2">
               <a:rPr lang="en-US" smtClean="0"/>
-              <a:t>Monday, April 12, 2021</a:t>
+              <a:t>Monday, April 19, 2021</a:t>
             </a:fld>
             <a:endParaRPr lang="en-US"/>
           </a:p>
@@ -10239,7 +10244,7 @@
           <a:p>
             <a:fld id="{E50BC9E2-CB44-4C05-9BB5-496C18A241E0}" type="datetime2">
               <a:rPr lang="en-US" smtClean="0"/>
-              <a:t>Monday, April 12, 2021</a:t>
+              <a:t>Monday, April 19, 2021</a:t>
             </a:fld>
             <a:endParaRPr lang="en-US"/>
           </a:p>
@@ -10492,7 +10497,7 @@
           <a:p>
             <a:fld id="{246CB39B-5F4C-4A7E-9BE3-AAFD45576D16}" type="datetime2">
               <a:rPr lang="en-US" smtClean="0"/>
-              <a:t>Monday, April 12, 2021</a:t>
+              <a:t>Monday, April 19, 2021</a:t>
             </a:fld>
             <a:endParaRPr lang="en-US" dirty="0"/>
           </a:p>
@@ -13249,6 +13254,13 @@
             <a:schemeClr val="tx1"/>
           </a:fontRef>
         </p:style>
+        <p:txBody>
+          <a:bodyPr/>
+          <a:lstStyle/>
+          <a:p>
+            <a:endParaRPr lang="fr-FR" dirty="0"/>
+          </a:p>
+        </p:txBody>
       </p:sp>
       <p:sp>
         <p:nvSpPr>
@@ -13310,6 +13322,13 @@
             <a:schemeClr val="tx1"/>
           </a:fontRef>
         </p:style>
+        <p:txBody>
+          <a:bodyPr/>
+          <a:lstStyle/>
+          <a:p>
+            <a:endParaRPr lang="fr-FR" dirty="0"/>
+          </a:p>
+        </p:txBody>
       </p:sp>
       <p:sp>
         <p:nvSpPr>
@@ -13422,7 +13441,7 @@
         </p:nvSpPr>
         <p:spPr>
           <a:xfrm>
-            <a:off x="3661926" y="2349650"/>
+            <a:off x="5610322" y="1388931"/>
             <a:ext cx="971355" cy="246221"/>
           </a:xfrm>
           <a:prstGeom prst="rect">
@@ -13588,1710 +13607,6 @@
       </p:sp>
       <p:sp>
         <p:nvSpPr>
-          <p:cNvPr id="22" name="Freeform 92">
-            <a:extLst>
-              <a:ext uri="{FF2B5EF4-FFF2-40B4-BE49-F238E27FC236}">
-                <a16:creationId xmlns:a16="http://schemas.microsoft.com/office/drawing/2014/main" id="{89E4BEC1-4AC0-4EBC-9F25-F30056D1D28A}"/>
-              </a:ext>
-            </a:extLst>
-          </p:cNvPr>
-          <p:cNvSpPr>
-            <a:spLocks noEditPoints="1"/>
-          </p:cNvSpPr>
-          <p:nvPr/>
-        </p:nvSpPr>
-        <p:spPr bwMode="auto">
-          <a:xfrm>
-            <a:off x="5708957" y="2663988"/>
-            <a:ext cx="774091" cy="582281"/>
-          </a:xfrm>
-          <a:custGeom>
-            <a:avLst/>
-            <a:gdLst/>
-            <a:ahLst/>
-            <a:cxnLst>
-              <a:cxn ang="0">
-                <a:pos x="101" y="2"/>
-              </a:cxn>
-              <a:cxn ang="0">
-                <a:pos x="27" y="0"/>
-              </a:cxn>
-              <a:cxn ang="0">
-                <a:pos x="2" y="22"/>
-              </a:cxn>
-              <a:cxn ang="0">
-                <a:pos x="2" y="32"/>
-              </a:cxn>
-              <a:cxn ang="0">
-                <a:pos x="61" y="92"/>
-              </a:cxn>
-              <a:cxn ang="0">
-                <a:pos x="121" y="32"/>
-              </a:cxn>
-              <a:cxn ang="0">
-                <a:pos x="120" y="22"/>
-              </a:cxn>
-              <a:cxn ang="0">
-                <a:pos x="86" y="14"/>
-              </a:cxn>
-              <a:cxn ang="0">
-                <a:pos x="93" y="8"/>
-              </a:cxn>
-              <a:cxn ang="0">
-                <a:pos x="76" y="27"/>
-              </a:cxn>
-              <a:cxn ang="0">
-                <a:pos x="93" y="27"/>
-              </a:cxn>
-              <a:cxn ang="0">
-                <a:pos x="73" y="25"/>
-              </a:cxn>
-              <a:cxn ang="0">
-                <a:pos x="75" y="9"/>
-              </a:cxn>
-              <a:cxn ang="0">
-                <a:pos x="70" y="27"/>
-              </a:cxn>
-              <a:cxn ang="0">
-                <a:pos x="61" y="20"/>
-              </a:cxn>
-              <a:cxn ang="0">
-                <a:pos x="70" y="8"/>
-              </a:cxn>
-              <a:cxn ang="0">
-                <a:pos x="53" y="8"/>
-              </a:cxn>
-              <a:cxn ang="0">
-                <a:pos x="58" y="17"/>
-              </a:cxn>
-              <a:cxn ang="0">
-                <a:pos x="40" y="16"/>
-              </a:cxn>
-              <a:cxn ang="0">
-                <a:pos x="58" y="17"/>
-              </a:cxn>
-              <a:cxn ang="0">
-                <a:pos x="30" y="27"/>
-              </a:cxn>
-              <a:cxn ang="0">
-                <a:pos x="47" y="27"/>
-              </a:cxn>
-              <a:cxn ang="0">
-                <a:pos x="37" y="14"/>
-              </a:cxn>
-              <a:cxn ang="0">
-                <a:pos x="43" y="8"/>
-              </a:cxn>
-              <a:cxn ang="0">
-                <a:pos x="34" y="17"/>
-              </a:cxn>
-              <a:cxn ang="0">
-                <a:pos x="8" y="27"/>
-              </a:cxn>
-              <a:cxn ang="0">
-                <a:pos x="11" y="31"/>
-              </a:cxn>
-              <a:cxn ang="0">
-                <a:pos x="49" y="71"/>
-              </a:cxn>
-              <a:cxn ang="0">
-                <a:pos x="29" y="31"/>
-              </a:cxn>
-              <a:cxn ang="0">
-                <a:pos x="57" y="78"/>
-              </a:cxn>
-              <a:cxn ang="0">
-                <a:pos x="52" y="31"/>
-              </a:cxn>
-              <a:cxn ang="0">
-                <a:pos x="61" y="79"/>
-              </a:cxn>
-              <a:cxn ang="0">
-                <a:pos x="65" y="78"/>
-              </a:cxn>
-              <a:cxn ang="0">
-                <a:pos x="94" y="31"/>
-              </a:cxn>
-              <a:cxn ang="0">
-                <a:pos x="74" y="71"/>
-              </a:cxn>
-              <a:cxn ang="0">
-                <a:pos x="112" y="31"/>
-              </a:cxn>
-              <a:cxn ang="0">
-                <a:pos x="99" y="27"/>
-              </a:cxn>
-              <a:cxn ang="0">
-                <a:pos x="97" y="9"/>
-              </a:cxn>
-              <a:cxn ang="0">
-                <a:pos x="99" y="27"/>
-              </a:cxn>
-              <a:cxn ang="0">
-                <a:pos x="99" y="27"/>
-              </a:cxn>
-            </a:cxnLst>
-            <a:rect l="0" t="0" r="r" b="b"/>
-            <a:pathLst>
-              <a:path w="123" h="92">
-                <a:moveTo>
-                  <a:pt x="120" y="22"/>
-                </a:moveTo>
-                <a:cubicBezTo>
-                  <a:pt x="101" y="2"/>
-                  <a:pt x="101" y="2"/>
-                  <a:pt x="101" y="2"/>
-                </a:cubicBezTo>
-                <a:cubicBezTo>
-                  <a:pt x="100" y="1"/>
-                  <a:pt x="98" y="0"/>
-                  <a:pt x="96" y="0"/>
-                </a:cubicBezTo>
-                <a:cubicBezTo>
-                  <a:pt x="27" y="0"/>
-                  <a:pt x="27" y="0"/>
-                  <a:pt x="27" y="0"/>
-                </a:cubicBezTo>
-                <a:cubicBezTo>
-                  <a:pt x="25" y="0"/>
-                  <a:pt x="23" y="1"/>
-                  <a:pt x="22" y="2"/>
-                </a:cubicBezTo>
-                <a:cubicBezTo>
-                  <a:pt x="2" y="22"/>
-                  <a:pt x="2" y="22"/>
-                  <a:pt x="2" y="22"/>
-                </a:cubicBezTo>
-                <a:cubicBezTo>
-                  <a:pt x="1" y="23"/>
-                  <a:pt x="0" y="25"/>
-                  <a:pt x="0" y="27"/>
-                </a:cubicBezTo>
-                <a:cubicBezTo>
-                  <a:pt x="0" y="29"/>
-                  <a:pt x="1" y="31"/>
-                  <a:pt x="2" y="32"/>
-                </a:cubicBezTo>
-                <a:cubicBezTo>
-                  <a:pt x="56" y="90"/>
-                  <a:pt x="56" y="90"/>
-                  <a:pt x="56" y="90"/>
-                </a:cubicBezTo>
-                <a:cubicBezTo>
-                  <a:pt x="57" y="91"/>
-                  <a:pt x="59" y="92"/>
-                  <a:pt x="61" y="92"/>
-                </a:cubicBezTo>
-                <a:cubicBezTo>
-                  <a:pt x="64" y="92"/>
-                  <a:pt x="66" y="91"/>
-                  <a:pt x="67" y="90"/>
-                </a:cubicBezTo>
-                <a:cubicBezTo>
-                  <a:pt x="121" y="32"/>
-                  <a:pt x="121" y="32"/>
-                  <a:pt x="121" y="32"/>
-                </a:cubicBezTo>
-                <a:cubicBezTo>
-                  <a:pt x="122" y="31"/>
-                  <a:pt x="123" y="29"/>
-                  <a:pt x="123" y="27"/>
-                </a:cubicBezTo>
-                <a:cubicBezTo>
-                  <a:pt x="123" y="25"/>
-                  <a:pt x="122" y="23"/>
-                  <a:pt x="120" y="22"/>
-                </a:cubicBezTo>
-                <a:close/>
-                <a:moveTo>
-                  <a:pt x="93" y="8"/>
-                </a:moveTo>
-                <a:cubicBezTo>
-                  <a:pt x="86" y="14"/>
-                  <a:pt x="86" y="14"/>
-                  <a:pt x="86" y="14"/>
-                </a:cubicBezTo>
-                <a:cubicBezTo>
-                  <a:pt x="79" y="8"/>
-                  <a:pt x="79" y="8"/>
-                  <a:pt x="79" y="8"/>
-                </a:cubicBezTo>
-                <a:lnTo>
-                  <a:pt x="93" y="8"/>
-                </a:lnTo>
-                <a:close/>
-                <a:moveTo>
-                  <a:pt x="93" y="27"/>
-                </a:moveTo>
-                <a:cubicBezTo>
-                  <a:pt x="76" y="27"/>
-                  <a:pt x="76" y="27"/>
-                  <a:pt x="76" y="27"/>
-                </a:cubicBezTo>
-                <a:cubicBezTo>
-                  <a:pt x="85" y="19"/>
-                  <a:pt x="85" y="19"/>
-                  <a:pt x="85" y="19"/>
-                </a:cubicBezTo>
-                <a:lnTo>
-                  <a:pt x="93" y="27"/>
-                </a:lnTo>
-                <a:close/>
-                <a:moveTo>
-                  <a:pt x="83" y="16"/>
-                </a:moveTo>
-                <a:cubicBezTo>
-                  <a:pt x="73" y="25"/>
-                  <a:pt x="73" y="25"/>
-                  <a:pt x="73" y="25"/>
-                </a:cubicBezTo>
-                <a:cubicBezTo>
-                  <a:pt x="64" y="17"/>
-                  <a:pt x="64" y="17"/>
-                  <a:pt x="64" y="17"/>
-                </a:cubicBezTo>
-                <a:cubicBezTo>
-                  <a:pt x="75" y="9"/>
-                  <a:pt x="75" y="9"/>
-                  <a:pt x="75" y="9"/>
-                </a:cubicBezTo>
-                <a:lnTo>
-                  <a:pt x="83" y="16"/>
-                </a:lnTo>
-                <a:close/>
-                <a:moveTo>
-                  <a:pt x="70" y="27"/>
-                </a:moveTo>
-                <a:cubicBezTo>
-                  <a:pt x="53" y="27"/>
-                  <a:pt x="53" y="27"/>
-                  <a:pt x="53" y="27"/>
-                </a:cubicBezTo>
-                <a:cubicBezTo>
-                  <a:pt x="61" y="20"/>
-                  <a:pt x="61" y="20"/>
-                  <a:pt x="61" y="20"/>
-                </a:cubicBezTo>
-                <a:lnTo>
-                  <a:pt x="70" y="27"/>
-                </a:lnTo>
-                <a:close/>
-                <a:moveTo>
-                  <a:pt x="70" y="8"/>
-                </a:moveTo>
-                <a:cubicBezTo>
-                  <a:pt x="61" y="15"/>
-                  <a:pt x="61" y="15"/>
-                  <a:pt x="61" y="15"/>
-                </a:cubicBezTo>
-                <a:cubicBezTo>
-                  <a:pt x="53" y="8"/>
-                  <a:pt x="53" y="8"/>
-                  <a:pt x="53" y="8"/>
-                </a:cubicBezTo>
-                <a:lnTo>
-                  <a:pt x="70" y="8"/>
-                </a:lnTo>
-                <a:close/>
-                <a:moveTo>
-                  <a:pt x="58" y="17"/>
-                </a:moveTo>
-                <a:cubicBezTo>
-                  <a:pt x="50" y="25"/>
-                  <a:pt x="50" y="25"/>
-                  <a:pt x="50" y="25"/>
-                </a:cubicBezTo>
-                <a:cubicBezTo>
-                  <a:pt x="40" y="16"/>
-                  <a:pt x="40" y="16"/>
-                  <a:pt x="40" y="16"/>
-                </a:cubicBezTo>
-                <a:cubicBezTo>
-                  <a:pt x="48" y="9"/>
-                  <a:pt x="48" y="9"/>
-                  <a:pt x="48" y="9"/>
-                </a:cubicBezTo>
-                <a:lnTo>
-                  <a:pt x="58" y="17"/>
-                </a:lnTo>
-                <a:close/>
-                <a:moveTo>
-                  <a:pt x="47" y="27"/>
-                </a:moveTo>
-                <a:cubicBezTo>
-                  <a:pt x="30" y="27"/>
-                  <a:pt x="30" y="27"/>
-                  <a:pt x="30" y="27"/>
-                </a:cubicBezTo>
-                <a:cubicBezTo>
-                  <a:pt x="37" y="19"/>
-                  <a:pt x="37" y="19"/>
-                  <a:pt x="37" y="19"/>
-                </a:cubicBezTo>
-                <a:lnTo>
-                  <a:pt x="47" y="27"/>
-                </a:lnTo>
-                <a:close/>
-                <a:moveTo>
-                  <a:pt x="43" y="8"/>
-                </a:moveTo>
-                <a:cubicBezTo>
-                  <a:pt x="37" y="14"/>
-                  <a:pt x="37" y="14"/>
-                  <a:pt x="37" y="14"/>
-                </a:cubicBezTo>
-                <a:cubicBezTo>
-                  <a:pt x="30" y="8"/>
-                  <a:pt x="30" y="8"/>
-                  <a:pt x="30" y="8"/>
-                </a:cubicBezTo>
-                <a:lnTo>
-                  <a:pt x="43" y="8"/>
-                </a:lnTo>
-                <a:close/>
-                <a:moveTo>
-                  <a:pt x="26" y="9"/>
-                </a:moveTo>
-                <a:cubicBezTo>
-                  <a:pt x="34" y="17"/>
-                  <a:pt x="34" y="17"/>
-                  <a:pt x="34" y="17"/>
-                </a:cubicBezTo>
-                <a:cubicBezTo>
-                  <a:pt x="24" y="27"/>
-                  <a:pt x="24" y="27"/>
-                  <a:pt x="24" y="27"/>
-                </a:cubicBezTo>
-                <a:cubicBezTo>
-                  <a:pt x="8" y="27"/>
-                  <a:pt x="8" y="27"/>
-                  <a:pt x="8" y="27"/>
-                </a:cubicBezTo>
-                <a:lnTo>
-                  <a:pt x="26" y="9"/>
-                </a:lnTo>
-                <a:close/>
-                <a:moveTo>
-                  <a:pt x="11" y="31"/>
-                </a:moveTo>
-                <a:cubicBezTo>
-                  <a:pt x="25" y="31"/>
-                  <a:pt x="25" y="31"/>
-                  <a:pt x="25" y="31"/>
-                </a:cubicBezTo>
-                <a:cubicBezTo>
-                  <a:pt x="49" y="71"/>
-                  <a:pt x="49" y="71"/>
-                  <a:pt x="49" y="71"/>
-                </a:cubicBezTo>
-                <a:lnTo>
-                  <a:pt x="11" y="31"/>
-                </a:lnTo>
-                <a:close/>
-                <a:moveTo>
-                  <a:pt x="29" y="31"/>
-                </a:moveTo>
-                <a:cubicBezTo>
-                  <a:pt x="48" y="31"/>
-                  <a:pt x="48" y="31"/>
-                  <a:pt x="48" y="31"/>
-                </a:cubicBezTo>
-                <a:cubicBezTo>
-                  <a:pt x="57" y="78"/>
-                  <a:pt x="57" y="78"/>
-                  <a:pt x="57" y="78"/>
-                </a:cubicBezTo>
-                <a:lnTo>
-                  <a:pt x="29" y="31"/>
-                </a:lnTo>
-                <a:close/>
-                <a:moveTo>
-                  <a:pt x="52" y="31"/>
-                </a:moveTo>
-                <a:cubicBezTo>
-                  <a:pt x="71" y="31"/>
-                  <a:pt x="71" y="31"/>
-                  <a:pt x="71" y="31"/>
-                </a:cubicBezTo>
-                <a:cubicBezTo>
-                  <a:pt x="61" y="79"/>
-                  <a:pt x="61" y="79"/>
-                  <a:pt x="61" y="79"/>
-                </a:cubicBezTo>
-                <a:lnTo>
-                  <a:pt x="52" y="31"/>
-                </a:lnTo>
-                <a:close/>
-                <a:moveTo>
-                  <a:pt x="65" y="78"/>
-                </a:moveTo>
-                <a:cubicBezTo>
-                  <a:pt x="75" y="31"/>
-                  <a:pt x="75" y="31"/>
-                  <a:pt x="75" y="31"/>
-                </a:cubicBezTo>
-                <a:cubicBezTo>
-                  <a:pt x="94" y="31"/>
-                  <a:pt x="94" y="31"/>
-                  <a:pt x="94" y="31"/>
-                </a:cubicBezTo>
-                <a:lnTo>
-                  <a:pt x="65" y="78"/>
-                </a:lnTo>
-                <a:close/>
-                <a:moveTo>
-                  <a:pt x="74" y="71"/>
-                </a:moveTo>
-                <a:cubicBezTo>
-                  <a:pt x="98" y="31"/>
-                  <a:pt x="98" y="31"/>
-                  <a:pt x="98" y="31"/>
-                </a:cubicBezTo>
-                <a:cubicBezTo>
-                  <a:pt x="112" y="31"/>
-                  <a:pt x="112" y="31"/>
-                  <a:pt x="112" y="31"/>
-                </a:cubicBezTo>
-                <a:lnTo>
-                  <a:pt x="74" y="71"/>
-                </a:lnTo>
-                <a:close/>
-                <a:moveTo>
-                  <a:pt x="99" y="27"/>
-                </a:moveTo>
-                <a:cubicBezTo>
-                  <a:pt x="88" y="17"/>
-                  <a:pt x="88" y="17"/>
-                  <a:pt x="88" y="17"/>
-                </a:cubicBezTo>
-                <a:cubicBezTo>
-                  <a:pt x="97" y="9"/>
-                  <a:pt x="97" y="9"/>
-                  <a:pt x="97" y="9"/>
-                </a:cubicBezTo>
-                <a:cubicBezTo>
-                  <a:pt x="115" y="27"/>
-                  <a:pt x="115" y="27"/>
-                  <a:pt x="115" y="27"/>
-                </a:cubicBezTo>
-                <a:lnTo>
-                  <a:pt x="99" y="27"/>
-                </a:lnTo>
-                <a:close/>
-                <a:moveTo>
-                  <a:pt x="99" y="27"/>
-                </a:moveTo>
-                <a:cubicBezTo>
-                  <a:pt x="99" y="27"/>
-                  <a:pt x="99" y="27"/>
-                  <a:pt x="99" y="27"/>
-                </a:cubicBezTo>
-              </a:path>
-            </a:pathLst>
-          </a:custGeom>
-          <a:solidFill>
-            <a:schemeClr val="bg1"/>
-          </a:solidFill>
-          <a:ln w="9525">
-            <a:noFill/>
-            <a:round/>
-            <a:headEnd/>
-            <a:tailEnd/>
-          </a:ln>
-        </p:spPr>
-        <p:txBody>
-          <a:bodyPr vert="horz" wrap="square" lIns="121920" tIns="60960" rIns="121920" bIns="60960" numCol="1" anchor="t" anchorCtr="0" compatLnSpc="1">
-            <a:prstTxWarp prst="textNoShape">
-              <a:avLst/>
-            </a:prstTxWarp>
-          </a:bodyPr>
-          <a:lstStyle/>
-          <a:p>
-            <a:endParaRPr lang="en-US" sz="2400" dirty="0"/>
-          </a:p>
-        </p:txBody>
-      </p:sp>
-      <p:grpSp>
-        <p:nvGrpSpPr>
-          <p:cNvPr id="23" name="Group 19">
-            <a:extLst>
-              <a:ext uri="{FF2B5EF4-FFF2-40B4-BE49-F238E27FC236}">
-                <a16:creationId xmlns:a16="http://schemas.microsoft.com/office/drawing/2014/main" id="{157FFB08-D833-480C-B219-3FEB7296A814}"/>
-              </a:ext>
-            </a:extLst>
-          </p:cNvPr>
-          <p:cNvGrpSpPr/>
-          <p:nvPr/>
-        </p:nvGrpSpPr>
-        <p:grpSpPr>
-          <a:xfrm>
-            <a:off x="4701707" y="4388413"/>
-            <a:ext cx="801492" cy="753539"/>
-            <a:chOff x="2266950" y="2713038"/>
-            <a:chExt cx="371475" cy="349250"/>
-          </a:xfrm>
-          <a:solidFill>
-            <a:schemeClr val="bg1"/>
-          </a:solidFill>
-        </p:grpSpPr>
-        <p:sp>
-          <p:nvSpPr>
-            <p:cNvPr id="24" name="Freeform 122">
-              <a:extLst>
-                <a:ext uri="{FF2B5EF4-FFF2-40B4-BE49-F238E27FC236}">
-                  <a16:creationId xmlns:a16="http://schemas.microsoft.com/office/drawing/2014/main" id="{0C71B466-80FE-4E1D-9A69-2D02C6DCC9A5}"/>
-                </a:ext>
-              </a:extLst>
-            </p:cNvPr>
-            <p:cNvSpPr>
-              <a:spLocks noEditPoints="1"/>
-            </p:cNvSpPr>
-            <p:nvPr/>
-          </p:nvSpPr>
-          <p:spPr bwMode="auto">
-            <a:xfrm>
-              <a:off x="2447925" y="2903538"/>
-              <a:ext cx="44450" cy="44450"/>
-            </a:xfrm>
-            <a:custGeom>
-              <a:avLst/>
-              <a:gdLst/>
-              <a:ahLst/>
-              <a:cxnLst>
-                <a:cxn ang="0">
-                  <a:pos x="15" y="7"/>
-                </a:cxn>
-                <a:cxn ang="0">
-                  <a:pos x="7" y="15"/>
-                </a:cxn>
-                <a:cxn ang="0">
-                  <a:pos x="0" y="7"/>
-                </a:cxn>
-                <a:cxn ang="0">
-                  <a:pos x="7" y="0"/>
-                </a:cxn>
-                <a:cxn ang="0">
-                  <a:pos x="15" y="7"/>
-                </a:cxn>
-                <a:cxn ang="0">
-                  <a:pos x="15" y="7"/>
-                </a:cxn>
-                <a:cxn ang="0">
-                  <a:pos x="15" y="7"/>
-                </a:cxn>
-              </a:cxnLst>
-              <a:rect l="0" t="0" r="r" b="b"/>
-              <a:pathLst>
-                <a:path w="15" h="15">
-                  <a:moveTo>
-                    <a:pt x="15" y="7"/>
-                  </a:moveTo>
-                  <a:cubicBezTo>
-                    <a:pt x="15" y="12"/>
-                    <a:pt x="11" y="15"/>
-                    <a:pt x="7" y="15"/>
-                  </a:cubicBezTo>
-                  <a:cubicBezTo>
-                    <a:pt x="3" y="15"/>
-                    <a:pt x="0" y="12"/>
-                    <a:pt x="0" y="7"/>
-                  </a:cubicBezTo>
-                  <a:cubicBezTo>
-                    <a:pt x="0" y="3"/>
-                    <a:pt x="3" y="0"/>
-                    <a:pt x="7" y="0"/>
-                  </a:cubicBezTo>
-                  <a:cubicBezTo>
-                    <a:pt x="11" y="0"/>
-                    <a:pt x="15" y="3"/>
-                    <a:pt x="15" y="7"/>
-                  </a:cubicBezTo>
-                  <a:close/>
-                  <a:moveTo>
-                    <a:pt x="15" y="7"/>
-                  </a:moveTo>
-                  <a:cubicBezTo>
-                    <a:pt x="15" y="7"/>
-                    <a:pt x="15" y="7"/>
-                    <a:pt x="15" y="7"/>
-                  </a:cubicBezTo>
-                </a:path>
-              </a:pathLst>
-            </a:custGeom>
-            <a:grpFill/>
-            <a:ln w="9525">
-              <a:noFill/>
-              <a:round/>
-              <a:headEnd/>
-              <a:tailEnd/>
-            </a:ln>
-          </p:spPr>
-          <p:txBody>
-            <a:bodyPr vert="horz" wrap="square" lIns="121920" tIns="60960" rIns="121920" bIns="60960" numCol="1" anchor="t" anchorCtr="0" compatLnSpc="1">
-              <a:prstTxWarp prst="textNoShape">
-                <a:avLst/>
-              </a:prstTxWarp>
-            </a:bodyPr>
-            <a:lstStyle/>
-            <a:p>
-              <a:endParaRPr lang="en-US" sz="2400" dirty="0"/>
-            </a:p>
-          </p:txBody>
-        </p:sp>
-        <p:sp>
-          <p:nvSpPr>
-            <p:cNvPr id="25" name="Freeform 123">
-              <a:extLst>
-                <a:ext uri="{FF2B5EF4-FFF2-40B4-BE49-F238E27FC236}">
-                  <a16:creationId xmlns:a16="http://schemas.microsoft.com/office/drawing/2014/main" id="{9942ED41-F47A-4FE7-9A05-ED5D30DFEB69}"/>
-                </a:ext>
-              </a:extLst>
-            </p:cNvPr>
-            <p:cNvSpPr>
-              <a:spLocks noEditPoints="1"/>
-            </p:cNvSpPr>
-            <p:nvPr/>
-          </p:nvSpPr>
-          <p:spPr bwMode="auto">
-            <a:xfrm>
-              <a:off x="2266950" y="2713038"/>
-              <a:ext cx="371475" cy="349250"/>
-            </a:xfrm>
-            <a:custGeom>
-              <a:avLst/>
-              <a:gdLst/>
-              <a:ahLst/>
-              <a:cxnLst>
-                <a:cxn ang="0">
-                  <a:pos x="111" y="46"/>
-                </a:cxn>
-                <a:cxn ang="0">
-                  <a:pos x="100" y="0"/>
-                </a:cxn>
-                <a:cxn ang="0">
-                  <a:pos x="0" y="21"/>
-                </a:cxn>
-                <a:cxn ang="0">
-                  <a:pos x="21" y="119"/>
-                </a:cxn>
-                <a:cxn ang="0">
-                  <a:pos x="111" y="97"/>
-                </a:cxn>
-                <a:cxn ang="0">
-                  <a:pos x="111" y="46"/>
-                </a:cxn>
-                <a:cxn ang="0">
-                  <a:pos x="100" y="7"/>
-                </a:cxn>
-                <a:cxn ang="0">
-                  <a:pos x="104" y="35"/>
-                </a:cxn>
-                <a:cxn ang="0">
-                  <a:pos x="100" y="15"/>
-                </a:cxn>
-                <a:cxn ang="0">
-                  <a:pos x="16" y="11"/>
-                </a:cxn>
-                <a:cxn ang="0">
-                  <a:pos x="12" y="30"/>
-                </a:cxn>
-                <a:cxn ang="0">
-                  <a:pos x="21" y="7"/>
-                </a:cxn>
-                <a:cxn ang="0">
-                  <a:pos x="16" y="19"/>
-                </a:cxn>
-                <a:cxn ang="0">
-                  <a:pos x="96" y="15"/>
-                </a:cxn>
-                <a:cxn ang="0">
-                  <a:pos x="96" y="23"/>
-                </a:cxn>
-                <a:cxn ang="0">
-                  <a:pos x="16" y="26"/>
-                </a:cxn>
-                <a:cxn ang="0">
-                  <a:pos x="96" y="23"/>
-                </a:cxn>
-                <a:cxn ang="0">
-                  <a:pos x="96" y="34"/>
-                </a:cxn>
-                <a:cxn ang="0">
-                  <a:pos x="16" y="33"/>
-                </a:cxn>
-                <a:cxn ang="0">
-                  <a:pos x="96" y="30"/>
-                </a:cxn>
-                <a:cxn ang="0">
-                  <a:pos x="90" y="111"/>
-                </a:cxn>
-                <a:cxn ang="0">
-                  <a:pos x="8" y="97"/>
-                </a:cxn>
-                <a:cxn ang="0">
-                  <a:pos x="21" y="42"/>
-                </a:cxn>
-                <a:cxn ang="0">
-                  <a:pos x="104" y="46"/>
-                </a:cxn>
-                <a:cxn ang="0">
-                  <a:pos x="69" y="53"/>
-                </a:cxn>
-                <a:cxn ang="0">
-                  <a:pos x="69" y="92"/>
-                </a:cxn>
-                <a:cxn ang="0">
-                  <a:pos x="104" y="97"/>
-                </a:cxn>
-                <a:cxn ang="0">
-                  <a:pos x="69" y="84"/>
-                </a:cxn>
-                <a:cxn ang="0">
-                  <a:pos x="69" y="61"/>
-                </a:cxn>
-                <a:cxn ang="0">
-                  <a:pos x="110" y="58"/>
-                </a:cxn>
-                <a:cxn ang="0">
-                  <a:pos x="111" y="56"/>
-                </a:cxn>
-                <a:cxn ang="0">
-                  <a:pos x="109" y="84"/>
-                </a:cxn>
-                <a:cxn ang="0">
-                  <a:pos x="109" y="84"/>
-                </a:cxn>
-              </a:cxnLst>
-              <a:rect l="0" t="0" r="r" b="b"/>
-              <a:pathLst>
-                <a:path w="127" h="119">
-                  <a:moveTo>
-                    <a:pt x="111" y="46"/>
-                  </a:moveTo>
-                  <a:cubicBezTo>
-                    <a:pt x="111" y="46"/>
-                    <a:pt x="111" y="46"/>
-                    <a:pt x="111" y="46"/>
-                  </a:cubicBezTo>
-                  <a:cubicBezTo>
-                    <a:pt x="111" y="11"/>
-                    <a:pt x="111" y="11"/>
-                    <a:pt x="111" y="11"/>
-                  </a:cubicBezTo>
-                  <a:cubicBezTo>
-                    <a:pt x="111" y="5"/>
-                    <a:pt x="106" y="0"/>
-                    <a:pt x="100" y="0"/>
-                  </a:cubicBezTo>
-                  <a:cubicBezTo>
-                    <a:pt x="21" y="0"/>
-                    <a:pt x="21" y="0"/>
-                    <a:pt x="21" y="0"/>
-                  </a:cubicBezTo>
-                  <a:cubicBezTo>
-                    <a:pt x="10" y="0"/>
-                    <a:pt x="0" y="9"/>
-                    <a:pt x="0" y="21"/>
-                  </a:cubicBezTo>
-                  <a:cubicBezTo>
-                    <a:pt x="0" y="97"/>
-                    <a:pt x="0" y="97"/>
-                    <a:pt x="0" y="97"/>
-                  </a:cubicBezTo>
-                  <a:cubicBezTo>
-                    <a:pt x="0" y="109"/>
-                    <a:pt x="10" y="119"/>
-                    <a:pt x="21" y="119"/>
-                  </a:cubicBezTo>
-                  <a:cubicBezTo>
-                    <a:pt x="90" y="119"/>
-                    <a:pt x="90" y="119"/>
-                    <a:pt x="90" y="119"/>
-                  </a:cubicBezTo>
-                  <a:cubicBezTo>
-                    <a:pt x="102" y="119"/>
-                    <a:pt x="111" y="109"/>
-                    <a:pt x="111" y="97"/>
-                  </a:cubicBezTo>
-                  <a:cubicBezTo>
-                    <a:pt x="111" y="92"/>
-                    <a:pt x="111" y="92"/>
-                    <a:pt x="111" y="92"/>
-                  </a:cubicBezTo>
-                  <a:cubicBezTo>
-                    <a:pt x="127" y="80"/>
-                    <a:pt x="127" y="57"/>
-                    <a:pt x="111" y="46"/>
-                  </a:cubicBezTo>
-                  <a:close/>
-                  <a:moveTo>
-                    <a:pt x="21" y="7"/>
-                  </a:moveTo>
-                  <a:cubicBezTo>
-                    <a:pt x="100" y="7"/>
-                    <a:pt x="100" y="7"/>
-                    <a:pt x="100" y="7"/>
-                  </a:cubicBezTo>
-                  <a:cubicBezTo>
-                    <a:pt x="102" y="7"/>
-                    <a:pt x="104" y="9"/>
-                    <a:pt x="104" y="11"/>
-                  </a:cubicBezTo>
-                  <a:cubicBezTo>
-                    <a:pt x="104" y="35"/>
-                    <a:pt x="104" y="35"/>
-                    <a:pt x="104" y="35"/>
-                  </a:cubicBezTo>
-                  <a:cubicBezTo>
-                    <a:pt x="103" y="34"/>
-                    <a:pt x="101" y="34"/>
-                    <a:pt x="100" y="34"/>
-                  </a:cubicBezTo>
-                  <a:cubicBezTo>
-                    <a:pt x="100" y="15"/>
-                    <a:pt x="100" y="15"/>
-                    <a:pt x="100" y="15"/>
-                  </a:cubicBezTo>
-                  <a:cubicBezTo>
-                    <a:pt x="100" y="13"/>
-                    <a:pt x="98" y="11"/>
-                    <a:pt x="96" y="11"/>
-                  </a:cubicBezTo>
-                  <a:cubicBezTo>
-                    <a:pt x="16" y="11"/>
-                    <a:pt x="16" y="11"/>
-                    <a:pt x="16" y="11"/>
-                  </a:cubicBezTo>
-                  <a:cubicBezTo>
-                    <a:pt x="13" y="11"/>
-                    <a:pt x="12" y="13"/>
-                    <a:pt x="12" y="15"/>
-                  </a:cubicBezTo>
-                  <a:cubicBezTo>
-                    <a:pt x="12" y="30"/>
-                    <a:pt x="12" y="30"/>
-                    <a:pt x="12" y="30"/>
-                  </a:cubicBezTo>
-                  <a:cubicBezTo>
-                    <a:pt x="9" y="28"/>
-                    <a:pt x="8" y="24"/>
-                    <a:pt x="8" y="21"/>
-                  </a:cubicBezTo>
-                  <a:cubicBezTo>
-                    <a:pt x="8" y="13"/>
-                    <a:pt x="14" y="7"/>
-                    <a:pt x="21" y="7"/>
-                  </a:cubicBezTo>
-                  <a:close/>
-                  <a:moveTo>
-                    <a:pt x="96" y="19"/>
-                  </a:moveTo>
-                  <a:cubicBezTo>
-                    <a:pt x="16" y="19"/>
-                    <a:pt x="16" y="19"/>
-                    <a:pt x="16" y="19"/>
-                  </a:cubicBezTo>
-                  <a:cubicBezTo>
-                    <a:pt x="16" y="15"/>
-                    <a:pt x="16" y="15"/>
-                    <a:pt x="16" y="15"/>
-                  </a:cubicBezTo>
-                  <a:cubicBezTo>
-                    <a:pt x="96" y="15"/>
-                    <a:pt x="96" y="15"/>
-                    <a:pt x="96" y="15"/>
-                  </a:cubicBezTo>
-                  <a:lnTo>
-                    <a:pt x="96" y="19"/>
-                  </a:lnTo>
-                  <a:close/>
-                  <a:moveTo>
-                    <a:pt x="96" y="23"/>
-                  </a:moveTo>
-                  <a:cubicBezTo>
-                    <a:pt x="96" y="26"/>
-                    <a:pt x="96" y="26"/>
-                    <a:pt x="96" y="26"/>
-                  </a:cubicBezTo>
-                  <a:cubicBezTo>
-                    <a:pt x="16" y="26"/>
-                    <a:pt x="16" y="26"/>
-                    <a:pt x="16" y="26"/>
-                  </a:cubicBezTo>
-                  <a:cubicBezTo>
-                    <a:pt x="16" y="23"/>
-                    <a:pt x="16" y="23"/>
-                    <a:pt x="16" y="23"/>
-                  </a:cubicBezTo>
-                  <a:lnTo>
-                    <a:pt x="96" y="23"/>
-                  </a:lnTo>
-                  <a:close/>
-                  <a:moveTo>
-                    <a:pt x="96" y="30"/>
-                  </a:moveTo>
-                  <a:cubicBezTo>
-                    <a:pt x="96" y="34"/>
-                    <a:pt x="96" y="34"/>
-                    <a:pt x="96" y="34"/>
-                  </a:cubicBezTo>
-                  <a:cubicBezTo>
-                    <a:pt x="21" y="34"/>
-                    <a:pt x="21" y="34"/>
-                    <a:pt x="21" y="34"/>
-                  </a:cubicBezTo>
-                  <a:cubicBezTo>
-                    <a:pt x="19" y="34"/>
-                    <a:pt x="17" y="34"/>
-                    <a:pt x="16" y="33"/>
-                  </a:cubicBezTo>
-                  <a:cubicBezTo>
-                    <a:pt x="16" y="30"/>
-                    <a:pt x="16" y="30"/>
-                    <a:pt x="16" y="30"/>
-                  </a:cubicBezTo>
-                  <a:lnTo>
-                    <a:pt x="96" y="30"/>
-                  </a:lnTo>
-                  <a:close/>
-                  <a:moveTo>
-                    <a:pt x="104" y="97"/>
-                  </a:moveTo>
-                  <a:cubicBezTo>
-                    <a:pt x="104" y="105"/>
-                    <a:pt x="98" y="111"/>
-                    <a:pt x="90" y="111"/>
-                  </a:cubicBezTo>
-                  <a:cubicBezTo>
-                    <a:pt x="21" y="111"/>
-                    <a:pt x="21" y="111"/>
-                    <a:pt x="21" y="111"/>
-                  </a:cubicBezTo>
-                  <a:cubicBezTo>
-                    <a:pt x="14" y="111"/>
-                    <a:pt x="8" y="105"/>
-                    <a:pt x="8" y="97"/>
-                  </a:cubicBezTo>
-                  <a:cubicBezTo>
-                    <a:pt x="8" y="37"/>
-                    <a:pt x="8" y="37"/>
-                    <a:pt x="8" y="37"/>
-                  </a:cubicBezTo>
-                  <a:cubicBezTo>
-                    <a:pt x="11" y="40"/>
-                    <a:pt x="16" y="42"/>
-                    <a:pt x="21" y="42"/>
-                  </a:cubicBezTo>
-                  <a:cubicBezTo>
-                    <a:pt x="100" y="42"/>
-                    <a:pt x="100" y="42"/>
-                    <a:pt x="100" y="42"/>
-                  </a:cubicBezTo>
-                  <a:cubicBezTo>
-                    <a:pt x="102" y="42"/>
-                    <a:pt x="104" y="44"/>
-                    <a:pt x="104" y="46"/>
-                  </a:cubicBezTo>
-                  <a:cubicBezTo>
-                    <a:pt x="104" y="53"/>
-                    <a:pt x="104" y="53"/>
-                    <a:pt x="104" y="53"/>
-                  </a:cubicBezTo>
-                  <a:cubicBezTo>
-                    <a:pt x="69" y="53"/>
-                    <a:pt x="69" y="53"/>
-                    <a:pt x="69" y="53"/>
-                  </a:cubicBezTo>
-                  <a:cubicBezTo>
-                    <a:pt x="59" y="53"/>
-                    <a:pt x="50" y="62"/>
-                    <a:pt x="50" y="72"/>
-                  </a:cubicBezTo>
-                  <a:cubicBezTo>
-                    <a:pt x="50" y="83"/>
-                    <a:pt x="59" y="92"/>
-                    <a:pt x="69" y="92"/>
-                  </a:cubicBezTo>
-                  <a:cubicBezTo>
-                    <a:pt x="104" y="92"/>
-                    <a:pt x="104" y="92"/>
-                    <a:pt x="104" y="92"/>
-                  </a:cubicBezTo>
-                  <a:lnTo>
-                    <a:pt x="104" y="97"/>
-                  </a:lnTo>
-                  <a:close/>
-                  <a:moveTo>
-                    <a:pt x="109" y="84"/>
-                  </a:moveTo>
-                  <a:cubicBezTo>
-                    <a:pt x="69" y="84"/>
-                    <a:pt x="69" y="84"/>
-                    <a:pt x="69" y="84"/>
-                  </a:cubicBezTo>
-                  <a:cubicBezTo>
-                    <a:pt x="63" y="84"/>
-                    <a:pt x="58" y="79"/>
-                    <a:pt x="58" y="72"/>
-                  </a:cubicBezTo>
-                  <a:cubicBezTo>
-                    <a:pt x="58" y="66"/>
-                    <a:pt x="63" y="61"/>
-                    <a:pt x="69" y="61"/>
-                  </a:cubicBezTo>
-                  <a:cubicBezTo>
-                    <a:pt x="104" y="61"/>
-                    <a:pt x="104" y="61"/>
-                    <a:pt x="104" y="61"/>
-                  </a:cubicBezTo>
-                  <a:cubicBezTo>
-                    <a:pt x="106" y="61"/>
-                    <a:pt x="108" y="60"/>
-                    <a:pt x="110" y="58"/>
-                  </a:cubicBezTo>
-                  <a:cubicBezTo>
-                    <a:pt x="110" y="57"/>
-                    <a:pt x="111" y="57"/>
-                    <a:pt x="111" y="56"/>
-                  </a:cubicBezTo>
-                  <a:cubicBezTo>
-                    <a:pt x="111" y="56"/>
-                    <a:pt x="111" y="56"/>
-                    <a:pt x="111" y="56"/>
-                  </a:cubicBezTo>
-                  <a:cubicBezTo>
-                    <a:pt x="114" y="59"/>
-                    <a:pt x="115" y="64"/>
-                    <a:pt x="115" y="69"/>
-                  </a:cubicBezTo>
-                  <a:cubicBezTo>
-                    <a:pt x="115" y="75"/>
-                    <a:pt x="113" y="80"/>
-                    <a:pt x="109" y="84"/>
-                  </a:cubicBezTo>
-                  <a:close/>
-                  <a:moveTo>
-                    <a:pt x="109" y="84"/>
-                  </a:moveTo>
-                  <a:cubicBezTo>
-                    <a:pt x="109" y="84"/>
-                    <a:pt x="109" y="84"/>
-                    <a:pt x="109" y="84"/>
-                  </a:cubicBezTo>
-                </a:path>
-              </a:pathLst>
-            </a:custGeom>
-            <a:grpFill/>
-            <a:ln w="9525">
-              <a:noFill/>
-              <a:round/>
-              <a:headEnd/>
-              <a:tailEnd/>
-            </a:ln>
-          </p:spPr>
-          <p:txBody>
-            <a:bodyPr vert="horz" wrap="square" lIns="121920" tIns="60960" rIns="121920" bIns="60960" numCol="1" anchor="t" anchorCtr="0" compatLnSpc="1">
-              <a:prstTxWarp prst="textNoShape">
-                <a:avLst/>
-              </a:prstTxWarp>
-            </a:bodyPr>
-            <a:lstStyle/>
-            <a:p>
-              <a:endParaRPr lang="en-US" sz="2400" dirty="0"/>
-            </a:p>
-          </p:txBody>
-        </p:sp>
-      </p:grpSp>
-      <p:grpSp>
-        <p:nvGrpSpPr>
-          <p:cNvPr id="26" name="Group 22">
-            <a:extLst>
-              <a:ext uri="{FF2B5EF4-FFF2-40B4-BE49-F238E27FC236}">
-                <a16:creationId xmlns:a16="http://schemas.microsoft.com/office/drawing/2014/main" id="{847949F6-E6A8-435D-8ED9-BA5A2EF5268F}"/>
-              </a:ext>
-            </a:extLst>
-          </p:cNvPr>
-          <p:cNvGrpSpPr/>
-          <p:nvPr/>
-        </p:nvGrpSpPr>
-        <p:grpSpPr>
-          <a:xfrm>
-            <a:off x="6758625" y="4404811"/>
-            <a:ext cx="774092" cy="650784"/>
-            <a:chOff x="4856163" y="2736851"/>
-            <a:chExt cx="358775" cy="301625"/>
-          </a:xfrm>
-          <a:solidFill>
-            <a:schemeClr val="bg1"/>
-          </a:solidFill>
-        </p:grpSpPr>
-        <p:sp>
-          <p:nvSpPr>
-            <p:cNvPr id="27" name="Freeform 128">
-              <a:extLst>
-                <a:ext uri="{FF2B5EF4-FFF2-40B4-BE49-F238E27FC236}">
-                  <a16:creationId xmlns:a16="http://schemas.microsoft.com/office/drawing/2014/main" id="{395B0208-247D-40F6-9CEB-EFE700EFF4B1}"/>
-                </a:ext>
-              </a:extLst>
-            </p:cNvPr>
-            <p:cNvSpPr>
-              <a:spLocks noEditPoints="1"/>
-            </p:cNvSpPr>
-            <p:nvPr/>
-          </p:nvSpPr>
-          <p:spPr bwMode="auto">
-            <a:xfrm>
-              <a:off x="4946650" y="2814638"/>
-              <a:ext cx="177800" cy="179388"/>
-            </a:xfrm>
-            <a:custGeom>
-              <a:avLst/>
-              <a:gdLst/>
-              <a:ahLst/>
-              <a:cxnLst>
-                <a:cxn ang="0">
-                  <a:pos x="31" y="0"/>
-                </a:cxn>
-                <a:cxn ang="0">
-                  <a:pos x="0" y="30"/>
-                </a:cxn>
-                <a:cxn ang="0">
-                  <a:pos x="31" y="61"/>
-                </a:cxn>
-                <a:cxn ang="0">
-                  <a:pos x="61" y="30"/>
-                </a:cxn>
-                <a:cxn ang="0">
-                  <a:pos x="31" y="0"/>
-                </a:cxn>
-                <a:cxn ang="0">
-                  <a:pos x="48" y="45"/>
-                </a:cxn>
-                <a:cxn ang="0">
-                  <a:pos x="16" y="48"/>
-                </a:cxn>
-                <a:cxn ang="0">
-                  <a:pos x="13" y="15"/>
-                </a:cxn>
-                <a:cxn ang="0">
-                  <a:pos x="46" y="13"/>
-                </a:cxn>
-                <a:cxn ang="0">
-                  <a:pos x="48" y="45"/>
-                </a:cxn>
-                <a:cxn ang="0">
-                  <a:pos x="48" y="45"/>
-                </a:cxn>
-                <a:cxn ang="0">
-                  <a:pos x="48" y="45"/>
-                </a:cxn>
-              </a:cxnLst>
-              <a:rect l="0" t="0" r="r" b="b"/>
-              <a:pathLst>
-                <a:path w="61" h="61">
-                  <a:moveTo>
-                    <a:pt x="31" y="0"/>
-                  </a:moveTo>
-                  <a:cubicBezTo>
-                    <a:pt x="14" y="0"/>
-                    <a:pt x="0" y="13"/>
-                    <a:pt x="0" y="30"/>
-                  </a:cubicBezTo>
-                  <a:cubicBezTo>
-                    <a:pt x="0" y="47"/>
-                    <a:pt x="14" y="61"/>
-                    <a:pt x="31" y="61"/>
-                  </a:cubicBezTo>
-                  <a:cubicBezTo>
-                    <a:pt x="48" y="61"/>
-                    <a:pt x="61" y="47"/>
-                    <a:pt x="61" y="30"/>
-                  </a:cubicBezTo>
-                  <a:cubicBezTo>
-                    <a:pt x="61" y="13"/>
-                    <a:pt x="48" y="0"/>
-                    <a:pt x="31" y="0"/>
-                  </a:cubicBezTo>
-                  <a:close/>
-                  <a:moveTo>
-                    <a:pt x="48" y="45"/>
-                  </a:moveTo>
-                  <a:cubicBezTo>
-                    <a:pt x="40" y="55"/>
-                    <a:pt x="25" y="56"/>
-                    <a:pt x="16" y="48"/>
-                  </a:cubicBezTo>
-                  <a:cubicBezTo>
-                    <a:pt x="6" y="39"/>
-                    <a:pt x="5" y="25"/>
-                    <a:pt x="13" y="15"/>
-                  </a:cubicBezTo>
-                  <a:cubicBezTo>
-                    <a:pt x="22" y="6"/>
-                    <a:pt x="36" y="5"/>
-                    <a:pt x="46" y="13"/>
-                  </a:cubicBezTo>
-                  <a:cubicBezTo>
-                    <a:pt x="55" y="21"/>
-                    <a:pt x="57" y="36"/>
-                    <a:pt x="48" y="45"/>
-                  </a:cubicBezTo>
-                  <a:close/>
-                  <a:moveTo>
-                    <a:pt x="48" y="45"/>
-                  </a:moveTo>
-                  <a:cubicBezTo>
-                    <a:pt x="48" y="45"/>
-                    <a:pt x="48" y="45"/>
-                    <a:pt x="48" y="45"/>
-                  </a:cubicBezTo>
-                </a:path>
-              </a:pathLst>
-            </a:custGeom>
-            <a:grpFill/>
-            <a:ln w="9525">
-              <a:noFill/>
-              <a:round/>
-              <a:headEnd/>
-              <a:tailEnd/>
-            </a:ln>
-          </p:spPr>
-          <p:txBody>
-            <a:bodyPr vert="horz" wrap="square" lIns="121920" tIns="60960" rIns="121920" bIns="60960" numCol="1" anchor="t" anchorCtr="0" compatLnSpc="1">
-              <a:prstTxWarp prst="textNoShape">
-                <a:avLst/>
-              </a:prstTxWarp>
-            </a:bodyPr>
-            <a:lstStyle/>
-            <a:p>
-              <a:endParaRPr lang="en-US" sz="2400" dirty="0"/>
-            </a:p>
-          </p:txBody>
-        </p:sp>
-        <p:sp>
-          <p:nvSpPr>
-            <p:cNvPr id="28" name="Freeform 129">
-              <a:extLst>
-                <a:ext uri="{FF2B5EF4-FFF2-40B4-BE49-F238E27FC236}">
-                  <a16:creationId xmlns:a16="http://schemas.microsoft.com/office/drawing/2014/main" id="{FB49FB79-828C-4EAE-A6DD-6224986B806E}"/>
-                </a:ext>
-              </a:extLst>
-            </p:cNvPr>
-            <p:cNvSpPr>
-              <a:spLocks noEditPoints="1"/>
-            </p:cNvSpPr>
-            <p:nvPr/>
-          </p:nvSpPr>
-          <p:spPr bwMode="auto">
-            <a:xfrm>
-              <a:off x="4989513" y="2859088"/>
-              <a:ext cx="53975" cy="50800"/>
-            </a:xfrm>
-            <a:custGeom>
-              <a:avLst/>
-              <a:gdLst/>
-              <a:ahLst/>
-              <a:cxnLst>
-                <a:cxn ang="0">
-                  <a:pos x="16" y="0"/>
-                </a:cxn>
-                <a:cxn ang="0">
-                  <a:pos x="0" y="15"/>
-                </a:cxn>
-                <a:cxn ang="0">
-                  <a:pos x="2" y="17"/>
-                </a:cxn>
-                <a:cxn ang="0">
-                  <a:pos x="4" y="15"/>
-                </a:cxn>
-                <a:cxn ang="0">
-                  <a:pos x="16" y="4"/>
-                </a:cxn>
-                <a:cxn ang="0">
-                  <a:pos x="18" y="2"/>
-                </a:cxn>
-                <a:cxn ang="0">
-                  <a:pos x="16" y="0"/>
-                </a:cxn>
-                <a:cxn ang="0">
-                  <a:pos x="16" y="0"/>
-                </a:cxn>
-                <a:cxn ang="0">
-                  <a:pos x="16" y="0"/>
-                </a:cxn>
-              </a:cxnLst>
-              <a:rect l="0" t="0" r="r" b="b"/>
-              <a:pathLst>
-                <a:path w="18" h="17">
-                  <a:moveTo>
-                    <a:pt x="16" y="0"/>
-                  </a:moveTo>
-                  <a:cubicBezTo>
-                    <a:pt x="7" y="0"/>
-                    <a:pt x="0" y="7"/>
-                    <a:pt x="0" y="15"/>
-                  </a:cubicBezTo>
-                  <a:cubicBezTo>
-                    <a:pt x="0" y="16"/>
-                    <a:pt x="1" y="17"/>
-                    <a:pt x="2" y="17"/>
-                  </a:cubicBezTo>
-                  <a:cubicBezTo>
-                    <a:pt x="3" y="17"/>
-                    <a:pt x="4" y="16"/>
-                    <a:pt x="4" y="15"/>
-                  </a:cubicBezTo>
-                  <a:cubicBezTo>
-                    <a:pt x="4" y="9"/>
-                    <a:pt x="9" y="4"/>
-                    <a:pt x="16" y="4"/>
-                  </a:cubicBezTo>
-                  <a:cubicBezTo>
-                    <a:pt x="17" y="4"/>
-                    <a:pt x="18" y="3"/>
-                    <a:pt x="18" y="2"/>
-                  </a:cubicBezTo>
-                  <a:cubicBezTo>
-                    <a:pt x="18" y="1"/>
-                    <a:pt x="17" y="0"/>
-                    <a:pt x="16" y="0"/>
-                  </a:cubicBezTo>
-                  <a:close/>
-                  <a:moveTo>
-                    <a:pt x="16" y="0"/>
-                  </a:moveTo>
-                  <a:cubicBezTo>
-                    <a:pt x="16" y="0"/>
-                    <a:pt x="16" y="0"/>
-                    <a:pt x="16" y="0"/>
-                  </a:cubicBezTo>
-                </a:path>
-              </a:pathLst>
-            </a:custGeom>
-            <a:grpFill/>
-            <a:ln w="9525">
-              <a:noFill/>
-              <a:round/>
-              <a:headEnd/>
-              <a:tailEnd/>
-            </a:ln>
-          </p:spPr>
-          <p:txBody>
-            <a:bodyPr vert="horz" wrap="square" lIns="121920" tIns="60960" rIns="121920" bIns="60960" numCol="1" anchor="t" anchorCtr="0" compatLnSpc="1">
-              <a:prstTxWarp prst="textNoShape">
-                <a:avLst/>
-              </a:prstTxWarp>
-            </a:bodyPr>
-            <a:lstStyle/>
-            <a:p>
-              <a:endParaRPr lang="en-US" sz="2400" dirty="0"/>
-            </a:p>
-          </p:txBody>
-        </p:sp>
-        <p:sp>
-          <p:nvSpPr>
-            <p:cNvPr id="29" name="Freeform 130">
-              <a:extLst>
-                <a:ext uri="{FF2B5EF4-FFF2-40B4-BE49-F238E27FC236}">
-                  <a16:creationId xmlns:a16="http://schemas.microsoft.com/office/drawing/2014/main" id="{E546764B-5756-40D9-AD9B-00CA0063489D}"/>
-                </a:ext>
-              </a:extLst>
-            </p:cNvPr>
-            <p:cNvSpPr>
-              <a:spLocks noEditPoints="1"/>
-            </p:cNvSpPr>
-            <p:nvPr/>
-          </p:nvSpPr>
-          <p:spPr bwMode="auto">
-            <a:xfrm>
-              <a:off x="4856163" y="2736851"/>
-              <a:ext cx="358775" cy="301625"/>
-            </a:xfrm>
-            <a:custGeom>
-              <a:avLst/>
-              <a:gdLst/>
-              <a:ahLst/>
-              <a:cxnLst>
-                <a:cxn ang="0">
-                  <a:pos x="114" y="23"/>
-                </a:cxn>
-                <a:cxn ang="0">
-                  <a:pos x="97" y="20"/>
-                </a:cxn>
-                <a:cxn ang="0">
-                  <a:pos x="92" y="7"/>
-                </a:cxn>
-                <a:cxn ang="0">
-                  <a:pos x="81" y="0"/>
-                </a:cxn>
-                <a:cxn ang="0">
-                  <a:pos x="43" y="0"/>
-                </a:cxn>
-                <a:cxn ang="0">
-                  <a:pos x="32" y="7"/>
-                </a:cxn>
-                <a:cxn ang="0">
-                  <a:pos x="27" y="20"/>
-                </a:cxn>
-                <a:cxn ang="0">
-                  <a:pos x="10" y="23"/>
-                </a:cxn>
-                <a:cxn ang="0">
-                  <a:pos x="0" y="34"/>
-                </a:cxn>
-                <a:cxn ang="0">
-                  <a:pos x="0" y="92"/>
-                </a:cxn>
-                <a:cxn ang="0">
-                  <a:pos x="12" y="103"/>
-                </a:cxn>
-                <a:cxn ang="0">
-                  <a:pos x="112" y="103"/>
-                </a:cxn>
-                <a:cxn ang="0">
-                  <a:pos x="123" y="92"/>
-                </a:cxn>
-                <a:cxn ang="0">
-                  <a:pos x="123" y="34"/>
-                </a:cxn>
-                <a:cxn ang="0">
-                  <a:pos x="114" y="23"/>
-                </a:cxn>
-                <a:cxn ang="0">
-                  <a:pos x="115" y="92"/>
-                </a:cxn>
-                <a:cxn ang="0">
-                  <a:pos x="112" y="96"/>
-                </a:cxn>
-                <a:cxn ang="0">
-                  <a:pos x="12" y="96"/>
-                </a:cxn>
-                <a:cxn ang="0">
-                  <a:pos x="8" y="92"/>
-                </a:cxn>
-                <a:cxn ang="0">
-                  <a:pos x="8" y="34"/>
-                </a:cxn>
-                <a:cxn ang="0">
-                  <a:pos x="11" y="30"/>
-                </a:cxn>
-                <a:cxn ang="0">
-                  <a:pos x="32" y="27"/>
-                </a:cxn>
-                <a:cxn ang="0">
-                  <a:pos x="39" y="10"/>
-                </a:cxn>
-                <a:cxn ang="0">
-                  <a:pos x="43" y="7"/>
-                </a:cxn>
-                <a:cxn ang="0">
-                  <a:pos x="81" y="7"/>
-                </a:cxn>
-                <a:cxn ang="0">
-                  <a:pos x="85" y="10"/>
-                </a:cxn>
-                <a:cxn ang="0">
-                  <a:pos x="91" y="27"/>
-                </a:cxn>
-                <a:cxn ang="0">
-                  <a:pos x="112" y="30"/>
-                </a:cxn>
-                <a:cxn ang="0">
-                  <a:pos x="115" y="34"/>
-                </a:cxn>
-                <a:cxn ang="0">
-                  <a:pos x="115" y="92"/>
-                </a:cxn>
-                <a:cxn ang="0">
-                  <a:pos x="115" y="92"/>
-                </a:cxn>
-                <a:cxn ang="0">
-                  <a:pos x="115" y="92"/>
-                </a:cxn>
-              </a:cxnLst>
-              <a:rect l="0" t="0" r="r" b="b"/>
-              <a:pathLst>
-                <a:path w="123" h="103">
-                  <a:moveTo>
-                    <a:pt x="114" y="23"/>
-                  </a:moveTo>
-                  <a:cubicBezTo>
-                    <a:pt x="97" y="20"/>
-                    <a:pt x="97" y="20"/>
-                    <a:pt x="97" y="20"/>
-                  </a:cubicBezTo>
-                  <a:cubicBezTo>
-                    <a:pt x="92" y="7"/>
-                    <a:pt x="92" y="7"/>
-                    <a:pt x="92" y="7"/>
-                  </a:cubicBezTo>
-                  <a:cubicBezTo>
-                    <a:pt x="90" y="3"/>
-                    <a:pt x="86" y="0"/>
-                    <a:pt x="81" y="0"/>
-                  </a:cubicBezTo>
-                  <a:cubicBezTo>
-                    <a:pt x="43" y="0"/>
-                    <a:pt x="43" y="0"/>
-                    <a:pt x="43" y="0"/>
-                  </a:cubicBezTo>
-                  <a:cubicBezTo>
-                    <a:pt x="38" y="0"/>
-                    <a:pt x="34" y="3"/>
-                    <a:pt x="32" y="7"/>
-                  </a:cubicBezTo>
-                  <a:cubicBezTo>
-                    <a:pt x="27" y="20"/>
-                    <a:pt x="27" y="20"/>
-                    <a:pt x="27" y="20"/>
-                  </a:cubicBezTo>
-                  <a:cubicBezTo>
-                    <a:pt x="10" y="23"/>
-                    <a:pt x="10" y="23"/>
-                    <a:pt x="10" y="23"/>
-                  </a:cubicBezTo>
-                  <a:cubicBezTo>
-                    <a:pt x="4" y="24"/>
-                    <a:pt x="0" y="29"/>
-                    <a:pt x="0" y="34"/>
-                  </a:cubicBezTo>
-                  <a:cubicBezTo>
-                    <a:pt x="0" y="92"/>
-                    <a:pt x="0" y="92"/>
-                    <a:pt x="0" y="92"/>
-                  </a:cubicBezTo>
-                  <a:cubicBezTo>
-                    <a:pt x="0" y="98"/>
-                    <a:pt x="6" y="103"/>
-                    <a:pt x="12" y="103"/>
-                  </a:cubicBezTo>
-                  <a:cubicBezTo>
-                    <a:pt x="112" y="103"/>
-                    <a:pt x="112" y="103"/>
-                    <a:pt x="112" y="103"/>
-                  </a:cubicBezTo>
-                  <a:cubicBezTo>
-                    <a:pt x="118" y="103"/>
-                    <a:pt x="123" y="98"/>
-                    <a:pt x="123" y="92"/>
-                  </a:cubicBezTo>
-                  <a:cubicBezTo>
-                    <a:pt x="123" y="34"/>
-                    <a:pt x="123" y="34"/>
-                    <a:pt x="123" y="34"/>
-                  </a:cubicBezTo>
-                  <a:cubicBezTo>
-                    <a:pt x="123" y="29"/>
-                    <a:pt x="119" y="24"/>
-                    <a:pt x="114" y="23"/>
-                  </a:cubicBezTo>
-                  <a:close/>
-                  <a:moveTo>
-                    <a:pt x="115" y="92"/>
-                  </a:moveTo>
-                  <a:cubicBezTo>
-                    <a:pt x="115" y="94"/>
-                    <a:pt x="114" y="96"/>
-                    <a:pt x="112" y="96"/>
-                  </a:cubicBezTo>
-                  <a:cubicBezTo>
-                    <a:pt x="12" y="96"/>
-                    <a:pt x="12" y="96"/>
-                    <a:pt x="12" y="96"/>
-                  </a:cubicBezTo>
-                  <a:cubicBezTo>
-                    <a:pt x="10" y="96"/>
-                    <a:pt x="8" y="94"/>
-                    <a:pt x="8" y="92"/>
-                  </a:cubicBezTo>
-                  <a:cubicBezTo>
-                    <a:pt x="8" y="34"/>
-                    <a:pt x="8" y="34"/>
-                    <a:pt x="8" y="34"/>
-                  </a:cubicBezTo>
-                  <a:cubicBezTo>
-                    <a:pt x="8" y="32"/>
-                    <a:pt x="9" y="31"/>
-                    <a:pt x="11" y="30"/>
-                  </a:cubicBezTo>
-                  <a:cubicBezTo>
-                    <a:pt x="32" y="27"/>
-                    <a:pt x="32" y="27"/>
-                    <a:pt x="32" y="27"/>
-                  </a:cubicBezTo>
-                  <a:cubicBezTo>
-                    <a:pt x="39" y="10"/>
-                    <a:pt x="39" y="10"/>
-                    <a:pt x="39" y="10"/>
-                  </a:cubicBezTo>
-                  <a:cubicBezTo>
-                    <a:pt x="40" y="8"/>
-                    <a:pt x="41" y="7"/>
-                    <a:pt x="43" y="7"/>
-                  </a:cubicBezTo>
-                  <a:cubicBezTo>
-                    <a:pt x="81" y="7"/>
-                    <a:pt x="81" y="7"/>
-                    <a:pt x="81" y="7"/>
-                  </a:cubicBezTo>
-                  <a:cubicBezTo>
-                    <a:pt x="83" y="7"/>
-                    <a:pt x="84" y="8"/>
-                    <a:pt x="85" y="10"/>
-                  </a:cubicBezTo>
-                  <a:cubicBezTo>
-                    <a:pt x="91" y="27"/>
-                    <a:pt x="91" y="27"/>
-                    <a:pt x="91" y="27"/>
-                  </a:cubicBezTo>
-                  <a:cubicBezTo>
-                    <a:pt x="112" y="30"/>
-                    <a:pt x="112" y="30"/>
-                    <a:pt x="112" y="30"/>
-                  </a:cubicBezTo>
-                  <a:cubicBezTo>
-                    <a:pt x="114" y="31"/>
-                    <a:pt x="115" y="32"/>
-                    <a:pt x="115" y="34"/>
-                  </a:cubicBezTo>
-                  <a:lnTo>
-                    <a:pt x="115" y="92"/>
-                  </a:lnTo>
-                  <a:close/>
-                  <a:moveTo>
-                    <a:pt x="115" y="92"/>
-                  </a:moveTo>
-                  <a:cubicBezTo>
-                    <a:pt x="115" y="92"/>
-                    <a:pt x="115" y="92"/>
-                    <a:pt x="115" y="92"/>
-                  </a:cubicBezTo>
-                </a:path>
-              </a:pathLst>
-            </a:custGeom>
-            <a:grpFill/>
-            <a:ln w="9525">
-              <a:noFill/>
-              <a:round/>
-              <a:headEnd/>
-              <a:tailEnd/>
-            </a:ln>
-          </p:spPr>
-          <p:txBody>
-            <a:bodyPr vert="horz" wrap="square" lIns="121920" tIns="60960" rIns="121920" bIns="60960" numCol="1" anchor="t" anchorCtr="0" compatLnSpc="1">
-              <a:prstTxWarp prst="textNoShape">
-                <a:avLst/>
-              </a:prstTxWarp>
-            </a:bodyPr>
-            <a:lstStyle/>
-            <a:p>
-              <a:endParaRPr lang="en-US" sz="2400" dirty="0"/>
-            </a:p>
-          </p:txBody>
-        </p:sp>
-      </p:grpSp>
-      <p:sp>
-        <p:nvSpPr>
           <p:cNvPr id="30" name="Left-Right Arrow 26">
             <a:extLst>
               <a:ext uri="{FF2B5EF4-FFF2-40B4-BE49-F238E27FC236}">
@@ -15455,6 +13770,114 @@
           </a:p>
         </p:txBody>
       </p:sp>
+      <p:pic>
+        <p:nvPicPr>
+          <p:cNvPr id="3" name="Picture 2" descr="A white logo with a black background&#10;&#10;Description automatically generated with low confidence">
+            <a:extLst>
+              <a:ext uri="{FF2B5EF4-FFF2-40B4-BE49-F238E27FC236}">
+                <a16:creationId xmlns:a16="http://schemas.microsoft.com/office/drawing/2014/main" id="{8650C7B7-79F6-4B04-A820-4F8050880B5A}"/>
+              </a:ext>
+            </a:extLst>
+          </p:cNvPr>
+          <p:cNvPicPr>
+            <a:picLocks noChangeAspect="1"/>
+          </p:cNvPicPr>
+          <p:nvPr/>
+        </p:nvPicPr>
+        <p:blipFill>
+          <a:blip r:embed="rId2">
+            <a:extLst>
+              <a:ext uri="{28A0092B-C50C-407E-A947-70E740481C1C}">
+                <a14:useLocalDpi xmlns:a14="http://schemas.microsoft.com/office/drawing/2010/main" val="0"/>
+              </a:ext>
+            </a:extLst>
+          </a:blip>
+          <a:stretch>
+            <a:fillRect/>
+          </a:stretch>
+        </p:blipFill>
+        <p:spPr>
+          <a:xfrm>
+            <a:off x="5477430" y="2278769"/>
+            <a:ext cx="1252232" cy="1252232"/>
+          </a:xfrm>
+          <a:prstGeom prst="rect">
+            <a:avLst/>
+          </a:prstGeom>
+        </p:spPr>
+      </p:pic>
+      <p:pic>
+        <p:nvPicPr>
+          <p:cNvPr id="7" name="Picture 6" descr="Icon&#10;&#10;Description automatically generated">
+            <a:extLst>
+              <a:ext uri="{FF2B5EF4-FFF2-40B4-BE49-F238E27FC236}">
+                <a16:creationId xmlns:a16="http://schemas.microsoft.com/office/drawing/2014/main" id="{46ECA4D7-E397-44CD-AD6D-BFCD0DDBD01D}"/>
+              </a:ext>
+            </a:extLst>
+          </p:cNvPr>
+          <p:cNvPicPr>
+            <a:picLocks noChangeAspect="1"/>
+          </p:cNvPicPr>
+          <p:nvPr/>
+        </p:nvPicPr>
+        <p:blipFill>
+          <a:blip r:embed="rId3">
+            <a:extLst>
+              <a:ext uri="{28A0092B-C50C-407E-A947-70E740481C1C}">
+                <a14:useLocalDpi xmlns:a14="http://schemas.microsoft.com/office/drawing/2010/main" val="0"/>
+              </a:ext>
+            </a:extLst>
+          </a:blip>
+          <a:stretch>
+            <a:fillRect/>
+          </a:stretch>
+        </p:blipFill>
+        <p:spPr>
+          <a:xfrm>
+            <a:off x="4252754" y="4148985"/>
+            <a:ext cx="1636674" cy="1155901"/>
+          </a:xfrm>
+          <a:prstGeom prst="rect">
+            <a:avLst/>
+          </a:prstGeom>
+        </p:spPr>
+      </p:pic>
+      <p:pic>
+        <p:nvPicPr>
+          <p:cNvPr id="9" name="Picture 8" descr="Logo&#10;&#10;Description automatically generated">
+            <a:extLst>
+              <a:ext uri="{FF2B5EF4-FFF2-40B4-BE49-F238E27FC236}">
+                <a16:creationId xmlns:a16="http://schemas.microsoft.com/office/drawing/2014/main" id="{FDA3EE7F-1B9E-4A84-B457-003324634A0A}"/>
+              </a:ext>
+            </a:extLst>
+          </p:cNvPr>
+          <p:cNvPicPr>
+            <a:picLocks noChangeAspect="1"/>
+          </p:cNvPicPr>
+          <p:nvPr/>
+        </p:nvPicPr>
+        <p:blipFill>
+          <a:blip r:embed="rId4">
+            <a:extLst>
+              <a:ext uri="{28A0092B-C50C-407E-A947-70E740481C1C}">
+                <a14:useLocalDpi xmlns:a14="http://schemas.microsoft.com/office/drawing/2010/main" val="0"/>
+              </a:ext>
+            </a:extLst>
+          </a:blip>
+          <a:stretch>
+            <a:fillRect/>
+          </a:stretch>
+        </p:blipFill>
+        <p:spPr>
+          <a:xfrm>
+            <a:off x="6477836" y="4161648"/>
+            <a:ext cx="1350260" cy="1012695"/>
+          </a:xfrm>
+          <a:prstGeom prst="rect">
+            <a:avLst/>
+          </a:prstGeom>
+        </p:spPr>
+      </p:pic>
     </p:spTree>
     <p:extLst>
       <p:ext uri="{BB962C8B-B14F-4D97-AF65-F5344CB8AC3E}">
@@ -15884,276 +14307,6 @@
                             </p:childTnLst>
                           </p:cTn>
                         </p:par>
-                        <p:par>
-                          <p:cTn id="34" fill="hold">
-                            <p:stCondLst>
-                              <p:cond delay="3000"/>
-                            </p:stCondLst>
-                            <p:childTnLst>
-                              <p:par>
-                                <p:cTn id="35" presetID="53" presetClass="entr" presetSubtype="0" fill="hold" grpId="0" nodeType="afterEffect">
-                                  <p:stCondLst>
-                                    <p:cond delay="0"/>
-                                  </p:stCondLst>
-                                  <p:childTnLst>
-                                    <p:set>
-                                      <p:cBhvr>
-                                        <p:cTn id="36" dur="1" fill="hold">
-                                          <p:stCondLst>
-                                            <p:cond delay="0"/>
-                                          </p:stCondLst>
-                                        </p:cTn>
-                                        <p:tgtEl>
-                                          <p:spTgt spid="22"/>
-                                        </p:tgtEl>
-                                        <p:attrNameLst>
-                                          <p:attrName>style.visibility</p:attrName>
-                                        </p:attrNameLst>
-                                      </p:cBhvr>
-                                      <p:to>
-                                        <p:strVal val="visible"/>
-                                      </p:to>
-                                    </p:set>
-                                    <p:anim calcmode="lin" valueType="num">
-                                      <p:cBhvr>
-                                        <p:cTn id="37" dur="500" fill="hold"/>
-                                        <p:tgtEl>
-                                          <p:spTgt spid="22"/>
-                                        </p:tgtEl>
-                                        <p:attrNameLst>
-                                          <p:attrName>ppt_w</p:attrName>
-                                        </p:attrNameLst>
-                                      </p:cBhvr>
-                                      <p:tavLst>
-                                        <p:tav tm="0">
-                                          <p:val>
-                                            <p:fltVal val="0"/>
-                                          </p:val>
-                                        </p:tav>
-                                        <p:tav tm="100000">
-                                          <p:val>
-                                            <p:strVal val="#ppt_w"/>
-                                          </p:val>
-                                        </p:tav>
-                                      </p:tavLst>
-                                    </p:anim>
-                                    <p:anim calcmode="lin" valueType="num">
-                                      <p:cBhvr>
-                                        <p:cTn id="38" dur="500" fill="hold"/>
-                                        <p:tgtEl>
-                                          <p:spTgt spid="22"/>
-                                        </p:tgtEl>
-                                        <p:attrNameLst>
-                                          <p:attrName>ppt_h</p:attrName>
-                                        </p:attrNameLst>
-                                      </p:cBhvr>
-                                      <p:tavLst>
-                                        <p:tav tm="0">
-                                          <p:val>
-                                            <p:fltVal val="0"/>
-                                          </p:val>
-                                        </p:tav>
-                                        <p:tav tm="100000">
-                                          <p:val>
-                                            <p:strVal val="#ppt_h"/>
-                                          </p:val>
-                                        </p:tav>
-                                      </p:tavLst>
-                                    </p:anim>
-                                    <p:animEffect transition="in" filter="fade">
-                                      <p:cBhvr>
-                                        <p:cTn id="39" dur="500"/>
-                                        <p:tgtEl>
-                                          <p:spTgt spid="22"/>
-                                        </p:tgtEl>
-                                      </p:cBhvr>
-                                    </p:animEffect>
-                                  </p:childTnLst>
-                                </p:cTn>
-                              </p:par>
-                            </p:childTnLst>
-                          </p:cTn>
-                        </p:par>
-                        <p:par>
-                          <p:cTn id="40" fill="hold">
-                            <p:stCondLst>
-                              <p:cond delay="3500"/>
-                            </p:stCondLst>
-                            <p:childTnLst>
-                              <p:par>
-                                <p:cTn id="41" presetID="53" presetClass="entr" presetSubtype="0" fill="hold" nodeType="afterEffect">
-                                  <p:stCondLst>
-                                    <p:cond delay="0"/>
-                                  </p:stCondLst>
-                                  <p:childTnLst>
-                                    <p:set>
-                                      <p:cBhvr>
-                                        <p:cTn id="42" dur="1" fill="hold">
-                                          <p:stCondLst>
-                                            <p:cond delay="0"/>
-                                          </p:stCondLst>
-                                        </p:cTn>
-                                        <p:tgtEl>
-                                          <p:spTgt spid="23"/>
-                                        </p:tgtEl>
-                                        <p:attrNameLst>
-                                          <p:attrName>style.visibility</p:attrName>
-                                        </p:attrNameLst>
-                                      </p:cBhvr>
-                                      <p:to>
-                                        <p:strVal val="visible"/>
-                                      </p:to>
-                                    </p:set>
-                                    <p:anim calcmode="lin" valueType="num">
-                                      <p:cBhvr>
-                                        <p:cTn id="43" dur="500" fill="hold"/>
-                                        <p:tgtEl>
-                                          <p:spTgt spid="23"/>
-                                        </p:tgtEl>
-                                        <p:attrNameLst>
-                                          <p:attrName>ppt_w</p:attrName>
-                                        </p:attrNameLst>
-                                      </p:cBhvr>
-                                      <p:tavLst>
-                                        <p:tav tm="0">
-                                          <p:val>
-                                            <p:fltVal val="0"/>
-                                          </p:val>
-                                        </p:tav>
-                                        <p:tav tm="100000">
-                                          <p:val>
-                                            <p:strVal val="#ppt_w"/>
-                                          </p:val>
-                                        </p:tav>
-                                      </p:tavLst>
-                                    </p:anim>
-                                    <p:anim calcmode="lin" valueType="num">
-                                      <p:cBhvr>
-                                        <p:cTn id="44" dur="500" fill="hold"/>
-                                        <p:tgtEl>
-                                          <p:spTgt spid="23"/>
-                                        </p:tgtEl>
-                                        <p:attrNameLst>
-                                          <p:attrName>ppt_h</p:attrName>
-                                        </p:attrNameLst>
-                                      </p:cBhvr>
-                                      <p:tavLst>
-                                        <p:tav tm="0">
-                                          <p:val>
-                                            <p:fltVal val="0"/>
-                                          </p:val>
-                                        </p:tav>
-                                        <p:tav tm="100000">
-                                          <p:val>
-                                            <p:strVal val="#ppt_h"/>
-                                          </p:val>
-                                        </p:tav>
-                                      </p:tavLst>
-                                    </p:anim>
-                                    <p:animEffect transition="in" filter="fade">
-                                      <p:cBhvr>
-                                        <p:cTn id="45" dur="500"/>
-                                        <p:tgtEl>
-                                          <p:spTgt spid="23"/>
-                                        </p:tgtEl>
-                                      </p:cBhvr>
-                                    </p:animEffect>
-                                  </p:childTnLst>
-                                </p:cTn>
-                              </p:par>
-                            </p:childTnLst>
-                          </p:cTn>
-                        </p:par>
-                        <p:par>
-                          <p:cTn id="46" fill="hold">
-                            <p:stCondLst>
-                              <p:cond delay="4000"/>
-                            </p:stCondLst>
-                            <p:childTnLst>
-                              <p:par>
-                                <p:cTn id="47" presetID="53" presetClass="entr" presetSubtype="0" fill="hold" nodeType="afterEffect">
-                                  <p:stCondLst>
-                                    <p:cond delay="0"/>
-                                  </p:stCondLst>
-                                  <p:childTnLst>
-                                    <p:set>
-                                      <p:cBhvr>
-                                        <p:cTn id="48" dur="1" fill="hold">
-                                          <p:stCondLst>
-                                            <p:cond delay="0"/>
-                                          </p:stCondLst>
-                                        </p:cTn>
-                                        <p:tgtEl>
-                                          <p:spTgt spid="26"/>
-                                        </p:tgtEl>
-                                        <p:attrNameLst>
-                                          <p:attrName>style.visibility</p:attrName>
-                                        </p:attrNameLst>
-                                      </p:cBhvr>
-                                      <p:to>
-                                        <p:strVal val="visible"/>
-                                      </p:to>
-                                    </p:set>
-                                    <p:anim calcmode="lin" valueType="num">
-                                      <p:cBhvr>
-                                        <p:cTn id="49" dur="500" fill="hold"/>
-                                        <p:tgtEl>
-                                          <p:spTgt spid="26"/>
-                                        </p:tgtEl>
-                                        <p:attrNameLst>
-                                          <p:attrName>ppt_w</p:attrName>
-                                        </p:attrNameLst>
-                                      </p:cBhvr>
-                                      <p:tavLst>
-                                        <p:tav tm="0">
-                                          <p:val>
-                                            <p:fltVal val="0"/>
-                                          </p:val>
-                                        </p:tav>
-                                        <p:tav tm="100000">
-                                          <p:val>
-                                            <p:strVal val="#ppt_w"/>
-                                          </p:val>
-                                        </p:tav>
-                                      </p:tavLst>
-                                    </p:anim>
-                                    <p:anim calcmode="lin" valueType="num">
-                                      <p:cBhvr>
-                                        <p:cTn id="50" dur="500" fill="hold"/>
-                                        <p:tgtEl>
-                                          <p:spTgt spid="26"/>
-                                        </p:tgtEl>
-                                        <p:attrNameLst>
-                                          <p:attrName>ppt_h</p:attrName>
-                                        </p:attrNameLst>
-                                      </p:cBhvr>
-                                      <p:tavLst>
-                                        <p:tav tm="0">
-                                          <p:val>
-                                            <p:fltVal val="0"/>
-                                          </p:val>
-                                        </p:tav>
-                                        <p:tav tm="100000">
-                                          <p:val>
-                                            <p:strVal val="#ppt_h"/>
-                                          </p:val>
-                                        </p:tav>
-                                      </p:tavLst>
-                                    </p:anim>
-                                    <p:animEffect transition="in" filter="fade">
-                                      <p:cBhvr>
-                                        <p:cTn id="51" dur="500"/>
-                                        <p:tgtEl>
-                                          <p:spTgt spid="26"/>
-                                        </p:tgtEl>
-                                      </p:cBhvr>
-                                    </p:animEffect>
-                                  </p:childTnLst>
-                                </p:cTn>
-                              </p:par>
-                            </p:childTnLst>
-                          </p:cTn>
-                        </p:par>
                       </p:childTnLst>
                     </p:cTn>
                   </p:par>
@@ -16179,7 +14332,6 @@
       </p:par>
     </p:tnLst>
     <p:bldLst>
-      <p:bldP spid="22" grpId="0" animBg="1"/>
       <p:bldP spid="30" grpId="0" animBg="1"/>
       <p:bldP spid="31" grpId="0" animBg="1"/>
       <p:bldP spid="32" grpId="0" animBg="1"/>
@@ -16253,6 +14405,15 @@
         <p:txBody>
           <a:bodyPr/>
           <a:lstStyle/>
+          <a:p>
+            <a:r>
+              <a:rPr lang="fr-FR" dirty="0"/>
+              <a:t>Backoffice</a:t>
+            </a:r>
+          </a:p>
+          <a:p>
+            <a:endParaRPr lang="fr-FR" dirty="0"/>
+          </a:p>
           <a:p>
             <a:endParaRPr lang="fr-FR" dirty="0"/>
           </a:p>

--- a/Presentation_oral_LIEUTAUD_CELINE.pptx
+++ b/Presentation_oral_LIEUTAUD_CELINE.pptx
@@ -11687,6 +11687,67 @@
           </a:p>
         </p:txBody>
       </p:sp>
+      <p:sp>
+        <p:nvSpPr>
+          <p:cNvPr id="11" name="Oval 10">
+            <a:extLst>
+              <a:ext uri="{FF2B5EF4-FFF2-40B4-BE49-F238E27FC236}">
+                <a16:creationId xmlns:a16="http://schemas.microsoft.com/office/drawing/2014/main" id="{580FE95D-D0F1-4332-A2A6-902150890EE2}"/>
+              </a:ext>
+            </a:extLst>
+          </p:cNvPr>
+          <p:cNvSpPr/>
+          <p:nvPr/>
+        </p:nvSpPr>
+        <p:spPr>
+          <a:xfrm>
+            <a:off x="221942" y="6275609"/>
+            <a:ext cx="360960" cy="364888"/>
+          </a:xfrm>
+          <a:prstGeom prst="ellipse">
+            <a:avLst/>
+          </a:prstGeom>
+          <a:solidFill>
+            <a:schemeClr val="tx1"/>
+          </a:solidFill>
+          <a:ln>
+            <a:solidFill>
+              <a:schemeClr val="tx1"/>
+            </a:solidFill>
+          </a:ln>
+        </p:spPr>
+        <p:style>
+          <a:lnRef idx="2">
+            <a:schemeClr val="accent1">
+              <a:shade val="50000"/>
+            </a:schemeClr>
+          </a:lnRef>
+          <a:fillRef idx="1">
+            <a:schemeClr val="accent1"/>
+          </a:fillRef>
+          <a:effectRef idx="0">
+            <a:schemeClr val="accent1"/>
+          </a:effectRef>
+          <a:fontRef idx="minor">
+            <a:schemeClr val="lt1"/>
+          </a:fontRef>
+        </p:style>
+        <p:txBody>
+          <a:bodyPr rtlCol="0" anchor="ctr"/>
+          <a:lstStyle/>
+          <a:p>
+            <a:pPr algn="ctr"/>
+            <a:r>
+              <a:rPr lang="fr-FR" dirty="0">
+                <a:solidFill>
+                  <a:schemeClr val="bg1"/>
+                </a:solidFill>
+              </a:rPr>
+              <a:t>1</a:t>
+            </a:r>
+          </a:p>
+        </p:txBody>
+      </p:sp>
     </p:spTree>
     <p:extLst>
       <p:ext uri="{BB962C8B-B14F-4D97-AF65-F5344CB8AC3E}">
@@ -13147,7 +13208,7 @@
         </p:nvSpPr>
         <p:spPr>
           <a:xfrm>
-            <a:off x="4724143" y="1648122"/>
+            <a:off x="2859082" y="2860325"/>
             <a:ext cx="2743720" cy="2743719"/>
           </a:xfrm>
           <a:prstGeom prst="ellipse">
@@ -13208,7 +13269,7 @@
         </p:nvSpPr>
         <p:spPr>
           <a:xfrm>
-            <a:off x="5714167" y="3362947"/>
+            <a:off x="6429784" y="2786021"/>
             <a:ext cx="2743720" cy="2743719"/>
           </a:xfrm>
           <a:prstGeom prst="ellipse">
@@ -13264,169 +13325,6 @@
       </p:sp>
       <p:sp>
         <p:nvSpPr>
-          <p:cNvPr id="18" name="Oval 17">
-            <a:extLst>
-              <a:ext uri="{FF2B5EF4-FFF2-40B4-BE49-F238E27FC236}">
-                <a16:creationId xmlns:a16="http://schemas.microsoft.com/office/drawing/2014/main" id="{C8C7B95E-58A7-46D7-9DEB-4FEB54EE3D5E}"/>
-              </a:ext>
-            </a:extLst>
-          </p:cNvPr>
-          <p:cNvSpPr/>
-          <p:nvPr/>
-        </p:nvSpPr>
-        <p:spPr>
-          <a:xfrm>
-            <a:off x="3734116" y="3362947"/>
-            <a:ext cx="2743720" cy="2743719"/>
-          </a:xfrm>
-          <a:prstGeom prst="ellipse">
-            <a:avLst/>
-          </a:prstGeom>
-          <a:solidFill>
-            <a:schemeClr val="accent2">
-              <a:alpha val="70000"/>
-            </a:schemeClr>
-          </a:solidFill>
-          <a:ln>
-            <a:noFill/>
-          </a:ln>
-        </p:spPr>
-        <p:style>
-          <a:lnRef idx="2">
-            <a:schemeClr val="lt1">
-              <a:hueOff val="0"/>
-              <a:satOff val="0"/>
-              <a:lumOff val="0"/>
-              <a:alphaOff val="0"/>
-            </a:schemeClr>
-          </a:lnRef>
-          <a:fillRef idx="1">
-            <a:schemeClr val="accent1">
-              <a:alpha val="50000"/>
-              <a:hueOff val="0"/>
-              <a:satOff val="0"/>
-              <a:lumOff val="0"/>
-              <a:alphaOff val="0"/>
-            </a:schemeClr>
-          </a:fillRef>
-          <a:effectRef idx="0">
-            <a:schemeClr val="accent1">
-              <a:alpha val="50000"/>
-              <a:hueOff val="0"/>
-              <a:satOff val="0"/>
-              <a:lumOff val="0"/>
-              <a:alphaOff val="0"/>
-            </a:schemeClr>
-          </a:effectRef>
-          <a:fontRef idx="minor">
-            <a:schemeClr val="tx1"/>
-          </a:fontRef>
-        </p:style>
-        <p:txBody>
-          <a:bodyPr/>
-          <a:lstStyle/>
-          <a:p>
-            <a:endParaRPr lang="fr-FR" dirty="0"/>
-          </a:p>
-        </p:txBody>
-      </p:sp>
-      <p:sp>
-        <p:nvSpPr>
-          <p:cNvPr id="19" name="Text Placeholder 3">
-            <a:extLst>
-              <a:ext uri="{FF2B5EF4-FFF2-40B4-BE49-F238E27FC236}">
-                <a16:creationId xmlns:a16="http://schemas.microsoft.com/office/drawing/2014/main" id="{386F0BC6-C803-4A5A-A5E4-C9FBA5B9104F}"/>
-              </a:ext>
-            </a:extLst>
-          </p:cNvPr>
-          <p:cNvSpPr txBox="1">
-            <a:spLocks/>
-          </p:cNvSpPr>
-          <p:nvPr/>
-        </p:nvSpPr>
-        <p:spPr>
-          <a:xfrm>
-            <a:off x="2939341" y="5428648"/>
-            <a:ext cx="689291" cy="287323"/>
-          </a:xfrm>
-          <a:prstGeom prst="rect">
-            <a:avLst/>
-          </a:prstGeom>
-        </p:spPr>
-        <p:txBody>
-          <a:bodyPr wrap="none" lIns="0" tIns="0" rIns="0" bIns="0" anchor="ctr" anchorCtr="0">
-            <a:spAutoFit/>
-          </a:bodyPr>
-          <a:lstStyle>
-            <a:lvl1pPr marL="0" indent="0" algn="ctr">
-              <a:buNone/>
-              <a:defRPr sz="1400" baseline="0">
-                <a:solidFill>
-                  <a:schemeClr val="tx1">
-                    <a:lumMod val="95000"/>
-                    <a:lumOff val="5000"/>
-                  </a:schemeClr>
-                </a:solidFill>
-              </a:defRPr>
-            </a:lvl1pPr>
-            <a:lvl2pPr marL="457200" indent="0">
-              <a:buNone/>
-              <a:defRPr sz="1200"/>
-            </a:lvl2pPr>
-            <a:lvl3pPr marL="914400" indent="0">
-              <a:buNone/>
-              <a:defRPr sz="1000"/>
-            </a:lvl3pPr>
-            <a:lvl4pPr marL="1371600" indent="0">
-              <a:buNone/>
-              <a:defRPr sz="900"/>
-            </a:lvl4pPr>
-            <a:lvl5pPr marL="1828800" indent="0">
-              <a:buNone/>
-              <a:defRPr sz="900"/>
-            </a:lvl5pPr>
-            <a:lvl6pPr marL="2286000" indent="0">
-              <a:buNone/>
-              <a:defRPr sz="900"/>
-            </a:lvl6pPr>
-            <a:lvl7pPr marL="2743200" indent="0">
-              <a:buNone/>
-              <a:defRPr sz="900"/>
-            </a:lvl7pPr>
-            <a:lvl8pPr marL="3200400" indent="0">
-              <a:buNone/>
-              <a:defRPr sz="900"/>
-            </a:lvl8pPr>
-            <a:lvl9pPr marL="3657600" indent="0">
-              <a:buNone/>
-              <a:defRPr sz="900"/>
-            </a:lvl9pPr>
-          </a:lstStyle>
-          <a:p>
-            <a:pPr algn="l" defTabSz="1219170">
-              <a:spcBef>
-                <a:spcPct val="20000"/>
-              </a:spcBef>
-              <a:defRPr/>
-            </a:pPr>
-            <a:r>
-              <a:rPr lang="fr-FR" sz="1867" b="1" dirty="0">
-                <a:solidFill>
-                  <a:schemeClr val="accent2"/>
-                </a:solidFill>
-              </a:rPr>
-              <a:t>REACT</a:t>
-            </a:r>
-            <a:endParaRPr lang="en-US" sz="1867" b="1" dirty="0">
-              <a:solidFill>
-                <a:schemeClr val="accent2"/>
-              </a:solidFill>
-            </a:endParaRPr>
-          </a:p>
-        </p:txBody>
-      </p:sp>
-      <p:sp>
-        <p:nvSpPr>
           <p:cNvPr id="20" name="Text Placeholder 3">
             <a:extLst>
               <a:ext uri="{FF2B5EF4-FFF2-40B4-BE49-F238E27FC236}">
@@ -13441,7 +13339,7 @@
         </p:nvSpPr>
         <p:spPr>
           <a:xfrm>
-            <a:off x="5610322" y="1388931"/>
+            <a:off x="3745264" y="2505337"/>
             <a:ext cx="971355" cy="246221"/>
           </a:xfrm>
           <a:prstGeom prst="rect">
@@ -13531,7 +13429,7 @@
         </p:nvSpPr>
         <p:spPr>
           <a:xfrm>
-            <a:off x="8737293" y="5428648"/>
+            <a:off x="7193453" y="2474154"/>
             <a:ext cx="1030731" cy="246221"/>
           </a:xfrm>
           <a:prstGeom prst="rect">
@@ -13607,61 +13505,6 @@
       </p:sp>
       <p:sp>
         <p:nvSpPr>
-          <p:cNvPr id="30" name="Left-Right Arrow 26">
-            <a:extLst>
-              <a:ext uri="{FF2B5EF4-FFF2-40B4-BE49-F238E27FC236}">
-                <a16:creationId xmlns:a16="http://schemas.microsoft.com/office/drawing/2014/main" id="{1776B325-A126-4F54-AE7B-64425059C852}"/>
-              </a:ext>
-            </a:extLst>
-          </p:cNvPr>
-          <p:cNvSpPr/>
-          <p:nvPr/>
-        </p:nvSpPr>
-        <p:spPr>
-          <a:xfrm rot="18715401">
-            <a:off x="5217232" y="3662279"/>
-            <a:ext cx="648259" cy="394141"/>
-          </a:xfrm>
-          <a:prstGeom prst="leftRightArrow">
-            <a:avLst>
-              <a:gd name="adj1" fmla="val 37655"/>
-              <a:gd name="adj2" fmla="val 47346"/>
-            </a:avLst>
-          </a:prstGeom>
-          <a:solidFill>
-            <a:schemeClr val="bg1"/>
-          </a:solidFill>
-          <a:ln>
-            <a:noFill/>
-          </a:ln>
-        </p:spPr>
-        <p:style>
-          <a:lnRef idx="2">
-            <a:schemeClr val="accent1">
-              <a:shade val="50000"/>
-            </a:schemeClr>
-          </a:lnRef>
-          <a:fillRef idx="1">
-            <a:schemeClr val="accent1"/>
-          </a:fillRef>
-          <a:effectRef idx="0">
-            <a:schemeClr val="accent1"/>
-          </a:effectRef>
-          <a:fontRef idx="minor">
-            <a:schemeClr val="lt1"/>
-          </a:fontRef>
-        </p:style>
-        <p:txBody>
-          <a:bodyPr rtlCol="0" anchor="ctr"/>
-          <a:lstStyle/>
-          <a:p>
-            <a:pPr algn="ctr"/>
-            <a:endParaRPr lang="en-US" sz="2400" dirty="0"/>
-          </a:p>
-        </p:txBody>
-      </p:sp>
-      <p:sp>
-        <p:nvSpPr>
           <p:cNvPr id="31" name="Left-Right Arrow 27">
             <a:extLst>
               <a:ext uri="{FF2B5EF4-FFF2-40B4-BE49-F238E27FC236}">
@@ -13673,64 +13516,9 @@
           <p:nvPr/>
         </p:nvSpPr>
         <p:spPr>
-          <a:xfrm rot="2884599" flipV="1">
-            <a:off x="6294167" y="3662279"/>
-            <a:ext cx="648259" cy="394141"/>
-          </a:xfrm>
-          <a:prstGeom prst="leftRightArrow">
-            <a:avLst>
-              <a:gd name="adj1" fmla="val 37655"/>
-              <a:gd name="adj2" fmla="val 47346"/>
-            </a:avLst>
-          </a:prstGeom>
-          <a:solidFill>
-            <a:schemeClr val="bg1"/>
-          </a:solidFill>
-          <a:ln>
-            <a:noFill/>
-          </a:ln>
-        </p:spPr>
-        <p:style>
-          <a:lnRef idx="2">
-            <a:schemeClr val="accent1">
-              <a:shade val="50000"/>
-            </a:schemeClr>
-          </a:lnRef>
-          <a:fillRef idx="1">
-            <a:schemeClr val="accent1"/>
-          </a:fillRef>
-          <a:effectRef idx="0">
-            <a:schemeClr val="accent1"/>
-          </a:effectRef>
-          <a:fontRef idx="minor">
-            <a:schemeClr val="lt1"/>
-          </a:fontRef>
-        </p:style>
-        <p:txBody>
-          <a:bodyPr rtlCol="0" anchor="ctr"/>
-          <a:lstStyle/>
-          <a:p>
-            <a:pPr algn="ctr"/>
-            <a:endParaRPr lang="en-US" sz="2400" dirty="0"/>
-          </a:p>
-        </p:txBody>
-      </p:sp>
-      <p:sp>
-        <p:nvSpPr>
-          <p:cNvPr id="32" name="Left-Right Arrow 28">
-            <a:extLst>
-              <a:ext uri="{FF2B5EF4-FFF2-40B4-BE49-F238E27FC236}">
-                <a16:creationId xmlns:a16="http://schemas.microsoft.com/office/drawing/2014/main" id="{328C46AD-0088-4936-8DD5-12AAC9552CC8}"/>
-              </a:ext>
-            </a:extLst>
-          </p:cNvPr>
-          <p:cNvSpPr/>
-          <p:nvPr/>
-        </p:nvSpPr>
-        <p:spPr>
-          <a:xfrm>
-            <a:off x="5773251" y="4552579"/>
-            <a:ext cx="648259" cy="394141"/>
+          <a:xfrm flipV="1">
+            <a:off x="5064521" y="3960807"/>
+            <a:ext cx="1773601" cy="394141"/>
           </a:xfrm>
           <a:prstGeom prst="leftRightArrow">
             <a:avLst>
@@ -13798,7 +13586,7 @@
         </p:blipFill>
         <p:spPr>
           <a:xfrm>
-            <a:off x="5477430" y="2278769"/>
+            <a:off x="3612369" y="3490972"/>
             <a:ext cx="1252232" cy="1252232"/>
           </a:xfrm>
           <a:prstGeom prst="rect">
@@ -13808,10 +13596,10 @@
       </p:pic>
       <p:pic>
         <p:nvPicPr>
-          <p:cNvPr id="7" name="Picture 6" descr="Icon&#10;&#10;Description automatically generated">
+          <p:cNvPr id="9" name="Picture 8" descr="Logo&#10;&#10;Description automatically generated">
             <a:extLst>
               <a:ext uri="{FF2B5EF4-FFF2-40B4-BE49-F238E27FC236}">
-                <a16:creationId xmlns:a16="http://schemas.microsoft.com/office/drawing/2014/main" id="{46ECA4D7-E397-44CD-AD6D-BFCD0DDBD01D}"/>
+                <a16:creationId xmlns:a16="http://schemas.microsoft.com/office/drawing/2014/main" id="{FDA3EE7F-1B9E-4A84-B457-003324634A0A}"/>
               </a:ext>
             </a:extLst>
           </p:cNvPr>
@@ -13834,43 +13622,7 @@
         </p:blipFill>
         <p:spPr>
           <a:xfrm>
-            <a:off x="4252754" y="4148985"/>
-            <a:ext cx="1636674" cy="1155901"/>
-          </a:xfrm>
-          <a:prstGeom prst="rect">
-            <a:avLst/>
-          </a:prstGeom>
-        </p:spPr>
-      </p:pic>
-      <p:pic>
-        <p:nvPicPr>
-          <p:cNvPr id="9" name="Picture 8" descr="Logo&#10;&#10;Description automatically generated">
-            <a:extLst>
-              <a:ext uri="{FF2B5EF4-FFF2-40B4-BE49-F238E27FC236}">
-                <a16:creationId xmlns:a16="http://schemas.microsoft.com/office/drawing/2014/main" id="{FDA3EE7F-1B9E-4A84-B457-003324634A0A}"/>
-              </a:ext>
-            </a:extLst>
-          </p:cNvPr>
-          <p:cNvPicPr>
-            <a:picLocks noChangeAspect="1"/>
-          </p:cNvPicPr>
-          <p:nvPr/>
-        </p:nvPicPr>
-        <p:blipFill>
-          <a:blip r:embed="rId4">
-            <a:extLst>
-              <a:ext uri="{28A0092B-C50C-407E-A947-70E740481C1C}">
-                <a14:useLocalDpi xmlns:a14="http://schemas.microsoft.com/office/drawing/2010/main" val="0"/>
-              </a:ext>
-            </a:extLst>
-          </a:blip>
-          <a:stretch>
-            <a:fillRect/>
-          </a:stretch>
-        </p:blipFill>
-        <p:spPr>
-          <a:xfrm>
-            <a:off x="6477836" y="4161648"/>
+            <a:off x="7126514" y="3526463"/>
             <a:ext cx="1350260" cy="1012695"/>
           </a:xfrm>
           <a:prstGeom prst="rect">
@@ -14015,7 +13767,7 @@
                                           </p:stCondLst>
                                         </p:cTn>
                                         <p:tgtEl>
-                                          <p:spTgt spid="18"/>
+                                          <p:spTgt spid="16"/>
                                         </p:tgtEl>
                                         <p:attrNameLst>
                                           <p:attrName>style.visibility</p:attrName>
@@ -14029,7 +13781,7 @@
                                       <p:cBhvr>
                                         <p:cTn id="13" dur="500" fill="hold"/>
                                         <p:tgtEl>
-                                          <p:spTgt spid="18"/>
+                                          <p:spTgt spid="16"/>
                                         </p:tgtEl>
                                         <p:attrNameLst>
                                           <p:attrName>ppt_w</p:attrName>
@@ -14052,7 +13804,7 @@
                                       <p:cBhvr>
                                         <p:cTn id="14" dur="500" fill="hold"/>
                                         <p:tgtEl>
-                                          <p:spTgt spid="18"/>
+                                          <p:spTgt spid="16"/>
                                         </p:tgtEl>
                                         <p:attrNameLst>
                                           <p:attrName>ppt_h</p:attrName>
@@ -14075,7 +13827,7 @@
                                       <p:cBhvr>
                                         <p:cTn id="15" dur="500"/>
                                         <p:tgtEl>
-                                          <p:spTgt spid="18"/>
+                                          <p:spTgt spid="16"/>
                                         </p:tgtEl>
                                       </p:cBhvr>
                                     </p:animEffect>
@@ -14092,7 +13844,7 @@
                             </p:stCondLst>
                             <p:childTnLst>
                               <p:par>
-                                <p:cTn id="17" presetID="53" presetClass="entr" presetSubtype="0" fill="hold" nodeType="afterEffect">
+                                <p:cTn id="17" presetID="22" presetClass="entr" presetSubtype="4" fill="hold" grpId="0" nodeType="afterEffect">
                                   <p:stCondLst>
                                     <p:cond delay="0"/>
                                   </p:stCondLst>
@@ -14100,140 +13852,6 @@
                                     <p:set>
                                       <p:cBhvr>
                                         <p:cTn id="18" dur="1" fill="hold">
-                                          <p:stCondLst>
-                                            <p:cond delay="0"/>
-                                          </p:stCondLst>
-                                        </p:cTn>
-                                        <p:tgtEl>
-                                          <p:spTgt spid="16"/>
-                                        </p:tgtEl>
-                                        <p:attrNameLst>
-                                          <p:attrName>style.visibility</p:attrName>
-                                        </p:attrNameLst>
-                                      </p:cBhvr>
-                                      <p:to>
-                                        <p:strVal val="visible"/>
-                                      </p:to>
-                                    </p:set>
-                                    <p:anim calcmode="lin" valueType="num">
-                                      <p:cBhvr>
-                                        <p:cTn id="19" dur="500" fill="hold"/>
-                                        <p:tgtEl>
-                                          <p:spTgt spid="16"/>
-                                        </p:tgtEl>
-                                        <p:attrNameLst>
-                                          <p:attrName>ppt_w</p:attrName>
-                                        </p:attrNameLst>
-                                      </p:cBhvr>
-                                      <p:tavLst>
-                                        <p:tav tm="0">
-                                          <p:val>
-                                            <p:fltVal val="0"/>
-                                          </p:val>
-                                        </p:tav>
-                                        <p:tav tm="100000">
-                                          <p:val>
-                                            <p:strVal val="#ppt_w"/>
-                                          </p:val>
-                                        </p:tav>
-                                      </p:tavLst>
-                                    </p:anim>
-                                    <p:anim calcmode="lin" valueType="num">
-                                      <p:cBhvr>
-                                        <p:cTn id="20" dur="500" fill="hold"/>
-                                        <p:tgtEl>
-                                          <p:spTgt spid="16"/>
-                                        </p:tgtEl>
-                                        <p:attrNameLst>
-                                          <p:attrName>ppt_h</p:attrName>
-                                        </p:attrNameLst>
-                                      </p:cBhvr>
-                                      <p:tavLst>
-                                        <p:tav tm="0">
-                                          <p:val>
-                                            <p:fltVal val="0"/>
-                                          </p:val>
-                                        </p:tav>
-                                        <p:tav tm="100000">
-                                          <p:val>
-                                            <p:strVal val="#ppt_h"/>
-                                          </p:val>
-                                        </p:tav>
-                                      </p:tavLst>
-                                    </p:anim>
-                                    <p:animEffect transition="in" filter="fade">
-                                      <p:cBhvr>
-                                        <p:cTn id="21" dur="500"/>
-                                        <p:tgtEl>
-                                          <p:spTgt spid="16"/>
-                                        </p:tgtEl>
-                                      </p:cBhvr>
-                                    </p:animEffect>
-                                  </p:childTnLst>
-                                </p:cTn>
-                              </p:par>
-                            </p:childTnLst>
-                          </p:cTn>
-                        </p:par>
-                        <p:par>
-                          <p:cTn id="22" fill="hold">
-                            <p:stCondLst>
-                              <p:cond delay="1500"/>
-                            </p:stCondLst>
-                            <p:childTnLst>
-                              <p:par>
-                                <p:cTn id="23" presetID="22" presetClass="entr" presetSubtype="4" fill="hold" grpId="0" nodeType="afterEffect">
-                                  <p:stCondLst>
-                                    <p:cond delay="0"/>
-                                  </p:stCondLst>
-                                  <p:childTnLst>
-                                    <p:set>
-                                      <p:cBhvr>
-                                        <p:cTn id="24" dur="1" fill="hold">
-                                          <p:stCondLst>
-                                            <p:cond delay="0"/>
-                                          </p:stCondLst>
-                                        </p:cTn>
-                                        <p:tgtEl>
-                                          <p:spTgt spid="30"/>
-                                        </p:tgtEl>
-                                        <p:attrNameLst>
-                                          <p:attrName>style.visibility</p:attrName>
-                                        </p:attrNameLst>
-                                      </p:cBhvr>
-                                      <p:to>
-                                        <p:strVal val="visible"/>
-                                      </p:to>
-                                    </p:set>
-                                    <p:animEffect transition="in" filter="wipe(down)">
-                                      <p:cBhvr>
-                                        <p:cTn id="25" dur="500"/>
-                                        <p:tgtEl>
-                                          <p:spTgt spid="30"/>
-                                        </p:tgtEl>
-                                      </p:cBhvr>
-                                    </p:animEffect>
-                                  </p:childTnLst>
-                                </p:cTn>
-                              </p:par>
-                            </p:childTnLst>
-                          </p:cTn>
-                        </p:par>
-                        <p:par>
-                          <p:cTn id="26" fill="hold">
-                            <p:stCondLst>
-                              <p:cond delay="2000"/>
-                            </p:stCondLst>
-                            <p:childTnLst>
-                              <p:par>
-                                <p:cTn id="27" presetID="22" presetClass="entr" presetSubtype="4" fill="hold" grpId="0" nodeType="afterEffect">
-                                  <p:stCondLst>
-                                    <p:cond delay="0"/>
-                                  </p:stCondLst>
-                                  <p:childTnLst>
-                                    <p:set>
-                                      <p:cBhvr>
-                                        <p:cTn id="28" dur="1" fill="hold">
                                           <p:stCondLst>
                                             <p:cond delay="0"/>
                                           </p:stCondLst>
@@ -14251,53 +13869,9 @@
                                     </p:set>
                                     <p:animEffect transition="in" filter="wipe(down)">
                                       <p:cBhvr>
-                                        <p:cTn id="29" dur="500"/>
+                                        <p:cTn id="19" dur="500"/>
                                         <p:tgtEl>
                                           <p:spTgt spid="31"/>
-                                        </p:tgtEl>
-                                      </p:cBhvr>
-                                    </p:animEffect>
-                                  </p:childTnLst>
-                                </p:cTn>
-                              </p:par>
-                            </p:childTnLst>
-                          </p:cTn>
-                        </p:par>
-                        <p:par>
-                          <p:cTn id="30" fill="hold">
-                            <p:stCondLst>
-                              <p:cond delay="2500"/>
-                            </p:stCondLst>
-                            <p:childTnLst>
-                              <p:par>
-                                <p:cTn id="31" presetID="16" presetClass="entr" presetSubtype="37" fill="hold" grpId="0" nodeType="afterEffect">
-                                  <p:stCondLst>
-                                    <p:cond delay="0"/>
-                                  </p:stCondLst>
-                                  <p:childTnLst>
-                                    <p:set>
-                                      <p:cBhvr>
-                                        <p:cTn id="32" dur="1" fill="hold">
-                                          <p:stCondLst>
-                                            <p:cond delay="0"/>
-                                          </p:stCondLst>
-                                        </p:cTn>
-                                        <p:tgtEl>
-                                          <p:spTgt spid="32"/>
-                                        </p:tgtEl>
-                                        <p:attrNameLst>
-                                          <p:attrName>style.visibility</p:attrName>
-                                        </p:attrNameLst>
-                                      </p:cBhvr>
-                                      <p:to>
-                                        <p:strVal val="visible"/>
-                                      </p:to>
-                                    </p:set>
-                                    <p:animEffect transition="in" filter="barn(outVertical)">
-                                      <p:cBhvr>
-                                        <p:cTn id="33" dur="500"/>
-                                        <p:tgtEl>
-                                          <p:spTgt spid="32"/>
                                         </p:tgtEl>
                                       </p:cBhvr>
                                     </p:animEffect>
@@ -14332,9 +13906,7 @@
       </p:par>
     </p:tnLst>
     <p:bldLst>
-      <p:bldP spid="30" grpId="0" animBg="1"/>
       <p:bldP spid="31" grpId="0" animBg="1"/>
-      <p:bldP spid="32" grpId="0" animBg="1"/>
     </p:bldLst>
   </p:timing>
 </p:sld>
@@ -14343,6 +13915,14 @@
 <file path=ppt/slides/slide4.xml><?xml version="1.0" encoding="utf-8"?>
 <p:sld xmlns:a="http://schemas.openxmlformats.org/drawingml/2006/main" xmlns:r="http://schemas.openxmlformats.org/officeDocument/2006/relationships" xmlns:p="http://schemas.openxmlformats.org/presentationml/2006/main">
   <p:cSld>
+    <p:bg>
+      <p:bgPr>
+        <a:solidFill>
+          <a:schemeClr val="bg2"/>
+        </a:solidFill>
+        <a:effectLst/>
+      </p:bgPr>
+    </p:bg>
     <p:spTree>
       <p:nvGrpSpPr>
         <p:cNvPr id="1" name=""/>
@@ -14357,6 +13937,82 @@
           <a:chExt cx="0" cy="0"/>
         </a:xfrm>
       </p:grpSpPr>
+      <p:sp useBgFill="1">
+        <p:nvSpPr>
+          <p:cNvPr id="39" name="Rectangle 7">
+            <a:extLst>
+              <a:ext uri="{FF2B5EF4-FFF2-40B4-BE49-F238E27FC236}">
+                <a16:creationId xmlns:a16="http://schemas.microsoft.com/office/drawing/2014/main" id="{A5931BE0-4B93-4D6C-878E-ACC59D6B4587}"/>
+              </a:ext>
+              <a:ext uri="{C183D7F6-B498-43B3-948B-1728B52AA6E4}">
+                <adec:decorative xmlns:adec="http://schemas.microsoft.com/office/drawing/2017/decorative" val="1"/>
+              </a:ext>
+            </a:extLst>
+          </p:cNvPr>
+          <p:cNvSpPr>
+            <a:spLocks noGrp="1" noRot="1" noChangeAspect="1" noMove="1" noResize="1" noEditPoints="1" noAdjustHandles="1" noChangeArrowheads="1" noChangeShapeType="1" noTextEdit="1"/>
+          </p:cNvSpPr>
+          <p:nvPr>
+            <p:extLst>
+              <p:ext uri="{386F3935-93C4-4BCD-93E2-E3B085C9AB24}">
+                <p16:designElem xmlns:p16="http://schemas.microsoft.com/office/powerpoint/2015/main" val="1"/>
+              </p:ext>
+            </p:extLst>
+          </p:nvPr>
+        </p:nvSpPr>
+        <p:spPr>
+          <a:xfrm>
+            <a:off x="0" y="0"/>
+            <a:ext cx="12192000" cy="6858000"/>
+          </a:xfrm>
+          <a:prstGeom prst="rect">
+            <a:avLst/>
+          </a:prstGeom>
+          <a:ln w="12700" cap="flat" cmpd="sng" algn="ctr">
+            <a:noFill/>
+            <a:prstDash val="solid"/>
+            <a:miter lim="800000"/>
+          </a:ln>
+          <a:effectLst/>
+          <a:extLst>
+            <a:ext uri="{91240B29-F687-4F45-9708-019B960494DF}">
+              <a14:hiddenLine xmlns:a14="http://schemas.microsoft.com/office/drawing/2010/main" w="12700" cap="flat" cmpd="sng" algn="ctr">
+                <a:solidFill>
+                  <a:schemeClr val="accent1">
+                    <a:shade val="50000"/>
+                  </a:schemeClr>
+                </a:solidFill>
+                <a:prstDash val="solid"/>
+                <a:miter lim="800000"/>
+              </a14:hiddenLine>
+            </a:ext>
+          </a:extLst>
+        </p:spPr>
+        <p:style>
+          <a:lnRef idx="2">
+            <a:schemeClr val="accent1">
+              <a:shade val="50000"/>
+            </a:schemeClr>
+          </a:lnRef>
+          <a:fillRef idx="1">
+            <a:schemeClr val="accent1"/>
+          </a:fillRef>
+          <a:effectRef idx="0">
+            <a:schemeClr val="accent1"/>
+          </a:effectRef>
+          <a:fontRef idx="minor">
+            <a:schemeClr val="lt1"/>
+          </a:fontRef>
+        </p:style>
+        <p:txBody>
+          <a:bodyPr rtlCol="0" anchor="ctr"/>
+          <a:lstStyle/>
+          <a:p>
+            <a:pPr algn="ctr"/>
+            <a:endParaRPr lang="en-US"/>
+          </a:p>
+        </p:txBody>
+      </p:sp>
       <p:sp>
         <p:nvSpPr>
           <p:cNvPr id="2" name="Title 1">
@@ -14373,15 +14029,601 @@
             <p:ph type="title"/>
           </p:nvPr>
         </p:nvSpPr>
-        <p:spPr/>
+        <p:spPr>
+          <a:xfrm>
+            <a:off x="3359149" y="1520825"/>
+            <a:ext cx="8281987" cy="1333057"/>
+          </a:xfrm>
+        </p:spPr>
         <p:txBody>
-          <a:bodyPr/>
+          <a:bodyPr wrap="square" anchor="t">
+            <a:normAutofit/>
+          </a:bodyPr>
           <a:lstStyle/>
           <a:p>
             <a:r>
-              <a:rPr lang="fr-FR" dirty="0"/>
+              <a:rPr lang="fr-FR"/>
               <a:t>FONCTIONNALITES</a:t>
             </a:r>
+            <a:endParaRPr lang="fr-FR" dirty="0"/>
+          </a:p>
+        </p:txBody>
+      </p:sp>
+      <p:sp>
+        <p:nvSpPr>
+          <p:cNvPr id="40" name="Freeform: Shape 9">
+            <a:extLst>
+              <a:ext uri="{FF2B5EF4-FFF2-40B4-BE49-F238E27FC236}">
+                <a16:creationId xmlns:a16="http://schemas.microsoft.com/office/drawing/2014/main" id="{6D438371-A37F-43CB-8166-3E9115593648}"/>
+              </a:ext>
+              <a:ext uri="{C183D7F6-B498-43B3-948B-1728B52AA6E4}">
+                <adec:decorative xmlns:adec="http://schemas.microsoft.com/office/drawing/2017/decorative" val="1"/>
+              </a:ext>
+            </a:extLst>
+          </p:cNvPr>
+          <p:cNvSpPr>
+            <a:spLocks noGrp="1" noRot="1" noChangeAspect="1" noMove="1" noResize="1" noEditPoints="1" noAdjustHandles="1" noChangeArrowheads="1" noChangeShapeType="1" noTextEdit="1"/>
+          </p:cNvSpPr>
+          <p:nvPr>
+            <p:extLst>
+              <p:ext uri="{386F3935-93C4-4BCD-93E2-E3B085C9AB24}">
+                <p16:designElem xmlns:p16="http://schemas.microsoft.com/office/powerpoint/2015/main" val="1"/>
+              </p:ext>
+            </p:extLst>
+          </p:nvPr>
+        </p:nvSpPr>
+        <p:spPr>
+          <a:xfrm rot="18900000">
+            <a:off x="274870" y="-114297"/>
+            <a:ext cx="1853969" cy="926985"/>
+          </a:xfrm>
+          <a:custGeom>
+            <a:avLst/>
+            <a:gdLst>
+              <a:gd name="connsiteX0" fmla="*/ 958943 w 1853969"/>
+              <a:gd name="connsiteY0" fmla="*/ 1614 h 926985"/>
+              <a:gd name="connsiteX1" fmla="*/ 1852355 w 1853969"/>
+              <a:gd name="connsiteY1" fmla="*/ 895026 h 926985"/>
+              <a:gd name="connsiteX2" fmla="*/ 1853969 w 1853969"/>
+              <a:gd name="connsiteY2" fmla="*/ 926985 h 926985"/>
+              <a:gd name="connsiteX3" fmla="*/ 1390476 w 1853969"/>
+              <a:gd name="connsiteY3" fmla="*/ 926985 h 926985"/>
+              <a:gd name="connsiteX4" fmla="*/ 926984 w 1853969"/>
+              <a:gd name="connsiteY4" fmla="*/ 463493 h 926985"/>
+              <a:gd name="connsiteX5" fmla="*/ 463493 w 1853969"/>
+              <a:gd name="connsiteY5" fmla="*/ 926985 h 926985"/>
+              <a:gd name="connsiteX6" fmla="*/ 0 w 1853969"/>
+              <a:gd name="connsiteY6" fmla="*/ 926985 h 926985"/>
+              <a:gd name="connsiteX7" fmla="*/ 926985 w 1853969"/>
+              <a:gd name="connsiteY7" fmla="*/ 0 h 926985"/>
+            </a:gdLst>
+            <a:ahLst/>
+            <a:cxnLst>
+              <a:cxn ang="0">
+                <a:pos x="connsiteX0" y="connsiteY0"/>
+              </a:cxn>
+              <a:cxn ang="0">
+                <a:pos x="connsiteX1" y="connsiteY1"/>
+              </a:cxn>
+              <a:cxn ang="0">
+                <a:pos x="connsiteX2" y="connsiteY2"/>
+              </a:cxn>
+              <a:cxn ang="0">
+                <a:pos x="connsiteX3" y="connsiteY3"/>
+              </a:cxn>
+              <a:cxn ang="0">
+                <a:pos x="connsiteX4" y="connsiteY4"/>
+              </a:cxn>
+              <a:cxn ang="0">
+                <a:pos x="connsiteX5" y="connsiteY5"/>
+              </a:cxn>
+              <a:cxn ang="0">
+                <a:pos x="connsiteX6" y="connsiteY6"/>
+              </a:cxn>
+              <a:cxn ang="0">
+                <a:pos x="connsiteX7" y="connsiteY7"/>
+              </a:cxn>
+            </a:cxnLst>
+            <a:rect l="l" t="t" r="r" b="b"/>
+            <a:pathLst>
+              <a:path w="1853969" h="926985">
+                <a:moveTo>
+                  <a:pt x="958943" y="1614"/>
+                </a:moveTo>
+                <a:lnTo>
+                  <a:pt x="1852355" y="895026"/>
+                </a:lnTo>
+                <a:lnTo>
+                  <a:pt x="1853969" y="926985"/>
+                </a:lnTo>
+                <a:lnTo>
+                  <a:pt x="1390476" y="926985"/>
+                </a:lnTo>
+                <a:cubicBezTo>
+                  <a:pt x="1390476" y="671005"/>
+                  <a:pt x="1182964" y="463493"/>
+                  <a:pt x="926984" y="463493"/>
+                </a:cubicBezTo>
+                <a:cubicBezTo>
+                  <a:pt x="671005" y="463493"/>
+                  <a:pt x="463493" y="671005"/>
+                  <a:pt x="463493" y="926985"/>
+                </a:cubicBezTo>
+                <a:lnTo>
+                  <a:pt x="0" y="926985"/>
+                </a:lnTo>
+                <a:cubicBezTo>
+                  <a:pt x="0" y="415026"/>
+                  <a:pt x="415025" y="0"/>
+                  <a:pt x="926985" y="0"/>
+                </a:cubicBezTo>
+                <a:close/>
+              </a:path>
+            </a:pathLst>
+          </a:custGeom>
+          <a:solidFill>
+            <a:schemeClr val="bg2"/>
+          </a:solidFill>
+          <a:ln>
+            <a:noFill/>
+          </a:ln>
+          <a:effectLst>
+            <a:innerShdw blurRad="254000" dist="50800" dir="5400000">
+              <a:schemeClr val="accent1">
+                <a:lumMod val="40000"/>
+                <a:lumOff val="60000"/>
+                <a:alpha val="40000"/>
+              </a:schemeClr>
+            </a:innerShdw>
+          </a:effectLst>
+        </p:spPr>
+        <p:style>
+          <a:lnRef idx="2">
+            <a:schemeClr val="accent1">
+              <a:shade val="50000"/>
+            </a:schemeClr>
+          </a:lnRef>
+          <a:fillRef idx="1">
+            <a:schemeClr val="accent1"/>
+          </a:fillRef>
+          <a:effectRef idx="0">
+            <a:schemeClr val="accent1"/>
+          </a:effectRef>
+          <a:fontRef idx="minor">
+            <a:schemeClr val="lt1"/>
+          </a:fontRef>
+        </p:style>
+        <p:txBody>
+          <a:bodyPr wrap="square" rtlCol="0" anchor="ctr">
+            <a:noAutofit/>
+          </a:bodyPr>
+          <a:lstStyle/>
+          <a:p>
+            <a:pPr algn="ctr"/>
+            <a:endParaRPr lang="en-US" dirty="0">
+              <a:solidFill>
+                <a:schemeClr val="tx1"/>
+              </a:solidFill>
+            </a:endParaRPr>
+          </a:p>
+        </p:txBody>
+      </p:sp>
+      <p:sp>
+        <p:nvSpPr>
+          <p:cNvPr id="41" name="Oval 11">
+            <a:extLst>
+              <a:ext uri="{FF2B5EF4-FFF2-40B4-BE49-F238E27FC236}">
+                <a16:creationId xmlns:a16="http://schemas.microsoft.com/office/drawing/2014/main" id="{2AE18936-8FC4-4357-B2D0-AEEAFF4D7029}"/>
+              </a:ext>
+              <a:ext uri="{C183D7F6-B498-43B3-948B-1728B52AA6E4}">
+                <adec:decorative xmlns:adec="http://schemas.microsoft.com/office/drawing/2017/decorative" val="1"/>
+              </a:ext>
+            </a:extLst>
+          </p:cNvPr>
+          <p:cNvSpPr>
+            <a:spLocks noGrp="1" noRot="1" noChangeAspect="1" noMove="1" noResize="1" noEditPoints="1" noAdjustHandles="1" noChangeArrowheads="1" noChangeShapeType="1" noTextEdit="1"/>
+          </p:cNvSpPr>
+          <p:nvPr>
+            <p:extLst>
+              <p:ext uri="{386F3935-93C4-4BCD-93E2-E3B085C9AB24}">
+                <p16:designElem xmlns:p16="http://schemas.microsoft.com/office/powerpoint/2015/main" val="1"/>
+              </p:ext>
+            </p:extLst>
+          </p:nvPr>
+        </p:nvSpPr>
+        <p:spPr>
+          <a:xfrm rot="2700000">
+            <a:off x="1968027" y="-45404"/>
+            <a:ext cx="107098" cy="466589"/>
+          </a:xfrm>
+          <a:prstGeom prst="ellipse">
+            <a:avLst/>
+          </a:prstGeom>
+          <a:solidFill>
+            <a:schemeClr val="bg2">
+              <a:lumMod val="90000"/>
+              <a:lumOff val="10000"/>
+            </a:schemeClr>
+          </a:solidFill>
+          <a:ln>
+            <a:noFill/>
+          </a:ln>
+          <a:effectLst>
+            <a:innerShdw blurRad="63500" dist="2540000">
+              <a:schemeClr val="accent1">
+                <a:lumMod val="60000"/>
+                <a:lumOff val="40000"/>
+                <a:alpha val="40000"/>
+              </a:schemeClr>
+            </a:innerShdw>
+          </a:effectLst>
+        </p:spPr>
+        <p:style>
+          <a:lnRef idx="2">
+            <a:schemeClr val="accent1">
+              <a:shade val="50000"/>
+            </a:schemeClr>
+          </a:lnRef>
+          <a:fillRef idx="1">
+            <a:schemeClr val="accent1"/>
+          </a:fillRef>
+          <a:effectRef idx="0">
+            <a:schemeClr val="accent1"/>
+          </a:effectRef>
+          <a:fontRef idx="minor">
+            <a:schemeClr val="lt1"/>
+          </a:fontRef>
+        </p:style>
+        <p:txBody>
+          <a:bodyPr rot="0" spcFirstLastPara="0" vertOverflow="overflow" horzOverflow="overflow" vert="horz" wrap="square" lIns="91440" tIns="45720" rIns="91440" bIns="45720" numCol="1" spcCol="0" rtlCol="0" fromWordArt="0" anchor="ctr" anchorCtr="0" forceAA="0" compatLnSpc="1">
+            <a:prstTxWarp prst="textNoShape">
+              <a:avLst/>
+            </a:prstTxWarp>
+            <a:noAutofit/>
+          </a:bodyPr>
+          <a:lstStyle/>
+          <a:p>
+            <a:pPr algn="ctr"/>
+            <a:endParaRPr lang="en-US"/>
+          </a:p>
+        </p:txBody>
+      </p:sp>
+      <p:sp>
+        <p:nvSpPr>
+          <p:cNvPr id="42" name="Oval 13">
+            <a:extLst>
+              <a:ext uri="{FF2B5EF4-FFF2-40B4-BE49-F238E27FC236}">
+                <a16:creationId xmlns:a16="http://schemas.microsoft.com/office/drawing/2014/main" id="{3CF94A42-720D-4B81-8D24-E4A974DE0225}"/>
+              </a:ext>
+              <a:ext uri="{C183D7F6-B498-43B3-948B-1728B52AA6E4}">
+                <adec:decorative xmlns:adec="http://schemas.microsoft.com/office/drawing/2017/decorative" val="1"/>
+              </a:ext>
+            </a:extLst>
+          </p:cNvPr>
+          <p:cNvSpPr>
+            <a:spLocks noGrp="1" noRot="1" noChangeAspect="1" noMove="1" noResize="1" noEditPoints="1" noAdjustHandles="1" noChangeArrowheads="1" noChangeShapeType="1" noTextEdit="1"/>
+          </p:cNvSpPr>
+          <p:nvPr>
+            <p:extLst>
+              <p:ext uri="{386F3935-93C4-4BCD-93E2-E3B085C9AB24}">
+                <p16:designElem xmlns:p16="http://schemas.microsoft.com/office/powerpoint/2015/main" val="1"/>
+              </p:ext>
+            </p:extLst>
+          </p:nvPr>
+        </p:nvSpPr>
+        <p:spPr>
+          <a:xfrm rot="2700000">
+            <a:off x="987001" y="935623"/>
+            <a:ext cx="107098" cy="466589"/>
+          </a:xfrm>
+          <a:prstGeom prst="ellipse">
+            <a:avLst/>
+          </a:prstGeom>
+          <a:solidFill>
+            <a:schemeClr val="bg2">
+              <a:lumMod val="90000"/>
+              <a:lumOff val="10000"/>
+            </a:schemeClr>
+          </a:solidFill>
+          <a:ln>
+            <a:noFill/>
+          </a:ln>
+          <a:effectLst>
+            <a:innerShdw blurRad="63500" dist="2540000">
+              <a:schemeClr val="accent1">
+                <a:lumMod val="60000"/>
+                <a:lumOff val="40000"/>
+                <a:alpha val="40000"/>
+              </a:schemeClr>
+            </a:innerShdw>
+          </a:effectLst>
+        </p:spPr>
+        <p:style>
+          <a:lnRef idx="2">
+            <a:schemeClr val="accent1">
+              <a:shade val="50000"/>
+            </a:schemeClr>
+          </a:lnRef>
+          <a:fillRef idx="1">
+            <a:schemeClr val="accent1"/>
+          </a:fillRef>
+          <a:effectRef idx="0">
+            <a:schemeClr val="accent1"/>
+          </a:effectRef>
+          <a:fontRef idx="minor">
+            <a:schemeClr val="lt1"/>
+          </a:fontRef>
+        </p:style>
+        <p:txBody>
+          <a:bodyPr rot="0" spcFirstLastPara="0" vertOverflow="overflow" horzOverflow="overflow" vert="horz" wrap="square" lIns="91440" tIns="45720" rIns="91440" bIns="45720" numCol="1" spcCol="0" rtlCol="0" fromWordArt="0" anchor="ctr" anchorCtr="0" forceAA="0" compatLnSpc="1">
+            <a:prstTxWarp prst="textNoShape">
+              <a:avLst/>
+            </a:prstTxWarp>
+            <a:noAutofit/>
+          </a:bodyPr>
+          <a:lstStyle/>
+          <a:p>
+            <a:pPr algn="ctr"/>
+            <a:endParaRPr lang="en-US"/>
+          </a:p>
+        </p:txBody>
+      </p:sp>
+      <p:sp>
+        <p:nvSpPr>
+          <p:cNvPr id="43" name="Freeform: Shape 15">
+            <a:extLst>
+              <a:ext uri="{FF2B5EF4-FFF2-40B4-BE49-F238E27FC236}">
+                <a16:creationId xmlns:a16="http://schemas.microsoft.com/office/drawing/2014/main" id="{E15EB72A-E1B0-4CE0-BB0D-BEFCDF8EFFB0}"/>
+              </a:ext>
+              <a:ext uri="{C183D7F6-B498-43B3-948B-1728B52AA6E4}">
+                <adec:decorative xmlns:adec="http://schemas.microsoft.com/office/drawing/2017/decorative" val="1"/>
+              </a:ext>
+            </a:extLst>
+          </p:cNvPr>
+          <p:cNvSpPr>
+            <a:spLocks noGrp="1" noRot="1" noChangeAspect="1" noMove="1" noResize="1" noEditPoints="1" noAdjustHandles="1" noChangeArrowheads="1" noChangeShapeType="1" noTextEdit="1"/>
+          </p:cNvSpPr>
+          <p:nvPr>
+            <p:extLst>
+              <p:ext uri="{386F3935-93C4-4BCD-93E2-E3B085C9AB24}">
+                <p16:designElem xmlns:p16="http://schemas.microsoft.com/office/powerpoint/2015/main" val="1"/>
+              </p:ext>
+            </p:extLst>
+          </p:nvPr>
+        </p:nvSpPr>
+        <p:spPr>
+          <a:xfrm rot="18900000">
+            <a:off x="315857" y="-131277"/>
+            <a:ext cx="1853969" cy="1042921"/>
+          </a:xfrm>
+          <a:custGeom>
+            <a:avLst/>
+            <a:gdLst>
+              <a:gd name="connsiteX0" fmla="*/ 959154 w 1853969"/>
+              <a:gd name="connsiteY0" fmla="*/ 1828 h 1042921"/>
+              <a:gd name="connsiteX1" fmla="*/ 1842210 w 1853969"/>
+              <a:gd name="connsiteY1" fmla="*/ 884883 h 1042921"/>
+              <a:gd name="connsiteX2" fmla="*/ 1849183 w 1853969"/>
+              <a:gd name="connsiteY2" fmla="*/ 936288 h 1042921"/>
+              <a:gd name="connsiteX3" fmla="*/ 1853969 w 1853969"/>
+              <a:gd name="connsiteY3" fmla="*/ 1042921 h 1042921"/>
+              <a:gd name="connsiteX4" fmla="*/ 1390476 w 1853969"/>
+              <a:gd name="connsiteY4" fmla="*/ 1042921 h 1042921"/>
+              <a:gd name="connsiteX5" fmla="*/ 926984 w 1853969"/>
+              <a:gd name="connsiteY5" fmla="*/ 521461 h 1042921"/>
+              <a:gd name="connsiteX6" fmla="*/ 463493 w 1853969"/>
+              <a:gd name="connsiteY6" fmla="*/ 1042921 h 1042921"/>
+              <a:gd name="connsiteX7" fmla="*/ 0 w 1853969"/>
+              <a:gd name="connsiteY7" fmla="*/ 1042921 h 1042921"/>
+              <a:gd name="connsiteX8" fmla="*/ 926985 w 1853969"/>
+              <a:gd name="connsiteY8" fmla="*/ 0 h 1042921"/>
+            </a:gdLst>
+            <a:ahLst/>
+            <a:cxnLst>
+              <a:cxn ang="0">
+                <a:pos x="connsiteX0" y="connsiteY0"/>
+              </a:cxn>
+              <a:cxn ang="0">
+                <a:pos x="connsiteX1" y="connsiteY1"/>
+              </a:cxn>
+              <a:cxn ang="0">
+                <a:pos x="connsiteX2" y="connsiteY2"/>
+              </a:cxn>
+              <a:cxn ang="0">
+                <a:pos x="connsiteX3" y="connsiteY3"/>
+              </a:cxn>
+              <a:cxn ang="0">
+                <a:pos x="connsiteX4" y="connsiteY4"/>
+              </a:cxn>
+              <a:cxn ang="0">
+                <a:pos x="connsiteX5" y="connsiteY5"/>
+              </a:cxn>
+              <a:cxn ang="0">
+                <a:pos x="connsiteX6" y="connsiteY6"/>
+              </a:cxn>
+              <a:cxn ang="0">
+                <a:pos x="connsiteX7" y="connsiteY7"/>
+              </a:cxn>
+              <a:cxn ang="0">
+                <a:pos x="connsiteX8" y="connsiteY8"/>
+              </a:cxn>
+            </a:cxnLst>
+            <a:rect l="l" t="t" r="r" b="b"/>
+            <a:pathLst>
+              <a:path w="1853969" h="1042921">
+                <a:moveTo>
+                  <a:pt x="959154" y="1828"/>
+                </a:moveTo>
+                <a:lnTo>
+                  <a:pt x="1842210" y="884883"/>
+                </a:lnTo>
+                <a:lnTo>
+                  <a:pt x="1849183" y="936288"/>
+                </a:lnTo>
+                <a:cubicBezTo>
+                  <a:pt x="1852348" y="971348"/>
+                  <a:pt x="1853969" y="1006922"/>
+                  <a:pt x="1853969" y="1042921"/>
+                </a:cubicBezTo>
+                <a:lnTo>
+                  <a:pt x="1390476" y="1042921"/>
+                </a:lnTo>
+                <a:cubicBezTo>
+                  <a:pt x="1390476" y="754927"/>
+                  <a:pt x="1182964" y="521461"/>
+                  <a:pt x="926984" y="521461"/>
+                </a:cubicBezTo>
+                <a:cubicBezTo>
+                  <a:pt x="671005" y="521461"/>
+                  <a:pt x="463493" y="754927"/>
+                  <a:pt x="463493" y="1042921"/>
+                </a:cubicBezTo>
+                <a:lnTo>
+                  <a:pt x="0" y="1042921"/>
+                </a:lnTo>
+                <a:cubicBezTo>
+                  <a:pt x="0" y="466932"/>
+                  <a:pt x="415025" y="0"/>
+                  <a:pt x="926985" y="0"/>
+                </a:cubicBezTo>
+                <a:close/>
+              </a:path>
+            </a:pathLst>
+          </a:custGeom>
+          <a:solidFill>
+            <a:schemeClr val="bg2">
+              <a:lumMod val="50000"/>
+              <a:lumOff val="50000"/>
+              <a:alpha val="20000"/>
+            </a:schemeClr>
+          </a:solidFill>
+          <a:ln>
+            <a:noFill/>
+          </a:ln>
+          <a:effectLst>
+            <a:softEdge rad="190500"/>
+          </a:effectLst>
+        </p:spPr>
+        <p:style>
+          <a:lnRef idx="2">
+            <a:schemeClr val="accent1">
+              <a:shade val="50000"/>
+            </a:schemeClr>
+          </a:lnRef>
+          <a:fillRef idx="1">
+            <a:schemeClr val="accent1"/>
+          </a:fillRef>
+          <a:effectRef idx="0">
+            <a:schemeClr val="accent1"/>
+          </a:effectRef>
+          <a:fontRef idx="minor">
+            <a:schemeClr val="lt1"/>
+          </a:fontRef>
+        </p:style>
+        <p:txBody>
+          <a:bodyPr wrap="square" rtlCol="0" anchor="ctr">
+            <a:noAutofit/>
+          </a:bodyPr>
+          <a:lstStyle/>
+          <a:p>
+            <a:pPr algn="ctr"/>
+            <a:endParaRPr lang="en-US" dirty="0">
+              <a:solidFill>
+                <a:schemeClr val="tx1"/>
+              </a:solidFill>
+            </a:endParaRPr>
+          </a:p>
+        </p:txBody>
+      </p:sp>
+      <p:sp>
+        <p:nvSpPr>
+          <p:cNvPr id="44" name="Oval 17">
+            <a:extLst>
+              <a:ext uri="{FF2B5EF4-FFF2-40B4-BE49-F238E27FC236}">
+                <a16:creationId xmlns:a16="http://schemas.microsoft.com/office/drawing/2014/main" id="{88D9FE19-3EE9-41F7-8054-F2C86DBEB361}"/>
+              </a:ext>
+              <a:ext uri="{C183D7F6-B498-43B3-948B-1728B52AA6E4}">
+                <adec:decorative xmlns:adec="http://schemas.microsoft.com/office/drawing/2017/decorative" val="1"/>
+              </a:ext>
+            </a:extLst>
+          </p:cNvPr>
+          <p:cNvSpPr>
+            <a:spLocks noGrp="1" noRot="1" noChangeAspect="1" noMove="1" noResize="1" noEditPoints="1" noAdjustHandles="1" noChangeArrowheads="1" noChangeShapeType="1" noTextEdit="1"/>
+          </p:cNvSpPr>
+          <p:nvPr>
+            <p:extLst>
+              <p:ext uri="{386F3935-93C4-4BCD-93E2-E3B085C9AB24}">
+                <p16:designElem xmlns:p16="http://schemas.microsoft.com/office/powerpoint/2015/main" val="1"/>
+              </p:ext>
+            </p:extLst>
+          </p:nvPr>
+        </p:nvSpPr>
+        <p:spPr>
+          <a:xfrm>
+            <a:off x="979908" y="4729022"/>
+            <a:ext cx="360000" cy="360000"/>
+          </a:xfrm>
+          <a:prstGeom prst="ellipse">
+            <a:avLst/>
+          </a:prstGeom>
+          <a:gradFill flip="none" rotWithShape="1">
+            <a:gsLst>
+              <a:gs pos="100000">
+                <a:schemeClr val="bg2">
+                  <a:lumMod val="50000"/>
+                  <a:lumOff val="50000"/>
+                </a:schemeClr>
+              </a:gs>
+              <a:gs pos="60000">
+                <a:schemeClr val="bg2"/>
+              </a:gs>
+            </a:gsLst>
+            <a:path path="circle">
+              <a:fillToRect l="100000" b="100000"/>
+            </a:path>
+            <a:tileRect t="-100000" r="-100000"/>
+          </a:gradFill>
+          <a:ln>
+            <a:noFill/>
+          </a:ln>
+          <a:effectLst>
+            <a:innerShdw blurRad="127000" dist="63500" dir="2700000">
+              <a:schemeClr val="accent1">
+                <a:lumMod val="60000"/>
+                <a:lumOff val="40000"/>
+                <a:alpha val="20000"/>
+              </a:schemeClr>
+            </a:innerShdw>
+            <a:softEdge rad="0"/>
+          </a:effectLst>
+        </p:spPr>
+        <p:style>
+          <a:lnRef idx="2">
+            <a:schemeClr val="accent1">
+              <a:shade val="50000"/>
+            </a:schemeClr>
+          </a:lnRef>
+          <a:fillRef idx="1">
+            <a:schemeClr val="accent1"/>
+          </a:fillRef>
+          <a:effectRef idx="0">
+            <a:schemeClr val="accent1"/>
+          </a:effectRef>
+          <a:fontRef idx="minor">
+            <a:schemeClr val="lt1"/>
+          </a:fontRef>
+        </p:style>
+        <p:txBody>
+          <a:bodyPr rot="0" spcFirstLastPara="0" vertOverflow="overflow" horzOverflow="overflow" vert="horz" wrap="square" lIns="91440" tIns="45720" rIns="91440" bIns="45720" numCol="1" spcCol="0" rtlCol="0" fromWordArt="0" anchor="ctr" anchorCtr="0" forceAA="0" compatLnSpc="1">
+            <a:prstTxWarp prst="textNoShape">
+              <a:avLst/>
+            </a:prstTxWarp>
+            <a:noAutofit/>
+          </a:bodyPr>
+          <a:lstStyle/>
+          <a:p>
+            <a:pPr algn="ctr"/>
+            <a:endParaRPr lang="en-US"/>
           </a:p>
         </p:txBody>
       </p:sp>
@@ -14401,21 +14643,435 @@
             <p:ph idx="1"/>
           </p:nvPr>
         </p:nvSpPr>
-        <p:spPr/>
+        <p:spPr>
+          <a:xfrm>
+            <a:off x="3377566" y="3052367"/>
+            <a:ext cx="5418772" cy="3040458"/>
+          </a:xfrm>
+        </p:spPr>
         <p:txBody>
-          <a:bodyPr/>
+          <a:bodyPr anchor="t">
+            <a:normAutofit/>
+          </a:bodyPr>
           <a:lstStyle/>
           <a:p>
             <a:r>
-              <a:rPr lang="fr-FR" dirty="0"/>
+              <a:rPr lang="fr-FR" sz="1600"/>
+              <a:t>NavBar et Footer</a:t>
+            </a:r>
+          </a:p>
+          <a:p>
+            <a:r>
+              <a:rPr lang="fr-FR" sz="1600"/>
               <a:t>Backoffice</a:t>
             </a:r>
           </a:p>
           <a:p>
-            <a:endParaRPr lang="fr-FR" dirty="0"/>
+            <a:endParaRPr lang="fr-FR" sz="1600"/>
           </a:p>
           <a:p>
-            <a:endParaRPr lang="fr-FR" dirty="0"/>
+            <a:endParaRPr lang="fr-FR" sz="1600"/>
+          </a:p>
+        </p:txBody>
+      </p:sp>
+      <p:grpSp>
+        <p:nvGrpSpPr>
+          <p:cNvPr id="20" name="Group 19">
+            <a:extLst>
+              <a:ext uri="{FF2B5EF4-FFF2-40B4-BE49-F238E27FC236}">
+                <a16:creationId xmlns:a16="http://schemas.microsoft.com/office/drawing/2014/main" id="{1D7EF0A0-9237-4001-884B-9E0F5ECE4944}"/>
+              </a:ext>
+              <a:ext uri="{C183D7F6-B498-43B3-948B-1728B52AA6E4}">
+                <adec:decorative xmlns:adec="http://schemas.microsoft.com/office/drawing/2017/decorative" val="1"/>
+              </a:ext>
+            </a:extLst>
+          </p:cNvPr>
+          <p:cNvGrpSpPr>
+            <a:grpSpLocks noGrp="1" noUngrp="1" noRot="1" noChangeAspect="1" noMove="1" noResize="1"/>
+          </p:cNvGrpSpPr>
+          <p:nvPr>
+            <p:extLst>
+              <p:ext uri="{386F3935-93C4-4BCD-93E2-E3B085C9AB24}">
+                <p16:designElem xmlns:p16="http://schemas.microsoft.com/office/powerpoint/2015/main" val="1"/>
+              </p:ext>
+            </p:extLst>
+          </p:nvPr>
+        </p:nvGrpSpPr>
+        <p:grpSpPr>
+          <a:xfrm>
+            <a:off x="8962595" y="3429000"/>
+            <a:ext cx="2679292" cy="2525894"/>
+            <a:chOff x="9469123" y="4029759"/>
+            <a:chExt cx="2679292" cy="2525894"/>
+          </a:xfrm>
+        </p:grpSpPr>
+        <p:sp>
+          <p:nvSpPr>
+            <p:cNvPr id="45" name="Freeform: Shape 20">
+              <a:extLst>
+                <a:ext uri="{FF2B5EF4-FFF2-40B4-BE49-F238E27FC236}">
+                  <a16:creationId xmlns:a16="http://schemas.microsoft.com/office/drawing/2014/main" id="{149490B2-2AF9-4660-9B40-248A345D9532}"/>
+                </a:ext>
+                <a:ext uri="{C183D7F6-B498-43B3-948B-1728B52AA6E4}">
+                  <adec:decorative xmlns:adec="http://schemas.microsoft.com/office/drawing/2017/decorative" val="1"/>
+                </a:ext>
+              </a:extLst>
+            </p:cNvPr>
+            <p:cNvSpPr>
+              <a:spLocks noChangeAspect="1"/>
+            </p:cNvSpPr>
+            <p:nvPr>
+              <p:extLst>
+                <p:ext uri="{386F3935-93C4-4BCD-93E2-E3B085C9AB24}">
+                  <p16:designElem xmlns:p16="http://schemas.microsoft.com/office/powerpoint/2015/main" val="1"/>
+                </p:ext>
+              </p:extLst>
+            </p:nvPr>
+          </p:nvSpPr>
+          <p:spPr>
+            <a:xfrm rot="8100000">
+              <a:off x="9988415" y="4029759"/>
+              <a:ext cx="2160000" cy="2525894"/>
+            </a:xfrm>
+            <a:custGeom>
+              <a:avLst/>
+              <a:gdLst>
+                <a:gd name="connsiteX0" fmla="*/ 540000 w 1080000"/>
+                <a:gd name="connsiteY0" fmla="*/ 0 h 1262947"/>
+                <a:gd name="connsiteX1" fmla="*/ 1080000 w 1080000"/>
+                <a:gd name="connsiteY1" fmla="*/ 931034 h 1262947"/>
+                <a:gd name="connsiteX2" fmla="*/ 1064374 w 1080000"/>
+                <a:gd name="connsiteY2" fmla="*/ 931034 h 1262947"/>
+                <a:gd name="connsiteX3" fmla="*/ 1069029 w 1080000"/>
+                <a:gd name="connsiteY3" fmla="*/ 938533 h 1262947"/>
+                <a:gd name="connsiteX4" fmla="*/ 1080000 w 1080000"/>
+                <a:gd name="connsiteY4" fmla="*/ 992947 h 1262947"/>
+                <a:gd name="connsiteX5" fmla="*/ 540000 w 1080000"/>
+                <a:gd name="connsiteY5" fmla="*/ 1262947 h 1262947"/>
+                <a:gd name="connsiteX6" fmla="*/ 0 w 1080000"/>
+                <a:gd name="connsiteY6" fmla="*/ 992947 h 1262947"/>
+                <a:gd name="connsiteX7" fmla="*/ 10971 w 1080000"/>
+                <a:gd name="connsiteY7" fmla="*/ 938533 h 1262947"/>
+                <a:gd name="connsiteX8" fmla="*/ 15626 w 1080000"/>
+                <a:gd name="connsiteY8" fmla="*/ 931034 h 1262947"/>
+                <a:gd name="connsiteX9" fmla="*/ 0 w 1080000"/>
+                <a:gd name="connsiteY9" fmla="*/ 931034 h 1262947"/>
+                <a:gd name="connsiteX0" fmla="*/ 540000 w 1080000"/>
+                <a:gd name="connsiteY0" fmla="*/ 0 h 1262947"/>
+                <a:gd name="connsiteX1" fmla="*/ 1080000 w 1080000"/>
+                <a:gd name="connsiteY1" fmla="*/ 931034 h 1262947"/>
+                <a:gd name="connsiteX2" fmla="*/ 1064374 w 1080000"/>
+                <a:gd name="connsiteY2" fmla="*/ 931034 h 1262947"/>
+                <a:gd name="connsiteX3" fmla="*/ 1069029 w 1080000"/>
+                <a:gd name="connsiteY3" fmla="*/ 938533 h 1262947"/>
+                <a:gd name="connsiteX4" fmla="*/ 1080000 w 1080000"/>
+                <a:gd name="connsiteY4" fmla="*/ 992947 h 1262947"/>
+                <a:gd name="connsiteX5" fmla="*/ 540000 w 1080000"/>
+                <a:gd name="connsiteY5" fmla="*/ 1262947 h 1262947"/>
+                <a:gd name="connsiteX6" fmla="*/ 0 w 1080000"/>
+                <a:gd name="connsiteY6" fmla="*/ 992947 h 1262947"/>
+                <a:gd name="connsiteX7" fmla="*/ 10971 w 1080000"/>
+                <a:gd name="connsiteY7" fmla="*/ 938533 h 1262947"/>
+                <a:gd name="connsiteX8" fmla="*/ 15626 w 1080000"/>
+                <a:gd name="connsiteY8" fmla="*/ 931034 h 1262947"/>
+                <a:gd name="connsiteX9" fmla="*/ 540000 w 1080000"/>
+                <a:gd name="connsiteY9" fmla="*/ 0 h 1262947"/>
+                <a:gd name="connsiteX0" fmla="*/ 540000 w 1080000"/>
+                <a:gd name="connsiteY0" fmla="*/ 0 h 1262947"/>
+                <a:gd name="connsiteX1" fmla="*/ 1064374 w 1080000"/>
+                <a:gd name="connsiteY1" fmla="*/ 931034 h 1262947"/>
+                <a:gd name="connsiteX2" fmla="*/ 1069029 w 1080000"/>
+                <a:gd name="connsiteY2" fmla="*/ 938533 h 1262947"/>
+                <a:gd name="connsiteX3" fmla="*/ 1080000 w 1080000"/>
+                <a:gd name="connsiteY3" fmla="*/ 992947 h 1262947"/>
+                <a:gd name="connsiteX4" fmla="*/ 540000 w 1080000"/>
+                <a:gd name="connsiteY4" fmla="*/ 1262947 h 1262947"/>
+                <a:gd name="connsiteX5" fmla="*/ 0 w 1080000"/>
+                <a:gd name="connsiteY5" fmla="*/ 992947 h 1262947"/>
+                <a:gd name="connsiteX6" fmla="*/ 10971 w 1080000"/>
+                <a:gd name="connsiteY6" fmla="*/ 938533 h 1262947"/>
+                <a:gd name="connsiteX7" fmla="*/ 15626 w 1080000"/>
+                <a:gd name="connsiteY7" fmla="*/ 931034 h 1262947"/>
+                <a:gd name="connsiteX8" fmla="*/ 540000 w 1080000"/>
+                <a:gd name="connsiteY8" fmla="*/ 0 h 1262947"/>
+              </a:gdLst>
+              <a:ahLst/>
+              <a:cxnLst>
+                <a:cxn ang="0">
+                  <a:pos x="connsiteX0" y="connsiteY0"/>
+                </a:cxn>
+                <a:cxn ang="0">
+                  <a:pos x="connsiteX1" y="connsiteY1"/>
+                </a:cxn>
+                <a:cxn ang="0">
+                  <a:pos x="connsiteX2" y="connsiteY2"/>
+                </a:cxn>
+                <a:cxn ang="0">
+                  <a:pos x="connsiteX3" y="connsiteY3"/>
+                </a:cxn>
+                <a:cxn ang="0">
+                  <a:pos x="connsiteX4" y="connsiteY4"/>
+                </a:cxn>
+                <a:cxn ang="0">
+                  <a:pos x="connsiteX5" y="connsiteY5"/>
+                </a:cxn>
+                <a:cxn ang="0">
+                  <a:pos x="connsiteX6" y="connsiteY6"/>
+                </a:cxn>
+                <a:cxn ang="0">
+                  <a:pos x="connsiteX7" y="connsiteY7"/>
+                </a:cxn>
+                <a:cxn ang="0">
+                  <a:pos x="connsiteX8" y="connsiteY8"/>
+                </a:cxn>
+              </a:cxnLst>
+              <a:rect l="l" t="t" r="r" b="b"/>
+              <a:pathLst>
+                <a:path w="1080000" h="1262947">
+                  <a:moveTo>
+                    <a:pt x="540000" y="0"/>
+                  </a:moveTo>
+                  <a:lnTo>
+                    <a:pt x="1064374" y="931034"/>
+                  </a:lnTo>
+                  <a:lnTo>
+                    <a:pt x="1069029" y="938533"/>
+                  </a:lnTo>
+                  <a:cubicBezTo>
+                    <a:pt x="1076223" y="956109"/>
+                    <a:pt x="1080000" y="974307"/>
+                    <a:pt x="1080000" y="992947"/>
+                  </a:cubicBezTo>
+                  <a:cubicBezTo>
+                    <a:pt x="1080000" y="1142064"/>
+                    <a:pt x="838234" y="1262947"/>
+                    <a:pt x="540000" y="1262947"/>
+                  </a:cubicBezTo>
+                  <a:cubicBezTo>
+                    <a:pt x="241766" y="1262947"/>
+                    <a:pt x="0" y="1142064"/>
+                    <a:pt x="0" y="992947"/>
+                  </a:cubicBezTo>
+                  <a:cubicBezTo>
+                    <a:pt x="0" y="974307"/>
+                    <a:pt x="3778" y="956109"/>
+                    <a:pt x="10971" y="938533"/>
+                  </a:cubicBezTo>
+                  <a:lnTo>
+                    <a:pt x="15626" y="931034"/>
+                  </a:lnTo>
+                  <a:lnTo>
+                    <a:pt x="540000" y="0"/>
+                  </a:lnTo>
+                  <a:close/>
+                </a:path>
+              </a:pathLst>
+            </a:custGeom>
+            <a:gradFill>
+              <a:gsLst>
+                <a:gs pos="60000">
+                  <a:schemeClr val="bg2">
+                    <a:lumMod val="90000"/>
+                    <a:lumOff val="10000"/>
+                  </a:schemeClr>
+                </a:gs>
+                <a:gs pos="30000">
+                  <a:schemeClr val="bg2">
+                    <a:lumMod val="90000"/>
+                    <a:lumOff val="10000"/>
+                  </a:schemeClr>
+                </a:gs>
+                <a:gs pos="40000">
+                  <a:schemeClr val="bg2">
+                    <a:lumMod val="80000"/>
+                    <a:lumOff val="20000"/>
+                  </a:schemeClr>
+                </a:gs>
+                <a:gs pos="100000">
+                  <a:schemeClr val="bg2"/>
+                </a:gs>
+              </a:gsLst>
+              <a:lin ang="600000" scaled="0"/>
+            </a:gradFill>
+            <a:ln>
+              <a:noFill/>
+            </a:ln>
+            <a:effectLst>
+              <a:innerShdw blurRad="508000" dist="203200" dir="7320000">
+                <a:schemeClr val="accent1">
+                  <a:lumMod val="60000"/>
+                  <a:lumOff val="40000"/>
+                </a:schemeClr>
+              </a:innerShdw>
+            </a:effectLst>
+          </p:spPr>
+          <p:style>
+            <a:lnRef idx="2">
+              <a:schemeClr val="accent1">
+                <a:shade val="50000"/>
+              </a:schemeClr>
+            </a:lnRef>
+            <a:fillRef idx="1">
+              <a:schemeClr val="accent1"/>
+            </a:fillRef>
+            <a:effectRef idx="0">
+              <a:schemeClr val="accent1"/>
+            </a:effectRef>
+            <a:fontRef idx="minor">
+              <a:schemeClr val="lt1"/>
+            </a:fontRef>
+          </p:style>
+          <p:txBody>
+            <a:bodyPr rot="0" spcFirstLastPara="0" vertOverflow="overflow" horzOverflow="overflow" vert="horz" wrap="square" lIns="91440" tIns="45720" rIns="91440" bIns="45720" numCol="1" spcCol="0" rtlCol="0" fromWordArt="0" anchor="ctr" anchorCtr="0" forceAA="0" compatLnSpc="1">
+              <a:prstTxWarp prst="textNoShape">
+                <a:avLst/>
+              </a:prstTxWarp>
+              <a:noAutofit/>
+            </a:bodyPr>
+            <a:lstStyle/>
+            <a:p>
+              <a:pPr algn="ctr"/>
+              <a:endParaRPr lang="en-US"/>
+            </a:p>
+          </p:txBody>
+        </p:sp>
+        <p:sp>
+          <p:nvSpPr>
+            <p:cNvPr id="46" name="Oval 21">
+              <a:extLst>
+                <a:ext uri="{FF2B5EF4-FFF2-40B4-BE49-F238E27FC236}">
+                  <a16:creationId xmlns:a16="http://schemas.microsoft.com/office/drawing/2014/main" id="{0364A160-6ADA-4260-92B9-9BD8B6681296}"/>
+                </a:ext>
+                <a:ext uri="{C183D7F6-B498-43B3-948B-1728B52AA6E4}">
+                  <adec:decorative xmlns:adec="http://schemas.microsoft.com/office/drawing/2017/decorative" val="1"/>
+                </a:ext>
+              </a:extLst>
+            </p:cNvPr>
+            <p:cNvSpPr/>
+            <p:nvPr>
+              <p:extLst>
+                <p:ext uri="{386F3935-93C4-4BCD-93E2-E3B085C9AB24}">
+                  <p16:designElem xmlns:p16="http://schemas.microsoft.com/office/powerpoint/2015/main" val="1"/>
+                </p:ext>
+              </p:extLst>
+            </p:nvPr>
+          </p:nvSpPr>
+          <p:spPr>
+            <a:xfrm rot="13500000">
+              <a:off x="10009123" y="3693413"/>
+              <a:ext cx="1080000" cy="2160000"/>
+            </a:xfrm>
+            <a:prstGeom prst="ellipse">
+              <a:avLst/>
+            </a:prstGeom>
+            <a:solidFill>
+              <a:schemeClr val="bg2">
+                <a:lumMod val="90000"/>
+                <a:lumOff val="10000"/>
+              </a:schemeClr>
+            </a:solidFill>
+            <a:ln>
+              <a:noFill/>
+            </a:ln>
+            <a:effectLst>
+              <a:innerShdw blurRad="1270000" dist="2540000">
+                <a:schemeClr val="accent1">
+                  <a:lumMod val="60000"/>
+                  <a:lumOff val="40000"/>
+                  <a:alpha val="0"/>
+                </a:schemeClr>
+              </a:innerShdw>
+            </a:effectLst>
+          </p:spPr>
+          <p:style>
+            <a:lnRef idx="2">
+              <a:schemeClr val="accent1">
+                <a:shade val="50000"/>
+              </a:schemeClr>
+            </a:lnRef>
+            <a:fillRef idx="1">
+              <a:schemeClr val="accent1"/>
+            </a:fillRef>
+            <a:effectRef idx="0">
+              <a:schemeClr val="accent1"/>
+            </a:effectRef>
+            <a:fontRef idx="minor">
+              <a:schemeClr val="lt1"/>
+            </a:fontRef>
+          </p:style>
+          <p:txBody>
+            <a:bodyPr rot="0" spcFirstLastPara="0" vertOverflow="overflow" horzOverflow="overflow" vert="horz" wrap="square" lIns="91440" tIns="45720" rIns="91440" bIns="45720" numCol="1" spcCol="0" rtlCol="0" fromWordArt="0" anchor="ctr" anchorCtr="0" forceAA="0" compatLnSpc="1">
+              <a:prstTxWarp prst="textNoShape">
+                <a:avLst/>
+              </a:prstTxWarp>
+              <a:noAutofit/>
+            </a:bodyPr>
+            <a:lstStyle/>
+            <a:p>
+              <a:pPr algn="ctr"/>
+              <a:endParaRPr lang="en-US"/>
+            </a:p>
+          </p:txBody>
+        </p:sp>
+      </p:grpSp>
+      <p:sp>
+        <p:nvSpPr>
+          <p:cNvPr id="47" name="Oval 46">
+            <a:extLst>
+              <a:ext uri="{FF2B5EF4-FFF2-40B4-BE49-F238E27FC236}">
+                <a16:creationId xmlns:a16="http://schemas.microsoft.com/office/drawing/2014/main" id="{775ECED9-B192-4892-A822-01EA5C41F5AD}"/>
+              </a:ext>
+            </a:extLst>
+          </p:cNvPr>
+          <p:cNvSpPr/>
+          <p:nvPr/>
+        </p:nvSpPr>
+        <p:spPr>
+          <a:xfrm>
+            <a:off x="221942" y="6275609"/>
+            <a:ext cx="360960" cy="364888"/>
+          </a:xfrm>
+          <a:prstGeom prst="ellipse">
+            <a:avLst/>
+          </a:prstGeom>
+          <a:solidFill>
+            <a:schemeClr val="tx1"/>
+          </a:solidFill>
+          <a:ln>
+            <a:solidFill>
+              <a:schemeClr val="tx1"/>
+            </a:solidFill>
+          </a:ln>
+        </p:spPr>
+        <p:style>
+          <a:lnRef idx="2">
+            <a:schemeClr val="accent1">
+              <a:shade val="50000"/>
+            </a:schemeClr>
+          </a:lnRef>
+          <a:fillRef idx="1">
+            <a:schemeClr val="accent1"/>
+          </a:fillRef>
+          <a:effectRef idx="0">
+            <a:schemeClr val="accent1"/>
+          </a:effectRef>
+          <a:fontRef idx="minor">
+            <a:schemeClr val="lt1"/>
+          </a:fontRef>
+        </p:style>
+        <p:txBody>
+          <a:bodyPr rtlCol="0" anchor="ctr"/>
+          <a:lstStyle/>
+          <a:p>
+            <a:pPr algn="ctr"/>
+            <a:r>
+              <a:rPr lang="fr-FR" dirty="0">
+                <a:solidFill>
+                  <a:schemeClr val="bg1"/>
+                </a:solidFill>
+              </a:rPr>
+              <a:t>4</a:t>
+            </a:r>
           </a:p>
         </p:txBody>
       </p:sp>
@@ -14507,6 +15163,67 @@
             <a:r>
               <a:rPr lang="fr-FR" dirty="0"/>
               <a:t>Durée correcte</a:t>
+            </a:r>
+          </a:p>
+        </p:txBody>
+      </p:sp>
+      <p:sp>
+        <p:nvSpPr>
+          <p:cNvPr id="4" name="Oval 3">
+            <a:extLst>
+              <a:ext uri="{FF2B5EF4-FFF2-40B4-BE49-F238E27FC236}">
+                <a16:creationId xmlns:a16="http://schemas.microsoft.com/office/drawing/2014/main" id="{E7F18090-77E6-4085-9307-D636A56149B5}"/>
+              </a:ext>
+            </a:extLst>
+          </p:cNvPr>
+          <p:cNvSpPr/>
+          <p:nvPr/>
+        </p:nvSpPr>
+        <p:spPr>
+          <a:xfrm>
+            <a:off x="221942" y="6275609"/>
+            <a:ext cx="360960" cy="364888"/>
+          </a:xfrm>
+          <a:prstGeom prst="ellipse">
+            <a:avLst/>
+          </a:prstGeom>
+          <a:solidFill>
+            <a:schemeClr val="tx1"/>
+          </a:solidFill>
+          <a:ln>
+            <a:solidFill>
+              <a:schemeClr val="tx1"/>
+            </a:solidFill>
+          </a:ln>
+        </p:spPr>
+        <p:style>
+          <a:lnRef idx="2">
+            <a:schemeClr val="accent1">
+              <a:shade val="50000"/>
+            </a:schemeClr>
+          </a:lnRef>
+          <a:fillRef idx="1">
+            <a:schemeClr val="accent1"/>
+          </a:fillRef>
+          <a:effectRef idx="0">
+            <a:schemeClr val="accent1"/>
+          </a:effectRef>
+          <a:fontRef idx="minor">
+            <a:schemeClr val="lt1"/>
+          </a:fontRef>
+        </p:style>
+        <p:txBody>
+          <a:bodyPr rtlCol="0" anchor="ctr"/>
+          <a:lstStyle/>
+          <a:p>
+            <a:pPr algn="ctr"/>
+            <a:r>
+              <a:rPr lang="fr-FR" dirty="0">
+                <a:solidFill>
+                  <a:schemeClr val="bg1"/>
+                </a:solidFill>
+              </a:rPr>
+              <a:t>5</a:t>
             </a:r>
           </a:p>
         </p:txBody>

--- a/Presentation_oral_LIEUTAUD_CELINE.pptx
+++ b/Presentation_oral_LIEUTAUD_CELINE.pptx
@@ -9,7 +9,7 @@
   </p:notesMasterIdLst>
   <p:sldIdLst>
     <p:sldId id="256" r:id="rId2"/>
-    <p:sldId id="257" r:id="rId3"/>
+    <p:sldId id="1554" r:id="rId3"/>
     <p:sldId id="1551" r:id="rId4"/>
     <p:sldId id="1552" r:id="rId5"/>
     <p:sldId id="1553" r:id="rId6"/>
@@ -120,15 +120,15 @@
 </file>
 
 <file path=ppt/diagrams/colors1.xml><?xml version="1.0" encoding="utf-8"?>
-<dgm:colorsDef xmlns:dgm="http://schemas.openxmlformats.org/drawingml/2006/diagram" xmlns:a="http://schemas.openxmlformats.org/drawingml/2006/main" uniqueId="urn:microsoft.com/office/officeart/2005/8/colors/accent6_2">
+<dgm:colorsDef xmlns:dgm="http://schemas.openxmlformats.org/drawingml/2006/diagram" xmlns:a="http://schemas.openxmlformats.org/drawingml/2006/main" uniqueId="urn:microsoft.com/office/officeart/2018/5/colors/Iconchunking_neutralbg_colorful1">
   <dgm:title val=""/>
   <dgm:desc val=""/>
   <dgm:catLst>
-    <dgm:cat type="accent6" pri="11200"/>
+    <dgm:cat type="colorful" pri="10100"/>
   </dgm:catLst>
   <dgm:styleLbl name="node0">
     <dgm:fillClrLst meth="repeat">
-      <a:schemeClr val="accent6"/>
+      <a:schemeClr val="accent1"/>
     </dgm:fillClrLst>
     <dgm:linClrLst meth="repeat">
       <a:schemeClr val="lt1"/>
@@ -140,10 +140,16 @@
   </dgm:styleLbl>
   <dgm:styleLbl name="node1">
     <dgm:fillClrLst meth="repeat">
+      <a:schemeClr val="accent2"/>
+      <a:schemeClr val="accent3"/>
+      <a:schemeClr val="accent4"/>
+      <a:schemeClr val="accent5"/>
       <a:schemeClr val="accent6"/>
     </dgm:fillClrLst>
     <dgm:linClrLst meth="repeat">
-      <a:schemeClr val="lt1"/>
+      <a:schemeClr val="lt1">
+        <a:alpha val="0"/>
+      </a:schemeClr>
     </dgm:linClrLst>
     <dgm:effectClrLst/>
     <dgm:txLinClrLst/>
@@ -152,9 +158,17 @@
   </dgm:styleLbl>
   <dgm:styleLbl name="alignNode1">
     <dgm:fillClrLst meth="repeat">
+      <a:schemeClr val="accent2"/>
+      <a:schemeClr val="accent3"/>
+      <a:schemeClr val="accent4"/>
+      <a:schemeClr val="accent5"/>
       <a:schemeClr val="accent6"/>
     </dgm:fillClrLst>
     <dgm:linClrLst meth="repeat">
+      <a:schemeClr val="accent2"/>
+      <a:schemeClr val="accent3"/>
+      <a:schemeClr val="accent4"/>
+      <a:schemeClr val="accent5"/>
       <a:schemeClr val="accent6"/>
     </dgm:linClrLst>
     <dgm:effectClrLst/>
@@ -164,6 +178,10 @@
   </dgm:styleLbl>
   <dgm:styleLbl name="lnNode1">
     <dgm:fillClrLst meth="repeat">
+      <a:schemeClr val="accent2"/>
+      <a:schemeClr val="accent3"/>
+      <a:schemeClr val="accent4"/>
+      <a:schemeClr val="accent5"/>
       <a:schemeClr val="accent6"/>
     </dgm:fillClrLst>
     <dgm:linClrLst meth="repeat">
@@ -176,6 +194,18 @@
   </dgm:styleLbl>
   <dgm:styleLbl name="vennNode1">
     <dgm:fillClrLst meth="repeat">
+      <a:schemeClr val="accent2">
+        <a:alpha val="50000"/>
+      </a:schemeClr>
+      <a:schemeClr val="accent3">
+        <a:alpha val="50000"/>
+      </a:schemeClr>
+      <a:schemeClr val="accent4">
+        <a:alpha val="50000"/>
+      </a:schemeClr>
+      <a:schemeClr val="accent5">
+        <a:alpha val="50000"/>
+      </a:schemeClr>
       <a:schemeClr val="accent6">
         <a:alpha val="50000"/>
       </a:schemeClr>
@@ -189,8 +219,8 @@
     <dgm:txEffectClrLst/>
   </dgm:styleLbl>
   <dgm:styleLbl name="node2">
-    <dgm:fillClrLst meth="repeat">
-      <a:schemeClr val="accent6"/>
+    <dgm:fillClrLst>
+      <a:schemeClr val="accent2"/>
     </dgm:fillClrLst>
     <dgm:linClrLst meth="repeat">
       <a:schemeClr val="lt1"/>
@@ -201,8 +231,8 @@
     <dgm:txEffectClrLst/>
   </dgm:styleLbl>
   <dgm:styleLbl name="node3">
-    <dgm:fillClrLst meth="repeat">
-      <a:schemeClr val="accent6"/>
+    <dgm:fillClrLst>
+      <a:schemeClr val="accent3"/>
     </dgm:fillClrLst>
     <dgm:linClrLst meth="repeat">
       <a:schemeClr val="lt1"/>
@@ -213,8 +243,8 @@
     <dgm:txEffectClrLst/>
   </dgm:styleLbl>
   <dgm:styleLbl name="node4">
-    <dgm:fillClrLst meth="repeat">
-      <a:schemeClr val="accent6"/>
+    <dgm:fillClrLst>
+      <a:schemeClr val="accent4"/>
     </dgm:fillClrLst>
     <dgm:linClrLst meth="repeat">
       <a:schemeClr val="lt1"/>
@@ -226,6 +256,18 @@
   </dgm:styleLbl>
   <dgm:styleLbl name="fgImgPlace1">
     <dgm:fillClrLst meth="repeat">
+      <a:schemeClr val="accent2">
+        <a:tint val="50000"/>
+      </a:schemeClr>
+      <a:schemeClr val="accent3">
+        <a:tint val="50000"/>
+      </a:schemeClr>
+      <a:schemeClr val="accent4">
+        <a:tint val="50000"/>
+      </a:schemeClr>
+      <a:schemeClr val="accent5">
+        <a:tint val="50000"/>
+      </a:schemeClr>
       <a:schemeClr val="accent6">
         <a:tint val="50000"/>
       </a:schemeClr>
@@ -241,9 +283,12 @@
     <dgm:txEffectClrLst/>
   </dgm:styleLbl>
   <dgm:styleLbl name="alignImgPlace1">
-    <dgm:fillClrLst meth="repeat">
-      <a:schemeClr val="accent6">
+    <dgm:fillClrLst>
+      <a:schemeClr val="accent1">
         <a:tint val="50000"/>
+      </a:schemeClr>
+      <a:schemeClr val="accent2">
+        <a:tint val="20000"/>
       </a:schemeClr>
     </dgm:fillClrLst>
     <dgm:linClrLst meth="repeat">
@@ -257,9 +302,12 @@
     <dgm:txEffectClrLst/>
   </dgm:styleLbl>
   <dgm:styleLbl name="bgImgPlace1">
-    <dgm:fillClrLst meth="repeat">
-      <a:schemeClr val="accent6">
+    <dgm:fillClrLst>
+      <a:schemeClr val="accent1">
         <a:tint val="50000"/>
+      </a:schemeClr>
+      <a:schemeClr val="accent2">
+        <a:tint val="20000"/>
       </a:schemeClr>
     </dgm:fillClrLst>
     <dgm:linClrLst meth="repeat">
@@ -274,14 +322,14 @@
   </dgm:styleLbl>
   <dgm:styleLbl name="sibTrans2D1">
     <dgm:fillClrLst meth="repeat">
-      <a:schemeClr val="accent6">
-        <a:tint val="60000"/>
-      </a:schemeClr>
+      <a:schemeClr val="accent2"/>
+      <a:schemeClr val="accent3"/>
+      <a:schemeClr val="accent4"/>
+      <a:schemeClr val="accent5"/>
+      <a:schemeClr val="accent6"/>
     </dgm:fillClrLst>
-    <dgm:linClrLst meth="repeat">
-      <a:schemeClr val="accent6">
-        <a:tint val="60000"/>
-      </a:schemeClr>
+    <dgm:linClrLst meth="cycle">
+      <a:schemeClr val="lt1"/>
     </dgm:linClrLst>
     <dgm:effectClrLst/>
     <dgm:txLinClrLst/>
@@ -290,41 +338,53 @@
   </dgm:styleLbl>
   <dgm:styleLbl name="fgSibTrans2D1">
     <dgm:fillClrLst meth="repeat">
-      <a:schemeClr val="accent6">
-        <a:tint val="60000"/>
-      </a:schemeClr>
+      <a:schemeClr val="accent2"/>
+      <a:schemeClr val="accent3"/>
+      <a:schemeClr val="accent4"/>
+      <a:schemeClr val="accent5"/>
+      <a:schemeClr val="accent6"/>
     </dgm:fillClrLst>
-    <dgm:linClrLst meth="repeat">
-      <a:schemeClr val="accent6">
-        <a:tint val="60000"/>
-      </a:schemeClr>
+    <dgm:linClrLst meth="cycle">
+      <a:schemeClr val="lt1"/>
     </dgm:linClrLst>
     <dgm:effectClrLst/>
     <dgm:txLinClrLst/>
-    <dgm:txFillClrLst/>
+    <dgm:txFillClrLst meth="repeat">
+      <a:schemeClr val="lt1"/>
+    </dgm:txFillClrLst>
     <dgm:txEffectClrLst/>
   </dgm:styleLbl>
   <dgm:styleLbl name="bgSibTrans2D1">
     <dgm:fillClrLst meth="repeat">
-      <a:schemeClr val="accent6">
-        <a:tint val="60000"/>
-      </a:schemeClr>
+      <a:schemeClr val="accent2"/>
+      <a:schemeClr val="accent3"/>
+      <a:schemeClr val="accent4"/>
+      <a:schemeClr val="accent5"/>
+      <a:schemeClr val="accent6"/>
     </dgm:fillClrLst>
-    <dgm:linClrLst meth="repeat">
-      <a:schemeClr val="accent6">
-        <a:tint val="60000"/>
-      </a:schemeClr>
+    <dgm:linClrLst meth="cycle">
+      <a:schemeClr val="lt1"/>
     </dgm:linClrLst>
     <dgm:effectClrLst/>
     <dgm:txLinClrLst/>
-    <dgm:txFillClrLst/>
+    <dgm:txFillClrLst meth="repeat">
+      <a:schemeClr val="lt1"/>
+    </dgm:txFillClrLst>
     <dgm:txEffectClrLst/>
   </dgm:styleLbl>
   <dgm:styleLbl name="sibTrans1D1">
     <dgm:fillClrLst meth="repeat">
+      <a:schemeClr val="accent2"/>
+      <a:schemeClr val="accent3"/>
+      <a:schemeClr val="accent4"/>
+      <a:schemeClr val="accent5"/>
       <a:schemeClr val="accent6"/>
     </dgm:fillClrLst>
     <dgm:linClrLst meth="repeat">
+      <a:schemeClr val="accent2"/>
+      <a:schemeClr val="accent3"/>
+      <a:schemeClr val="accent4"/>
+      <a:schemeClr val="accent5"/>
       <a:schemeClr val="accent6"/>
     </dgm:linClrLst>
     <dgm:effectClrLst/>
@@ -336,10 +396,10 @@
   </dgm:styleLbl>
   <dgm:styleLbl name="callout">
     <dgm:fillClrLst meth="repeat">
-      <a:schemeClr val="accent6"/>
+      <a:schemeClr val="accent2"/>
     </dgm:fillClrLst>
     <dgm:linClrLst meth="repeat">
-      <a:schemeClr val="accent6">
+      <a:schemeClr val="accent2">
         <a:tint val="50000"/>
       </a:schemeClr>
     </dgm:linClrLst>
@@ -352,7 +412,7 @@
   </dgm:styleLbl>
   <dgm:styleLbl name="asst0">
     <dgm:fillClrLst meth="repeat">
-      <a:schemeClr val="accent6"/>
+      <a:schemeClr val="accent1"/>
     </dgm:fillClrLst>
     <dgm:linClrLst meth="repeat">
       <a:schemeClr val="lt1"/>
@@ -364,7 +424,7 @@
   </dgm:styleLbl>
   <dgm:styleLbl name="asst1">
     <dgm:fillClrLst meth="repeat">
-      <a:schemeClr val="accent6"/>
+      <a:schemeClr val="accent2"/>
     </dgm:fillClrLst>
     <dgm:linClrLst meth="repeat">
       <a:schemeClr val="lt1"/>
@@ -375,8 +435,8 @@
     <dgm:txEffectClrLst/>
   </dgm:styleLbl>
   <dgm:styleLbl name="asst2">
-    <dgm:fillClrLst meth="repeat">
-      <a:schemeClr val="accent6"/>
+    <dgm:fillClrLst>
+      <a:schemeClr val="accent3"/>
     </dgm:fillClrLst>
     <dgm:linClrLst meth="repeat">
       <a:schemeClr val="lt1"/>
@@ -387,8 +447,8 @@
     <dgm:txEffectClrLst/>
   </dgm:styleLbl>
   <dgm:styleLbl name="asst3">
-    <dgm:fillClrLst meth="repeat">
-      <a:schemeClr val="accent6"/>
+    <dgm:fillClrLst>
+      <a:schemeClr val="accent4"/>
     </dgm:fillClrLst>
     <dgm:linClrLst meth="repeat">
       <a:schemeClr val="lt1"/>
@@ -399,8 +459,8 @@
     <dgm:txEffectClrLst/>
   </dgm:styleLbl>
   <dgm:styleLbl name="asst4">
-    <dgm:fillClrLst meth="repeat">
-      <a:schemeClr val="accent6"/>
+    <dgm:fillClrLst>
+      <a:schemeClr val="accent5"/>
     </dgm:fillClrLst>
     <dgm:linClrLst meth="repeat">
       <a:schemeClr val="lt1"/>
@@ -412,14 +472,10 @@
   </dgm:styleLbl>
   <dgm:styleLbl name="parChTrans2D1">
     <dgm:fillClrLst meth="repeat">
-      <a:schemeClr val="accent6">
-        <a:tint val="60000"/>
-      </a:schemeClr>
+      <a:schemeClr val="accent2"/>
     </dgm:fillClrLst>
     <dgm:linClrLst meth="repeat">
-      <a:schemeClr val="accent6">
-        <a:tint val="60000"/>
-      </a:schemeClr>
+      <a:schemeClr val="lt1"/>
     </dgm:linClrLst>
     <dgm:effectClrLst/>
     <dgm:txLinClrLst/>
@@ -430,38 +486,34 @@
   </dgm:styleLbl>
   <dgm:styleLbl name="parChTrans2D2">
     <dgm:fillClrLst meth="repeat">
-      <a:schemeClr val="accent6"/>
+      <a:schemeClr val="accent3"/>
     </dgm:fillClrLst>
     <dgm:linClrLst meth="repeat">
-      <a:schemeClr val="accent6"/>
+      <a:schemeClr val="lt1"/>
     </dgm:linClrLst>
     <dgm:effectClrLst/>
     <dgm:txLinClrLst/>
-    <dgm:txFillClrLst meth="repeat">
-      <a:schemeClr val="lt1"/>
-    </dgm:txFillClrLst>
+    <dgm:txFillClrLst/>
     <dgm:txEffectClrLst/>
   </dgm:styleLbl>
   <dgm:styleLbl name="parChTrans2D3">
     <dgm:fillClrLst meth="repeat">
-      <a:schemeClr val="accent6"/>
+      <a:schemeClr val="accent4"/>
     </dgm:fillClrLst>
     <dgm:linClrLst meth="repeat">
-      <a:schemeClr val="accent6"/>
+      <a:schemeClr val="lt1"/>
     </dgm:linClrLst>
     <dgm:effectClrLst/>
     <dgm:txLinClrLst/>
-    <dgm:txFillClrLst meth="repeat">
-      <a:schemeClr val="lt1"/>
-    </dgm:txFillClrLst>
+    <dgm:txFillClrLst/>
     <dgm:txEffectClrLst/>
   </dgm:styleLbl>
   <dgm:styleLbl name="parChTrans2D4">
     <dgm:fillClrLst meth="repeat">
-      <a:schemeClr val="accent6"/>
+      <a:schemeClr val="accent5"/>
     </dgm:fillClrLst>
     <dgm:linClrLst meth="repeat">
-      <a:schemeClr val="accent6"/>
+      <a:schemeClr val="lt1"/>
     </dgm:linClrLst>
     <dgm:effectClrLst/>
     <dgm:txLinClrLst/>
@@ -472,12 +524,10 @@
   </dgm:styleLbl>
   <dgm:styleLbl name="parChTrans1D1">
     <dgm:fillClrLst meth="repeat">
-      <a:schemeClr val="accent6"/>
+      <a:schemeClr val="accent2"/>
     </dgm:fillClrLst>
     <dgm:linClrLst meth="repeat">
-      <a:schemeClr val="accent6">
-        <a:shade val="60000"/>
-      </a:schemeClr>
+      <a:schemeClr val="accent1"/>
     </dgm:linClrLst>
     <dgm:effectClrLst/>
     <dgm:txLinClrLst/>
@@ -488,12 +538,12 @@
   </dgm:styleLbl>
   <dgm:styleLbl name="parChTrans1D2">
     <dgm:fillClrLst meth="repeat">
-      <a:schemeClr val="accent6"/>
+      <a:schemeClr val="accent3">
+        <a:tint val="90000"/>
+      </a:schemeClr>
     </dgm:fillClrLst>
     <dgm:linClrLst meth="repeat">
-      <a:schemeClr val="accent6">
-        <a:shade val="60000"/>
-      </a:schemeClr>
+      <a:schemeClr val="accent2"/>
     </dgm:linClrLst>
     <dgm:effectClrLst/>
     <dgm:txLinClrLst/>
@@ -504,12 +554,12 @@
   </dgm:styleLbl>
   <dgm:styleLbl name="parChTrans1D3">
     <dgm:fillClrLst meth="repeat">
-      <a:schemeClr val="accent6"/>
+      <a:schemeClr val="accent4">
+        <a:tint val="70000"/>
+      </a:schemeClr>
     </dgm:fillClrLst>
     <dgm:linClrLst meth="repeat">
-      <a:schemeClr val="accent6">
-        <a:shade val="80000"/>
-      </a:schemeClr>
+      <a:schemeClr val="accent3"/>
     </dgm:linClrLst>
     <dgm:effectClrLst/>
     <dgm:txLinClrLst/>
@@ -520,12 +570,12 @@
   </dgm:styleLbl>
   <dgm:styleLbl name="parChTrans1D4">
     <dgm:fillClrLst meth="repeat">
-      <a:schemeClr val="accent6"/>
+      <a:schemeClr val="accent5">
+        <a:tint val="50000"/>
+      </a:schemeClr>
     </dgm:fillClrLst>
     <dgm:linClrLst meth="repeat">
-      <a:schemeClr val="accent6">
-        <a:shade val="80000"/>
-      </a:schemeClr>
+      <a:schemeClr val="accent4"/>
     </dgm:linClrLst>
     <dgm:effectClrLst/>
     <dgm:txLinClrLst/>
@@ -541,6 +591,10 @@
       </a:schemeClr>
     </dgm:fillClrLst>
     <dgm:linClrLst meth="repeat">
+      <a:schemeClr val="accent2"/>
+      <a:schemeClr val="accent3"/>
+      <a:schemeClr val="accent4"/>
+      <a:schemeClr val="accent5"/>
       <a:schemeClr val="accent6"/>
     </dgm:linClrLst>
     <dgm:effectClrLst/>
@@ -557,6 +611,10 @@
       </a:schemeClr>
     </dgm:fillClrLst>
     <dgm:linClrLst meth="repeat">
+      <a:schemeClr val="accent2"/>
+      <a:schemeClr val="accent3"/>
+      <a:schemeClr val="accent4"/>
+      <a:schemeClr val="accent5"/>
       <a:schemeClr val="accent6"/>
     </dgm:linClrLst>
     <dgm:effectClrLst/>
@@ -573,6 +631,10 @@
       </a:schemeClr>
     </dgm:fillClrLst>
     <dgm:linClrLst meth="repeat">
+      <a:schemeClr val="accent2"/>
+      <a:schemeClr val="accent3"/>
+      <a:schemeClr val="accent4"/>
+      <a:schemeClr val="accent5"/>
       <a:schemeClr val="accent6"/>
     </dgm:linClrLst>
     <dgm:effectClrLst/>
@@ -589,7 +651,7 @@
       </a:schemeClr>
     </dgm:fillClrLst>
     <dgm:linClrLst meth="repeat">
-      <a:schemeClr val="accent6"/>
+      <a:schemeClr val="accent1"/>
     </dgm:linClrLst>
     <dgm:effectClrLst/>
     <dgm:txLinClrLst/>
@@ -605,6 +667,10 @@
       </a:schemeClr>
     </dgm:fillClrLst>
     <dgm:linClrLst meth="repeat">
+      <a:schemeClr val="accent2"/>
+      <a:schemeClr val="accent3"/>
+      <a:schemeClr val="accent4"/>
+      <a:schemeClr val="accent5"/>
       <a:schemeClr val="accent6"/>
     </dgm:linClrLst>
     <dgm:effectClrLst/>
@@ -619,6 +685,10 @@
       <a:schemeClr val="lt1"/>
     </dgm:fillClrLst>
     <dgm:linClrLst meth="repeat">
+      <a:schemeClr val="accent2"/>
+      <a:schemeClr val="accent3"/>
+      <a:schemeClr val="accent4"/>
+      <a:schemeClr val="accent5"/>
       <a:schemeClr val="accent6"/>
     </dgm:linClrLst>
     <dgm:effectClrLst/>
@@ -633,6 +703,10 @@
       <a:schemeClr val="lt1"/>
     </dgm:fillClrLst>
     <dgm:linClrLst meth="repeat">
+      <a:schemeClr val="accent2"/>
+      <a:schemeClr val="accent3"/>
+      <a:schemeClr val="accent4"/>
+      <a:schemeClr val="accent5"/>
       <a:schemeClr val="accent6"/>
     </dgm:linClrLst>
     <dgm:effectClrLst/>
@@ -647,6 +721,10 @@
       <a:schemeClr val="lt1"/>
     </dgm:fillClrLst>
     <dgm:linClrLst meth="repeat">
+      <a:schemeClr val="accent2"/>
+      <a:schemeClr val="accent3"/>
+      <a:schemeClr val="accent4"/>
+      <a:schemeClr val="accent5"/>
       <a:schemeClr val="accent6"/>
     </dgm:linClrLst>
     <dgm:effectClrLst/>
@@ -658,15 +736,47 @@
   </dgm:styleLbl>
   <dgm:styleLbl name="fgAccFollowNode1">
     <dgm:fillClrLst meth="repeat">
+      <a:schemeClr val="accent2">
+        <a:tint val="40000"/>
+        <a:alpha val="90000"/>
+      </a:schemeClr>
+      <a:schemeClr val="accent3">
+        <a:tint val="40000"/>
+        <a:alpha val="90000"/>
+      </a:schemeClr>
+      <a:schemeClr val="accent4">
+        <a:tint val="40000"/>
+        <a:alpha val="90000"/>
+      </a:schemeClr>
+      <a:schemeClr val="accent5">
+        <a:tint val="40000"/>
+        <a:alpha val="90000"/>
+      </a:schemeClr>
       <a:schemeClr val="accent6">
+        <a:tint val="40000"/>
         <a:alpha val="90000"/>
-        <a:tint val="40000"/>
       </a:schemeClr>
     </dgm:fillClrLst>
     <dgm:linClrLst meth="repeat">
+      <a:schemeClr val="accent2">
+        <a:tint val="40000"/>
+        <a:alpha val="90000"/>
+      </a:schemeClr>
+      <a:schemeClr val="accent3">
+        <a:tint val="40000"/>
+        <a:alpha val="90000"/>
+      </a:schemeClr>
+      <a:schemeClr val="accent4">
+        <a:tint val="40000"/>
+        <a:alpha val="90000"/>
+      </a:schemeClr>
+      <a:schemeClr val="accent5">
+        <a:tint val="40000"/>
+        <a:alpha val="90000"/>
+      </a:schemeClr>
       <a:schemeClr val="accent6">
+        <a:tint val="40000"/>
         <a:alpha val="90000"/>
-        <a:tint val="40000"/>
       </a:schemeClr>
     </dgm:linClrLst>
     <dgm:effectClrLst/>
@@ -678,15 +788,47 @@
   </dgm:styleLbl>
   <dgm:styleLbl name="alignAccFollowNode1">
     <dgm:fillClrLst meth="repeat">
+      <a:schemeClr val="accent2">
+        <a:tint val="40000"/>
+        <a:alpha val="90000"/>
+      </a:schemeClr>
+      <a:schemeClr val="accent3">
+        <a:tint val="40000"/>
+        <a:alpha val="90000"/>
+      </a:schemeClr>
+      <a:schemeClr val="accent4">
+        <a:tint val="40000"/>
+        <a:alpha val="90000"/>
+      </a:schemeClr>
+      <a:schemeClr val="accent5">
+        <a:tint val="40000"/>
+        <a:alpha val="90000"/>
+      </a:schemeClr>
       <a:schemeClr val="accent6">
+        <a:tint val="40000"/>
         <a:alpha val="90000"/>
-        <a:tint val="40000"/>
       </a:schemeClr>
     </dgm:fillClrLst>
     <dgm:linClrLst meth="repeat">
+      <a:schemeClr val="accent2">
+        <a:tint val="40000"/>
+        <a:alpha val="90000"/>
+      </a:schemeClr>
+      <a:schemeClr val="accent3">
+        <a:tint val="40000"/>
+        <a:alpha val="90000"/>
+      </a:schemeClr>
+      <a:schemeClr val="accent4">
+        <a:tint val="40000"/>
+        <a:alpha val="90000"/>
+      </a:schemeClr>
+      <a:schemeClr val="accent5">
+        <a:tint val="40000"/>
+        <a:alpha val="90000"/>
+      </a:schemeClr>
       <a:schemeClr val="accent6">
+        <a:tint val="40000"/>
         <a:alpha val="90000"/>
-        <a:tint val="40000"/>
       </a:schemeClr>
     </dgm:linClrLst>
     <dgm:effectClrLst/>
@@ -698,15 +840,47 @@
   </dgm:styleLbl>
   <dgm:styleLbl name="bgAccFollowNode1">
     <dgm:fillClrLst meth="repeat">
+      <a:schemeClr val="accent2">
+        <a:tint val="40000"/>
+        <a:alpha val="90000"/>
+      </a:schemeClr>
+      <a:schemeClr val="accent3">
+        <a:tint val="40000"/>
+        <a:alpha val="90000"/>
+      </a:schemeClr>
+      <a:schemeClr val="accent4">
+        <a:tint val="40000"/>
+        <a:alpha val="90000"/>
+      </a:schemeClr>
+      <a:schemeClr val="accent5">
+        <a:tint val="40000"/>
+        <a:alpha val="90000"/>
+      </a:schemeClr>
       <a:schemeClr val="accent6">
+        <a:tint val="40000"/>
         <a:alpha val="90000"/>
-        <a:tint val="40000"/>
       </a:schemeClr>
     </dgm:fillClrLst>
     <dgm:linClrLst meth="repeat">
+      <a:schemeClr val="accent2">
+        <a:tint val="40000"/>
+        <a:alpha val="90000"/>
+      </a:schemeClr>
+      <a:schemeClr val="accent3">
+        <a:tint val="40000"/>
+        <a:alpha val="90000"/>
+      </a:schemeClr>
+      <a:schemeClr val="accent4">
+        <a:tint val="40000"/>
+        <a:alpha val="90000"/>
+      </a:schemeClr>
+      <a:schemeClr val="accent5">
+        <a:tint val="40000"/>
+        <a:alpha val="90000"/>
+      </a:schemeClr>
       <a:schemeClr val="accent6">
+        <a:tint val="40000"/>
         <a:alpha val="90000"/>
-        <a:tint val="40000"/>
       </a:schemeClr>
     </dgm:linClrLst>
     <dgm:effectClrLst/>
@@ -722,8 +896,8 @@
         <a:alpha val="90000"/>
       </a:schemeClr>
     </dgm:fillClrLst>
-    <dgm:linClrLst meth="repeat">
-      <a:schemeClr val="accent6"/>
+    <dgm:linClrLst>
+      <a:schemeClr val="accent1"/>
     </dgm:linClrLst>
     <dgm:effectClrLst/>
     <dgm:txLinClrLst/>
@@ -738,8 +912,8 @@
         <a:alpha val="90000"/>
       </a:schemeClr>
     </dgm:fillClrLst>
-    <dgm:linClrLst meth="repeat">
-      <a:schemeClr val="accent6"/>
+    <dgm:linClrLst>
+      <a:schemeClr val="accent2"/>
     </dgm:linClrLst>
     <dgm:effectClrLst/>
     <dgm:txLinClrLst/>
@@ -754,8 +928,8 @@
         <a:alpha val="90000"/>
       </a:schemeClr>
     </dgm:fillClrLst>
-    <dgm:linClrLst meth="repeat">
-      <a:schemeClr val="accent6"/>
+    <dgm:linClrLst>
+      <a:schemeClr val="accent3"/>
     </dgm:linClrLst>
     <dgm:effectClrLst/>
     <dgm:txLinClrLst/>
@@ -770,8 +944,8 @@
         <a:alpha val="90000"/>
       </a:schemeClr>
     </dgm:fillClrLst>
-    <dgm:linClrLst meth="repeat">
-      <a:schemeClr val="accent6"/>
+    <dgm:linClrLst>
+      <a:schemeClr val="accent4"/>
     </dgm:linClrLst>
     <dgm:effectClrLst/>
     <dgm:txLinClrLst/>
@@ -782,12 +956,12 @@
   </dgm:styleLbl>
   <dgm:styleLbl name="bgShp">
     <dgm:fillClrLst meth="repeat">
-      <a:schemeClr val="accent6">
-        <a:tint val="40000"/>
+      <a:schemeClr val="bg1">
+        <a:lumMod val="95000"/>
       </a:schemeClr>
     </dgm:fillClrLst>
     <dgm:linClrLst meth="repeat">
-      <a:schemeClr val="accent6"/>
+      <a:schemeClr val="dk1"/>
     </dgm:linClrLst>
     <dgm:effectClrLst/>
     <dgm:txLinClrLst/>
@@ -798,12 +972,12 @@
   </dgm:styleLbl>
   <dgm:styleLbl name="dkBgShp">
     <dgm:fillClrLst meth="repeat">
-      <a:schemeClr val="accent6">
-        <a:shade val="80000"/>
+      <a:schemeClr val="accent2">
+        <a:shade val="90000"/>
       </a:schemeClr>
     </dgm:fillClrLst>
     <dgm:linClrLst meth="repeat">
-      <a:schemeClr val="accent6"/>
+      <a:schemeClr val="dk1"/>
     </dgm:linClrLst>
     <dgm:effectClrLst/>
     <dgm:txLinClrLst/>
@@ -814,13 +988,13 @@
   </dgm:styleLbl>
   <dgm:styleLbl name="trBgShp">
     <dgm:fillClrLst meth="repeat">
-      <a:schemeClr val="accent6">
+      <a:schemeClr val="accent1">
         <a:tint val="50000"/>
         <a:alpha val="40000"/>
       </a:schemeClr>
     </dgm:fillClrLst>
     <dgm:linClrLst meth="repeat">
-      <a:schemeClr val="accent6"/>
+      <a:schemeClr val="accent2"/>
     </dgm:linClrLst>
     <dgm:effectClrLst/>
     <dgm:txLinClrLst/>
@@ -831,8 +1005,8 @@
   </dgm:styleLbl>
   <dgm:styleLbl name="fgShp">
     <dgm:fillClrLst meth="repeat">
-      <a:schemeClr val="accent6">
-        <a:tint val="60000"/>
+      <a:schemeClr val="accent2">
+        <a:tint val="40000"/>
       </a:schemeClr>
     </dgm:fillClrLst>
     <dgm:linClrLst meth="repeat">
@@ -869,8 +1043,8 @@
 <file path=ppt/diagrams/data1.xml><?xml version="1.0" encoding="utf-8"?>
 <dgm:dataModel xmlns:dgm="http://schemas.openxmlformats.org/drawingml/2006/diagram" xmlns:a="http://schemas.openxmlformats.org/drawingml/2006/main">
   <dgm:ptLst>
-    <dgm:pt modelId="{7965B915-20EE-45A7-AC44-49A9F2602FDB}" type="doc">
-      <dgm:prSet loTypeId="urn:microsoft.com/office/officeart/2008/layout/LinedList" loCatId="list" qsTypeId="urn:microsoft.com/office/officeart/2005/8/quickstyle/simple1" qsCatId="simple" csTypeId="urn:microsoft.com/office/officeart/2005/8/colors/accent6_2" csCatId="accent6"/>
+    <dgm:pt modelId="{4EB81346-1DCE-49AD-8C1F-FC5EA879F3D5}" type="doc">
+      <dgm:prSet loTypeId="urn:microsoft.com/office/officeart/2018/2/layout/IconCircleList" loCatId="icon" qsTypeId="urn:microsoft.com/office/officeart/2005/8/quickstyle/simple1" qsCatId="simple" csTypeId="urn:microsoft.com/office/officeart/2018/5/colors/Iconchunking_neutralbg_colorful1" csCatId="colorful" phldr="1"/>
       <dgm:spPr/>
       <dgm:t>
         <a:bodyPr/>
@@ -880,22 +1054,27 @@
         </a:p>
       </dgm:t>
     </dgm:pt>
-    <dgm:pt modelId="{FE3BE1B4-28A4-4E15-B65E-AE34AFAA2692}">
+    <dgm:pt modelId="{42412AB7-5667-4158-9E2A-B2885BB06294}">
       <dgm:prSet/>
       <dgm:spPr/>
       <dgm:t>
         <a:bodyPr/>
         <a:lstStyle/>
         <a:p>
+          <a:pPr>
+            <a:lnSpc>
+              <a:spcPct val="100000"/>
+            </a:lnSpc>
+          </a:pPr>
           <a:r>
             <a:rPr lang="fr-FR"/>
-            <a:t>Contexte</a:t>
+            <a:t>Framework agréable</a:t>
           </a:r>
           <a:endParaRPr lang="en-US"/>
         </a:p>
       </dgm:t>
     </dgm:pt>
-    <dgm:pt modelId="{C14B1F6E-4F63-47A9-B2AE-64AE5C5A16BF}" type="parTrans" cxnId="{57C6FA4D-07EB-4A14-BC30-58ADEC15EB60}">
+    <dgm:pt modelId="{5083EF74-AA27-4E69-8678-92279F119878}" type="parTrans" cxnId="{A177B9A7-09B0-4044-96F7-84F985DD0463}">
       <dgm:prSet/>
       <dgm:spPr/>
       <dgm:t>
@@ -906,7 +1085,43 @@
         </a:p>
       </dgm:t>
     </dgm:pt>
-    <dgm:pt modelId="{E91B16AE-3E76-4DC5-8C30-F04CA4A29BFA}" type="sibTrans" cxnId="{57C6FA4D-07EB-4A14-BC30-58ADEC15EB60}">
+    <dgm:pt modelId="{BC2CB444-CF59-4124-856E-4364F9895579}" type="sibTrans" cxnId="{A177B9A7-09B0-4044-96F7-84F985DD0463}">
+      <dgm:prSet/>
+      <dgm:spPr/>
+      <dgm:t>
+        <a:bodyPr/>
+        <a:lstStyle/>
+        <a:p>
+          <a:pPr>
+            <a:lnSpc>
+              <a:spcPct val="100000"/>
+            </a:lnSpc>
+          </a:pPr>
+          <a:endParaRPr lang="en-US"/>
+        </a:p>
+      </dgm:t>
+    </dgm:pt>
+    <dgm:pt modelId="{90783166-BC9B-4F71-89B4-EAC80710051B}">
+      <dgm:prSet/>
+      <dgm:spPr/>
+      <dgm:t>
+        <a:bodyPr/>
+        <a:lstStyle/>
+        <a:p>
+          <a:pPr>
+            <a:lnSpc>
+              <a:spcPct val="100000"/>
+            </a:lnSpc>
+          </a:pPr>
+          <a:r>
+            <a:rPr lang="fr-FR" dirty="0"/>
+            <a:t>Durée correcte</a:t>
+          </a:r>
+          <a:endParaRPr lang="en-US" dirty="0"/>
+        </a:p>
+      </dgm:t>
+    </dgm:pt>
+    <dgm:pt modelId="{5FDCAB1E-FF85-4DA7-B373-EE525698FABC}" type="parTrans" cxnId="{0CE17EF4-BCD3-4B14-B6B2-E91CF0EEAFF6}">
       <dgm:prSet/>
       <dgm:spPr/>
       <dgm:t>
@@ -917,159 +1132,265 @@
         </a:p>
       </dgm:t>
     </dgm:pt>
-    <dgm:pt modelId="{553D6E66-5ACC-4B31-A6CE-13F62B6B854F}">
+    <dgm:pt modelId="{64D54215-F45C-4383-BF39-122B1CD58F2F}" type="sibTrans" cxnId="{0CE17EF4-BCD3-4B14-B6B2-E91CF0EEAFF6}">
       <dgm:prSet/>
       <dgm:spPr/>
       <dgm:t>
         <a:bodyPr/>
         <a:lstStyle/>
         <a:p>
-          <a:r>
-            <a:rPr lang="fr-FR"/>
-            <a:t>Fonctionnalités</a:t>
-          </a:r>
+          <a:pPr>
+            <a:lnSpc>
+              <a:spcPct val="100000"/>
+            </a:lnSpc>
+          </a:pPr>
           <a:endParaRPr lang="en-US"/>
         </a:p>
       </dgm:t>
     </dgm:pt>
-    <dgm:pt modelId="{5FE70B2B-747F-4A07-9FC4-7D640C2BC7E7}" type="parTrans" cxnId="{7D16B237-68E3-428E-8C23-3B42D12DDACF}">
+    <dgm:pt modelId="{8F86329A-5A37-456A-92F4-116E4167D8DA}">
       <dgm:prSet/>
       <dgm:spPr/>
       <dgm:t>
         <a:bodyPr/>
         <a:lstStyle/>
         <a:p>
-          <a:endParaRPr lang="en-US"/>
+          <a:pPr>
+            <a:lnSpc>
+              <a:spcPct val="100000"/>
+            </a:lnSpc>
+          </a:pPr>
+          <a:r>
+            <a:rPr lang="en-US" dirty="0" err="1"/>
+            <a:t>Fonctionnalités</a:t>
+          </a:r>
+          <a:r>
+            <a:rPr lang="en-US" dirty="0"/>
+            <a:t> </a:t>
+          </a:r>
+          <a:r>
+            <a:rPr lang="en-US" dirty="0" err="1"/>
+            <a:t>intéressantes</a:t>
+          </a:r>
+          <a:endParaRPr lang="en-US" dirty="0"/>
         </a:p>
       </dgm:t>
     </dgm:pt>
-    <dgm:pt modelId="{CCC593DB-C500-4BF8-AEBA-E18CD92B2CF1}" type="sibTrans" cxnId="{7D16B237-68E3-428E-8C23-3B42D12DDACF}">
+    <dgm:pt modelId="{B5320141-B8C9-4AF5-92C3-F942AA6FD2DD}" type="parTrans" cxnId="{71EA1E1A-3135-4DBC-B7E0-394336060EAD}">
       <dgm:prSet/>
       <dgm:spPr/>
       <dgm:t>
         <a:bodyPr/>
         <a:lstStyle/>
         <a:p>
-          <a:endParaRPr lang="en-US"/>
+          <a:endParaRPr lang="fr-FR"/>
         </a:p>
       </dgm:t>
     </dgm:pt>
-    <dgm:pt modelId="{D574B6F6-B51B-4F7C-A34D-E06FC7ECC288}">
+    <dgm:pt modelId="{A222D28F-CF5D-4541-9A8C-EFB56F6A661D}" type="sibTrans" cxnId="{71EA1E1A-3135-4DBC-B7E0-394336060EAD}">
       <dgm:prSet/>
       <dgm:spPr/>
       <dgm:t>
         <a:bodyPr/>
         <a:lstStyle/>
         <a:p>
-          <a:r>
-            <a:rPr lang="fr-FR"/>
-            <a:t>Retour expérience</a:t>
-          </a:r>
-          <a:endParaRPr lang="en-US"/>
+          <a:endParaRPr lang="fr-FR"/>
         </a:p>
       </dgm:t>
     </dgm:pt>
-    <dgm:pt modelId="{16D0D71F-5FD6-434A-8291-5C5D435F6FA7}" type="parTrans" cxnId="{EEFD09D3-0477-479A-9CB2-23CFC8661220}">
-      <dgm:prSet/>
-      <dgm:spPr/>
-      <dgm:t>
-        <a:bodyPr/>
-        <a:lstStyle/>
-        <a:p>
-          <a:endParaRPr lang="en-US"/>
-        </a:p>
-      </dgm:t>
-    </dgm:pt>
-    <dgm:pt modelId="{C37AED80-2505-4D74-BC09-944835797EF7}" type="sibTrans" cxnId="{EEFD09D3-0477-479A-9CB2-23CFC8661220}">
-      <dgm:prSet/>
-      <dgm:spPr/>
-      <dgm:t>
-        <a:bodyPr/>
-        <a:lstStyle/>
-        <a:p>
-          <a:endParaRPr lang="en-US"/>
-        </a:p>
-      </dgm:t>
-    </dgm:pt>
-    <dgm:pt modelId="{AF7ACDD9-A7A9-4B90-9001-C1C4D655DCD6}" type="pres">
-      <dgm:prSet presAssocID="{7965B915-20EE-45A7-AC44-49A9F2602FDB}" presName="vert0" presStyleCnt="0">
+    <dgm:pt modelId="{2A7A9CC2-E426-41DE-B4CC-8DD6C72230A4}" type="pres">
+      <dgm:prSet presAssocID="{4EB81346-1DCE-49AD-8C1F-FC5EA879F3D5}" presName="root" presStyleCnt="0">
         <dgm:presLayoutVars>
           <dgm:dir/>
-          <dgm:animOne val="branch"/>
-          <dgm:animLvl val="lvl"/>
+          <dgm:resizeHandles val="exact"/>
         </dgm:presLayoutVars>
       </dgm:prSet>
       <dgm:spPr/>
     </dgm:pt>
-    <dgm:pt modelId="{BCA53FEF-54B4-4EAB-9264-4D60B0656C54}" type="pres">
-      <dgm:prSet presAssocID="{FE3BE1B4-28A4-4E15-B65E-AE34AFAA2692}" presName="thickLine" presStyleLbl="alignNode1" presStyleIdx="0" presStyleCnt="3"/>
+    <dgm:pt modelId="{424FDA7C-53BD-4B7F-AD72-A1C997BB4AE4}" type="pres">
+      <dgm:prSet presAssocID="{4EB81346-1DCE-49AD-8C1F-FC5EA879F3D5}" presName="container" presStyleCnt="0">
+        <dgm:presLayoutVars>
+          <dgm:dir/>
+          <dgm:resizeHandles val="exact"/>
+        </dgm:presLayoutVars>
+      </dgm:prSet>
       <dgm:spPr/>
     </dgm:pt>
-    <dgm:pt modelId="{58D61242-85A9-48E7-B389-A38FBD821918}" type="pres">
-      <dgm:prSet presAssocID="{FE3BE1B4-28A4-4E15-B65E-AE34AFAA2692}" presName="horz1" presStyleCnt="0"/>
+    <dgm:pt modelId="{B520CA32-C9AA-479D-A0FD-123A1D26EBC0}" type="pres">
+      <dgm:prSet presAssocID="{42412AB7-5667-4158-9E2A-B2885BB06294}" presName="compNode" presStyleCnt="0"/>
       <dgm:spPr/>
     </dgm:pt>
-    <dgm:pt modelId="{8DC2579D-F6BA-4774-BCF4-AE3B96156822}" type="pres">
-      <dgm:prSet presAssocID="{FE3BE1B4-28A4-4E15-B65E-AE34AFAA2692}" presName="tx1" presStyleLbl="revTx" presStyleIdx="0" presStyleCnt="3"/>
+    <dgm:pt modelId="{AE55BBA0-5339-4AE8-9333-1844B01DC6D3}" type="pres">
+      <dgm:prSet presAssocID="{42412AB7-5667-4158-9E2A-B2885BB06294}" presName="iconBgRect" presStyleLbl="bgShp" presStyleIdx="0" presStyleCnt="3"/>
       <dgm:spPr/>
     </dgm:pt>
-    <dgm:pt modelId="{B17E9C38-7AE5-4A91-ABC3-7BB9563405AA}" type="pres">
-      <dgm:prSet presAssocID="{FE3BE1B4-28A4-4E15-B65E-AE34AFAA2692}" presName="vert1" presStyleCnt="0"/>
+    <dgm:pt modelId="{2816EB23-784E-4EF8-B352-BB77866E4224}" type="pres">
+      <dgm:prSet presAssocID="{42412AB7-5667-4158-9E2A-B2885BB06294}" presName="iconRect" presStyleLbl="node1" presStyleIdx="0" presStyleCnt="3"/>
+      <dgm:spPr>
+        <a:blipFill>
+          <a:blip xmlns:r="http://schemas.openxmlformats.org/officeDocument/2006/relationships" r:embed="rId1">
+            <a:extLst>
+              <a:ext uri="{28A0092B-C50C-407E-A947-70E740481C1C}">
+                <a14:useLocalDpi xmlns:a14="http://schemas.microsoft.com/office/drawing/2010/main" val="0"/>
+              </a:ext>
+              <a:ext uri="{96DAC541-7B7A-43D3-8B79-37D633B846F1}">
+                <asvg:svgBlip xmlns:asvg="http://schemas.microsoft.com/office/drawing/2016/SVG/main" r:embed="rId2"/>
+              </a:ext>
+            </a:extLst>
+          </a:blip>
+          <a:stretch>
+            <a:fillRect/>
+          </a:stretch>
+        </a:blipFill>
+      </dgm:spPr>
+      <dgm:extLst>
+        <a:ext uri="{E40237B7-FDA0-4F09-8148-C483321AD2D9}">
+          <dgm14:cNvPr xmlns:dgm14="http://schemas.microsoft.com/office/drawing/2010/diagram" id="0" name="" descr="Smiling Face with No Fill"/>
+        </a:ext>
+      </dgm:extLst>
+    </dgm:pt>
+    <dgm:pt modelId="{BA5501D1-08FA-44D3-865D-0D3F59A1EFFC}" type="pres">
+      <dgm:prSet presAssocID="{42412AB7-5667-4158-9E2A-B2885BB06294}" presName="spaceRect" presStyleCnt="0"/>
       <dgm:spPr/>
     </dgm:pt>
-    <dgm:pt modelId="{BFDD9095-C957-4B63-ADF4-976E660C1BBF}" type="pres">
-      <dgm:prSet presAssocID="{553D6E66-5ACC-4B31-A6CE-13F62B6B854F}" presName="thickLine" presStyleLbl="alignNode1" presStyleIdx="1" presStyleCnt="3"/>
+    <dgm:pt modelId="{440D5A48-5AAC-492F-AC79-D23B7C22DF68}" type="pres">
+      <dgm:prSet presAssocID="{42412AB7-5667-4158-9E2A-B2885BB06294}" presName="textRect" presStyleLbl="revTx" presStyleIdx="0" presStyleCnt="3">
+        <dgm:presLayoutVars>
+          <dgm:chMax val="1"/>
+          <dgm:chPref val="1"/>
+        </dgm:presLayoutVars>
+      </dgm:prSet>
       <dgm:spPr/>
     </dgm:pt>
-    <dgm:pt modelId="{C660A3E0-475D-4A57-AC9D-5E6B0065DEA5}" type="pres">
-      <dgm:prSet presAssocID="{553D6E66-5ACC-4B31-A6CE-13F62B6B854F}" presName="horz1" presStyleCnt="0"/>
+    <dgm:pt modelId="{C59A2A3D-96B2-47AE-A46B-063F70CA3F00}" type="pres">
+      <dgm:prSet presAssocID="{BC2CB444-CF59-4124-856E-4364F9895579}" presName="sibTrans" presStyleLbl="sibTrans2D1" presStyleIdx="0" presStyleCnt="0"/>
       <dgm:spPr/>
     </dgm:pt>
-    <dgm:pt modelId="{AA2613B0-D3B3-4171-8480-6DADDAFC2FCC}" type="pres">
-      <dgm:prSet presAssocID="{553D6E66-5ACC-4B31-A6CE-13F62B6B854F}" presName="tx1" presStyleLbl="revTx" presStyleIdx="1" presStyleCnt="3"/>
+    <dgm:pt modelId="{304C8CDD-1107-4041-95B1-ADAEC18CA7E4}" type="pres">
+      <dgm:prSet presAssocID="{90783166-BC9B-4F71-89B4-EAC80710051B}" presName="compNode" presStyleCnt="0"/>
       <dgm:spPr/>
     </dgm:pt>
-    <dgm:pt modelId="{2072DEC5-4619-4F3B-88F2-023CE11176EF}" type="pres">
-      <dgm:prSet presAssocID="{553D6E66-5ACC-4B31-A6CE-13F62B6B854F}" presName="vert1" presStyleCnt="0"/>
+    <dgm:pt modelId="{B771D3B8-FE7C-42AE-8F62-4DD9320452EE}" type="pres">
+      <dgm:prSet presAssocID="{90783166-BC9B-4F71-89B4-EAC80710051B}" presName="iconBgRect" presStyleLbl="bgShp" presStyleIdx="1" presStyleCnt="3"/>
       <dgm:spPr/>
     </dgm:pt>
-    <dgm:pt modelId="{431535AA-452A-426D-B47A-621EDBB64481}" type="pres">
-      <dgm:prSet presAssocID="{D574B6F6-B51B-4F7C-A34D-E06FC7ECC288}" presName="thickLine" presStyleLbl="alignNode1" presStyleIdx="2" presStyleCnt="3"/>
+    <dgm:pt modelId="{EA3151F2-A4FF-4398-9AAF-786407FF6EE8}" type="pres">
+      <dgm:prSet presAssocID="{90783166-BC9B-4F71-89B4-EAC80710051B}" presName="iconRect" presStyleLbl="node1" presStyleIdx="1" presStyleCnt="3"/>
+      <dgm:spPr>
+        <a:blipFill>
+          <a:blip xmlns:r="http://schemas.openxmlformats.org/officeDocument/2006/relationships" r:embed="rId3">
+            <a:extLst>
+              <a:ext uri="{28A0092B-C50C-407E-A947-70E740481C1C}">
+                <a14:useLocalDpi xmlns:a14="http://schemas.microsoft.com/office/drawing/2010/main" val="0"/>
+              </a:ext>
+              <a:ext uri="{96DAC541-7B7A-43D3-8B79-37D633B846F1}">
+                <asvg:svgBlip xmlns:asvg="http://schemas.microsoft.com/office/drawing/2016/SVG/main" r:embed="rId4"/>
+              </a:ext>
+            </a:extLst>
+          </a:blip>
+          <a:stretch>
+            <a:fillRect/>
+          </a:stretch>
+        </a:blipFill>
+      </dgm:spPr>
+      <dgm:extLst>
+        <a:ext uri="{E40237B7-FDA0-4F09-8148-C483321AD2D9}">
+          <dgm14:cNvPr xmlns:dgm14="http://schemas.microsoft.com/office/drawing/2010/diagram" id="0" name="" descr="Checkmark"/>
+        </a:ext>
+      </dgm:extLst>
+    </dgm:pt>
+    <dgm:pt modelId="{E1A3057C-DB97-4893-A369-260388CB46BB}" type="pres">
+      <dgm:prSet presAssocID="{90783166-BC9B-4F71-89B4-EAC80710051B}" presName="spaceRect" presStyleCnt="0"/>
       <dgm:spPr/>
     </dgm:pt>
-    <dgm:pt modelId="{DEBF1743-D1CE-4CD2-8B20-AB366747D764}" type="pres">
-      <dgm:prSet presAssocID="{D574B6F6-B51B-4F7C-A34D-E06FC7ECC288}" presName="horz1" presStyleCnt="0"/>
+    <dgm:pt modelId="{C8866F65-43EC-4CCC-867C-8C7B9A4493E2}" type="pres">
+      <dgm:prSet presAssocID="{90783166-BC9B-4F71-89B4-EAC80710051B}" presName="textRect" presStyleLbl="revTx" presStyleIdx="1" presStyleCnt="3">
+        <dgm:presLayoutVars>
+          <dgm:chMax val="1"/>
+          <dgm:chPref val="1"/>
+        </dgm:presLayoutVars>
+      </dgm:prSet>
       <dgm:spPr/>
     </dgm:pt>
-    <dgm:pt modelId="{52BE68B7-191B-49FB-9FAA-83AC7359831C}" type="pres">
-      <dgm:prSet presAssocID="{D574B6F6-B51B-4F7C-A34D-E06FC7ECC288}" presName="tx1" presStyleLbl="revTx" presStyleIdx="2" presStyleCnt="3"/>
+    <dgm:pt modelId="{56BCD53E-A866-43F1-901E-FB484B709EFD}" type="pres">
+      <dgm:prSet presAssocID="{64D54215-F45C-4383-BF39-122B1CD58F2F}" presName="sibTrans" presStyleLbl="sibTrans2D1" presStyleIdx="0" presStyleCnt="0"/>
       <dgm:spPr/>
     </dgm:pt>
-    <dgm:pt modelId="{22BA0536-13D8-4F1A-A3FB-355F472F9543}" type="pres">
-      <dgm:prSet presAssocID="{D574B6F6-B51B-4F7C-A34D-E06FC7ECC288}" presName="vert1" presStyleCnt="0"/>
+    <dgm:pt modelId="{5CE9A7E1-AEA1-4390-9879-91E1FA1E8E83}" type="pres">
+      <dgm:prSet presAssocID="{8F86329A-5A37-456A-92F4-116E4167D8DA}" presName="compNode" presStyleCnt="0"/>
+      <dgm:spPr/>
+    </dgm:pt>
+    <dgm:pt modelId="{244C62D1-BEA5-42A3-A1D2-51DF644FC8AA}" type="pres">
+      <dgm:prSet presAssocID="{8F86329A-5A37-456A-92F4-116E4167D8DA}" presName="iconBgRect" presStyleLbl="bgShp" presStyleIdx="2" presStyleCnt="3"/>
+      <dgm:spPr/>
+    </dgm:pt>
+    <dgm:pt modelId="{6BE3D34F-6EB6-4F2B-B7F2-84DFCCB2018A}" type="pres">
+      <dgm:prSet presAssocID="{8F86329A-5A37-456A-92F4-116E4167D8DA}" presName="iconRect" presStyleLbl="node1" presStyleIdx="2" presStyleCnt="3"/>
+      <dgm:spPr>
+        <a:blipFill>
+          <a:blip xmlns:r="http://schemas.openxmlformats.org/officeDocument/2006/relationships" r:embed="rId5">
+            <a:extLst>
+              <a:ext uri="{28A0092B-C50C-407E-A947-70E740481C1C}">
+                <a14:useLocalDpi xmlns:a14="http://schemas.microsoft.com/office/drawing/2010/main" val="0"/>
+              </a:ext>
+              <a:ext uri="{96DAC541-7B7A-43D3-8B79-37D633B846F1}">
+                <asvg:svgBlip xmlns:asvg="http://schemas.microsoft.com/office/drawing/2016/SVG/main" r:embed="rId6"/>
+              </a:ext>
+            </a:extLst>
+          </a:blip>
+          <a:stretch>
+            <a:fillRect/>
+          </a:stretch>
+        </a:blipFill>
+      </dgm:spPr>
+      <dgm:extLst>
+        <a:ext uri="{E40237B7-FDA0-4F09-8148-C483321AD2D9}">
+          <dgm14:cNvPr xmlns:dgm14="http://schemas.microsoft.com/office/drawing/2010/diagram" id="0" name="" descr="Gears"/>
+        </a:ext>
+      </dgm:extLst>
+    </dgm:pt>
+    <dgm:pt modelId="{7579178D-2C7F-41A8-B19B-A1127CFF4AD9}" type="pres">
+      <dgm:prSet presAssocID="{8F86329A-5A37-456A-92F4-116E4167D8DA}" presName="spaceRect" presStyleCnt="0"/>
+      <dgm:spPr/>
+    </dgm:pt>
+    <dgm:pt modelId="{7051A1FE-BCC9-4F92-8E7D-F8DE1A6006F8}" type="pres">
+      <dgm:prSet presAssocID="{8F86329A-5A37-456A-92F4-116E4167D8DA}" presName="textRect" presStyleLbl="revTx" presStyleIdx="2" presStyleCnt="3">
+        <dgm:presLayoutVars>
+          <dgm:chMax val="1"/>
+          <dgm:chPref val="1"/>
+        </dgm:presLayoutVars>
+      </dgm:prSet>
       <dgm:spPr/>
     </dgm:pt>
   </dgm:ptLst>
   <dgm:cxnLst>
-    <dgm:cxn modelId="{E6794033-546D-4B49-B827-104FEBCFB73E}" type="presOf" srcId="{FE3BE1B4-28A4-4E15-B65E-AE34AFAA2692}" destId="{8DC2579D-F6BA-4774-BCF4-AE3B96156822}" srcOrd="0" destOrd="0" presId="urn:microsoft.com/office/officeart/2008/layout/LinedList"/>
-    <dgm:cxn modelId="{7D16B237-68E3-428E-8C23-3B42D12DDACF}" srcId="{7965B915-20EE-45A7-AC44-49A9F2602FDB}" destId="{553D6E66-5ACC-4B31-A6CE-13F62B6B854F}" srcOrd="1" destOrd="0" parTransId="{5FE70B2B-747F-4A07-9FC4-7D640C2BC7E7}" sibTransId="{CCC593DB-C500-4BF8-AEBA-E18CD92B2CF1}"/>
-    <dgm:cxn modelId="{A3A8945C-1808-4B68-8187-738A0101FC52}" type="presOf" srcId="{D574B6F6-B51B-4F7C-A34D-E06FC7ECC288}" destId="{52BE68B7-191B-49FB-9FAA-83AC7359831C}" srcOrd="0" destOrd="0" presId="urn:microsoft.com/office/officeart/2008/layout/LinedList"/>
-    <dgm:cxn modelId="{6AE6FE4C-0549-4E4E-A21F-43EA8F0F4370}" type="presOf" srcId="{7965B915-20EE-45A7-AC44-49A9F2602FDB}" destId="{AF7ACDD9-A7A9-4B90-9001-C1C4D655DCD6}" srcOrd="0" destOrd="0" presId="urn:microsoft.com/office/officeart/2008/layout/LinedList"/>
-    <dgm:cxn modelId="{57C6FA4D-07EB-4A14-BC30-58ADEC15EB60}" srcId="{7965B915-20EE-45A7-AC44-49A9F2602FDB}" destId="{FE3BE1B4-28A4-4E15-B65E-AE34AFAA2692}" srcOrd="0" destOrd="0" parTransId="{C14B1F6E-4F63-47A9-B2AE-64AE5C5A16BF}" sibTransId="{E91B16AE-3E76-4DC5-8C30-F04CA4A29BFA}"/>
-    <dgm:cxn modelId="{EF19138C-7420-45FD-9AE9-6678820F479C}" type="presOf" srcId="{553D6E66-5ACC-4B31-A6CE-13F62B6B854F}" destId="{AA2613B0-D3B3-4171-8480-6DADDAFC2FCC}" srcOrd="0" destOrd="0" presId="urn:microsoft.com/office/officeart/2008/layout/LinedList"/>
-    <dgm:cxn modelId="{EEFD09D3-0477-479A-9CB2-23CFC8661220}" srcId="{7965B915-20EE-45A7-AC44-49A9F2602FDB}" destId="{D574B6F6-B51B-4F7C-A34D-E06FC7ECC288}" srcOrd="2" destOrd="0" parTransId="{16D0D71F-5FD6-434A-8291-5C5D435F6FA7}" sibTransId="{C37AED80-2505-4D74-BC09-944835797EF7}"/>
-    <dgm:cxn modelId="{78543A07-5D6A-4F6C-8B81-743AC1D9E4D2}" type="presParOf" srcId="{AF7ACDD9-A7A9-4B90-9001-C1C4D655DCD6}" destId="{BCA53FEF-54B4-4EAB-9264-4D60B0656C54}" srcOrd="0" destOrd="0" presId="urn:microsoft.com/office/officeart/2008/layout/LinedList"/>
-    <dgm:cxn modelId="{C9FA3CC2-18E6-4A98-A20F-621EEF08FDC4}" type="presParOf" srcId="{AF7ACDD9-A7A9-4B90-9001-C1C4D655DCD6}" destId="{58D61242-85A9-48E7-B389-A38FBD821918}" srcOrd="1" destOrd="0" presId="urn:microsoft.com/office/officeart/2008/layout/LinedList"/>
-    <dgm:cxn modelId="{F36D086C-EBDE-42F1-9722-3BCE666BE39F}" type="presParOf" srcId="{58D61242-85A9-48E7-B389-A38FBD821918}" destId="{8DC2579D-F6BA-4774-BCF4-AE3B96156822}" srcOrd="0" destOrd="0" presId="urn:microsoft.com/office/officeart/2008/layout/LinedList"/>
-    <dgm:cxn modelId="{9E629748-EE36-4636-84A7-653FA20EF0ED}" type="presParOf" srcId="{58D61242-85A9-48E7-B389-A38FBD821918}" destId="{B17E9C38-7AE5-4A91-ABC3-7BB9563405AA}" srcOrd="1" destOrd="0" presId="urn:microsoft.com/office/officeart/2008/layout/LinedList"/>
-    <dgm:cxn modelId="{480ABB07-690D-454E-90E8-098581C5E2DD}" type="presParOf" srcId="{AF7ACDD9-A7A9-4B90-9001-C1C4D655DCD6}" destId="{BFDD9095-C957-4B63-ADF4-976E660C1BBF}" srcOrd="2" destOrd="0" presId="urn:microsoft.com/office/officeart/2008/layout/LinedList"/>
-    <dgm:cxn modelId="{9ADE8A70-32BA-4390-8816-B7AD6F3D5F75}" type="presParOf" srcId="{AF7ACDD9-A7A9-4B90-9001-C1C4D655DCD6}" destId="{C660A3E0-475D-4A57-AC9D-5E6B0065DEA5}" srcOrd="3" destOrd="0" presId="urn:microsoft.com/office/officeart/2008/layout/LinedList"/>
-    <dgm:cxn modelId="{1CD56D86-70F9-4E07-808E-30A3781266EE}" type="presParOf" srcId="{C660A3E0-475D-4A57-AC9D-5E6B0065DEA5}" destId="{AA2613B0-D3B3-4171-8480-6DADDAFC2FCC}" srcOrd="0" destOrd="0" presId="urn:microsoft.com/office/officeart/2008/layout/LinedList"/>
-    <dgm:cxn modelId="{40628DD8-FFE3-44AA-903C-07D904328A91}" type="presParOf" srcId="{C660A3E0-475D-4A57-AC9D-5E6B0065DEA5}" destId="{2072DEC5-4619-4F3B-88F2-023CE11176EF}" srcOrd="1" destOrd="0" presId="urn:microsoft.com/office/officeart/2008/layout/LinedList"/>
-    <dgm:cxn modelId="{468295E8-1690-4122-B428-A2F9BA1871F5}" type="presParOf" srcId="{AF7ACDD9-A7A9-4B90-9001-C1C4D655DCD6}" destId="{431535AA-452A-426D-B47A-621EDBB64481}" srcOrd="4" destOrd="0" presId="urn:microsoft.com/office/officeart/2008/layout/LinedList"/>
-    <dgm:cxn modelId="{15424915-D0A0-4AE5-A3A1-1C9E644266CC}" type="presParOf" srcId="{AF7ACDD9-A7A9-4B90-9001-C1C4D655DCD6}" destId="{DEBF1743-D1CE-4CD2-8B20-AB366747D764}" srcOrd="5" destOrd="0" presId="urn:microsoft.com/office/officeart/2008/layout/LinedList"/>
-    <dgm:cxn modelId="{08551FFB-8C20-4D0E-8107-644524EEF261}" type="presParOf" srcId="{DEBF1743-D1CE-4CD2-8B20-AB366747D764}" destId="{52BE68B7-191B-49FB-9FAA-83AC7359831C}" srcOrd="0" destOrd="0" presId="urn:microsoft.com/office/officeart/2008/layout/LinedList"/>
-    <dgm:cxn modelId="{6B88609D-A2A7-4198-9BED-136D95173C99}" type="presParOf" srcId="{DEBF1743-D1CE-4CD2-8B20-AB366747D764}" destId="{22BA0536-13D8-4F1A-A3FB-355F472F9543}" srcOrd="1" destOrd="0" presId="urn:microsoft.com/office/officeart/2008/layout/LinedList"/>
+    <dgm:cxn modelId="{4C786218-AAE8-4E85-8411-0BB6D1ADF8A3}" type="presOf" srcId="{64D54215-F45C-4383-BF39-122B1CD58F2F}" destId="{56BCD53E-A866-43F1-901E-FB484B709EFD}" srcOrd="0" destOrd="0" presId="urn:microsoft.com/office/officeart/2018/2/layout/IconCircleList"/>
+    <dgm:cxn modelId="{71EA1E1A-3135-4DBC-B7E0-394336060EAD}" srcId="{4EB81346-1DCE-49AD-8C1F-FC5EA879F3D5}" destId="{8F86329A-5A37-456A-92F4-116E4167D8DA}" srcOrd="2" destOrd="0" parTransId="{B5320141-B8C9-4AF5-92C3-F942AA6FD2DD}" sibTransId="{A222D28F-CF5D-4541-9A8C-EFB56F6A661D}"/>
+    <dgm:cxn modelId="{D1155726-F8AB-44A4-8570-36B5F95F8CE4}" type="presOf" srcId="{90783166-BC9B-4F71-89B4-EAC80710051B}" destId="{C8866F65-43EC-4CCC-867C-8C7B9A4493E2}" srcOrd="0" destOrd="0" presId="urn:microsoft.com/office/officeart/2018/2/layout/IconCircleList"/>
+    <dgm:cxn modelId="{3B018456-DD2B-469E-B095-F6DBFB38880E}" type="presOf" srcId="{42412AB7-5667-4158-9E2A-B2885BB06294}" destId="{440D5A48-5AAC-492F-AC79-D23B7C22DF68}" srcOrd="0" destOrd="0" presId="urn:microsoft.com/office/officeart/2018/2/layout/IconCircleList"/>
+    <dgm:cxn modelId="{A177B9A7-09B0-4044-96F7-84F985DD0463}" srcId="{4EB81346-1DCE-49AD-8C1F-FC5EA879F3D5}" destId="{42412AB7-5667-4158-9E2A-B2885BB06294}" srcOrd="0" destOrd="0" parTransId="{5083EF74-AA27-4E69-8678-92279F119878}" sibTransId="{BC2CB444-CF59-4124-856E-4364F9895579}"/>
+    <dgm:cxn modelId="{E56F50B8-2FB9-4F92-9898-1D5F7F010665}" type="presOf" srcId="{4EB81346-1DCE-49AD-8C1F-FC5EA879F3D5}" destId="{2A7A9CC2-E426-41DE-B4CC-8DD6C72230A4}" srcOrd="0" destOrd="0" presId="urn:microsoft.com/office/officeart/2018/2/layout/IconCircleList"/>
+    <dgm:cxn modelId="{F7A240C9-12D1-4C44-8AB8-07A67FA8F7D6}" type="presOf" srcId="{8F86329A-5A37-456A-92F4-116E4167D8DA}" destId="{7051A1FE-BCC9-4F92-8E7D-F8DE1A6006F8}" srcOrd="0" destOrd="0" presId="urn:microsoft.com/office/officeart/2018/2/layout/IconCircleList"/>
+    <dgm:cxn modelId="{0CE17EF4-BCD3-4B14-B6B2-E91CF0EEAFF6}" srcId="{4EB81346-1DCE-49AD-8C1F-FC5EA879F3D5}" destId="{90783166-BC9B-4F71-89B4-EAC80710051B}" srcOrd="1" destOrd="0" parTransId="{5FDCAB1E-FF85-4DA7-B373-EE525698FABC}" sibTransId="{64D54215-F45C-4383-BF39-122B1CD58F2F}"/>
+    <dgm:cxn modelId="{3C7F64F5-9A68-4E84-8C16-9C33820AC4BD}" type="presOf" srcId="{BC2CB444-CF59-4124-856E-4364F9895579}" destId="{C59A2A3D-96B2-47AE-A46B-063F70CA3F00}" srcOrd="0" destOrd="0" presId="urn:microsoft.com/office/officeart/2018/2/layout/IconCircleList"/>
+    <dgm:cxn modelId="{4F559E5C-49A6-49D4-80B7-E75AFA7CC679}" type="presParOf" srcId="{2A7A9CC2-E426-41DE-B4CC-8DD6C72230A4}" destId="{424FDA7C-53BD-4B7F-AD72-A1C997BB4AE4}" srcOrd="0" destOrd="0" presId="urn:microsoft.com/office/officeart/2018/2/layout/IconCircleList"/>
+    <dgm:cxn modelId="{5094ED11-7AAA-460E-8BDD-9C9B35E1EDFA}" type="presParOf" srcId="{424FDA7C-53BD-4B7F-AD72-A1C997BB4AE4}" destId="{B520CA32-C9AA-479D-A0FD-123A1D26EBC0}" srcOrd="0" destOrd="0" presId="urn:microsoft.com/office/officeart/2018/2/layout/IconCircleList"/>
+    <dgm:cxn modelId="{02EE853B-E7E4-495D-8AE2-3C60BF8DD4C9}" type="presParOf" srcId="{B520CA32-C9AA-479D-A0FD-123A1D26EBC0}" destId="{AE55BBA0-5339-4AE8-9333-1844B01DC6D3}" srcOrd="0" destOrd="0" presId="urn:microsoft.com/office/officeart/2018/2/layout/IconCircleList"/>
+    <dgm:cxn modelId="{CA4F1063-1F4F-4710-AA01-EFD39D30B6CC}" type="presParOf" srcId="{B520CA32-C9AA-479D-A0FD-123A1D26EBC0}" destId="{2816EB23-784E-4EF8-B352-BB77866E4224}" srcOrd="1" destOrd="0" presId="urn:microsoft.com/office/officeart/2018/2/layout/IconCircleList"/>
+    <dgm:cxn modelId="{CDF4F171-9C0C-435F-8532-0276E95C043A}" type="presParOf" srcId="{B520CA32-C9AA-479D-A0FD-123A1D26EBC0}" destId="{BA5501D1-08FA-44D3-865D-0D3F59A1EFFC}" srcOrd="2" destOrd="0" presId="urn:microsoft.com/office/officeart/2018/2/layout/IconCircleList"/>
+    <dgm:cxn modelId="{0165D797-72B9-4ECF-9B04-CF25151D8CDB}" type="presParOf" srcId="{B520CA32-C9AA-479D-A0FD-123A1D26EBC0}" destId="{440D5A48-5AAC-492F-AC79-D23B7C22DF68}" srcOrd="3" destOrd="0" presId="urn:microsoft.com/office/officeart/2018/2/layout/IconCircleList"/>
+    <dgm:cxn modelId="{C050F911-A0DF-4940-83FB-D8ABFDA70A5F}" type="presParOf" srcId="{424FDA7C-53BD-4B7F-AD72-A1C997BB4AE4}" destId="{C59A2A3D-96B2-47AE-A46B-063F70CA3F00}" srcOrd="1" destOrd="0" presId="urn:microsoft.com/office/officeart/2018/2/layout/IconCircleList"/>
+    <dgm:cxn modelId="{C1EA9C88-39CA-4B77-AEE0-85BE060366F9}" type="presParOf" srcId="{424FDA7C-53BD-4B7F-AD72-A1C997BB4AE4}" destId="{304C8CDD-1107-4041-95B1-ADAEC18CA7E4}" srcOrd="2" destOrd="0" presId="urn:microsoft.com/office/officeart/2018/2/layout/IconCircleList"/>
+    <dgm:cxn modelId="{5BCC6CE3-6DF8-4EF1-A6AB-A6C27F7D762D}" type="presParOf" srcId="{304C8CDD-1107-4041-95B1-ADAEC18CA7E4}" destId="{B771D3B8-FE7C-42AE-8F62-4DD9320452EE}" srcOrd="0" destOrd="0" presId="urn:microsoft.com/office/officeart/2018/2/layout/IconCircleList"/>
+    <dgm:cxn modelId="{642424C6-687D-4C1F-91FC-3BF22D7A3BB6}" type="presParOf" srcId="{304C8CDD-1107-4041-95B1-ADAEC18CA7E4}" destId="{EA3151F2-A4FF-4398-9AAF-786407FF6EE8}" srcOrd="1" destOrd="0" presId="urn:microsoft.com/office/officeart/2018/2/layout/IconCircleList"/>
+    <dgm:cxn modelId="{D93E2B8A-0686-4FA3-A630-8F0427E4F1EC}" type="presParOf" srcId="{304C8CDD-1107-4041-95B1-ADAEC18CA7E4}" destId="{E1A3057C-DB97-4893-A369-260388CB46BB}" srcOrd="2" destOrd="0" presId="urn:microsoft.com/office/officeart/2018/2/layout/IconCircleList"/>
+    <dgm:cxn modelId="{4210D36D-CCDC-4BE2-BCA7-4923ECEC6C81}" type="presParOf" srcId="{304C8CDD-1107-4041-95B1-ADAEC18CA7E4}" destId="{C8866F65-43EC-4CCC-867C-8C7B9A4493E2}" srcOrd="3" destOrd="0" presId="urn:microsoft.com/office/officeart/2018/2/layout/IconCircleList"/>
+    <dgm:cxn modelId="{082CFF0E-6FFD-441E-8705-83CEC473FA49}" type="presParOf" srcId="{424FDA7C-53BD-4B7F-AD72-A1C997BB4AE4}" destId="{56BCD53E-A866-43F1-901E-FB484B709EFD}" srcOrd="3" destOrd="0" presId="urn:microsoft.com/office/officeart/2018/2/layout/IconCircleList"/>
+    <dgm:cxn modelId="{A5E8BE86-1D1C-453B-9CCD-3D8AC0FEF425}" type="presParOf" srcId="{424FDA7C-53BD-4B7F-AD72-A1C997BB4AE4}" destId="{5CE9A7E1-AEA1-4390-9879-91E1FA1E8E83}" srcOrd="4" destOrd="0" presId="urn:microsoft.com/office/officeart/2018/2/layout/IconCircleList"/>
+    <dgm:cxn modelId="{847A51D2-0D92-48FD-8D48-BC872A601D84}" type="presParOf" srcId="{5CE9A7E1-AEA1-4390-9879-91E1FA1E8E83}" destId="{244C62D1-BEA5-42A3-A1D2-51DF644FC8AA}" srcOrd="0" destOrd="0" presId="urn:microsoft.com/office/officeart/2018/2/layout/IconCircleList"/>
+    <dgm:cxn modelId="{2B91FAFA-1C8C-4759-9AC1-9829C826B0D8}" type="presParOf" srcId="{5CE9A7E1-AEA1-4390-9879-91E1FA1E8E83}" destId="{6BE3D34F-6EB6-4F2B-B7F2-84DFCCB2018A}" srcOrd="1" destOrd="0" presId="urn:microsoft.com/office/officeart/2018/2/layout/IconCircleList"/>
+    <dgm:cxn modelId="{576614BC-F0DB-4EC4-9467-36E9AE1381A9}" type="presParOf" srcId="{5CE9A7E1-AEA1-4390-9879-91E1FA1E8E83}" destId="{7579178D-2C7F-41A8-B19B-A1127CFF4AD9}" srcOrd="2" destOrd="0" presId="urn:microsoft.com/office/officeart/2018/2/layout/IconCircleList"/>
+    <dgm:cxn modelId="{92AAA1C6-EB2C-4E6A-83A8-6B1EB51EDBA8}" type="presParOf" srcId="{5CE9A7E1-AEA1-4390-9879-91E1FA1E8E83}" destId="{7051A1FE-BCC9-4F92-8E7D-F8DE1A6006F8}" srcOrd="3" destOrd="0" presId="urn:microsoft.com/office/officeart/2018/2/layout/IconCircleList"/>
   </dgm:cxnLst>
   <dgm:bg/>
   <dgm:whole/>
@@ -1089,30 +1410,78 @@
       <dsp:cNvGrpSpPr/>
     </dsp:nvGrpSpPr>
     <dsp:grpSpPr/>
-    <dsp:sp modelId="{BCA53FEF-54B4-4EAB-9264-4D60B0656C54}">
+    <dsp:sp modelId="{AE55BBA0-5339-4AE8-9333-1844B01DC6D3}">
       <dsp:nvSpPr>
         <dsp:cNvPr id="0" name=""/>
         <dsp:cNvSpPr/>
       </dsp:nvSpPr>
       <dsp:spPr>
         <a:xfrm>
-          <a:off x="0" y="2232"/>
-          <a:ext cx="4500562" cy="0"/>
+          <a:off x="253938" y="1275665"/>
+          <a:ext cx="917359" cy="917359"/>
         </a:xfrm>
-        <a:prstGeom prst="line">
+        <a:prstGeom prst="ellipse">
           <a:avLst/>
         </a:prstGeom>
         <a:solidFill>
-          <a:schemeClr val="accent6">
+          <a:schemeClr val="bg1">
+            <a:lumMod val="95000"/>
             <a:hueOff val="0"/>
             <a:satOff val="0"/>
             <a:lumOff val="0"/>
             <a:alphaOff val="0"/>
           </a:schemeClr>
         </a:solidFill>
+        <a:ln>
+          <a:noFill/>
+        </a:ln>
+        <a:effectLst/>
+      </dsp:spPr>
+      <dsp:style>
+        <a:lnRef idx="0">
+          <a:scrgbClr r="0" g="0" b="0"/>
+        </a:lnRef>
+        <a:fillRef idx="1">
+          <a:scrgbClr r="0" g="0" b="0"/>
+        </a:fillRef>
+        <a:effectRef idx="0">
+          <a:scrgbClr r="0" g="0" b="0"/>
+        </a:effectRef>
+        <a:fontRef idx="minor"/>
+      </dsp:style>
+    </dsp:sp>
+    <dsp:sp modelId="{2816EB23-784E-4EF8-B352-BB77866E4224}">
+      <dsp:nvSpPr>
+        <dsp:cNvPr id="0" name=""/>
+        <dsp:cNvSpPr/>
+      </dsp:nvSpPr>
+      <dsp:spPr>
+        <a:xfrm>
+          <a:off x="446584" y="1468310"/>
+          <a:ext cx="532068" cy="532068"/>
+        </a:xfrm>
+        <a:prstGeom prst="rect">
+          <a:avLst/>
+        </a:prstGeom>
+        <a:blipFill>
+          <a:blip xmlns:r="http://schemas.openxmlformats.org/officeDocument/2006/relationships" r:embed="rId1">
+            <a:extLst>
+              <a:ext uri="{28A0092B-C50C-407E-A947-70E740481C1C}">
+                <a14:useLocalDpi xmlns:a14="http://schemas.microsoft.com/office/drawing/2010/main" val="0"/>
+              </a:ext>
+              <a:ext uri="{96DAC541-7B7A-43D3-8B79-37D633B846F1}">
+                <asvg:svgBlip xmlns:asvg="http://schemas.microsoft.com/office/drawing/2016/SVG/main" r:embed="rId2"/>
+              </a:ext>
+            </a:extLst>
+          </a:blip>
+          <a:stretch>
+            <a:fillRect/>
+          </a:stretch>
+        </a:blipFill>
         <a:ln w="12700" cap="flat" cmpd="sng" algn="ctr">
           <a:solidFill>
-            <a:schemeClr val="accent6">
+            <a:schemeClr val="lt1">
+              <a:alpha val="0"/>
               <a:hueOff val="0"/>
               <a:satOff val="0"/>
               <a:lumOff val="0"/>
@@ -1139,15 +1508,15 @@
         </a:fontRef>
       </dsp:style>
     </dsp:sp>
-    <dsp:sp modelId="{8DC2579D-F6BA-4774-BCF4-AE3B96156822}">
+    <dsp:sp modelId="{440D5A48-5AAC-492F-AC79-D23B7C22DF68}">
       <dsp:nvSpPr>
         <dsp:cNvPr id="0" name=""/>
         <dsp:cNvSpPr/>
       </dsp:nvSpPr>
       <dsp:spPr>
         <a:xfrm>
-          <a:off x="0" y="2232"/>
-          <a:ext cx="4500562" cy="1522511"/>
+          <a:off x="1367875" y="1275665"/>
+          <a:ext cx="2162347" cy="917359"/>
         </a:xfrm>
         <a:prstGeom prst="rect">
           <a:avLst/>
@@ -1171,14 +1540,14 @@
         <a:fontRef idx="minor"/>
       </dsp:style>
       <dsp:txBody>
-        <a:bodyPr spcFirstLastPara="0" vert="horz" wrap="square" lIns="163830" tIns="163830" rIns="163830" bIns="163830" numCol="1" spcCol="1270" anchor="t" anchorCtr="0">
+        <a:bodyPr spcFirstLastPara="0" vert="horz" wrap="square" lIns="0" tIns="0" rIns="0" bIns="0" numCol="1" spcCol="1270" anchor="ctr" anchorCtr="0">
           <a:noAutofit/>
         </a:bodyPr>
         <a:lstStyle/>
         <a:p>
-          <a:pPr marL="0" lvl="0" indent="0" algn="l" defTabSz="1911350">
+          <a:pPr marL="0" lvl="0" indent="0" algn="l" defTabSz="1066800">
             <a:lnSpc>
-              <a:spcPct val="90000"/>
+              <a:spcPct val="100000"/>
             </a:lnSpc>
             <a:spcBef>
               <a:spcPct val="0"/>
@@ -1189,41 +1558,89 @@
             <a:buNone/>
           </a:pPr>
           <a:r>
-            <a:rPr lang="fr-FR" sz="4300" kern="1200"/>
-            <a:t>Contexte</a:t>
+            <a:rPr lang="fr-FR" sz="2400" kern="1200"/>
+            <a:t>Framework agréable</a:t>
           </a:r>
-          <a:endParaRPr lang="en-US" sz="4300" kern="1200"/>
+          <a:endParaRPr lang="en-US" sz="2400" kern="1200"/>
         </a:p>
       </dsp:txBody>
       <dsp:txXfrm>
-        <a:off x="0" y="2232"/>
-        <a:ext cx="4500562" cy="1522511"/>
+        <a:off x="1367875" y="1275665"/>
+        <a:ext cx="2162347" cy="917359"/>
       </dsp:txXfrm>
     </dsp:sp>
-    <dsp:sp modelId="{BFDD9095-C957-4B63-ADF4-976E660C1BBF}">
+    <dsp:sp modelId="{B771D3B8-FE7C-42AE-8F62-4DD9320452EE}">
       <dsp:nvSpPr>
         <dsp:cNvPr id="0" name=""/>
         <dsp:cNvSpPr/>
       </dsp:nvSpPr>
       <dsp:spPr>
         <a:xfrm>
-          <a:off x="0" y="1524744"/>
-          <a:ext cx="4500562" cy="0"/>
+          <a:off x="3906995" y="1275665"/>
+          <a:ext cx="917359" cy="917359"/>
         </a:xfrm>
-        <a:prstGeom prst="line">
+        <a:prstGeom prst="ellipse">
           <a:avLst/>
         </a:prstGeom>
         <a:solidFill>
-          <a:schemeClr val="accent6">
+          <a:schemeClr val="bg1">
+            <a:lumMod val="95000"/>
             <a:hueOff val="0"/>
             <a:satOff val="0"/>
             <a:lumOff val="0"/>
             <a:alphaOff val="0"/>
           </a:schemeClr>
         </a:solidFill>
+        <a:ln>
+          <a:noFill/>
+        </a:ln>
+        <a:effectLst/>
+      </dsp:spPr>
+      <dsp:style>
+        <a:lnRef idx="0">
+          <a:scrgbClr r="0" g="0" b="0"/>
+        </a:lnRef>
+        <a:fillRef idx="1">
+          <a:scrgbClr r="0" g="0" b="0"/>
+        </a:fillRef>
+        <a:effectRef idx="0">
+          <a:scrgbClr r="0" g="0" b="0"/>
+        </a:effectRef>
+        <a:fontRef idx="minor"/>
+      </dsp:style>
+    </dsp:sp>
+    <dsp:sp modelId="{EA3151F2-A4FF-4398-9AAF-786407FF6EE8}">
+      <dsp:nvSpPr>
+        <dsp:cNvPr id="0" name=""/>
+        <dsp:cNvSpPr/>
+      </dsp:nvSpPr>
+      <dsp:spPr>
+        <a:xfrm>
+          <a:off x="4099641" y="1468310"/>
+          <a:ext cx="532068" cy="532068"/>
+        </a:xfrm>
+        <a:prstGeom prst="rect">
+          <a:avLst/>
+        </a:prstGeom>
+        <a:blipFill>
+          <a:blip xmlns:r="http://schemas.openxmlformats.org/officeDocument/2006/relationships" r:embed="rId3">
+            <a:extLst>
+              <a:ext uri="{28A0092B-C50C-407E-A947-70E740481C1C}">
+                <a14:useLocalDpi xmlns:a14="http://schemas.microsoft.com/office/drawing/2010/main" val="0"/>
+              </a:ext>
+              <a:ext uri="{96DAC541-7B7A-43D3-8B79-37D633B846F1}">
+                <asvg:svgBlip xmlns:asvg="http://schemas.microsoft.com/office/drawing/2016/SVG/main" r:embed="rId4"/>
+              </a:ext>
+            </a:extLst>
+          </a:blip>
+          <a:stretch>
+            <a:fillRect/>
+          </a:stretch>
+        </a:blipFill>
         <a:ln w="12700" cap="flat" cmpd="sng" algn="ctr">
           <a:solidFill>
-            <a:schemeClr val="accent6">
+            <a:schemeClr val="lt1">
+              <a:alpha val="0"/>
               <a:hueOff val="0"/>
               <a:satOff val="0"/>
               <a:lumOff val="0"/>
@@ -1250,15 +1667,15 @@
         </a:fontRef>
       </dsp:style>
     </dsp:sp>
-    <dsp:sp modelId="{AA2613B0-D3B3-4171-8480-6DADDAFC2FCC}">
+    <dsp:sp modelId="{C8866F65-43EC-4CCC-867C-8C7B9A4493E2}">
       <dsp:nvSpPr>
         <dsp:cNvPr id="0" name=""/>
         <dsp:cNvSpPr/>
       </dsp:nvSpPr>
       <dsp:spPr>
         <a:xfrm>
-          <a:off x="0" y="1524744"/>
-          <a:ext cx="4500562" cy="1522511"/>
+          <a:off x="5020932" y="1275665"/>
+          <a:ext cx="2162347" cy="917359"/>
         </a:xfrm>
         <a:prstGeom prst="rect">
           <a:avLst/>
@@ -1282,14 +1699,14 @@
         <a:fontRef idx="minor"/>
       </dsp:style>
       <dsp:txBody>
-        <a:bodyPr spcFirstLastPara="0" vert="horz" wrap="square" lIns="163830" tIns="163830" rIns="163830" bIns="163830" numCol="1" spcCol="1270" anchor="t" anchorCtr="0">
+        <a:bodyPr spcFirstLastPara="0" vert="horz" wrap="square" lIns="0" tIns="0" rIns="0" bIns="0" numCol="1" spcCol="1270" anchor="ctr" anchorCtr="0">
           <a:noAutofit/>
         </a:bodyPr>
         <a:lstStyle/>
         <a:p>
-          <a:pPr marL="0" lvl="0" indent="0" algn="l" defTabSz="1911350">
+          <a:pPr marL="0" lvl="0" indent="0" algn="l" defTabSz="1066800">
             <a:lnSpc>
-              <a:spcPct val="90000"/>
+              <a:spcPct val="100000"/>
             </a:lnSpc>
             <a:spcBef>
               <a:spcPct val="0"/>
@@ -1300,41 +1717,89 @@
             <a:buNone/>
           </a:pPr>
           <a:r>
-            <a:rPr lang="fr-FR" sz="4300" kern="1200"/>
-            <a:t>Fonctionnalités</a:t>
+            <a:rPr lang="fr-FR" sz="2400" kern="1200" dirty="0"/>
+            <a:t>Durée correcte</a:t>
           </a:r>
-          <a:endParaRPr lang="en-US" sz="4300" kern="1200"/>
+          <a:endParaRPr lang="en-US" sz="2400" kern="1200" dirty="0"/>
         </a:p>
       </dsp:txBody>
       <dsp:txXfrm>
-        <a:off x="0" y="1524744"/>
-        <a:ext cx="4500562" cy="1522511"/>
+        <a:off x="5020932" y="1275665"/>
+        <a:ext cx="2162347" cy="917359"/>
       </dsp:txXfrm>
     </dsp:sp>
-    <dsp:sp modelId="{431535AA-452A-426D-B47A-621EDBB64481}">
+    <dsp:sp modelId="{244C62D1-BEA5-42A3-A1D2-51DF644FC8AA}">
       <dsp:nvSpPr>
         <dsp:cNvPr id="0" name=""/>
         <dsp:cNvSpPr/>
       </dsp:nvSpPr>
       <dsp:spPr>
         <a:xfrm>
-          <a:off x="0" y="3047255"/>
-          <a:ext cx="4500562" cy="0"/>
+          <a:off x="7560052" y="1275665"/>
+          <a:ext cx="917359" cy="917359"/>
         </a:xfrm>
-        <a:prstGeom prst="line">
+        <a:prstGeom prst="ellipse">
           <a:avLst/>
         </a:prstGeom>
         <a:solidFill>
-          <a:schemeClr val="accent6">
+          <a:schemeClr val="bg1">
+            <a:lumMod val="95000"/>
             <a:hueOff val="0"/>
             <a:satOff val="0"/>
             <a:lumOff val="0"/>
             <a:alphaOff val="0"/>
           </a:schemeClr>
         </a:solidFill>
+        <a:ln>
+          <a:noFill/>
+        </a:ln>
+        <a:effectLst/>
+      </dsp:spPr>
+      <dsp:style>
+        <a:lnRef idx="0">
+          <a:scrgbClr r="0" g="0" b="0"/>
+        </a:lnRef>
+        <a:fillRef idx="1">
+          <a:scrgbClr r="0" g="0" b="0"/>
+        </a:fillRef>
+        <a:effectRef idx="0">
+          <a:scrgbClr r="0" g="0" b="0"/>
+        </a:effectRef>
+        <a:fontRef idx="minor"/>
+      </dsp:style>
+    </dsp:sp>
+    <dsp:sp modelId="{6BE3D34F-6EB6-4F2B-B7F2-84DFCCB2018A}">
+      <dsp:nvSpPr>
+        <dsp:cNvPr id="0" name=""/>
+        <dsp:cNvSpPr/>
+      </dsp:nvSpPr>
+      <dsp:spPr>
+        <a:xfrm>
+          <a:off x="7752698" y="1468310"/>
+          <a:ext cx="532068" cy="532068"/>
+        </a:xfrm>
+        <a:prstGeom prst="rect">
+          <a:avLst/>
+        </a:prstGeom>
+        <a:blipFill>
+          <a:blip xmlns:r="http://schemas.openxmlformats.org/officeDocument/2006/relationships" r:embed="rId5">
+            <a:extLst>
+              <a:ext uri="{28A0092B-C50C-407E-A947-70E740481C1C}">
+                <a14:useLocalDpi xmlns:a14="http://schemas.microsoft.com/office/drawing/2010/main" val="0"/>
+              </a:ext>
+              <a:ext uri="{96DAC541-7B7A-43D3-8B79-37D633B846F1}">
+                <asvg:svgBlip xmlns:asvg="http://schemas.microsoft.com/office/drawing/2016/SVG/main" r:embed="rId6"/>
+              </a:ext>
+            </a:extLst>
+          </a:blip>
+          <a:stretch>
+            <a:fillRect/>
+          </a:stretch>
+        </a:blipFill>
         <a:ln w="12700" cap="flat" cmpd="sng" algn="ctr">
           <a:solidFill>
-            <a:schemeClr val="accent6">
+            <a:schemeClr val="lt1">
+              <a:alpha val="0"/>
               <a:hueOff val="0"/>
               <a:satOff val="0"/>
               <a:lumOff val="0"/>
@@ -1361,15 +1826,15 @@
         </a:fontRef>
       </dsp:style>
     </dsp:sp>
-    <dsp:sp modelId="{52BE68B7-191B-49FB-9FAA-83AC7359831C}">
+    <dsp:sp modelId="{7051A1FE-BCC9-4F92-8E7D-F8DE1A6006F8}">
       <dsp:nvSpPr>
         <dsp:cNvPr id="0" name=""/>
         <dsp:cNvSpPr/>
       </dsp:nvSpPr>
       <dsp:spPr>
         <a:xfrm>
-          <a:off x="0" y="3047255"/>
-          <a:ext cx="4500562" cy="1522511"/>
+          <a:off x="8673989" y="1275665"/>
+          <a:ext cx="2162347" cy="917359"/>
         </a:xfrm>
         <a:prstGeom prst="rect">
           <a:avLst/>
@@ -1393,14 +1858,14 @@
         <a:fontRef idx="minor"/>
       </dsp:style>
       <dsp:txBody>
-        <a:bodyPr spcFirstLastPara="0" vert="horz" wrap="square" lIns="163830" tIns="163830" rIns="163830" bIns="163830" numCol="1" spcCol="1270" anchor="t" anchorCtr="0">
+        <a:bodyPr spcFirstLastPara="0" vert="horz" wrap="square" lIns="0" tIns="0" rIns="0" bIns="0" numCol="1" spcCol="1270" anchor="ctr" anchorCtr="0">
           <a:noAutofit/>
         </a:bodyPr>
         <a:lstStyle/>
         <a:p>
-          <a:pPr marL="0" lvl="0" indent="0" algn="l" defTabSz="1911350">
+          <a:pPr marL="0" lvl="0" indent="0" algn="l" defTabSz="1066800">
             <a:lnSpc>
-              <a:spcPct val="90000"/>
+              <a:spcPct val="100000"/>
             </a:lnSpc>
             <a:spcBef>
               <a:spcPct val="0"/>
@@ -1411,15 +1876,23 @@
             <a:buNone/>
           </a:pPr>
           <a:r>
-            <a:rPr lang="fr-FR" sz="4300" kern="1200"/>
-            <a:t>Retour expérience</a:t>
+            <a:rPr lang="en-US" sz="2400" kern="1200" dirty="0" err="1"/>
+            <a:t>Fonctionnalités</a:t>
           </a:r>
-          <a:endParaRPr lang="en-US" sz="4300" kern="1200"/>
+          <a:r>
+            <a:rPr lang="en-US" sz="2400" kern="1200" dirty="0"/>
+            <a:t> </a:t>
+          </a:r>
+          <a:r>
+            <a:rPr lang="en-US" sz="2400" kern="1200" dirty="0" err="1"/>
+            <a:t>intéressantes</a:t>
+          </a:r>
+          <a:endParaRPr lang="en-US" sz="2400" kern="1200" dirty="0"/>
         </a:p>
       </dsp:txBody>
       <dsp:txXfrm>
-        <a:off x="0" y="3047255"/>
-        <a:ext cx="4500562" cy="1522511"/>
+        <a:off x="8673989" y="1275665"/>
+        <a:ext cx="2162347" cy="917359"/>
       </dsp:txXfrm>
     </dsp:sp>
   </dsp:spTree>
@@ -1427,468 +1900,214 @@
 </file>
 
 <file path=ppt/diagrams/layout1.xml><?xml version="1.0" encoding="utf-8"?>
-<dgm:layoutDef xmlns:dgm="http://schemas.openxmlformats.org/drawingml/2006/diagram" xmlns:a="http://schemas.openxmlformats.org/drawingml/2006/main" uniqueId="urn:microsoft.com/office/officeart/2008/layout/LinedList">
-  <dgm:title val=""/>
-  <dgm:desc val=""/>
+<dgm:layoutDef xmlns:dgm="http://schemas.openxmlformats.org/drawingml/2006/diagram" xmlns:a="http://schemas.openxmlformats.org/drawingml/2006/main" uniqueId="urn:microsoft.com/office/officeart/2018/2/layout/IconCircleList">
+  <dgm:title val="Icon Circle List"/>
+  <dgm:desc val="Use to show non-sequential or grouped chunks of information accompanied by related visuals. Circular shapes can hold an icon or small picture and corresponding text box shows Level 1 text. Works best for icons or small pictures with medium-length descriptions."/>
   <dgm:catLst>
-    <dgm:cat type="hierarchy" pri="8000"/>
-    <dgm:cat type="list" pri="2500"/>
+    <dgm:cat type="icon" pri="500"/>
   </dgm:catLst>
-  <dgm:sampData>
+  <dgm:sampData useDef="1">
     <dgm:dataModel>
-      <dgm:ptLst>
-        <dgm:pt modelId="0" type="doc"/>
-        <dgm:pt modelId="1">
-          <dgm:prSet phldr="1"/>
-        </dgm:pt>
-        <dgm:pt modelId="11">
-          <dgm:prSet phldr="1"/>
-        </dgm:pt>
-        <dgm:pt modelId="12">
-          <dgm:prSet phldr="1"/>
-        </dgm:pt>
-        <dgm:pt modelId="13">
-          <dgm:prSet phldr="1"/>
-        </dgm:pt>
-      </dgm:ptLst>
-      <dgm:cxnLst>
-        <dgm:cxn modelId="2" srcId="0" destId="1" srcOrd="0" destOrd="0"/>
-        <dgm:cxn modelId="3" srcId="1" destId="11" srcOrd="0" destOrd="0"/>
-        <dgm:cxn modelId="4" srcId="1" destId="12" srcOrd="1" destOrd="0"/>
-        <dgm:cxn modelId="5" srcId="1" destId="13" srcOrd="2" destOrd="0"/>
-      </dgm:cxnLst>
+      <dgm:ptLst/>
       <dgm:bg/>
       <dgm:whole/>
     </dgm:dataModel>
   </dgm:sampData>
-  <dgm:styleData>
+  <dgm:styleData useDef="1">
     <dgm:dataModel>
-      <dgm:ptLst>
-        <dgm:pt modelId="0" type="doc"/>
-        <dgm:pt modelId="1">
-          <dgm:prSet phldr="1"/>
-        </dgm:pt>
-        <dgm:pt modelId="11">
-          <dgm:prSet phldr="1"/>
-        </dgm:pt>
-        <dgm:pt modelId="12">
-          <dgm:prSet phldr="1"/>
-        </dgm:pt>
-      </dgm:ptLst>
-      <dgm:cxnLst>
-        <dgm:cxn modelId="2" srcId="0" destId="1" srcOrd="0" destOrd="0"/>
-        <dgm:cxn modelId="3" srcId="1" destId="11" srcOrd="0" destOrd="0"/>
-        <dgm:cxn modelId="4" srcId="1" destId="12" srcOrd="1" destOrd="0"/>
-      </dgm:cxnLst>
+      <dgm:ptLst/>
       <dgm:bg/>
       <dgm:whole/>
     </dgm:dataModel>
   </dgm:styleData>
-  <dgm:clrData>
+  <dgm:clrData useDef="1">
     <dgm:dataModel>
-      <dgm:ptLst>
-        <dgm:pt modelId="0" type="doc"/>
-        <dgm:pt modelId="1">
-          <dgm:prSet phldr="1"/>
-        </dgm:pt>
-        <dgm:pt modelId="11">
-          <dgm:prSet phldr="1"/>
-        </dgm:pt>
-        <dgm:pt modelId="12">
-          <dgm:prSet phldr="1"/>
-        </dgm:pt>
-      </dgm:ptLst>
-      <dgm:cxnLst>
-        <dgm:cxn modelId="2" srcId="0" destId="1" srcOrd="0" destOrd="0"/>
-        <dgm:cxn modelId="3" srcId="1" destId="11" srcOrd="0" destOrd="0"/>
-        <dgm:cxn modelId="4" srcId="1" destId="12" srcOrd="1" destOrd="0"/>
-      </dgm:cxnLst>
+      <dgm:ptLst/>
       <dgm:bg/>
       <dgm:whole/>
     </dgm:dataModel>
   </dgm:clrData>
-  <dgm:layoutNode name="vert0">
+  <dgm:layoutNode name="root">
     <dgm:varLst>
       <dgm:dir/>
-      <dgm:animOne val="branch"/>
-      <dgm:animLvl val="lvl"/>
+      <dgm:resizeHandles val="exact"/>
     </dgm:varLst>
-    <dgm:choose name="Name0">
-      <dgm:if name="Name1" func="var" arg="dir" op="equ" val="norm">
-        <dgm:alg type="lin">
-          <dgm:param type="linDir" val="fromT"/>
-          <dgm:param type="nodeHorzAlign" val="l"/>
-        </dgm:alg>
-      </dgm:if>
-      <dgm:else name="Name2">
-        <dgm:alg type="lin">
-          <dgm:param type="linDir" val="fromT"/>
-          <dgm:param type="nodeHorzAlign" val="r"/>
-        </dgm:alg>
-      </dgm:else>
-    </dgm:choose>
+    <dgm:alg type="sp"/>
     <dgm:shape xmlns:r="http://schemas.openxmlformats.org/officeDocument/2006/relationships" r:blip="">
       <dgm:adjLst/>
     </dgm:shape>
     <dgm:presOf/>
-    <dgm:constrLst>
-      <dgm:constr type="w" for="ch" forName="horz1" refType="w"/>
-      <dgm:constr type="h" for="ch" forName="horz1" refType="h"/>
-      <dgm:constr type="h" for="des" forName="vert1" refType="h"/>
-      <dgm:constr type="h" for="des" forName="tx1" refType="h"/>
-      <dgm:constr type="h" for="des" forName="horz2" refType="h"/>
-      <dgm:constr type="h" for="des" forName="vert2" refType="h"/>
-      <dgm:constr type="h" for="des" forName="horz3" refType="h"/>
-      <dgm:constr type="h" for="des" forName="vert3" refType="h"/>
-      <dgm:constr type="h" for="des" forName="horz4" refType="h"/>
-      <dgm:constr type="h" for="des" ptType="node" refType="h"/>
-      <dgm:constr type="primFontSz" for="des" forName="tx1" op="equ" val="65"/>
-      <dgm:constr type="primFontSz" for="des" forName="tx2" op="equ" val="65"/>
-      <dgm:constr type="primFontSz" for="des" forName="tx3" op="equ" val="65"/>
-      <dgm:constr type="primFontSz" for="des" forName="tx4" op="equ" val="65"/>
-      <dgm:constr type="w" for="des" forName="thickLine" refType="w"/>
-      <dgm:constr type="h" for="des" forName="thickLine"/>
-      <dgm:constr type="h" for="des" forName="thinLine1"/>
-      <dgm:constr type="h" for="des" forName="thinLine2b"/>
-      <dgm:constr type="h" for="des" forName="thinLine3"/>
-      <dgm:constr type="h" for="des" forName="vertSpace2a" refType="h" fact="0.05"/>
-      <dgm:constr type="h" for="des" forName="vertSpace2b" refType="h" refFor="des" refForName="vertSpace2a"/>
-    </dgm:constrLst>
-    <dgm:forEach name="Name3" axis="ch" ptType="node">
-      <dgm:layoutNode name="thickLine" styleLbl="alignNode1">
-        <dgm:alg type="sp"/>
-        <dgm:shape xmlns:r="http://schemas.openxmlformats.org/officeDocument/2006/relationships" type="line" r:blip="">
-          <dgm:adjLst/>
-        </dgm:shape>
-        <dgm:presOf/>
-      </dgm:layoutNode>
-      <dgm:layoutNode name="horz1">
-        <dgm:choose name="Name4">
-          <dgm:if name="Name5" func="var" arg="dir" op="equ" val="norm">
-            <dgm:alg type="lin">
-              <dgm:param type="linDir" val="fromL"/>
-              <dgm:param type="nodeVertAlign" val="t"/>
-            </dgm:alg>
-          </dgm:if>
-          <dgm:else name="Name6">
-            <dgm:alg type="lin">
-              <dgm:param type="linDir" val="fromR"/>
-              <dgm:param type="nodeVertAlign" val="t"/>
-            </dgm:alg>
-          </dgm:else>
-        </dgm:choose>
-        <dgm:shape xmlns:r="http://schemas.openxmlformats.org/officeDocument/2006/relationships" r:blip="">
-          <dgm:adjLst/>
-        </dgm:shape>
-        <dgm:presOf/>
-        <dgm:choose name="Name7">
-          <dgm:if name="Name8" axis="root des" func="maxDepth" op="equ" val="1">
-            <dgm:constrLst>
-              <dgm:constr type="w" for="ch" forName="tx1" refType="w"/>
-            </dgm:constrLst>
-          </dgm:if>
-          <dgm:if name="Name9" axis="root des" func="maxDepth" op="equ" val="2">
-            <dgm:constrLst>
-              <dgm:constr type="w" for="ch" forName="tx1" refType="w" fact="0.2"/>
-              <dgm:constr type="w" for="des" forName="tx2" refType="w" fact="0.785"/>
-              <dgm:constr type="w" for="des" forName="horzSpace2" refType="w" fact="0.015"/>
-              <dgm:constr type="w" for="des" forName="thinLine2b" refType="w" fact="0.8"/>
-            </dgm:constrLst>
-          </dgm:if>
-          <dgm:if name="Name10" axis="root des" func="maxDepth" op="equ" val="3">
-            <dgm:constrLst>
-              <dgm:constr type="w" for="ch" forName="tx1" refType="w" fact="0.2"/>
-              <dgm:constr type="w" for="des" forName="tx2" refType="w" fact="0.385"/>
-              <dgm:constr type="w" for="des" forName="tx3" refType="w" fact="0.385"/>
-              <dgm:constr type="w" for="des" forName="horzSpace2" refType="w" fact="0.015"/>
-              <dgm:constr type="w" for="des" forName="horzSpace3" refType="w" fact="0.015"/>
-              <dgm:constr type="w" for="des" forName="thinLine2b" refType="w" fact="0.8"/>
-              <dgm:constr type="w" for="des" forName="thinLine3" refType="w" fact="0.385"/>
-            </dgm:constrLst>
-          </dgm:if>
-          <dgm:if name="Name11" axis="root des" func="maxDepth" op="gte" val="4">
-            <dgm:constrLst>
-              <dgm:constr type="w" for="ch" forName="tx1" refType="w" fact="0.2"/>
-              <dgm:constr type="w" for="des" forName="tx2" refType="w" fact="0.2516"/>
-              <dgm:constr type="w" for="des" forName="tx3" refType="w" fact="0.2516"/>
-              <dgm:constr type="w" for="des" forName="tx4" refType="w" fact="0.2516"/>
-              <dgm:constr type="w" for="des" forName="horzSpace2" refType="w" fact="0.015"/>
-              <dgm:constr type="w" for="des" forName="horzSpace3" refType="w" fact="0.015"/>
-              <dgm:constr type="w" for="des" forName="horzSpace4" refType="w" fact="0.015"/>
-              <dgm:constr type="w" for="des" forName="thinLine2b" refType="w" fact="0.8"/>
-              <dgm:constr type="w" for="des" forName="thinLine3" refType="w" fact="0.5332"/>
-            </dgm:constrLst>
-          </dgm:if>
-          <dgm:else name="Name12"/>
-        </dgm:choose>
-        <dgm:layoutNode name="tx1" styleLbl="revTx">
-          <dgm:alg type="tx">
-            <dgm:param type="parTxLTRAlign" val="l"/>
-            <dgm:param type="parTxRTLAlign" val="r"/>
-            <dgm:param type="txAnchorVert" val="t"/>
+    <dgm:choose name="Name0">
+      <dgm:if name="Name1" axis="ch" ptType="node" func="cnt" op="lte" val="3">
+        <dgm:constrLst>
+          <dgm:constr type="w" for="ch" forName="container" refType="w"/>
+          <dgm:constr type="h" for="ch" forName="container" refType="h" fact="0.4"/>
+        </dgm:constrLst>
+      </dgm:if>
+      <dgm:else name="Name2">
+        <dgm:constrLst>
+          <dgm:constr type="w" for="ch" forName="container" refType="w"/>
+          <dgm:constr type="h" for="ch" forName="container" refType="h"/>
+        </dgm:constrLst>
+      </dgm:else>
+    </dgm:choose>
+    <dgm:ruleLst>
+      <dgm:rule type="h" for="ch" forName="container" val="INF" fact="NaN" max="NaN"/>
+    </dgm:ruleLst>
+    <dgm:layoutNode name="container">
+      <dgm:varLst>
+        <dgm:dir/>
+        <dgm:resizeHandles val="exact"/>
+      </dgm:varLst>
+      <dgm:choose name="Name3">
+        <dgm:if name="Name4" axis="self" func="var" arg="dir" op="equ" val="norm">
+          <dgm:alg type="snake">
+            <dgm:param type="grDir" val="tL"/>
+            <dgm:param type="flowDir" val="row"/>
+            <dgm:param type="contDir" val="sameDir"/>
           </dgm:alg>
-          <dgm:shape xmlns:r="http://schemas.openxmlformats.org/officeDocument/2006/relationships" type="rect" r:blip="">
+        </dgm:if>
+        <dgm:else name="Name5">
+          <dgm:alg type="snake">
+            <dgm:param type="grDir" val="tR"/>
+            <dgm:param type="flowDir" val="row"/>
+            <dgm:param type="contDir" val="sameDir"/>
+          </dgm:alg>
+        </dgm:else>
+      </dgm:choose>
+      <dgm:shape xmlns:r="http://schemas.openxmlformats.org/officeDocument/2006/relationships" r:blip="">
+        <dgm:adjLst/>
+      </dgm:shape>
+      <dgm:presOf/>
+      <dgm:constrLst>
+        <dgm:constr type="w" for="ch" forName="compNode" refType="w"/>
+        <dgm:constr type="h" for="ch" forName="compNode" refType="w" fact="0.28"/>
+        <dgm:constr type="w" for="ch" forName="sibTrans" refType="w" refFor="ch" refForName="compNode" fact="0.115"/>
+        <dgm:constr type="sp" refType="h" op="equ" fact="0.17"/>
+        <dgm:constr type="primFontSz" for="des" ptType="node" op="equ" val="24"/>
+        <dgm:constr type="h" for="des" forName="compNode" op="equ"/>
+        <dgm:constr type="h" for="des" forName="iconBgRect" op="equ"/>
+      </dgm:constrLst>
+      <dgm:ruleLst>
+        <dgm:rule type="w" for="ch" forName="compNode" val="60" fact="NaN" max="NaN"/>
+      </dgm:ruleLst>
+      <dgm:forEach name="Name6" axis="ch" ptType="node">
+        <dgm:layoutNode name="compNode">
+          <dgm:alg type="composite"/>
+          <dgm:shape xmlns:r="http://schemas.openxmlformats.org/officeDocument/2006/relationships" r:blip="">
             <dgm:adjLst/>
           </dgm:shape>
           <dgm:presOf axis="self"/>
           <dgm:constrLst>
-            <dgm:constr type="tMarg" refType="primFontSz" fact="0.3"/>
-            <dgm:constr type="bMarg" refType="primFontSz" fact="0.3"/>
-            <dgm:constr type="lMarg" refType="primFontSz" fact="0.3"/>
-            <dgm:constr type="rMarg" refType="primFontSz" fact="0.3"/>
+            <dgm:constr type="w" for="ch" forName="iconBgRect" refType="w" fact="0.28"/>
+            <dgm:constr type="h" for="ch" forName="iconBgRect" refType="w" refFor="ch" refForName="iconBgRect"/>
+            <dgm:constr type="t" for="ch" forName="iconBgRect"/>
+            <dgm:constr type="l" for="ch" forName="iconBgRect"/>
+            <dgm:constr type="w" for="ch" forName="iconRect" refType="w" refFor="ch" refForName="iconBgRect" fact="0.58"/>
+            <dgm:constr type="h" for="ch" forName="iconRect" refType="w" refFor="ch" refForName="iconRect"/>
+            <dgm:constr type="ctrX" for="ch" forName="iconRect" refType="ctrX" refFor="ch" refForName="iconBgRect"/>
+            <dgm:constr type="ctrY" for="ch" forName="iconRect" refType="ctrY" refFor="ch" refForName="iconBgRect"/>
+            <dgm:constr type="w" for="ch" forName="spaceRect" refType="w" fact="0.06"/>
+            <dgm:constr type="h" for="ch" forName="spaceRect" refType="h" refFor="ch" refForName="iconBgRect"/>
+            <dgm:constr type="t" for="ch" forName="spaceRect" refType="t" refFor="ch" refForName="iconBgRect"/>
+            <dgm:constr type="l" for="ch" forName="spaceRect" refType="r" refFor="ch" refForName="iconBgRect"/>
+            <dgm:constr type="h" for="ch" forName="textRect" refType="h" refFor="ch" refForName="iconBgRect"/>
+            <dgm:constr type="t" for="ch" forName="textRect" refType="t" refFor="ch" refForName="iconBgRect"/>
+            <dgm:constr type="l" for="ch" forName="textRect" refType="r" refFor="ch" refForName="spaceRect"/>
           </dgm:constrLst>
-          <dgm:ruleLst>
-            <dgm:rule type="primFontSz" val="5" fact="NaN" max="NaN"/>
-          </dgm:ruleLst>
+          <dgm:ruleLst/>
+          <dgm:layoutNode name="iconBgRect" styleLbl="bgShp">
+            <dgm:alg type="sp"/>
+            <dgm:shape xmlns:r="http://schemas.openxmlformats.org/officeDocument/2006/relationships" type="ellipse" r:blip="">
+              <dgm:adjLst/>
+            </dgm:shape>
+            <dgm:presOf/>
+            <dgm:constrLst/>
+            <dgm:ruleLst/>
+          </dgm:layoutNode>
+          <dgm:layoutNode name="iconRect" styleLbl="node1">
+            <dgm:alg type="sp"/>
+            <dgm:shape xmlns:r="http://schemas.openxmlformats.org/officeDocument/2006/relationships" type="rect" r:blip="" blipPhldr="1">
+              <dgm:adjLst/>
+            </dgm:shape>
+            <dgm:presOf/>
+            <dgm:constrLst/>
+            <dgm:ruleLst/>
+          </dgm:layoutNode>
+          <dgm:layoutNode name="spaceRect">
+            <dgm:alg type="sp"/>
+            <dgm:shape xmlns:r="http://schemas.openxmlformats.org/officeDocument/2006/relationships" r:blip="">
+              <dgm:adjLst/>
+            </dgm:shape>
+            <dgm:presOf/>
+            <dgm:constrLst/>
+            <dgm:ruleLst/>
+          </dgm:layoutNode>
+          <dgm:layoutNode name="textRect" styleLbl="revTx">
+            <dgm:varLst>
+              <dgm:chMax val="1"/>
+              <dgm:chPref val="1"/>
+            </dgm:varLst>
+            <dgm:choose name="Name7">
+              <dgm:if name="Name8" func="var" arg="dir" op="equ" val="norm">
+                <dgm:alg type="tx">
+                  <dgm:param type="txAnchorVert" val="mid"/>
+                  <dgm:param type="parTxLTRAlign" val="l"/>
+                  <dgm:param type="shpTxLTRAlignCh" val="l"/>
+                  <dgm:param type="parTxRTLAlign" val="l"/>
+                  <dgm:param type="shpTxRTLAlignCh" val="l"/>
+                </dgm:alg>
+              </dgm:if>
+              <dgm:else name="Name9">
+                <dgm:alg type="tx">
+                  <dgm:param type="txAnchorVert" val="mid"/>
+                  <dgm:param type="parTxLTRAlign" val="r"/>
+                  <dgm:param type="shpTxLTRAlignCh" val="r"/>
+                  <dgm:param type="parTxRTLAlign" val="r"/>
+                  <dgm:param type="shpTxRTLAlignCh" val="r"/>
+                </dgm:alg>
+              </dgm:else>
+            </dgm:choose>
+            <dgm:shape xmlns:r="http://schemas.openxmlformats.org/officeDocument/2006/relationships" type="rect" r:blip="">
+              <dgm:adjLst/>
+            </dgm:shape>
+            <dgm:presOf axis="self" ptType="node"/>
+            <dgm:constrLst>
+              <dgm:constr type="lMarg"/>
+              <dgm:constr type="rMarg"/>
+              <dgm:constr type="tMarg"/>
+              <dgm:constr type="bMarg"/>
+            </dgm:constrLst>
+            <dgm:ruleLst>
+              <dgm:rule type="primFontSz" val="11" fact="NaN" max="NaN"/>
+            </dgm:ruleLst>
+          </dgm:layoutNode>
         </dgm:layoutNode>
-        <dgm:layoutNode name="vert1">
-          <dgm:choose name="Name13">
-            <dgm:if name="Name14" func="var" arg="dir" op="equ" val="norm">
-              <dgm:alg type="lin">
-                <dgm:param type="linDir" val="fromT"/>
-                <dgm:param type="nodeHorzAlign" val="l"/>
-              </dgm:alg>
-            </dgm:if>
-            <dgm:else name="Name15">
-              <dgm:alg type="lin">
-                <dgm:param type="linDir" val="fromT"/>
-                <dgm:param type="nodeHorzAlign" val="r"/>
-              </dgm:alg>
-            </dgm:else>
-          </dgm:choose>
-          <dgm:shape xmlns:r="http://schemas.openxmlformats.org/officeDocument/2006/relationships" r:blip="">
-            <dgm:adjLst/>
-          </dgm:shape>
-          <dgm:presOf/>
-          <dgm:forEach name="Name16" axis="ch" ptType="node">
-            <dgm:choose name="Name17">
-              <dgm:if name="Name18" axis="self" ptType="node" func="pos" op="equ" val="1">
-                <dgm:layoutNode name="vertSpace2a">
-                  <dgm:alg type="sp"/>
-                  <dgm:shape xmlns:r="http://schemas.openxmlformats.org/officeDocument/2006/relationships" r:blip="">
-                    <dgm:adjLst/>
-                  </dgm:shape>
-                  <dgm:presOf/>
-                </dgm:layoutNode>
-              </dgm:if>
-              <dgm:else name="Name19"/>
-            </dgm:choose>
-            <dgm:layoutNode name="horz2">
-              <dgm:choose name="Name20">
-                <dgm:if name="Name21" func="var" arg="dir" op="equ" val="norm">
-                  <dgm:alg type="lin">
-                    <dgm:param type="linDir" val="fromL"/>
-                    <dgm:param type="nodeVertAlign" val="t"/>
-                  </dgm:alg>
-                </dgm:if>
-                <dgm:else name="Name22">
-                  <dgm:alg type="lin">
-                    <dgm:param type="linDir" val="fromR"/>
-                    <dgm:param type="nodeVertAlign" val="t"/>
-                  </dgm:alg>
-                </dgm:else>
-              </dgm:choose>
-              <dgm:shape xmlns:r="http://schemas.openxmlformats.org/officeDocument/2006/relationships" r:blip="">
-                <dgm:adjLst/>
-              </dgm:shape>
-              <dgm:presOf/>
-              <dgm:layoutNode name="horzSpace2">
-                <dgm:alg type="sp"/>
-                <dgm:shape xmlns:r="http://schemas.openxmlformats.org/officeDocument/2006/relationships" r:blip="">
-                  <dgm:adjLst/>
-                </dgm:shape>
-                <dgm:presOf/>
-              </dgm:layoutNode>
-              <dgm:layoutNode name="tx2" styleLbl="revTx">
-                <dgm:alg type="tx">
-                  <dgm:param type="parTxLTRAlign" val="l"/>
-                  <dgm:param type="parTxRTLAlign" val="r"/>
-                  <dgm:param type="txAnchorVert" val="t"/>
-                </dgm:alg>
-                <dgm:shape xmlns:r="http://schemas.openxmlformats.org/officeDocument/2006/relationships" type="rect" r:blip="">
-                  <dgm:adjLst/>
-                </dgm:shape>
-                <dgm:presOf axis="self"/>
-                <dgm:constrLst>
-                  <dgm:constr type="tMarg" refType="primFontSz" fact="0.3"/>
-                  <dgm:constr type="bMarg" refType="primFontSz" fact="0.3"/>
-                  <dgm:constr type="lMarg" refType="primFontSz" fact="0.3"/>
-                  <dgm:constr type="rMarg" refType="primFontSz" fact="0.3"/>
-                </dgm:constrLst>
-                <dgm:ruleLst>
-                  <dgm:rule type="primFontSz" val="5" fact="NaN" max="NaN"/>
-                </dgm:ruleLst>
-              </dgm:layoutNode>
-              <dgm:layoutNode name="vert2">
-                <dgm:choose name="Name23">
-                  <dgm:if name="Name24" func="var" arg="dir" op="equ" val="norm">
-                    <dgm:alg type="lin">
-                      <dgm:param type="linDir" val="fromT"/>
-                      <dgm:param type="nodeHorzAlign" val="l"/>
-                    </dgm:alg>
-                  </dgm:if>
-                  <dgm:else name="Name25">
-                    <dgm:alg type="lin">
-                      <dgm:param type="linDir" val="fromT"/>
-                      <dgm:param type="nodeHorzAlign" val="r"/>
-                    </dgm:alg>
-                  </dgm:else>
-                </dgm:choose>
-                <dgm:shape xmlns:r="http://schemas.openxmlformats.org/officeDocument/2006/relationships" r:blip="">
-                  <dgm:adjLst/>
-                </dgm:shape>
-                <dgm:presOf/>
-                <dgm:forEach name="Name26" axis="ch" ptType="node">
-                  <dgm:layoutNode name="horz3">
-                    <dgm:choose name="Name27">
-                      <dgm:if name="Name28" func="var" arg="dir" op="equ" val="norm">
-                        <dgm:alg type="lin">
-                          <dgm:param type="linDir" val="fromL"/>
-                          <dgm:param type="nodeVertAlign" val="t"/>
-                        </dgm:alg>
-                      </dgm:if>
-                      <dgm:else name="Name29">
-                        <dgm:alg type="lin">
-                          <dgm:param type="linDir" val="fromR"/>
-                          <dgm:param type="nodeVertAlign" val="t"/>
-                        </dgm:alg>
-                      </dgm:else>
-                    </dgm:choose>
-                    <dgm:shape xmlns:r="http://schemas.openxmlformats.org/officeDocument/2006/relationships" r:blip="">
-                      <dgm:adjLst/>
-                    </dgm:shape>
-                    <dgm:presOf/>
-                    <dgm:layoutNode name="horzSpace3">
-                      <dgm:alg type="sp"/>
-                      <dgm:shape xmlns:r="http://schemas.openxmlformats.org/officeDocument/2006/relationships" r:blip="">
-                        <dgm:adjLst/>
-                      </dgm:shape>
-                      <dgm:presOf/>
-                    </dgm:layoutNode>
-                    <dgm:layoutNode name="tx3" styleLbl="revTx">
-                      <dgm:alg type="tx">
-                        <dgm:param type="parTxLTRAlign" val="l"/>
-                        <dgm:param type="parTxRTLAlign" val="r"/>
-                        <dgm:param type="txAnchorVert" val="t"/>
-                      </dgm:alg>
-                      <dgm:shape xmlns:r="http://schemas.openxmlformats.org/officeDocument/2006/relationships" type="rect" r:blip="">
-                        <dgm:adjLst/>
-                      </dgm:shape>
-                      <dgm:presOf axis="self"/>
-                      <dgm:constrLst>
-                        <dgm:constr type="tMarg" refType="primFontSz" fact="0.3"/>
-                        <dgm:constr type="bMarg" refType="primFontSz" fact="0.3"/>
-                        <dgm:constr type="lMarg" refType="primFontSz" fact="0.3"/>
-                        <dgm:constr type="rMarg" refType="primFontSz" fact="0.3"/>
-                      </dgm:constrLst>
-                      <dgm:ruleLst>
-                        <dgm:rule type="primFontSz" val="5" fact="NaN" max="NaN"/>
-                      </dgm:ruleLst>
-                    </dgm:layoutNode>
-                    <dgm:layoutNode name="vert3">
-                      <dgm:choose name="Name30">
-                        <dgm:if name="Name31" func="var" arg="dir" op="equ" val="norm">
-                          <dgm:alg type="lin">
-                            <dgm:param type="linDir" val="fromT"/>
-                            <dgm:param type="nodeHorzAlign" val="l"/>
-                          </dgm:alg>
-                        </dgm:if>
-                        <dgm:else name="Name32">
-                          <dgm:alg type="lin">
-                            <dgm:param type="linDir" val="fromT"/>
-                            <dgm:param type="nodeHorzAlign" val="r"/>
-                          </dgm:alg>
-                        </dgm:else>
-                      </dgm:choose>
-                      <dgm:shape xmlns:r="http://schemas.openxmlformats.org/officeDocument/2006/relationships" r:blip="">
-                        <dgm:adjLst/>
-                      </dgm:shape>
-                      <dgm:presOf/>
-                      <dgm:forEach name="Name33" axis="ch" ptType="node">
-                        <dgm:layoutNode name="horz4">
-                          <dgm:choose name="Name34">
-                            <dgm:if name="Name35" func="var" arg="dir" op="equ" val="norm">
-                              <dgm:alg type="lin">
-                                <dgm:param type="linDir" val="fromL"/>
-                                <dgm:param type="nodeVertAlign" val="t"/>
-                              </dgm:alg>
-                            </dgm:if>
-                            <dgm:else name="Name36">
-                              <dgm:alg type="lin">
-                                <dgm:param type="linDir" val="fromR"/>
-                                <dgm:param type="nodeVertAlign" val="t"/>
-                              </dgm:alg>
-                            </dgm:else>
-                          </dgm:choose>
-                          <dgm:shape xmlns:r="http://schemas.openxmlformats.org/officeDocument/2006/relationships" r:blip="">
-                            <dgm:adjLst/>
-                          </dgm:shape>
-                          <dgm:presOf/>
-                          <dgm:layoutNode name="horzSpace4">
-                            <dgm:alg type="sp"/>
-                            <dgm:shape xmlns:r="http://schemas.openxmlformats.org/officeDocument/2006/relationships" r:blip="">
-                              <dgm:adjLst/>
-                            </dgm:shape>
-                            <dgm:presOf/>
-                          </dgm:layoutNode>
-                          <dgm:layoutNode name="tx4" styleLbl="revTx">
-                            <dgm:varLst>
-                              <dgm:bulletEnabled val="1"/>
-                            </dgm:varLst>
-                            <dgm:alg type="tx">
-                              <dgm:param type="parTxLTRAlign" val="l"/>
-                              <dgm:param type="parTxRTLAlign" val="r"/>
-                              <dgm:param type="txAnchorVert" val="t"/>
-                            </dgm:alg>
-                            <dgm:shape xmlns:r="http://schemas.openxmlformats.org/officeDocument/2006/relationships" type="rect" r:blip="">
-                              <dgm:adjLst/>
-                            </dgm:shape>
-                            <dgm:presOf axis="desOrSelf" ptType="node"/>
-                            <dgm:constrLst>
-                              <dgm:constr type="tMarg" refType="primFontSz" fact="0.3"/>
-                              <dgm:constr type="bMarg" refType="primFontSz" fact="0.3"/>
-                              <dgm:constr type="lMarg" refType="primFontSz" fact="0.3"/>
-                              <dgm:constr type="rMarg" refType="primFontSz" fact="0.3"/>
-                            </dgm:constrLst>
-                            <dgm:ruleLst>
-                              <dgm:rule type="primFontSz" val="5" fact="NaN" max="NaN"/>
-                            </dgm:ruleLst>
-                          </dgm:layoutNode>
-                        </dgm:layoutNode>
-                      </dgm:forEach>
-                    </dgm:layoutNode>
-                  </dgm:layoutNode>
-                  <dgm:forEach name="Name37" axis="followSib" ptType="sibTrans" cnt="1">
-                    <dgm:layoutNode name="thinLine3" styleLbl="callout">
-                      <dgm:alg type="sp"/>
-                      <dgm:shape xmlns:r="http://schemas.openxmlformats.org/officeDocument/2006/relationships" type="line" r:blip="">
-                        <dgm:adjLst/>
-                      </dgm:shape>
-                      <dgm:presOf/>
-                    </dgm:layoutNode>
-                  </dgm:forEach>
-                </dgm:forEach>
-              </dgm:layoutNode>
-            </dgm:layoutNode>
-            <dgm:layoutNode name="thinLine2b" styleLbl="callout">
-              <dgm:alg type="sp"/>
-              <dgm:shape xmlns:r="http://schemas.openxmlformats.org/officeDocument/2006/relationships" type="line" r:blip="">
-                <dgm:adjLst/>
-              </dgm:shape>
-              <dgm:presOf/>
-            </dgm:layoutNode>
-            <dgm:layoutNode name="vertSpace2b">
-              <dgm:alg type="sp"/>
-              <dgm:shape xmlns:r="http://schemas.openxmlformats.org/officeDocument/2006/relationships" r:blip="">
-                <dgm:adjLst/>
-              </dgm:shape>
-              <dgm:presOf/>
-            </dgm:layoutNode>
-          </dgm:forEach>
-        </dgm:layoutNode>
-      </dgm:layoutNode>
-    </dgm:forEach>
+        <dgm:forEach name="Name10" axis="followSib" ptType="sibTrans" cnt="1">
+          <dgm:layoutNode name="sibTrans">
+            <dgm:alg type="sp"/>
+            <dgm:shape xmlns:r="http://schemas.openxmlformats.org/officeDocument/2006/relationships" type="rect" r:blip="" hideGeom="1">
+              <dgm:adjLst/>
+            </dgm:shape>
+            <dgm:presOf axis="self"/>
+            <dgm:constrLst/>
+            <dgm:ruleLst/>
+          </dgm:layoutNode>
+        </dgm:forEach>
+      </dgm:forEach>
+    </dgm:layoutNode>
   </dgm:layoutNode>
+  <dgm:extLst>
+    <a:ext uri="{68A01E43-0DF5-4B5B-8FA6-DAF915123BFB}">
+      <dgm1612:lstStyle xmlns:dgm1612="http://schemas.microsoft.com/office/drawing/2016/12/diagram">
+        <a:lvl1pPr>
+          <a:lnSpc>
+            <a:spcPct val="100000"/>
+          </a:lnSpc>
+        </a:lvl1pPr>
+      </dgm1612:lstStyle>
+    </a:ext>
+  </dgm:extLst>
 </dgm:layoutDef>
 </file>
 
@@ -11788,7 +12007,7 @@
       </p:grpSpPr>
       <p:sp useBgFill="1">
         <p:nvSpPr>
-          <p:cNvPr id="53" name="Rectangle 52">
+          <p:cNvPr id="22" name="Rectangle 21">
             <a:extLst>
               <a:ext uri="{FF2B5EF4-FFF2-40B4-BE49-F238E27FC236}">
                 <a16:creationId xmlns:a16="http://schemas.microsoft.com/office/drawing/2014/main" id="{A5931BE0-4B93-4D6C-878E-ACC59D6B4587}"/>
@@ -11867,7 +12086,7 @@
           <p:cNvPr id="2" name="Title 1">
             <a:extLst>
               <a:ext uri="{FF2B5EF4-FFF2-40B4-BE49-F238E27FC236}">
-                <a16:creationId xmlns:a16="http://schemas.microsoft.com/office/drawing/2014/main" id="{EC99720C-BBF8-4B5B-9327-8C4A8FFD7355}"/>
+                <a16:creationId xmlns:a16="http://schemas.microsoft.com/office/drawing/2014/main" id="{0C88A86B-7512-4EC0-93BD-A3E51B737A66}"/>
               </a:ext>
             </a:extLst>
           </p:cNvPr>
@@ -11880,12 +12099,12 @@
         </p:nvSpPr>
         <p:spPr>
           <a:xfrm>
-            <a:off x="550862" y="580363"/>
-            <a:ext cx="5437188" cy="1333055"/>
+            <a:off x="550864" y="549275"/>
+            <a:ext cx="3565524" cy="1997855"/>
           </a:xfrm>
         </p:spPr>
         <p:txBody>
-          <a:bodyPr wrap="square" anchor="t">
+          <a:bodyPr wrap="square" anchor="b">
             <a:normAutofit/>
           </a:bodyPr>
           <a:lstStyle/>
@@ -11897,12 +12116,127 @@
           </a:p>
         </p:txBody>
       </p:sp>
+      <p:sp>
+        <p:nvSpPr>
+          <p:cNvPr id="3" name="Content Placeholder 2">
+            <a:extLst>
+              <a:ext uri="{FF2B5EF4-FFF2-40B4-BE49-F238E27FC236}">
+                <a16:creationId xmlns:a16="http://schemas.microsoft.com/office/drawing/2014/main" id="{CF6B3561-5A1A-4B41-9285-E7DEB6C973DD}"/>
+              </a:ext>
+            </a:extLst>
+          </p:cNvPr>
+          <p:cNvSpPr>
+            <a:spLocks noGrp="1"/>
+          </p:cNvSpPr>
+          <p:nvPr>
+            <p:ph idx="1"/>
+          </p:nvPr>
+        </p:nvSpPr>
+        <p:spPr>
+          <a:xfrm>
+            <a:off x="550863" y="2678400"/>
+            <a:ext cx="3565525" cy="3414425"/>
+          </a:xfrm>
+        </p:spPr>
+        <p:txBody>
+          <a:bodyPr anchor="t">
+            <a:normAutofit/>
+          </a:bodyPr>
+          <a:lstStyle/>
+          <a:p>
+            <a:r>
+              <a:rPr lang="fr-FR" sz="1600"/>
+              <a:t>Contexte</a:t>
+            </a:r>
+          </a:p>
+          <a:p>
+            <a:r>
+              <a:rPr lang="fr-FR" sz="1600"/>
+              <a:t>Fonctionnalités</a:t>
+            </a:r>
+          </a:p>
+          <a:p>
+            <a:r>
+              <a:rPr lang="fr-FR" sz="1600"/>
+              <a:t>Retour expérience</a:t>
+            </a:r>
+          </a:p>
+        </p:txBody>
+      </p:sp>
+      <p:pic>
+        <p:nvPicPr>
+          <p:cNvPr id="5" name="Picture 4" descr="Graphique sur un document avec stylet">
+            <a:extLst>
+              <a:ext uri="{FF2B5EF4-FFF2-40B4-BE49-F238E27FC236}">
+                <a16:creationId xmlns:a16="http://schemas.microsoft.com/office/drawing/2014/main" id="{BFA765C6-73B2-45B9-BF3A-64C792F51322}"/>
+              </a:ext>
+            </a:extLst>
+          </p:cNvPr>
+          <p:cNvPicPr>
+            <a:picLocks noChangeAspect="1"/>
+          </p:cNvPicPr>
+          <p:nvPr/>
+        </p:nvPicPr>
+        <p:blipFill rotWithShape="1">
+          <a:blip r:embed="rId2"/>
+          <a:srcRect l="21210" r="21210"/>
+          <a:stretch/>
+        </p:blipFill>
+        <p:spPr>
+          <a:xfrm>
+            <a:off x="5719706" y="606796"/>
+            <a:ext cx="4868976" cy="5644408"/>
+          </a:xfrm>
+          <a:custGeom>
+            <a:avLst/>
+            <a:gdLst/>
+            <a:ahLst/>
+            <a:cxnLst/>
+            <a:rect l="l" t="t" r="r" b="b"/>
+            <a:pathLst>
+              <a:path w="4868976" h="5644408">
+                <a:moveTo>
+                  <a:pt x="2398421" y="0"/>
+                </a:moveTo>
+                <a:lnTo>
+                  <a:pt x="4868974" y="1424628"/>
+                </a:lnTo>
+                <a:lnTo>
+                  <a:pt x="4868976" y="1424625"/>
+                </a:lnTo>
+                <a:lnTo>
+                  <a:pt x="4868976" y="1424628"/>
+                </a:lnTo>
+                <a:lnTo>
+                  <a:pt x="4868976" y="4219781"/>
+                </a:lnTo>
+                <a:lnTo>
+                  <a:pt x="2398419" y="5644408"/>
+                </a:lnTo>
+                <a:lnTo>
+                  <a:pt x="0" y="4219781"/>
+                </a:lnTo>
+                <a:lnTo>
+                  <a:pt x="0" y="1424628"/>
+                </a:lnTo>
+                <a:lnTo>
+                  <a:pt x="0" y="1424625"/>
+                </a:lnTo>
+                <a:lnTo>
+                  <a:pt x="3" y="1424628"/>
+                </a:lnTo>
+                <a:close/>
+              </a:path>
+            </a:pathLst>
+          </a:custGeom>
+        </p:spPr>
+      </p:pic>
       <p:grpSp>
         <p:nvGrpSpPr>
-          <p:cNvPr id="55" name="Group 54">
+          <p:cNvPr id="24" name="Group 23">
             <a:extLst>
               <a:ext uri="{FF2B5EF4-FFF2-40B4-BE49-F238E27FC236}">
-                <a16:creationId xmlns:a16="http://schemas.microsoft.com/office/drawing/2014/main" id="{D0342557-9691-41B1-9FFF-027845ED041F}"/>
+                <a16:creationId xmlns:a16="http://schemas.microsoft.com/office/drawing/2014/main" id="{C4967C49-2278-4724-94A5-A258F20C3DFA}"/>
               </a:ext>
               <a:ext uri="{C183D7F6-B498-43B3-948B-1728B52AA6E4}">
                 <adec:decorative xmlns:adec="http://schemas.microsoft.com/office/drawing/2017/decorative" val="1"/>
@@ -11922,18 +12256,18 @@
         </p:nvGrpSpPr>
         <p:grpSpPr>
           <a:xfrm>
-            <a:off x="940971" y="1982786"/>
-            <a:ext cx="734257" cy="760506"/>
-            <a:chOff x="5243759" y="1363788"/>
-            <a:chExt cx="734257" cy="760506"/>
+            <a:off x="10366428" y="2112234"/>
+            <a:ext cx="1335600" cy="1262947"/>
+            <a:chOff x="10145015" y="2343978"/>
+            <a:chExt cx="1335600" cy="1262947"/>
           </a:xfrm>
         </p:grpSpPr>
         <p:sp>
           <p:nvSpPr>
-            <p:cNvPr id="56" name="Freeform 5">
+            <p:cNvPr id="25" name="Freeform: Shape 24">
               <a:extLst>
                 <a:ext uri="{FF2B5EF4-FFF2-40B4-BE49-F238E27FC236}">
-                  <a16:creationId xmlns:a16="http://schemas.microsoft.com/office/drawing/2014/main" id="{086D6FFF-B330-42B3-9F1F-607CECF8D90F}"/>
+                  <a16:creationId xmlns:a16="http://schemas.microsoft.com/office/drawing/2014/main" id="{C5513748-F890-422C-8BC7-7C16A7D3AF8E}"/>
                 </a:ext>
                 <a:ext uri="{C183D7F6-B498-43B3-948B-1728B52AA6E4}">
                   <adec:decorative xmlns:adec="http://schemas.microsoft.com/office/drawing/2017/decorative" val="1"/>
@@ -11941,7 +12275,7 @@
               </a:extLst>
             </p:cNvPr>
             <p:cNvSpPr>
-              <a:spLocks/>
+              <a:spLocks noChangeAspect="1"/>
             </p:cNvSpPr>
             <p:nvPr>
               <p:extLst>
@@ -11951,93 +12285,180 @@
               </p:extLst>
             </p:nvPr>
           </p:nvSpPr>
-          <p:spPr bwMode="auto">
-            <a:xfrm rot="1800000">
-              <a:off x="5356930" y="1363788"/>
-              <a:ext cx="621086" cy="364601"/>
+          <p:spPr>
+            <a:xfrm rot="8100000">
+              <a:off x="10400615" y="2343978"/>
+              <a:ext cx="1080000" cy="1262947"/>
             </a:xfrm>
             <a:custGeom>
               <a:avLst/>
               <a:gdLst>
-                <a:gd name="T0" fmla="*/ 266 w 540"/>
-                <a:gd name="T1" fmla="*/ 0 h 317"/>
-                <a:gd name="T2" fmla="*/ 0 w 540"/>
-                <a:gd name="T3" fmla="*/ 158 h 317"/>
-                <a:gd name="T4" fmla="*/ 266 w 540"/>
-                <a:gd name="T5" fmla="*/ 317 h 317"/>
-                <a:gd name="T6" fmla="*/ 540 w 540"/>
-                <a:gd name="T7" fmla="*/ 158 h 317"/>
-                <a:gd name="T8" fmla="*/ 266 w 540"/>
-                <a:gd name="T9" fmla="*/ 0 h 317"/>
+                <a:gd name="connsiteX0" fmla="*/ 540000 w 1080000"/>
+                <a:gd name="connsiteY0" fmla="*/ 0 h 1262947"/>
+                <a:gd name="connsiteX1" fmla="*/ 1080000 w 1080000"/>
+                <a:gd name="connsiteY1" fmla="*/ 931034 h 1262947"/>
+                <a:gd name="connsiteX2" fmla="*/ 1064374 w 1080000"/>
+                <a:gd name="connsiteY2" fmla="*/ 931034 h 1262947"/>
+                <a:gd name="connsiteX3" fmla="*/ 1069029 w 1080000"/>
+                <a:gd name="connsiteY3" fmla="*/ 938533 h 1262947"/>
+                <a:gd name="connsiteX4" fmla="*/ 1080000 w 1080000"/>
+                <a:gd name="connsiteY4" fmla="*/ 992947 h 1262947"/>
+                <a:gd name="connsiteX5" fmla="*/ 540000 w 1080000"/>
+                <a:gd name="connsiteY5" fmla="*/ 1262947 h 1262947"/>
+                <a:gd name="connsiteX6" fmla="*/ 0 w 1080000"/>
+                <a:gd name="connsiteY6" fmla="*/ 992947 h 1262947"/>
+                <a:gd name="connsiteX7" fmla="*/ 10971 w 1080000"/>
+                <a:gd name="connsiteY7" fmla="*/ 938533 h 1262947"/>
+                <a:gd name="connsiteX8" fmla="*/ 15626 w 1080000"/>
+                <a:gd name="connsiteY8" fmla="*/ 931034 h 1262947"/>
+                <a:gd name="connsiteX9" fmla="*/ 0 w 1080000"/>
+                <a:gd name="connsiteY9" fmla="*/ 931034 h 1262947"/>
+                <a:gd name="connsiteX0" fmla="*/ 540000 w 1080000"/>
+                <a:gd name="connsiteY0" fmla="*/ 0 h 1262947"/>
+                <a:gd name="connsiteX1" fmla="*/ 1080000 w 1080000"/>
+                <a:gd name="connsiteY1" fmla="*/ 931034 h 1262947"/>
+                <a:gd name="connsiteX2" fmla="*/ 1064374 w 1080000"/>
+                <a:gd name="connsiteY2" fmla="*/ 931034 h 1262947"/>
+                <a:gd name="connsiteX3" fmla="*/ 1069029 w 1080000"/>
+                <a:gd name="connsiteY3" fmla="*/ 938533 h 1262947"/>
+                <a:gd name="connsiteX4" fmla="*/ 1080000 w 1080000"/>
+                <a:gd name="connsiteY4" fmla="*/ 992947 h 1262947"/>
+                <a:gd name="connsiteX5" fmla="*/ 540000 w 1080000"/>
+                <a:gd name="connsiteY5" fmla="*/ 1262947 h 1262947"/>
+                <a:gd name="connsiteX6" fmla="*/ 0 w 1080000"/>
+                <a:gd name="connsiteY6" fmla="*/ 992947 h 1262947"/>
+                <a:gd name="connsiteX7" fmla="*/ 10971 w 1080000"/>
+                <a:gd name="connsiteY7" fmla="*/ 938533 h 1262947"/>
+                <a:gd name="connsiteX8" fmla="*/ 15626 w 1080000"/>
+                <a:gd name="connsiteY8" fmla="*/ 931034 h 1262947"/>
+                <a:gd name="connsiteX9" fmla="*/ 540000 w 1080000"/>
+                <a:gd name="connsiteY9" fmla="*/ 0 h 1262947"/>
+                <a:gd name="connsiteX0" fmla="*/ 540000 w 1080000"/>
+                <a:gd name="connsiteY0" fmla="*/ 0 h 1262947"/>
+                <a:gd name="connsiteX1" fmla="*/ 1064374 w 1080000"/>
+                <a:gd name="connsiteY1" fmla="*/ 931034 h 1262947"/>
+                <a:gd name="connsiteX2" fmla="*/ 1069029 w 1080000"/>
+                <a:gd name="connsiteY2" fmla="*/ 938533 h 1262947"/>
+                <a:gd name="connsiteX3" fmla="*/ 1080000 w 1080000"/>
+                <a:gd name="connsiteY3" fmla="*/ 992947 h 1262947"/>
+                <a:gd name="connsiteX4" fmla="*/ 540000 w 1080000"/>
+                <a:gd name="connsiteY4" fmla="*/ 1262947 h 1262947"/>
+                <a:gd name="connsiteX5" fmla="*/ 0 w 1080000"/>
+                <a:gd name="connsiteY5" fmla="*/ 992947 h 1262947"/>
+                <a:gd name="connsiteX6" fmla="*/ 10971 w 1080000"/>
+                <a:gd name="connsiteY6" fmla="*/ 938533 h 1262947"/>
+                <a:gd name="connsiteX7" fmla="*/ 15626 w 1080000"/>
+                <a:gd name="connsiteY7" fmla="*/ 931034 h 1262947"/>
+                <a:gd name="connsiteX8" fmla="*/ 540000 w 1080000"/>
+                <a:gd name="connsiteY8" fmla="*/ 0 h 1262947"/>
               </a:gdLst>
               <a:ahLst/>
               <a:cxnLst>
                 <a:cxn ang="0">
-                  <a:pos x="T0" y="T1"/>
+                  <a:pos x="connsiteX0" y="connsiteY0"/>
                 </a:cxn>
                 <a:cxn ang="0">
-                  <a:pos x="T2" y="T3"/>
+                  <a:pos x="connsiteX1" y="connsiteY1"/>
                 </a:cxn>
                 <a:cxn ang="0">
-                  <a:pos x="T4" y="T5"/>
+                  <a:pos x="connsiteX2" y="connsiteY2"/>
                 </a:cxn>
                 <a:cxn ang="0">
-                  <a:pos x="T6" y="T7"/>
+                  <a:pos x="connsiteX3" y="connsiteY3"/>
                 </a:cxn>
                 <a:cxn ang="0">
-                  <a:pos x="T8" y="T9"/>
+                  <a:pos x="connsiteX4" y="connsiteY4"/>
+                </a:cxn>
+                <a:cxn ang="0">
+                  <a:pos x="connsiteX5" y="connsiteY5"/>
+                </a:cxn>
+                <a:cxn ang="0">
+                  <a:pos x="connsiteX6" y="connsiteY6"/>
+                </a:cxn>
+                <a:cxn ang="0">
+                  <a:pos x="connsiteX7" y="connsiteY7"/>
+                </a:cxn>
+                <a:cxn ang="0">
+                  <a:pos x="connsiteX8" y="connsiteY8"/>
                 </a:cxn>
               </a:cxnLst>
-              <a:rect l="0" t="0" r="r" b="b"/>
+              <a:rect l="l" t="t" r="r" b="b"/>
               <a:pathLst>
-                <a:path w="540" h="317">
+                <a:path w="1080000" h="1262947">
                   <a:moveTo>
-                    <a:pt x="266" y="0"/>
+                    <a:pt x="540000" y="0"/>
                   </a:moveTo>
                   <a:lnTo>
-                    <a:pt x="0" y="158"/>
+                    <a:pt x="1064374" y="931034"/>
                   </a:lnTo>
                   <a:lnTo>
-                    <a:pt x="266" y="317"/>
+                    <a:pt x="1069029" y="938533"/>
+                  </a:lnTo>
+                  <a:cubicBezTo>
+                    <a:pt x="1076223" y="956109"/>
+                    <a:pt x="1080000" y="974307"/>
+                    <a:pt x="1080000" y="992947"/>
+                  </a:cubicBezTo>
+                  <a:cubicBezTo>
+                    <a:pt x="1080000" y="1142064"/>
+                    <a:pt x="838234" y="1262947"/>
+                    <a:pt x="540000" y="1262947"/>
+                  </a:cubicBezTo>
+                  <a:cubicBezTo>
+                    <a:pt x="241766" y="1262947"/>
+                    <a:pt x="0" y="1142064"/>
+                    <a:pt x="0" y="992947"/>
+                  </a:cubicBezTo>
+                  <a:cubicBezTo>
+                    <a:pt x="0" y="974307"/>
+                    <a:pt x="3778" y="956109"/>
+                    <a:pt x="10971" y="938533"/>
+                  </a:cubicBezTo>
+                  <a:lnTo>
+                    <a:pt x="15626" y="931034"/>
                   </a:lnTo>
                   <a:lnTo>
-                    <a:pt x="540" y="158"/>
-                  </a:lnTo>
-                  <a:lnTo>
-                    <a:pt x="266" y="0"/>
+                    <a:pt x="540000" y="0"/>
                   </a:lnTo>
                   <a:close/>
                 </a:path>
               </a:pathLst>
             </a:custGeom>
-            <a:gradFill flip="none" rotWithShape="1">
+            <a:gradFill>
               <a:gsLst>
-                <a:gs pos="20000">
+                <a:gs pos="60000">
                   <a:schemeClr val="bg2">
                     <a:lumMod val="90000"/>
                     <a:lumOff val="10000"/>
-                    <a:alpha val="20000"/>
+                  </a:schemeClr>
+                </a:gs>
+                <a:gs pos="30000">
+                  <a:schemeClr val="bg2">
+                    <a:lumMod val="90000"/>
+                    <a:lumOff val="10000"/>
+                  </a:schemeClr>
+                </a:gs>
+                <a:gs pos="40000">
+                  <a:schemeClr val="bg2">
+                    <a:lumMod val="80000"/>
+                    <a:lumOff val="20000"/>
                   </a:schemeClr>
                 </a:gs>
                 <a:gs pos="100000">
-                  <a:schemeClr val="accent1">
-                    <a:lumMod val="60000"/>
-                    <a:lumOff val="40000"/>
-                    <a:alpha val="20000"/>
-                  </a:schemeClr>
+                  <a:schemeClr val="bg2"/>
                 </a:gs>
               </a:gsLst>
-              <a:lin ang="0" scaled="0"/>
-              <a:tileRect/>
+              <a:lin ang="600000" scaled="0"/>
             </a:gradFill>
             <a:ln>
               <a:noFill/>
             </a:ln>
             <a:effectLst>
-              <a:innerShdw blurRad="254000">
-                <a:schemeClr val="bg2">
-                  <a:lumMod val="90000"/>
-                  <a:lumOff val="10000"/>
+              <a:innerShdw blurRad="254000" dist="101600" dir="7320000">
+                <a:schemeClr val="accent1">
+                  <a:lumMod val="60000"/>
+                  <a:lumOff val="40000"/>
+                  <a:alpha val="40000"/>
                 </a:schemeClr>
               </a:innerShdw>
             </a:effectLst>
@@ -12074,19 +12495,17 @@
         </p:sp>
         <p:sp>
           <p:nvSpPr>
-            <p:cNvPr id="57" name="Freeform 6">
+            <p:cNvPr id="26" name="Oval 25">
               <a:extLst>
                 <a:ext uri="{FF2B5EF4-FFF2-40B4-BE49-F238E27FC236}">
-                  <a16:creationId xmlns:a16="http://schemas.microsoft.com/office/drawing/2014/main" id="{8D054D43-E740-4CA9-8197-85FBE2ECCE38}"/>
+                  <a16:creationId xmlns:a16="http://schemas.microsoft.com/office/drawing/2014/main" id="{B93B83E9-9019-4D2F-B887-BD399181BD4F}"/>
                 </a:ext>
                 <a:ext uri="{C183D7F6-B498-43B3-948B-1728B52AA6E4}">
                   <adec:decorative xmlns:adec="http://schemas.microsoft.com/office/drawing/2017/decorative" val="1"/>
                 </a:ext>
               </a:extLst>
             </p:cNvPr>
-            <p:cNvSpPr>
-              <a:spLocks/>
-            </p:cNvSpPr>
+            <p:cNvSpPr/>
             <p:nvPr>
               <p:extLst>
                 <p:ext uri="{386F3935-93C4-4BCD-93E2-E3B085C9AB24}">
@@ -12095,270 +12514,42 @@
               </p:extLst>
             </p:nvPr>
           </p:nvSpPr>
-          <p:spPr bwMode="auto">
-            <a:xfrm rot="1800000">
-              <a:off x="5243759" y="1430747"/>
-              <a:ext cx="305942" cy="538275"/>
+          <p:spPr>
+            <a:xfrm rot="13500000">
+              <a:off x="10415015" y="2179851"/>
+              <a:ext cx="540000" cy="1080000"/>
             </a:xfrm>
-            <a:custGeom>
+            <a:prstGeom prst="ellipse">
               <a:avLst/>
-              <a:gdLst>
-                <a:gd name="T0" fmla="*/ 266 w 266"/>
-                <a:gd name="T1" fmla="*/ 468 h 468"/>
-                <a:gd name="T2" fmla="*/ 0 w 266"/>
-                <a:gd name="T3" fmla="*/ 310 h 468"/>
-                <a:gd name="T4" fmla="*/ 0 w 266"/>
-                <a:gd name="T5" fmla="*/ 310 h 468"/>
-                <a:gd name="T6" fmla="*/ 0 w 266"/>
-                <a:gd name="T7" fmla="*/ 0 h 468"/>
-                <a:gd name="T8" fmla="*/ 0 w 266"/>
-                <a:gd name="T9" fmla="*/ 0 h 468"/>
-                <a:gd name="T10" fmla="*/ 266 w 266"/>
-                <a:gd name="T11" fmla="*/ 159 h 468"/>
-                <a:gd name="T12" fmla="*/ 266 w 266"/>
-                <a:gd name="T13" fmla="*/ 468 h 468"/>
-              </a:gdLst>
-              <a:ahLst/>
-              <a:cxnLst>
-                <a:cxn ang="0">
-                  <a:pos x="T0" y="T1"/>
-                </a:cxn>
-                <a:cxn ang="0">
-                  <a:pos x="T2" y="T3"/>
-                </a:cxn>
-                <a:cxn ang="0">
-                  <a:pos x="T4" y="T5"/>
-                </a:cxn>
-                <a:cxn ang="0">
-                  <a:pos x="T6" y="T7"/>
-                </a:cxn>
-                <a:cxn ang="0">
-                  <a:pos x="T8" y="T9"/>
-                </a:cxn>
-                <a:cxn ang="0">
-                  <a:pos x="T10" y="T11"/>
-                </a:cxn>
-                <a:cxn ang="0">
-                  <a:pos x="T12" y="T13"/>
-                </a:cxn>
-              </a:cxnLst>
-              <a:rect l="0" t="0" r="r" b="b"/>
-              <a:pathLst>
-                <a:path w="266" h="468">
-                  <a:moveTo>
-                    <a:pt x="266" y="468"/>
-                  </a:moveTo>
-                  <a:lnTo>
-                    <a:pt x="0" y="310"/>
-                  </a:lnTo>
-                  <a:lnTo>
-                    <a:pt x="0" y="310"/>
-                  </a:lnTo>
-                  <a:lnTo>
-                    <a:pt x="0" y="0"/>
-                  </a:lnTo>
-                  <a:lnTo>
-                    <a:pt x="0" y="0"/>
-                  </a:lnTo>
-                  <a:lnTo>
-                    <a:pt x="266" y="159"/>
-                  </a:lnTo>
-                  <a:lnTo>
-                    <a:pt x="266" y="468"/>
-                  </a:lnTo>
-                  <a:close/>
-                </a:path>
-              </a:pathLst>
-            </a:custGeom>
-            <a:gradFill flip="none" rotWithShape="1">
+            </a:prstGeom>
+            <a:gradFill>
               <a:gsLst>
-                <a:gs pos="20000">
-                  <a:schemeClr val="bg2">
-                    <a:lumMod val="90000"/>
-                    <a:lumOff val="10000"/>
-                    <a:alpha val="20000"/>
-                  </a:schemeClr>
-                </a:gs>
                 <a:gs pos="100000">
                   <a:schemeClr val="accent1">
                     <a:lumMod val="60000"/>
                     <a:lumOff val="40000"/>
-                    <a:alpha val="20000"/>
+                    <a:alpha val="0"/>
+                  </a:schemeClr>
+                </a:gs>
+                <a:gs pos="0">
+                  <a:schemeClr val="bg2">
+                    <a:lumMod val="75000"/>
+                    <a:lumOff val="25000"/>
+                    <a:alpha val="33000"/>
                   </a:schemeClr>
                 </a:gs>
               </a:gsLst>
-              <a:lin ang="19800000" scaled="0"/>
-              <a:tileRect/>
+              <a:lin ang="5400000" scaled="0"/>
             </a:gradFill>
             <a:ln>
               <a:noFill/>
             </a:ln>
             <a:effectLst>
-              <a:innerShdw blurRad="254000">
-                <a:schemeClr val="bg2">
-                  <a:lumMod val="90000"/>
-                  <a:lumOff val="10000"/>
-                </a:schemeClr>
-              </a:innerShdw>
-            </a:effectLst>
-          </p:spPr>
-          <p:style>
-            <a:lnRef idx="2">
-              <a:schemeClr val="accent1">
-                <a:shade val="50000"/>
-              </a:schemeClr>
-            </a:lnRef>
-            <a:fillRef idx="1">
-              <a:schemeClr val="accent1"/>
-            </a:fillRef>
-            <a:effectRef idx="0">
-              <a:schemeClr val="accent1"/>
-            </a:effectRef>
-            <a:fontRef idx="minor">
-              <a:schemeClr val="lt1"/>
-            </a:fontRef>
-          </p:style>
-          <p:txBody>
-            <a:bodyPr rot="0" spcFirstLastPara="0" vertOverflow="overflow" horzOverflow="overflow" vert="horz" wrap="square" lIns="91440" tIns="45720" rIns="91440" bIns="45720" numCol="1" spcCol="0" rtlCol="0" fromWordArt="0" anchor="ctr" anchorCtr="0" forceAA="0" compatLnSpc="1">
-              <a:prstTxWarp prst="textNoShape">
-                <a:avLst/>
-              </a:prstTxWarp>
-              <a:noAutofit/>
-            </a:bodyPr>
-            <a:lstStyle/>
-            <a:p>
-              <a:pPr algn="ctr"/>
-              <a:endParaRPr lang="en-US"/>
-            </a:p>
-          </p:txBody>
-        </p:sp>
-        <p:sp>
-          <p:nvSpPr>
-            <p:cNvPr id="58" name="Freeform 8">
-              <a:extLst>
-                <a:ext uri="{FF2B5EF4-FFF2-40B4-BE49-F238E27FC236}">
-                  <a16:creationId xmlns:a16="http://schemas.microsoft.com/office/drawing/2014/main" id="{CB5EB56C-B805-41B2-88BA-B198E68E6927}"/>
-                </a:ext>
-                <a:ext uri="{C183D7F6-B498-43B3-948B-1728B52AA6E4}">
-                  <adec:decorative xmlns:adec="http://schemas.microsoft.com/office/drawing/2017/decorative" val="1"/>
-                </a:ext>
-              </a:extLst>
-            </p:cNvPr>
-            <p:cNvSpPr>
-              <a:spLocks/>
-            </p:cNvSpPr>
-            <p:nvPr>
-              <p:extLst>
-                <p:ext uri="{386F3935-93C4-4BCD-93E2-E3B085C9AB24}">
-                  <p16:designElem xmlns:p16="http://schemas.microsoft.com/office/powerpoint/2015/main" val="1"/>
-                </p:ext>
-              </p:extLst>
-            </p:nvPr>
-          </p:nvSpPr>
-          <p:spPr bwMode="auto">
-            <a:xfrm rot="1800000">
-              <a:off x="5508097" y="1586019"/>
-              <a:ext cx="315144" cy="538275"/>
-            </a:xfrm>
-            <a:custGeom>
-              <a:avLst/>
-              <a:gdLst>
-                <a:gd name="T0" fmla="*/ 274 w 274"/>
-                <a:gd name="T1" fmla="*/ 0 h 468"/>
-                <a:gd name="T2" fmla="*/ 274 w 274"/>
-                <a:gd name="T3" fmla="*/ 310 h 468"/>
-                <a:gd name="T4" fmla="*/ 274 w 274"/>
-                <a:gd name="T5" fmla="*/ 310 h 468"/>
-                <a:gd name="T6" fmla="*/ 0 w 274"/>
-                <a:gd name="T7" fmla="*/ 468 h 468"/>
-                <a:gd name="T8" fmla="*/ 0 w 274"/>
-                <a:gd name="T9" fmla="*/ 159 h 468"/>
-                <a:gd name="T10" fmla="*/ 274 w 274"/>
-                <a:gd name="T11" fmla="*/ 0 h 468"/>
-                <a:gd name="T12" fmla="*/ 274 w 274"/>
-                <a:gd name="T13" fmla="*/ 0 h 468"/>
-              </a:gdLst>
-              <a:ahLst/>
-              <a:cxnLst>
-                <a:cxn ang="0">
-                  <a:pos x="T0" y="T1"/>
-                </a:cxn>
-                <a:cxn ang="0">
-                  <a:pos x="T2" y="T3"/>
-                </a:cxn>
-                <a:cxn ang="0">
-                  <a:pos x="T4" y="T5"/>
-                </a:cxn>
-                <a:cxn ang="0">
-                  <a:pos x="T6" y="T7"/>
-                </a:cxn>
-                <a:cxn ang="0">
-                  <a:pos x="T8" y="T9"/>
-                </a:cxn>
-                <a:cxn ang="0">
-                  <a:pos x="T10" y="T11"/>
-                </a:cxn>
-                <a:cxn ang="0">
-                  <a:pos x="T12" y="T13"/>
-                </a:cxn>
-              </a:cxnLst>
-              <a:rect l="0" t="0" r="r" b="b"/>
-              <a:pathLst>
-                <a:path w="274" h="468">
-                  <a:moveTo>
-                    <a:pt x="274" y="0"/>
-                  </a:moveTo>
-                  <a:lnTo>
-                    <a:pt x="274" y="310"/>
-                  </a:lnTo>
-                  <a:lnTo>
-                    <a:pt x="274" y="310"/>
-                  </a:lnTo>
-                  <a:lnTo>
-                    <a:pt x="0" y="468"/>
-                  </a:lnTo>
-                  <a:lnTo>
-                    <a:pt x="0" y="159"/>
-                  </a:lnTo>
-                  <a:lnTo>
-                    <a:pt x="274" y="0"/>
-                  </a:lnTo>
-                  <a:lnTo>
-                    <a:pt x="274" y="0"/>
-                  </a:lnTo>
-                  <a:close/>
-                </a:path>
-              </a:pathLst>
-            </a:custGeom>
-            <a:gradFill flip="none" rotWithShape="1">
-              <a:gsLst>
-                <a:gs pos="20000">
-                  <a:schemeClr val="bg2">
-                    <a:lumMod val="90000"/>
-                    <a:lumOff val="10000"/>
-                    <a:alpha val="20000"/>
-                  </a:schemeClr>
-                </a:gs>
-                <a:gs pos="100000">
-                  <a:schemeClr val="accent1">
-                    <a:lumMod val="60000"/>
-                    <a:lumOff val="40000"/>
-                    <a:alpha val="20000"/>
-                  </a:schemeClr>
-                </a:gs>
-              </a:gsLst>
-              <a:lin ang="18000000" scaled="0"/>
-              <a:tileRect/>
-            </a:gradFill>
-            <a:ln>
-              <a:noFill/>
-            </a:ln>
-            <a:effectLst>
-              <a:innerShdw blurRad="254000">
+              <a:innerShdw blurRad="1270000" dist="2540000">
                 <a:schemeClr val="accent1">
                   <a:lumMod val="60000"/>
                   <a:lumOff val="40000"/>
-                  <a:alpha val="60000"/>
+                  <a:alpha val="0"/>
                 </a:schemeClr>
               </a:innerShdw>
             </a:effectLst>
@@ -12394,43 +12585,104 @@
           </p:txBody>
         </p:sp>
       </p:grpSp>
-      <p:graphicFrame>
-        <p:nvGraphicFramePr>
-          <p:cNvPr id="17" name="Content Placeholder 2">
+      <p:sp>
+        <p:nvSpPr>
+          <p:cNvPr id="28" name="Oval 27">
             <a:extLst>
               <a:ext uri="{FF2B5EF4-FFF2-40B4-BE49-F238E27FC236}">
-                <a16:creationId xmlns:a16="http://schemas.microsoft.com/office/drawing/2014/main" id="{CFC7B374-34AE-49AE-A352-FE3E3978F0D2}"/>
+                <a16:creationId xmlns:a16="http://schemas.microsoft.com/office/drawing/2014/main" id="{5171FAFB-7223-4BE1-983D-8A0626EAC5E4}"/>
+              </a:ext>
+              <a:ext uri="{C183D7F6-B498-43B3-948B-1728B52AA6E4}">
+                <adec:decorative xmlns:adec="http://schemas.microsoft.com/office/drawing/2017/decorative" val="1"/>
               </a:ext>
             </a:extLst>
           </p:cNvPr>
-          <p:cNvGraphicFramePr>
-            <a:graphicFrameLocks noGrp="1"/>
-          </p:cNvGraphicFramePr>
+          <p:cNvSpPr>
+            <a:spLocks noGrp="1" noRot="1" noChangeAspect="1" noMove="1" noResize="1" noEditPoints="1" noAdjustHandles="1" noChangeArrowheads="1" noChangeShapeType="1" noTextEdit="1"/>
+          </p:cNvSpPr>
           <p:nvPr>
-            <p:ph idx="1"/>
             <p:extLst>
-              <p:ext uri="{D42A27DB-BD31-4B8C-83A1-F6EECF244321}">
-                <p14:modId xmlns:p14="http://schemas.microsoft.com/office/powerpoint/2010/main" val="1637065293"/>
+              <p:ext uri="{386F3935-93C4-4BCD-93E2-E3B085C9AB24}">
+                <p16:designElem xmlns:p16="http://schemas.microsoft.com/office/powerpoint/2015/main" val="1"/>
               </p:ext>
             </p:extLst>
           </p:nvPr>
-        </p:nvGraphicFramePr>
-        <p:xfrm>
-          <a:off x="7140575" y="1520825"/>
-          <a:ext cx="4500562" cy="4572000"/>
-        </p:xfrm>
-        <a:graphic>
-          <a:graphicData uri="http://schemas.openxmlformats.org/drawingml/2006/diagram">
-            <dgm:relIds xmlns:dgm="http://schemas.openxmlformats.org/drawingml/2006/diagram" xmlns:r="http://schemas.openxmlformats.org/officeDocument/2006/relationships" r:dm="rId2" r:lo="rId3" r:qs="rId4" r:cs="rId5"/>
-          </a:graphicData>
-        </a:graphic>
-      </p:graphicFrame>
+        </p:nvSpPr>
+        <p:spPr>
+          <a:xfrm>
+            <a:off x="4588612" y="5732825"/>
+            <a:ext cx="360000" cy="360000"/>
+          </a:xfrm>
+          <a:prstGeom prst="ellipse">
+            <a:avLst/>
+          </a:prstGeom>
+          <a:gradFill flip="none" rotWithShape="1">
+            <a:gsLst>
+              <a:gs pos="100000">
+                <a:schemeClr val="bg2">
+                  <a:lumMod val="50000"/>
+                  <a:lumOff val="50000"/>
+                </a:schemeClr>
+              </a:gs>
+              <a:gs pos="60000">
+                <a:schemeClr val="bg2"/>
+              </a:gs>
+            </a:gsLst>
+            <a:path path="circle">
+              <a:fillToRect l="100000" b="100000"/>
+            </a:path>
+            <a:tileRect t="-100000" r="-100000"/>
+          </a:gradFill>
+          <a:ln>
+            <a:noFill/>
+          </a:ln>
+          <a:effectLst>
+            <a:innerShdw blurRad="127000" dist="63500" dir="2700000">
+              <a:schemeClr val="accent1">
+                <a:lumMod val="60000"/>
+                <a:lumOff val="40000"/>
+                <a:alpha val="20000"/>
+              </a:schemeClr>
+            </a:innerShdw>
+            <a:softEdge rad="0"/>
+          </a:effectLst>
+        </p:spPr>
+        <p:style>
+          <a:lnRef idx="2">
+            <a:schemeClr val="accent1">
+              <a:shade val="50000"/>
+            </a:schemeClr>
+          </a:lnRef>
+          <a:fillRef idx="1">
+            <a:schemeClr val="accent1"/>
+          </a:fillRef>
+          <a:effectRef idx="0">
+            <a:schemeClr val="accent1"/>
+          </a:effectRef>
+          <a:fontRef idx="minor">
+            <a:schemeClr val="lt1"/>
+          </a:fontRef>
+        </p:style>
+        <p:txBody>
+          <a:bodyPr rot="0" spcFirstLastPara="0" vertOverflow="overflow" horzOverflow="overflow" vert="horz" wrap="square" lIns="91440" tIns="45720" rIns="91440" bIns="45720" numCol="1" spcCol="0" rtlCol="0" fromWordArt="0" anchor="ctr" anchorCtr="0" forceAA="0" compatLnSpc="1">
+            <a:prstTxWarp prst="textNoShape">
+              <a:avLst/>
+            </a:prstTxWarp>
+            <a:noAutofit/>
+          </a:bodyPr>
+          <a:lstStyle/>
+          <a:p>
+            <a:pPr algn="ctr"/>
+            <a:endParaRPr lang="en-US"/>
+          </a:p>
+        </p:txBody>
+      </p:sp>
       <p:sp>
         <p:nvSpPr>
-          <p:cNvPr id="69" name="Oval 68">
+          <p:cNvPr id="12" name="Oval 11">
             <a:extLst>
               <a:ext uri="{FF2B5EF4-FFF2-40B4-BE49-F238E27FC236}">
-                <a16:creationId xmlns:a16="http://schemas.microsoft.com/office/drawing/2014/main" id="{3DF068F5-88C0-4F07-A27A-7FA30778D494}"/>
+                <a16:creationId xmlns:a16="http://schemas.microsoft.com/office/drawing/2014/main" id="{486FADE9-45E6-4CFE-9524-9280A6A35C13}"/>
               </a:ext>
             </a:extLst>
           </p:cNvPr>
@@ -12474,9 +12726,13 @@
           <a:bodyPr rtlCol="0" anchor="ctr"/>
           <a:lstStyle/>
           <a:p>
-            <a:pPr algn="ctr"/>
+            <a:pPr algn="ctr">
+              <a:spcAft>
+                <a:spcPts val="600"/>
+              </a:spcAft>
+            </a:pPr>
             <a:r>
-              <a:rPr lang="fr-FR" dirty="0">
+              <a:rPr lang="fr-FR">
                 <a:solidFill>
                   <a:schemeClr val="bg1"/>
                 </a:solidFill>
@@ -12489,7 +12745,7 @@
     </p:spTree>
     <p:extLst>
       <p:ext uri="{BB962C8B-B14F-4D97-AF65-F5344CB8AC3E}">
-        <p14:creationId xmlns:p14="http://schemas.microsoft.com/office/powerpoint/2010/main" val="901944007"/>
+        <p14:creationId xmlns:p14="http://schemas.microsoft.com/office/powerpoint/2010/main" val="1715882257"/>
       </p:ext>
     </p:extLst>
   </p:cSld>
@@ -13937,12 +14193,1331 @@
           <a:chExt cx="0" cy="0"/>
         </a:xfrm>
       </p:grpSpPr>
+      <p:sp>
+        <p:nvSpPr>
+          <p:cNvPr id="68" name="Freeform: Shape 67">
+            <a:extLst>
+              <a:ext uri="{FF2B5EF4-FFF2-40B4-BE49-F238E27FC236}">
+                <a16:creationId xmlns:a16="http://schemas.microsoft.com/office/drawing/2014/main" id="{82184FF4-7029-4ED7-813A-192E60608764}"/>
+              </a:ext>
+              <a:ext uri="{C183D7F6-B498-43B3-948B-1728B52AA6E4}">
+                <adec:decorative xmlns:adec="http://schemas.microsoft.com/office/drawing/2017/decorative" val="1"/>
+              </a:ext>
+            </a:extLst>
+          </p:cNvPr>
+          <p:cNvSpPr>
+            <a:spLocks noGrp="1" noRot="1" noChangeAspect="1" noMove="1" noResize="1" noEditPoints="1" noAdjustHandles="1" noChangeArrowheads="1" noChangeShapeType="1" noTextEdit="1"/>
+          </p:cNvSpPr>
+          <p:nvPr>
+            <p:extLst>
+              <p:ext uri="{386F3935-93C4-4BCD-93E2-E3B085C9AB24}">
+                <p16:designElem xmlns:p16="http://schemas.microsoft.com/office/powerpoint/2015/main" val="1"/>
+              </p:ext>
+            </p:extLst>
+          </p:nvPr>
+        </p:nvSpPr>
+        <p:spPr>
+          <a:xfrm rot="2700000">
+            <a:off x="612445" y="481888"/>
+            <a:ext cx="1080000" cy="1262947"/>
+          </a:xfrm>
+          <a:custGeom>
+            <a:avLst/>
+            <a:gdLst/>
+            <a:ahLst/>
+            <a:cxnLst/>
+            <a:rect l="l" t="t" r="r" b="b"/>
+            <a:pathLst>
+              <a:path w="1080000" h="1262947">
+                <a:moveTo>
+                  <a:pt x="540000" y="0"/>
+                </a:moveTo>
+                <a:lnTo>
+                  <a:pt x="1064374" y="931034"/>
+                </a:lnTo>
+                <a:lnTo>
+                  <a:pt x="1069029" y="938533"/>
+                </a:lnTo>
+                <a:cubicBezTo>
+                  <a:pt x="1076223" y="956109"/>
+                  <a:pt x="1080000" y="974307"/>
+                  <a:pt x="1080000" y="992947"/>
+                </a:cubicBezTo>
+                <a:cubicBezTo>
+                  <a:pt x="1080000" y="1142064"/>
+                  <a:pt x="838234" y="1262947"/>
+                  <a:pt x="540000" y="1262947"/>
+                </a:cubicBezTo>
+                <a:cubicBezTo>
+                  <a:pt x="241766" y="1262947"/>
+                  <a:pt x="0" y="1142064"/>
+                  <a:pt x="0" y="992947"/>
+                </a:cubicBezTo>
+                <a:cubicBezTo>
+                  <a:pt x="0" y="974307"/>
+                  <a:pt x="3778" y="956109"/>
+                  <a:pt x="10971" y="938533"/>
+                </a:cubicBezTo>
+                <a:lnTo>
+                  <a:pt x="15626" y="931034"/>
+                </a:lnTo>
+                <a:lnTo>
+                  <a:pt x="540000" y="0"/>
+                </a:lnTo>
+                <a:close/>
+              </a:path>
+            </a:pathLst>
+          </a:custGeom>
+          <a:gradFill>
+            <a:gsLst>
+              <a:gs pos="60000">
+                <a:schemeClr val="bg2">
+                  <a:lumMod val="90000"/>
+                  <a:lumOff val="10000"/>
+                </a:schemeClr>
+              </a:gs>
+              <a:gs pos="30000">
+                <a:schemeClr val="bg2">
+                  <a:lumMod val="90000"/>
+                  <a:lumOff val="10000"/>
+                </a:schemeClr>
+              </a:gs>
+              <a:gs pos="40000">
+                <a:schemeClr val="bg2">
+                  <a:lumMod val="75000"/>
+                  <a:lumOff val="25000"/>
+                </a:schemeClr>
+              </a:gs>
+              <a:gs pos="100000">
+                <a:schemeClr val="bg2"/>
+              </a:gs>
+            </a:gsLst>
+            <a:lin ang="600000" scaled="0"/>
+          </a:gradFill>
+          <a:ln>
+            <a:noFill/>
+          </a:ln>
+          <a:effectLst>
+            <a:innerShdw blurRad="254000" dist="101600" dir="2700000">
+              <a:schemeClr val="accent1">
+                <a:lumMod val="60000"/>
+                <a:lumOff val="40000"/>
+                <a:alpha val="40000"/>
+              </a:schemeClr>
+            </a:innerShdw>
+          </a:effectLst>
+        </p:spPr>
+        <p:style>
+          <a:lnRef idx="2">
+            <a:schemeClr val="accent1">
+              <a:shade val="50000"/>
+            </a:schemeClr>
+          </a:lnRef>
+          <a:fillRef idx="1">
+            <a:schemeClr val="accent1"/>
+          </a:fillRef>
+          <a:effectRef idx="0">
+            <a:schemeClr val="accent1"/>
+          </a:effectRef>
+          <a:fontRef idx="minor">
+            <a:schemeClr val="lt1"/>
+          </a:fontRef>
+        </p:style>
+        <p:txBody>
+          <a:bodyPr rot="0" spcFirstLastPara="0" vertOverflow="overflow" horzOverflow="overflow" vert="horz" wrap="square" lIns="91440" tIns="45720" rIns="91440" bIns="45720" numCol="1" spcCol="0" rtlCol="0" fromWordArt="0" anchor="ctr" anchorCtr="0" forceAA="0" compatLnSpc="1">
+            <a:prstTxWarp prst="textNoShape">
+              <a:avLst/>
+            </a:prstTxWarp>
+            <a:noAutofit/>
+          </a:bodyPr>
+          <a:lstStyle/>
+          <a:p>
+            <a:pPr algn="ctr"/>
+            <a:endParaRPr lang="en-US"/>
+          </a:p>
+        </p:txBody>
+      </p:sp>
+      <p:sp>
+        <p:nvSpPr>
+          <p:cNvPr id="70" name="Oval 69">
+            <a:extLst>
+              <a:ext uri="{FF2B5EF4-FFF2-40B4-BE49-F238E27FC236}">
+                <a16:creationId xmlns:a16="http://schemas.microsoft.com/office/drawing/2014/main" id="{AAA7AB09-557C-41AD-9113-FF9F68FA1035}"/>
+              </a:ext>
+              <a:ext uri="{C183D7F6-B498-43B3-948B-1728B52AA6E4}">
+                <adec:decorative xmlns:adec="http://schemas.microsoft.com/office/drawing/2017/decorative" val="1"/>
+              </a:ext>
+            </a:extLst>
+          </p:cNvPr>
+          <p:cNvSpPr>
+            <a:spLocks noGrp="1" noRot="1" noChangeAspect="1" noMove="1" noResize="1" noEditPoints="1" noAdjustHandles="1" noChangeArrowheads="1" noChangeShapeType="1" noTextEdit="1"/>
+          </p:cNvSpPr>
+          <p:nvPr>
+            <p:extLst>
+              <p:ext uri="{386F3935-93C4-4BCD-93E2-E3B085C9AB24}">
+                <p16:designElem xmlns:p16="http://schemas.microsoft.com/office/powerpoint/2015/main" val="1"/>
+              </p:ext>
+            </p:extLst>
+          </p:nvPr>
+        </p:nvSpPr>
+        <p:spPr>
+          <a:xfrm rot="8100000">
+            <a:off x="626845" y="828962"/>
+            <a:ext cx="540000" cy="1080000"/>
+          </a:xfrm>
+          <a:prstGeom prst="ellipse">
+            <a:avLst/>
+          </a:prstGeom>
+          <a:gradFill>
+            <a:gsLst>
+              <a:gs pos="100000">
+                <a:schemeClr val="bg2">
+                  <a:lumMod val="90000"/>
+                  <a:lumOff val="10000"/>
+                </a:schemeClr>
+              </a:gs>
+              <a:gs pos="50000">
+                <a:schemeClr val="bg2">
+                  <a:lumMod val="95000"/>
+                  <a:lumOff val="5000"/>
+                </a:schemeClr>
+              </a:gs>
+            </a:gsLst>
+            <a:lin ang="5400000" scaled="0"/>
+          </a:gradFill>
+          <a:ln>
+            <a:noFill/>
+          </a:ln>
+          <a:effectLst>
+            <a:innerShdw blurRad="1270000" dist="2540000">
+              <a:schemeClr val="accent1">
+                <a:lumMod val="60000"/>
+                <a:lumOff val="40000"/>
+                <a:alpha val="0"/>
+              </a:schemeClr>
+            </a:innerShdw>
+          </a:effectLst>
+        </p:spPr>
+        <p:style>
+          <a:lnRef idx="2">
+            <a:schemeClr val="accent1">
+              <a:shade val="50000"/>
+            </a:schemeClr>
+          </a:lnRef>
+          <a:fillRef idx="1">
+            <a:schemeClr val="accent1"/>
+          </a:fillRef>
+          <a:effectRef idx="0">
+            <a:schemeClr val="accent1"/>
+          </a:effectRef>
+          <a:fontRef idx="minor">
+            <a:schemeClr val="lt1"/>
+          </a:fontRef>
+        </p:style>
+        <p:txBody>
+          <a:bodyPr rot="0" spcFirstLastPara="0" vertOverflow="overflow" horzOverflow="overflow" vert="horz" wrap="square" lIns="91440" tIns="45720" rIns="91440" bIns="45720" numCol="1" spcCol="0" rtlCol="0" fromWordArt="0" anchor="ctr" anchorCtr="0" forceAA="0" compatLnSpc="1">
+            <a:prstTxWarp prst="textNoShape">
+              <a:avLst/>
+            </a:prstTxWarp>
+            <a:noAutofit/>
+          </a:bodyPr>
+          <a:lstStyle/>
+          <a:p>
+            <a:pPr algn="ctr"/>
+            <a:endParaRPr lang="en-US"/>
+          </a:p>
+        </p:txBody>
+      </p:sp>
+      <p:sp>
+        <p:nvSpPr>
+          <p:cNvPr id="72" name="Oval 71">
+            <a:extLst>
+              <a:ext uri="{FF2B5EF4-FFF2-40B4-BE49-F238E27FC236}">
+                <a16:creationId xmlns:a16="http://schemas.microsoft.com/office/drawing/2014/main" id="{EF99ECAA-1F11-4937-BBA6-51935AB44C9D}"/>
+              </a:ext>
+              <a:ext uri="{C183D7F6-B498-43B3-948B-1728B52AA6E4}">
+                <adec:decorative xmlns:adec="http://schemas.microsoft.com/office/drawing/2017/decorative" val="1"/>
+              </a:ext>
+            </a:extLst>
+          </p:cNvPr>
+          <p:cNvSpPr>
+            <a:spLocks noGrp="1" noRot="1" noChangeAspect="1" noMove="1" noResize="1" noEditPoints="1" noAdjustHandles="1" noChangeArrowheads="1" noChangeShapeType="1" noTextEdit="1"/>
+          </p:cNvSpPr>
+          <p:nvPr>
+            <p:extLst>
+              <p:ext uri="{386F3935-93C4-4BCD-93E2-E3B085C9AB24}">
+                <p16:designElem xmlns:p16="http://schemas.microsoft.com/office/powerpoint/2015/main" val="1"/>
+              </p:ext>
+            </p:extLst>
+          </p:nvPr>
+        </p:nvSpPr>
+        <p:spPr>
+          <a:xfrm>
+            <a:off x="1800802" y="2472855"/>
+            <a:ext cx="360000" cy="360000"/>
+          </a:xfrm>
+          <a:prstGeom prst="ellipse">
+            <a:avLst/>
+          </a:prstGeom>
+          <a:gradFill flip="none" rotWithShape="1">
+            <a:gsLst>
+              <a:gs pos="100000">
+                <a:schemeClr val="bg2">
+                  <a:lumMod val="50000"/>
+                  <a:lumOff val="50000"/>
+                </a:schemeClr>
+              </a:gs>
+              <a:gs pos="60000">
+                <a:schemeClr val="bg2"/>
+              </a:gs>
+            </a:gsLst>
+            <a:path path="circle">
+              <a:fillToRect l="100000" b="100000"/>
+            </a:path>
+            <a:tileRect t="-100000" r="-100000"/>
+          </a:gradFill>
+          <a:ln>
+            <a:noFill/>
+          </a:ln>
+          <a:effectLst>
+            <a:innerShdw blurRad="127000" dist="63500" dir="2700000">
+              <a:schemeClr val="accent1">
+                <a:lumMod val="60000"/>
+                <a:lumOff val="40000"/>
+                <a:alpha val="20000"/>
+              </a:schemeClr>
+            </a:innerShdw>
+            <a:softEdge rad="0"/>
+          </a:effectLst>
+        </p:spPr>
+        <p:style>
+          <a:lnRef idx="2">
+            <a:schemeClr val="accent1">
+              <a:shade val="50000"/>
+            </a:schemeClr>
+          </a:lnRef>
+          <a:fillRef idx="1">
+            <a:schemeClr val="accent1"/>
+          </a:fillRef>
+          <a:effectRef idx="0">
+            <a:schemeClr val="accent1"/>
+          </a:effectRef>
+          <a:fontRef idx="minor">
+            <a:schemeClr val="lt1"/>
+          </a:fontRef>
+        </p:style>
+        <p:txBody>
+          <a:bodyPr rot="0" spcFirstLastPara="0" vertOverflow="overflow" horzOverflow="overflow" vert="horz" wrap="square" lIns="91440" tIns="45720" rIns="91440" bIns="45720" numCol="1" spcCol="0" rtlCol="0" fromWordArt="0" anchor="ctr" anchorCtr="0" forceAA="0" compatLnSpc="1">
+            <a:prstTxWarp prst="textNoShape">
+              <a:avLst/>
+            </a:prstTxWarp>
+            <a:noAutofit/>
+          </a:bodyPr>
+          <a:lstStyle/>
+          <a:p>
+            <a:pPr algn="ctr"/>
+            <a:endParaRPr lang="en-US"/>
+          </a:p>
+        </p:txBody>
+      </p:sp>
+      <p:grpSp>
+        <p:nvGrpSpPr>
+          <p:cNvPr id="74" name="Group 73">
+            <a:extLst>
+              <a:ext uri="{FF2B5EF4-FFF2-40B4-BE49-F238E27FC236}">
+                <a16:creationId xmlns:a16="http://schemas.microsoft.com/office/drawing/2014/main" id="{79DE9FAB-6BBA-4CFE-B67D-77B47F01ECA4}"/>
+              </a:ext>
+              <a:ext uri="{C183D7F6-B498-43B3-948B-1728B52AA6E4}">
+                <adec:decorative xmlns:adec="http://schemas.microsoft.com/office/drawing/2017/decorative" val="1"/>
+              </a:ext>
+            </a:extLst>
+          </p:cNvPr>
+          <p:cNvGrpSpPr>
+            <a:grpSpLocks noGrp="1" noUngrp="1" noRot="1" noChangeAspect="1" noMove="1" noResize="1"/>
+          </p:cNvGrpSpPr>
+          <p:nvPr>
+            <p:extLst>
+              <p:ext uri="{386F3935-93C4-4BCD-93E2-E3B085C9AB24}">
+                <p16:designElem xmlns:p16="http://schemas.microsoft.com/office/powerpoint/2015/main" val="1"/>
+              </p:ext>
+            </p:extLst>
+          </p:nvPr>
+        </p:nvGrpSpPr>
+        <p:grpSpPr>
+          <a:xfrm>
+            <a:off x="1329952" y="4524379"/>
+            <a:ext cx="1980001" cy="1363916"/>
+            <a:chOff x="4879602" y="3781429"/>
+            <a:chExt cx="1980001" cy="1363916"/>
+          </a:xfrm>
+        </p:grpSpPr>
+        <p:sp>
+          <p:nvSpPr>
+            <p:cNvPr id="75" name="Freeform: Shape 74">
+              <a:extLst>
+                <a:ext uri="{FF2B5EF4-FFF2-40B4-BE49-F238E27FC236}">
+                  <a16:creationId xmlns:a16="http://schemas.microsoft.com/office/drawing/2014/main" id="{79FAC916-D9BB-4794-81B4-7C47C67E850D}"/>
+                </a:ext>
+                <a:ext uri="{C183D7F6-B498-43B3-948B-1728B52AA6E4}">
+                  <adec:decorative xmlns:adec="http://schemas.microsoft.com/office/drawing/2017/decorative" val="1"/>
+                </a:ext>
+              </a:extLst>
+            </p:cNvPr>
+            <p:cNvSpPr>
+              <a:spLocks noChangeAspect="1"/>
+            </p:cNvSpPr>
+            <p:nvPr>
+              <p:extLst>
+                <p:ext uri="{386F3935-93C4-4BCD-93E2-E3B085C9AB24}">
+                  <p16:designElem xmlns:p16="http://schemas.microsoft.com/office/powerpoint/2015/main" val="1"/>
+                </p:ext>
+              </p:extLst>
+            </p:nvPr>
+          </p:nvSpPr>
+          <p:spPr>
+            <a:xfrm rot="18900000" flipV="1">
+              <a:off x="5005634" y="4191206"/>
+              <a:ext cx="1853969" cy="926985"/>
+            </a:xfrm>
+            <a:custGeom>
+              <a:avLst/>
+              <a:gdLst>
+                <a:gd name="connsiteX0" fmla="*/ 1329373 w 2658746"/>
+                <a:gd name="connsiteY0" fmla="*/ 0 h 1329373"/>
+                <a:gd name="connsiteX1" fmla="*/ 2658746 w 2658746"/>
+                <a:gd name="connsiteY1" fmla="*/ 1329373 h 1329373"/>
+                <a:gd name="connsiteX2" fmla="*/ 1994059 w 2658746"/>
+                <a:gd name="connsiteY2" fmla="*/ 1329373 h 1329373"/>
+                <a:gd name="connsiteX3" fmla="*/ 1329373 w 2658746"/>
+                <a:gd name="connsiteY3" fmla="*/ 664687 h 1329373"/>
+                <a:gd name="connsiteX4" fmla="*/ 664687 w 2658746"/>
+                <a:gd name="connsiteY4" fmla="*/ 1329373 h 1329373"/>
+                <a:gd name="connsiteX5" fmla="*/ 0 w 2658746"/>
+                <a:gd name="connsiteY5" fmla="*/ 1329373 h 1329373"/>
+                <a:gd name="connsiteX6" fmla="*/ 1329373 w 2658746"/>
+                <a:gd name="connsiteY6" fmla="*/ 0 h 1329373"/>
+              </a:gdLst>
+              <a:ahLst/>
+              <a:cxnLst>
+                <a:cxn ang="0">
+                  <a:pos x="connsiteX0" y="connsiteY0"/>
+                </a:cxn>
+                <a:cxn ang="0">
+                  <a:pos x="connsiteX1" y="connsiteY1"/>
+                </a:cxn>
+                <a:cxn ang="0">
+                  <a:pos x="connsiteX2" y="connsiteY2"/>
+                </a:cxn>
+                <a:cxn ang="0">
+                  <a:pos x="connsiteX3" y="connsiteY3"/>
+                </a:cxn>
+                <a:cxn ang="0">
+                  <a:pos x="connsiteX4" y="connsiteY4"/>
+                </a:cxn>
+                <a:cxn ang="0">
+                  <a:pos x="connsiteX5" y="connsiteY5"/>
+                </a:cxn>
+                <a:cxn ang="0">
+                  <a:pos x="connsiteX6" y="connsiteY6"/>
+                </a:cxn>
+              </a:cxnLst>
+              <a:rect l="l" t="t" r="r" b="b"/>
+              <a:pathLst>
+                <a:path w="2658746" h="1329373">
+                  <a:moveTo>
+                    <a:pt x="1329373" y="0"/>
+                  </a:moveTo>
+                  <a:cubicBezTo>
+                    <a:pt x="2063565" y="0"/>
+                    <a:pt x="2658746" y="595181"/>
+                    <a:pt x="2658746" y="1329373"/>
+                  </a:cubicBezTo>
+                  <a:lnTo>
+                    <a:pt x="1994059" y="1329373"/>
+                  </a:lnTo>
+                  <a:cubicBezTo>
+                    <a:pt x="1994059" y="962277"/>
+                    <a:pt x="1696469" y="664687"/>
+                    <a:pt x="1329373" y="664687"/>
+                  </a:cubicBezTo>
+                  <a:cubicBezTo>
+                    <a:pt x="962277" y="664687"/>
+                    <a:pt x="664687" y="962277"/>
+                    <a:pt x="664687" y="1329373"/>
+                  </a:cubicBezTo>
+                  <a:lnTo>
+                    <a:pt x="0" y="1329373"/>
+                  </a:lnTo>
+                  <a:cubicBezTo>
+                    <a:pt x="0" y="595181"/>
+                    <a:pt x="595181" y="0"/>
+                    <a:pt x="1329373" y="0"/>
+                  </a:cubicBezTo>
+                  <a:close/>
+                </a:path>
+              </a:pathLst>
+            </a:custGeom>
+            <a:solidFill>
+              <a:schemeClr val="bg2"/>
+            </a:solidFill>
+            <a:ln>
+              <a:noFill/>
+            </a:ln>
+            <a:effectLst>
+              <a:innerShdw blurRad="254000" dist="50800" dir="16200000">
+                <a:schemeClr val="accent1">
+                  <a:lumMod val="40000"/>
+                  <a:lumOff val="60000"/>
+                  <a:alpha val="40000"/>
+                </a:schemeClr>
+              </a:innerShdw>
+            </a:effectLst>
+          </p:spPr>
+          <p:style>
+            <a:lnRef idx="2">
+              <a:schemeClr val="accent1">
+                <a:shade val="50000"/>
+              </a:schemeClr>
+            </a:lnRef>
+            <a:fillRef idx="1">
+              <a:schemeClr val="accent1"/>
+            </a:fillRef>
+            <a:effectRef idx="0">
+              <a:schemeClr val="accent1"/>
+            </a:effectRef>
+            <a:fontRef idx="minor">
+              <a:schemeClr val="lt1"/>
+            </a:fontRef>
+          </p:style>
+          <p:txBody>
+            <a:bodyPr rtlCol="0" anchor="ctr"/>
+            <a:lstStyle/>
+            <a:p>
+              <a:pPr algn="ctr"/>
+              <a:endParaRPr lang="en-US"/>
+            </a:p>
+          </p:txBody>
+        </p:sp>
+        <p:sp>
+          <p:nvSpPr>
+            <p:cNvPr id="76" name="Freeform: Shape 75">
+              <a:extLst>
+                <a:ext uri="{FF2B5EF4-FFF2-40B4-BE49-F238E27FC236}">
+                  <a16:creationId xmlns:a16="http://schemas.microsoft.com/office/drawing/2014/main" id="{B5CA2231-7A65-4D16-8400-A210CC41DB73}"/>
+                </a:ext>
+                <a:ext uri="{C183D7F6-B498-43B3-948B-1728B52AA6E4}">
+                  <adec:decorative xmlns:adec="http://schemas.microsoft.com/office/drawing/2017/decorative" val="1"/>
+                </a:ext>
+              </a:extLst>
+            </p:cNvPr>
+            <p:cNvSpPr>
+              <a:spLocks noChangeAspect="1"/>
+            </p:cNvSpPr>
+            <p:nvPr>
+              <p:extLst>
+                <p:ext uri="{386F3935-93C4-4BCD-93E2-E3B085C9AB24}">
+                  <p16:designElem xmlns:p16="http://schemas.microsoft.com/office/powerpoint/2015/main" val="1"/>
+                </p:ext>
+              </p:extLst>
+            </p:nvPr>
+          </p:nvSpPr>
+          <p:spPr>
+            <a:xfrm rot="18900000" flipV="1">
+              <a:off x="4957101" y="4052255"/>
+              <a:ext cx="1853969" cy="1093090"/>
+            </a:xfrm>
+            <a:custGeom>
+              <a:avLst/>
+              <a:gdLst>
+                <a:gd name="connsiteX0" fmla="*/ 1329373 w 2658746"/>
+                <a:gd name="connsiteY0" fmla="*/ 0 h 1329373"/>
+                <a:gd name="connsiteX1" fmla="*/ 2658746 w 2658746"/>
+                <a:gd name="connsiteY1" fmla="*/ 1329373 h 1329373"/>
+                <a:gd name="connsiteX2" fmla="*/ 1994059 w 2658746"/>
+                <a:gd name="connsiteY2" fmla="*/ 1329373 h 1329373"/>
+                <a:gd name="connsiteX3" fmla="*/ 1329373 w 2658746"/>
+                <a:gd name="connsiteY3" fmla="*/ 664687 h 1329373"/>
+                <a:gd name="connsiteX4" fmla="*/ 664687 w 2658746"/>
+                <a:gd name="connsiteY4" fmla="*/ 1329373 h 1329373"/>
+                <a:gd name="connsiteX5" fmla="*/ 0 w 2658746"/>
+                <a:gd name="connsiteY5" fmla="*/ 1329373 h 1329373"/>
+                <a:gd name="connsiteX6" fmla="*/ 1329373 w 2658746"/>
+                <a:gd name="connsiteY6" fmla="*/ 0 h 1329373"/>
+              </a:gdLst>
+              <a:ahLst/>
+              <a:cxnLst>
+                <a:cxn ang="0">
+                  <a:pos x="connsiteX0" y="connsiteY0"/>
+                </a:cxn>
+                <a:cxn ang="0">
+                  <a:pos x="connsiteX1" y="connsiteY1"/>
+                </a:cxn>
+                <a:cxn ang="0">
+                  <a:pos x="connsiteX2" y="connsiteY2"/>
+                </a:cxn>
+                <a:cxn ang="0">
+                  <a:pos x="connsiteX3" y="connsiteY3"/>
+                </a:cxn>
+                <a:cxn ang="0">
+                  <a:pos x="connsiteX4" y="connsiteY4"/>
+                </a:cxn>
+                <a:cxn ang="0">
+                  <a:pos x="connsiteX5" y="connsiteY5"/>
+                </a:cxn>
+                <a:cxn ang="0">
+                  <a:pos x="connsiteX6" y="connsiteY6"/>
+                </a:cxn>
+              </a:cxnLst>
+              <a:rect l="l" t="t" r="r" b="b"/>
+              <a:pathLst>
+                <a:path w="2658746" h="1329373">
+                  <a:moveTo>
+                    <a:pt x="1329373" y="0"/>
+                  </a:moveTo>
+                  <a:cubicBezTo>
+                    <a:pt x="2063565" y="0"/>
+                    <a:pt x="2658746" y="595181"/>
+                    <a:pt x="2658746" y="1329373"/>
+                  </a:cubicBezTo>
+                  <a:lnTo>
+                    <a:pt x="1994059" y="1329373"/>
+                  </a:lnTo>
+                  <a:cubicBezTo>
+                    <a:pt x="1994059" y="962277"/>
+                    <a:pt x="1696469" y="664687"/>
+                    <a:pt x="1329373" y="664687"/>
+                  </a:cubicBezTo>
+                  <a:cubicBezTo>
+                    <a:pt x="962277" y="664687"/>
+                    <a:pt x="664687" y="962277"/>
+                    <a:pt x="664687" y="1329373"/>
+                  </a:cubicBezTo>
+                  <a:lnTo>
+                    <a:pt x="0" y="1329373"/>
+                  </a:lnTo>
+                  <a:cubicBezTo>
+                    <a:pt x="0" y="595181"/>
+                    <a:pt x="595181" y="0"/>
+                    <a:pt x="1329373" y="0"/>
+                  </a:cubicBezTo>
+                  <a:close/>
+                </a:path>
+              </a:pathLst>
+            </a:custGeom>
+            <a:solidFill>
+              <a:schemeClr val="bg2">
+                <a:lumMod val="50000"/>
+                <a:lumOff val="50000"/>
+                <a:alpha val="40000"/>
+              </a:schemeClr>
+            </a:solidFill>
+            <a:ln>
+              <a:noFill/>
+            </a:ln>
+            <a:effectLst>
+              <a:softEdge rad="190500"/>
+            </a:effectLst>
+          </p:spPr>
+          <p:style>
+            <a:lnRef idx="2">
+              <a:schemeClr val="accent1">
+                <a:shade val="50000"/>
+              </a:schemeClr>
+            </a:lnRef>
+            <a:fillRef idx="1">
+              <a:schemeClr val="accent1"/>
+            </a:fillRef>
+            <a:effectRef idx="0">
+              <a:schemeClr val="accent1"/>
+            </a:effectRef>
+            <a:fontRef idx="minor">
+              <a:schemeClr val="lt1"/>
+            </a:fontRef>
+          </p:style>
+          <p:txBody>
+            <a:bodyPr rtlCol="0" anchor="ctr"/>
+            <a:lstStyle/>
+            <a:p>
+              <a:pPr algn="ctr"/>
+              <a:endParaRPr lang="en-US">
+                <a:solidFill>
+                  <a:schemeClr val="tx1"/>
+                </a:solidFill>
+              </a:endParaRPr>
+            </a:p>
+          </p:txBody>
+        </p:sp>
+        <p:sp>
+          <p:nvSpPr>
+            <p:cNvPr id="77" name="Oval 76">
+              <a:extLst>
+                <a:ext uri="{FF2B5EF4-FFF2-40B4-BE49-F238E27FC236}">
+                  <a16:creationId xmlns:a16="http://schemas.microsoft.com/office/drawing/2014/main" id="{4B089C8C-B82B-4704-88E2-E857A5E21529}"/>
+                </a:ext>
+                <a:ext uri="{C183D7F6-B498-43B3-948B-1728B52AA6E4}">
+                  <adec:decorative xmlns:adec="http://schemas.microsoft.com/office/drawing/2017/decorative" val="1"/>
+                </a:ext>
+              </a:extLst>
+            </p:cNvPr>
+            <p:cNvSpPr/>
+            <p:nvPr>
+              <p:extLst>
+                <p:ext uri="{386F3935-93C4-4BCD-93E2-E3B085C9AB24}">
+                  <p16:designElem xmlns:p16="http://schemas.microsoft.com/office/powerpoint/2015/main" val="1"/>
+                </p:ext>
+              </p:extLst>
+            </p:nvPr>
+          </p:nvSpPr>
+          <p:spPr>
+            <a:xfrm rot="13500000" flipV="1">
+              <a:off x="6040374" y="3601683"/>
+              <a:ext cx="107098" cy="466589"/>
+            </a:xfrm>
+            <a:prstGeom prst="ellipse">
+              <a:avLst/>
+            </a:prstGeom>
+            <a:solidFill>
+              <a:schemeClr val="bg2">
+                <a:lumMod val="90000"/>
+                <a:lumOff val="10000"/>
+              </a:schemeClr>
+            </a:solidFill>
+            <a:ln>
+              <a:noFill/>
+            </a:ln>
+            <a:effectLst>
+              <a:innerShdw blurRad="63500" dist="2540000">
+                <a:schemeClr val="accent1">
+                  <a:lumMod val="60000"/>
+                  <a:lumOff val="40000"/>
+                  <a:alpha val="0"/>
+                </a:schemeClr>
+              </a:innerShdw>
+            </a:effectLst>
+          </p:spPr>
+          <p:style>
+            <a:lnRef idx="2">
+              <a:schemeClr val="accent1">
+                <a:shade val="50000"/>
+              </a:schemeClr>
+            </a:lnRef>
+            <a:fillRef idx="1">
+              <a:schemeClr val="accent1"/>
+            </a:fillRef>
+            <a:effectRef idx="0">
+              <a:schemeClr val="accent1"/>
+            </a:effectRef>
+            <a:fontRef idx="minor">
+              <a:schemeClr val="lt1"/>
+            </a:fontRef>
+          </p:style>
+          <p:txBody>
+            <a:bodyPr rot="0" spcFirstLastPara="0" vertOverflow="overflow" horzOverflow="overflow" vert="horz" wrap="square" lIns="91440" tIns="45720" rIns="91440" bIns="45720" numCol="1" spcCol="0" rtlCol="0" fromWordArt="0" anchor="ctr" anchorCtr="0" forceAA="0" compatLnSpc="1">
+              <a:prstTxWarp prst="textNoShape">
+                <a:avLst/>
+              </a:prstTxWarp>
+              <a:noAutofit/>
+            </a:bodyPr>
+            <a:lstStyle/>
+            <a:p>
+              <a:pPr algn="ctr"/>
+              <a:endParaRPr lang="en-US"/>
+            </a:p>
+          </p:txBody>
+        </p:sp>
+        <p:sp>
+          <p:nvSpPr>
+            <p:cNvPr id="78" name="Oval 77">
+              <a:extLst>
+                <a:ext uri="{FF2B5EF4-FFF2-40B4-BE49-F238E27FC236}">
+                  <a16:creationId xmlns:a16="http://schemas.microsoft.com/office/drawing/2014/main" id="{434B90C8-5B4D-456E-AD99-80EF748FDD72}"/>
+                </a:ext>
+                <a:ext uri="{C183D7F6-B498-43B3-948B-1728B52AA6E4}">
+                  <adec:decorative xmlns:adec="http://schemas.microsoft.com/office/drawing/2017/decorative" val="1"/>
+                </a:ext>
+              </a:extLst>
+            </p:cNvPr>
+            <p:cNvSpPr/>
+            <p:nvPr>
+              <p:extLst>
+                <p:ext uri="{386F3935-93C4-4BCD-93E2-E3B085C9AB24}">
+                  <p16:designElem xmlns:p16="http://schemas.microsoft.com/office/powerpoint/2015/main" val="1"/>
+                </p:ext>
+              </p:extLst>
+            </p:nvPr>
+          </p:nvSpPr>
+          <p:spPr>
+            <a:xfrm rot="13500000" flipV="1">
+              <a:off x="5059348" y="4582709"/>
+              <a:ext cx="107098" cy="466589"/>
+            </a:xfrm>
+            <a:prstGeom prst="ellipse">
+              <a:avLst/>
+            </a:prstGeom>
+            <a:solidFill>
+              <a:schemeClr val="bg2">
+                <a:lumMod val="90000"/>
+                <a:lumOff val="10000"/>
+              </a:schemeClr>
+            </a:solidFill>
+            <a:ln>
+              <a:noFill/>
+            </a:ln>
+            <a:effectLst>
+              <a:innerShdw blurRad="63500" dist="2540000">
+                <a:schemeClr val="accent1">
+                  <a:lumMod val="60000"/>
+                  <a:lumOff val="40000"/>
+                  <a:alpha val="0"/>
+                </a:schemeClr>
+              </a:innerShdw>
+            </a:effectLst>
+          </p:spPr>
+          <p:style>
+            <a:lnRef idx="2">
+              <a:schemeClr val="accent1">
+                <a:shade val="50000"/>
+              </a:schemeClr>
+            </a:lnRef>
+            <a:fillRef idx="1">
+              <a:schemeClr val="accent1"/>
+            </a:fillRef>
+            <a:effectRef idx="0">
+              <a:schemeClr val="accent1"/>
+            </a:effectRef>
+            <a:fontRef idx="minor">
+              <a:schemeClr val="lt1"/>
+            </a:fontRef>
+          </p:style>
+          <p:txBody>
+            <a:bodyPr rot="0" spcFirstLastPara="0" vertOverflow="overflow" horzOverflow="overflow" vert="horz" wrap="square" lIns="91440" tIns="45720" rIns="91440" bIns="45720" numCol="1" spcCol="0" rtlCol="0" fromWordArt="0" anchor="ctr" anchorCtr="0" forceAA="0" compatLnSpc="1">
+              <a:prstTxWarp prst="textNoShape">
+                <a:avLst/>
+              </a:prstTxWarp>
+              <a:noAutofit/>
+            </a:bodyPr>
+            <a:lstStyle/>
+            <a:p>
+              <a:pPr algn="ctr"/>
+              <a:endParaRPr lang="en-US"/>
+            </a:p>
+          </p:txBody>
+        </p:sp>
+      </p:grpSp>
       <p:sp useBgFill="1">
         <p:nvSpPr>
-          <p:cNvPr id="39" name="Rectangle 7">
+          <p:cNvPr id="80" name="Rectangle 79">
             <a:extLst>
               <a:ext uri="{FF2B5EF4-FFF2-40B4-BE49-F238E27FC236}">
-                <a16:creationId xmlns:a16="http://schemas.microsoft.com/office/drawing/2014/main" id="{A5931BE0-4B93-4D6C-878E-ACC59D6B4587}"/>
+                <a16:creationId xmlns:a16="http://schemas.microsoft.com/office/drawing/2014/main" id="{1DB043B4-68C6-45B9-82AC-A5800EADB8DB}"/>
+              </a:ext>
+              <a:ext uri="{C183D7F6-B498-43B3-948B-1728B52AA6E4}">
+                <adec:decorative xmlns:adec="http://schemas.microsoft.com/office/drawing/2017/decorative" val="1"/>
+              </a:ext>
+            </a:extLst>
+          </p:cNvPr>
+          <p:cNvSpPr>
+            <a:spLocks noGrp="1" noRot="1" noChangeAspect="1" noMove="1" noResize="1" noEditPoints="1" noAdjustHandles="1" noChangeArrowheads="1" noChangeShapeType="1" noTextEdit="1"/>
+          </p:cNvSpPr>
+          <p:nvPr>
+            <p:extLst>
+              <p:ext uri="{386F3935-93C4-4BCD-93E2-E3B085C9AB24}">
+                <p16:designElem xmlns:p16="http://schemas.microsoft.com/office/powerpoint/2015/main" val="1"/>
+              </p:ext>
+            </p:extLst>
+          </p:nvPr>
+        </p:nvSpPr>
+        <p:spPr>
+          <a:xfrm>
+            <a:off x="0" y="0"/>
+            <a:ext cx="12192000" cy="6858000"/>
+          </a:xfrm>
+          <a:prstGeom prst="rect">
+            <a:avLst/>
+          </a:prstGeom>
+          <a:ln w="12700" cap="flat" cmpd="sng" algn="ctr">
+            <a:noFill/>
+            <a:prstDash val="solid"/>
+            <a:miter lim="800000"/>
+          </a:ln>
+          <a:effectLst/>
+          <a:extLst>
+            <a:ext uri="{91240B29-F687-4F45-9708-019B960494DF}">
+              <a14:hiddenLine xmlns:a14="http://schemas.microsoft.com/office/drawing/2010/main" w="12700" cap="flat" cmpd="sng" algn="ctr">
+                <a:solidFill>
+                  <a:schemeClr val="accent1">
+                    <a:shade val="50000"/>
+                  </a:schemeClr>
+                </a:solidFill>
+                <a:prstDash val="solid"/>
+                <a:miter lim="800000"/>
+              </a14:hiddenLine>
+            </a:ext>
+          </a:extLst>
+        </p:spPr>
+        <p:style>
+          <a:lnRef idx="2">
+            <a:schemeClr val="accent1">
+              <a:shade val="50000"/>
+            </a:schemeClr>
+          </a:lnRef>
+          <a:fillRef idx="1">
+            <a:schemeClr val="accent1"/>
+          </a:fillRef>
+          <a:effectRef idx="0">
+            <a:schemeClr val="accent1"/>
+          </a:effectRef>
+          <a:fontRef idx="minor">
+            <a:schemeClr val="lt1"/>
+          </a:fontRef>
+        </p:style>
+        <p:txBody>
+          <a:bodyPr rtlCol="0" anchor="ctr"/>
+          <a:lstStyle/>
+          <a:p>
+            <a:pPr algn="ctr"/>
+            <a:endParaRPr lang="en-US"/>
+          </a:p>
+        </p:txBody>
+      </p:sp>
+      <p:pic>
+        <p:nvPicPr>
+          <p:cNvPr id="63" name="Picture 48" descr="Avion en papier jaune volant dans le sens inverse de celui de beaucoup d'avions en papier gris.">
+            <a:extLst>
+              <a:ext uri="{FF2B5EF4-FFF2-40B4-BE49-F238E27FC236}">
+                <a16:creationId xmlns:a16="http://schemas.microsoft.com/office/drawing/2014/main" id="{1D8B55AA-1A47-4342-966C-101F50F8EB8C}"/>
+              </a:ext>
+            </a:extLst>
+          </p:cNvPr>
+          <p:cNvPicPr>
+            <a:picLocks noChangeAspect="1"/>
+          </p:cNvPicPr>
+          <p:nvPr/>
+        </p:nvPicPr>
+        <p:blipFill rotWithShape="1">
+          <a:blip r:embed="rId2"/>
+          <a:srcRect t="8497" b="7234"/>
+          <a:stretch/>
+        </p:blipFill>
+        <p:spPr>
+          <a:xfrm>
+            <a:off x="20" y="1"/>
+            <a:ext cx="12191980" cy="6858000"/>
+          </a:xfrm>
+          <a:custGeom>
+            <a:avLst/>
+            <a:gdLst/>
+            <a:ahLst/>
+            <a:cxnLst/>
+            <a:rect l="l" t="t" r="r" b="b"/>
+            <a:pathLst>
+              <a:path w="12192000" h="6858000">
+                <a:moveTo>
+                  <a:pt x="0" y="0"/>
+                </a:moveTo>
+                <a:lnTo>
+                  <a:pt x="12192000" y="0"/>
+                </a:lnTo>
+                <a:lnTo>
+                  <a:pt x="12192000" y="6858000"/>
+                </a:lnTo>
+                <a:lnTo>
+                  <a:pt x="0" y="6858000"/>
+                </a:lnTo>
+                <a:close/>
+              </a:path>
+            </a:pathLst>
+          </a:custGeom>
+        </p:spPr>
+      </p:pic>
+      <p:sp>
+        <p:nvSpPr>
+          <p:cNvPr id="82" name="Rectangle 81">
+            <a:extLst>
+              <a:ext uri="{FF2B5EF4-FFF2-40B4-BE49-F238E27FC236}">
+                <a16:creationId xmlns:a16="http://schemas.microsoft.com/office/drawing/2014/main" id="{3C64A91D-E535-4C24-A0E3-96A3810E3FDC}"/>
+              </a:ext>
+              <a:ext uri="{C183D7F6-B498-43B3-948B-1728B52AA6E4}">
+                <adec:decorative xmlns:adec="http://schemas.microsoft.com/office/drawing/2017/decorative" val="1"/>
+              </a:ext>
+            </a:extLst>
+          </p:cNvPr>
+          <p:cNvSpPr>
+            <a:spLocks noGrp="1" noRot="1" noChangeAspect="1" noMove="1" noResize="1" noEditPoints="1" noAdjustHandles="1" noChangeArrowheads="1" noChangeShapeType="1" noTextEdit="1"/>
+          </p:cNvSpPr>
+          <p:nvPr>
+            <p:extLst>
+              <p:ext uri="{386F3935-93C4-4BCD-93E2-E3B085C9AB24}">
+                <p16:designElem xmlns:p16="http://schemas.microsoft.com/office/powerpoint/2015/main" val="1"/>
+              </p:ext>
+            </p:extLst>
+          </p:nvPr>
+        </p:nvSpPr>
+        <p:spPr>
+          <a:xfrm>
+            <a:off x="0" y="5773729"/>
+            <a:ext cx="12192000" cy="1084271"/>
+          </a:xfrm>
+          <a:prstGeom prst="rect">
+            <a:avLst/>
+          </a:prstGeom>
+          <a:gradFill flip="none" rotWithShape="1">
+            <a:gsLst>
+              <a:gs pos="90000">
+                <a:schemeClr val="bg2">
+                  <a:alpha val="60000"/>
+                </a:schemeClr>
+              </a:gs>
+              <a:gs pos="28000">
+                <a:schemeClr val="bg2">
+                  <a:alpha val="0"/>
+                </a:schemeClr>
+              </a:gs>
+            </a:gsLst>
+            <a:lin ang="5400000" scaled="0"/>
+            <a:tileRect/>
+          </a:gradFill>
+          <a:ln>
+            <a:noFill/>
+          </a:ln>
+        </p:spPr>
+        <p:style>
+          <a:lnRef idx="2">
+            <a:schemeClr val="accent1">
+              <a:shade val="50000"/>
+            </a:schemeClr>
+          </a:lnRef>
+          <a:fillRef idx="1">
+            <a:schemeClr val="accent1"/>
+          </a:fillRef>
+          <a:effectRef idx="0">
+            <a:schemeClr val="accent1"/>
+          </a:effectRef>
+          <a:fontRef idx="minor">
+            <a:schemeClr val="lt1"/>
+          </a:fontRef>
+        </p:style>
+        <p:txBody>
+          <a:bodyPr rtlCol="0" anchor="ctr"/>
+          <a:lstStyle/>
+          <a:p>
+            <a:pPr algn="ctr"/>
+            <a:endParaRPr lang="en-US"/>
+          </a:p>
+        </p:txBody>
+      </p:sp>
+      <p:sp>
+        <p:nvSpPr>
+          <p:cNvPr id="84" name="Rectangle 83">
+            <a:extLst>
+              <a:ext uri="{FF2B5EF4-FFF2-40B4-BE49-F238E27FC236}">
+                <a16:creationId xmlns:a16="http://schemas.microsoft.com/office/drawing/2014/main" id="{26FC4867-BA3E-4F8E-AB23-684F34DF3D31}"/>
+              </a:ext>
+              <a:ext uri="{C183D7F6-B498-43B3-948B-1728B52AA6E4}">
+                <adec:decorative xmlns:adec="http://schemas.microsoft.com/office/drawing/2017/decorative" val="1"/>
+              </a:ext>
+            </a:extLst>
+          </p:cNvPr>
+          <p:cNvSpPr>
+            <a:spLocks noGrp="1" noRot="1" noChangeAspect="1" noMove="1" noResize="1" noEditPoints="1" noAdjustHandles="1" noChangeArrowheads="1" noChangeShapeType="1" noTextEdit="1"/>
+          </p:cNvSpPr>
+          <p:nvPr>
+            <p:extLst>
+              <p:ext uri="{386F3935-93C4-4BCD-93E2-E3B085C9AB24}">
+                <p16:designElem xmlns:p16="http://schemas.microsoft.com/office/powerpoint/2015/main" val="1"/>
+              </p:ext>
+            </p:extLst>
+          </p:nvPr>
+        </p:nvSpPr>
+        <p:spPr>
+          <a:xfrm rot="10800000">
+            <a:off x="0" y="-3"/>
+            <a:ext cx="9000000" cy="6857998"/>
+          </a:xfrm>
+          <a:prstGeom prst="rect">
+            <a:avLst/>
+          </a:prstGeom>
+          <a:gradFill flip="none" rotWithShape="1">
+            <a:gsLst>
+              <a:gs pos="50000">
+                <a:schemeClr val="bg2">
+                  <a:alpha val="60000"/>
+                </a:schemeClr>
+              </a:gs>
+              <a:gs pos="0">
+                <a:schemeClr val="bg2">
+                  <a:alpha val="0"/>
+                </a:schemeClr>
+              </a:gs>
+            </a:gsLst>
+            <a:lin ang="0" scaled="0"/>
+            <a:tileRect/>
+          </a:gradFill>
+          <a:ln>
+            <a:noFill/>
+          </a:ln>
+        </p:spPr>
+        <p:style>
+          <a:lnRef idx="2">
+            <a:schemeClr val="accent1">
+              <a:shade val="50000"/>
+            </a:schemeClr>
+          </a:lnRef>
+          <a:fillRef idx="1">
+            <a:schemeClr val="accent1"/>
+          </a:fillRef>
+          <a:effectRef idx="0">
+            <a:schemeClr val="accent1"/>
+          </a:effectRef>
+          <a:fontRef idx="minor">
+            <a:schemeClr val="lt1"/>
+          </a:fontRef>
+        </p:style>
+        <p:txBody>
+          <a:bodyPr rtlCol="0" anchor="ctr"/>
+          <a:lstStyle/>
+          <a:p>
+            <a:pPr algn="ctr"/>
+            <a:endParaRPr lang="en-US"/>
+          </a:p>
+        </p:txBody>
+      </p:sp>
+      <p:sp>
+        <p:nvSpPr>
+          <p:cNvPr id="2" name="Title 1">
+            <a:extLst>
+              <a:ext uri="{FF2B5EF4-FFF2-40B4-BE49-F238E27FC236}">
+                <a16:creationId xmlns:a16="http://schemas.microsoft.com/office/drawing/2014/main" id="{BC3EB693-58A2-4629-9531-4B96D86CC605}"/>
+              </a:ext>
+            </a:extLst>
+          </p:cNvPr>
+          <p:cNvSpPr>
+            <a:spLocks noGrp="1"/>
+          </p:cNvSpPr>
+          <p:nvPr>
+            <p:ph type="title"/>
+          </p:nvPr>
+        </p:nvSpPr>
+        <p:spPr>
+          <a:xfrm>
+            <a:off x="809281" y="2434846"/>
+            <a:ext cx="5437187" cy="941396"/>
+          </a:xfrm>
+        </p:spPr>
+        <p:txBody>
+          <a:bodyPr vert="horz" wrap="square" lIns="0" tIns="0" rIns="0" bIns="0" rtlCol="0" anchor="b" anchorCtr="0">
+            <a:normAutofit/>
+          </a:bodyPr>
+          <a:lstStyle/>
+          <a:p>
+            <a:r>
+              <a:rPr lang="en-US" sz="5000" kern="1200" dirty="0">
+                <a:solidFill>
+                  <a:schemeClr val="tx1"/>
+                </a:solidFill>
+                <a:latin typeface="+mj-lt"/>
+                <a:ea typeface="+mj-ea"/>
+                <a:cs typeface="+mj-cs"/>
+              </a:rPr>
+              <a:t>FONCTIONNALITES</a:t>
+            </a:r>
+          </a:p>
+        </p:txBody>
+      </p:sp>
+      <p:sp>
+        <p:nvSpPr>
+          <p:cNvPr id="3" name="Content Placeholder 2">
+            <a:extLst>
+              <a:ext uri="{FF2B5EF4-FFF2-40B4-BE49-F238E27FC236}">
+                <a16:creationId xmlns:a16="http://schemas.microsoft.com/office/drawing/2014/main" id="{A67BAAA7-DC26-4627-853D-5AF80AD35BE7}"/>
+              </a:ext>
+            </a:extLst>
+          </p:cNvPr>
+          <p:cNvSpPr>
+            <a:spLocks noGrp="1"/>
+          </p:cNvSpPr>
+          <p:nvPr>
+            <p:ph idx="1"/>
+          </p:nvPr>
+        </p:nvSpPr>
+        <p:spPr>
+          <a:xfrm>
+            <a:off x="1152446" y="3534871"/>
+            <a:ext cx="5327868" cy="657281"/>
+          </a:xfrm>
+        </p:spPr>
+        <p:txBody>
+          <a:bodyPr vert="horz" wrap="square" lIns="0" tIns="0" rIns="0" bIns="0" rtlCol="0">
+            <a:normAutofit/>
+          </a:bodyPr>
+          <a:lstStyle/>
+          <a:p>
+            <a:pPr marL="0" indent="0">
+              <a:lnSpc>
+                <a:spcPct val="100000"/>
+              </a:lnSpc>
+              <a:buNone/>
+            </a:pPr>
+            <a:r>
+              <a:rPr lang="en-US" sz="2400" kern="1200" dirty="0" err="1">
+                <a:latin typeface="+mn-lt"/>
+                <a:ea typeface="+mn-ea"/>
+                <a:cs typeface="+mn-cs"/>
+              </a:rPr>
+              <a:t>Qu’est-ce</a:t>
+            </a:r>
+            <a:r>
+              <a:rPr lang="en-US" sz="2400" kern="1200" dirty="0">
+                <a:latin typeface="+mn-lt"/>
+                <a:ea typeface="+mn-ea"/>
+                <a:cs typeface="+mn-cs"/>
+              </a:rPr>
+              <a:t> </a:t>
+            </a:r>
+            <a:r>
+              <a:rPr lang="en-US" sz="2400" kern="1200" dirty="0" err="1">
+                <a:latin typeface="+mn-lt"/>
+                <a:ea typeface="+mn-ea"/>
+                <a:cs typeface="+mn-cs"/>
+              </a:rPr>
+              <a:t>qu’il</a:t>
+            </a:r>
+            <a:r>
+              <a:rPr lang="en-US" sz="2400" kern="1200" dirty="0">
+                <a:latin typeface="+mn-lt"/>
+                <a:ea typeface="+mn-ea"/>
+                <a:cs typeface="+mn-cs"/>
+              </a:rPr>
+              <a:t> </a:t>
+            </a:r>
+            <a:r>
+              <a:rPr lang="en-US" sz="2400" kern="1200" dirty="0" err="1">
+                <a:latin typeface="+mn-lt"/>
+                <a:ea typeface="+mn-ea"/>
+                <a:cs typeface="+mn-cs"/>
+              </a:rPr>
+              <a:t>est</a:t>
+            </a:r>
+            <a:r>
+              <a:rPr lang="en-US" sz="2400" kern="1200" dirty="0">
+                <a:latin typeface="+mn-lt"/>
+                <a:ea typeface="+mn-ea"/>
+                <a:cs typeface="+mn-cs"/>
+              </a:rPr>
+              <a:t> possible de faire ? </a:t>
+            </a:r>
+          </a:p>
+        </p:txBody>
+      </p:sp>
+      <p:sp>
+        <p:nvSpPr>
+          <p:cNvPr id="47" name="Oval 46">
+            <a:extLst>
+              <a:ext uri="{FF2B5EF4-FFF2-40B4-BE49-F238E27FC236}">
+                <a16:creationId xmlns:a16="http://schemas.microsoft.com/office/drawing/2014/main" id="{775ECED9-B192-4892-A822-01EA5C41F5AD}"/>
+              </a:ext>
+            </a:extLst>
+          </p:cNvPr>
+          <p:cNvSpPr/>
+          <p:nvPr/>
+        </p:nvSpPr>
+        <p:spPr>
+          <a:xfrm>
+            <a:off x="221942" y="6275609"/>
+            <a:ext cx="360960" cy="364888"/>
+          </a:xfrm>
+          <a:prstGeom prst="ellipse">
+            <a:avLst/>
+          </a:prstGeom>
+          <a:solidFill>
+            <a:schemeClr val="tx1"/>
+          </a:solidFill>
+          <a:ln>
+            <a:solidFill>
+              <a:schemeClr val="tx1"/>
+            </a:solidFill>
+          </a:ln>
+        </p:spPr>
+        <p:style>
+          <a:lnRef idx="2">
+            <a:schemeClr val="accent1">
+              <a:shade val="50000"/>
+            </a:schemeClr>
+          </a:lnRef>
+          <a:fillRef idx="1">
+            <a:schemeClr val="accent1"/>
+          </a:fillRef>
+          <a:effectRef idx="0">
+            <a:schemeClr val="accent1"/>
+          </a:effectRef>
+          <a:fontRef idx="minor">
+            <a:schemeClr val="lt1"/>
+          </a:fontRef>
+        </p:style>
+        <p:txBody>
+          <a:bodyPr rtlCol="0" anchor="ctr"/>
+          <a:lstStyle/>
+          <a:p>
+            <a:pPr algn="ctr">
+              <a:spcAft>
+                <a:spcPts val="600"/>
+              </a:spcAft>
+            </a:pPr>
+            <a:r>
+              <a:rPr lang="fr-FR">
+                <a:solidFill>
+                  <a:schemeClr val="bg1"/>
+                </a:solidFill>
+              </a:rPr>
+              <a:t>4</a:t>
+            </a:r>
+          </a:p>
+        </p:txBody>
+      </p:sp>
+    </p:spTree>
+    <p:extLst>
+      <p:ext uri="{BB962C8B-B14F-4D97-AF65-F5344CB8AC3E}">
+        <p14:creationId xmlns:p14="http://schemas.microsoft.com/office/powerpoint/2010/main" val="4263290905"/>
+      </p:ext>
+    </p:extLst>
+  </p:cSld>
+  <p:clrMapOvr>
+    <a:masterClrMapping/>
+  </p:clrMapOvr>
+</p:sld>
+</file>
+
+<file path=ppt/slides/slide5.xml><?xml version="1.0" encoding="utf-8"?>
+<p:sld xmlns:a="http://schemas.openxmlformats.org/drawingml/2006/main" xmlns:r="http://schemas.openxmlformats.org/officeDocument/2006/relationships" xmlns:p="http://schemas.openxmlformats.org/presentationml/2006/main">
+  <p:cSld>
+    <p:bg>
+      <p:bgPr>
+        <a:solidFill>
+          <a:schemeClr val="bg2"/>
+        </a:solidFill>
+        <a:effectLst/>
+      </p:bgPr>
+    </p:bg>
+    <p:spTree>
+      <p:nvGrpSpPr>
+        <p:cNvPr id="1" name=""/>
+        <p:cNvGrpSpPr/>
+        <p:nvPr/>
+      </p:nvGrpSpPr>
+      <p:grpSpPr>
+        <a:xfrm>
+          <a:off x="0" y="0"/>
+          <a:ext cx="0" cy="0"/>
+          <a:chOff x="0" y="0"/>
+          <a:chExt cx="0" cy="0"/>
+        </a:xfrm>
+      </p:grpSpPr>
+      <p:sp useBgFill="1">
+        <p:nvSpPr>
+          <p:cNvPr id="10" name="Rectangle 9">
+            <a:extLst>
+              <a:ext uri="{FF2B5EF4-FFF2-40B4-BE49-F238E27FC236}">
+                <a16:creationId xmlns:a16="http://schemas.microsoft.com/office/drawing/2014/main" id="{60B7752B-728D-4CA3-8923-C4F7F77029E3}"/>
               </a:ext>
               <a:ext uri="{C183D7F6-B498-43B3-948B-1728B52AA6E4}">
                 <adec:decorative xmlns:adec="http://schemas.microsoft.com/office/drawing/2017/decorative" val="1"/>
@@ -14018,7 +15593,7 @@
           <p:cNvPr id="2" name="Title 1">
             <a:extLst>
               <a:ext uri="{FF2B5EF4-FFF2-40B4-BE49-F238E27FC236}">
-                <a16:creationId xmlns:a16="http://schemas.microsoft.com/office/drawing/2014/main" id="{BC3EB693-58A2-4629-9531-4B96D86CC605}"/>
+                <a16:creationId xmlns:a16="http://schemas.microsoft.com/office/drawing/2014/main" id="{45871263-DA50-4482-A7C9-30F855F90DC2}"/>
               </a:ext>
             </a:extLst>
           </p:cNvPr>
@@ -14031,19 +15606,19 @@
         </p:nvSpPr>
         <p:spPr>
           <a:xfrm>
-            <a:off x="3359149" y="1520825"/>
-            <a:ext cx="8281987" cy="1333057"/>
+            <a:off x="550863" y="550800"/>
+            <a:ext cx="7308850" cy="986400"/>
           </a:xfrm>
         </p:spPr>
         <p:txBody>
-          <a:bodyPr wrap="square" anchor="t">
+          <a:bodyPr wrap="square" anchor="ctr">
             <a:normAutofit/>
           </a:bodyPr>
           <a:lstStyle/>
           <a:p>
             <a:r>
               <a:rPr lang="fr-FR"/>
-              <a:t>FONCTIONNALITES</a:t>
+              <a:t>RETOUR EXPERIENCE</a:t>
             </a:r>
             <a:endParaRPr lang="fr-FR" dirty="0"/>
           </a:p>
@@ -14051,496 +15626,10 @@
       </p:sp>
       <p:sp>
         <p:nvSpPr>
-          <p:cNvPr id="40" name="Freeform: Shape 9">
+          <p:cNvPr id="12" name="Rectangle 11">
             <a:extLst>
               <a:ext uri="{FF2B5EF4-FFF2-40B4-BE49-F238E27FC236}">
-                <a16:creationId xmlns:a16="http://schemas.microsoft.com/office/drawing/2014/main" id="{6D438371-A37F-43CB-8166-3E9115593648}"/>
-              </a:ext>
-              <a:ext uri="{C183D7F6-B498-43B3-948B-1728B52AA6E4}">
-                <adec:decorative xmlns:adec="http://schemas.microsoft.com/office/drawing/2017/decorative" val="1"/>
-              </a:ext>
-            </a:extLst>
-          </p:cNvPr>
-          <p:cNvSpPr>
-            <a:spLocks noGrp="1" noRot="1" noChangeAspect="1" noMove="1" noResize="1" noEditPoints="1" noAdjustHandles="1" noChangeArrowheads="1" noChangeShapeType="1" noTextEdit="1"/>
-          </p:cNvSpPr>
-          <p:nvPr>
-            <p:extLst>
-              <p:ext uri="{386F3935-93C4-4BCD-93E2-E3B085C9AB24}">
-                <p16:designElem xmlns:p16="http://schemas.microsoft.com/office/powerpoint/2015/main" val="1"/>
-              </p:ext>
-            </p:extLst>
-          </p:nvPr>
-        </p:nvSpPr>
-        <p:spPr>
-          <a:xfrm rot="18900000">
-            <a:off x="274870" y="-114297"/>
-            <a:ext cx="1853969" cy="926985"/>
-          </a:xfrm>
-          <a:custGeom>
-            <a:avLst/>
-            <a:gdLst>
-              <a:gd name="connsiteX0" fmla="*/ 958943 w 1853969"/>
-              <a:gd name="connsiteY0" fmla="*/ 1614 h 926985"/>
-              <a:gd name="connsiteX1" fmla="*/ 1852355 w 1853969"/>
-              <a:gd name="connsiteY1" fmla="*/ 895026 h 926985"/>
-              <a:gd name="connsiteX2" fmla="*/ 1853969 w 1853969"/>
-              <a:gd name="connsiteY2" fmla="*/ 926985 h 926985"/>
-              <a:gd name="connsiteX3" fmla="*/ 1390476 w 1853969"/>
-              <a:gd name="connsiteY3" fmla="*/ 926985 h 926985"/>
-              <a:gd name="connsiteX4" fmla="*/ 926984 w 1853969"/>
-              <a:gd name="connsiteY4" fmla="*/ 463493 h 926985"/>
-              <a:gd name="connsiteX5" fmla="*/ 463493 w 1853969"/>
-              <a:gd name="connsiteY5" fmla="*/ 926985 h 926985"/>
-              <a:gd name="connsiteX6" fmla="*/ 0 w 1853969"/>
-              <a:gd name="connsiteY6" fmla="*/ 926985 h 926985"/>
-              <a:gd name="connsiteX7" fmla="*/ 926985 w 1853969"/>
-              <a:gd name="connsiteY7" fmla="*/ 0 h 926985"/>
-            </a:gdLst>
-            <a:ahLst/>
-            <a:cxnLst>
-              <a:cxn ang="0">
-                <a:pos x="connsiteX0" y="connsiteY0"/>
-              </a:cxn>
-              <a:cxn ang="0">
-                <a:pos x="connsiteX1" y="connsiteY1"/>
-              </a:cxn>
-              <a:cxn ang="0">
-                <a:pos x="connsiteX2" y="connsiteY2"/>
-              </a:cxn>
-              <a:cxn ang="0">
-                <a:pos x="connsiteX3" y="connsiteY3"/>
-              </a:cxn>
-              <a:cxn ang="0">
-                <a:pos x="connsiteX4" y="connsiteY4"/>
-              </a:cxn>
-              <a:cxn ang="0">
-                <a:pos x="connsiteX5" y="connsiteY5"/>
-              </a:cxn>
-              <a:cxn ang="0">
-                <a:pos x="connsiteX6" y="connsiteY6"/>
-              </a:cxn>
-              <a:cxn ang="0">
-                <a:pos x="connsiteX7" y="connsiteY7"/>
-              </a:cxn>
-            </a:cxnLst>
-            <a:rect l="l" t="t" r="r" b="b"/>
-            <a:pathLst>
-              <a:path w="1853969" h="926985">
-                <a:moveTo>
-                  <a:pt x="958943" y="1614"/>
-                </a:moveTo>
-                <a:lnTo>
-                  <a:pt x="1852355" y="895026"/>
-                </a:lnTo>
-                <a:lnTo>
-                  <a:pt x="1853969" y="926985"/>
-                </a:lnTo>
-                <a:lnTo>
-                  <a:pt x="1390476" y="926985"/>
-                </a:lnTo>
-                <a:cubicBezTo>
-                  <a:pt x="1390476" y="671005"/>
-                  <a:pt x="1182964" y="463493"/>
-                  <a:pt x="926984" y="463493"/>
-                </a:cubicBezTo>
-                <a:cubicBezTo>
-                  <a:pt x="671005" y="463493"/>
-                  <a:pt x="463493" y="671005"/>
-                  <a:pt x="463493" y="926985"/>
-                </a:cubicBezTo>
-                <a:lnTo>
-                  <a:pt x="0" y="926985"/>
-                </a:lnTo>
-                <a:cubicBezTo>
-                  <a:pt x="0" y="415026"/>
-                  <a:pt x="415025" y="0"/>
-                  <a:pt x="926985" y="0"/>
-                </a:cubicBezTo>
-                <a:close/>
-              </a:path>
-            </a:pathLst>
-          </a:custGeom>
-          <a:solidFill>
-            <a:schemeClr val="bg2"/>
-          </a:solidFill>
-          <a:ln>
-            <a:noFill/>
-          </a:ln>
-          <a:effectLst>
-            <a:innerShdw blurRad="254000" dist="50800" dir="5400000">
-              <a:schemeClr val="accent1">
-                <a:lumMod val="40000"/>
-                <a:lumOff val="60000"/>
-                <a:alpha val="40000"/>
-              </a:schemeClr>
-            </a:innerShdw>
-          </a:effectLst>
-        </p:spPr>
-        <p:style>
-          <a:lnRef idx="2">
-            <a:schemeClr val="accent1">
-              <a:shade val="50000"/>
-            </a:schemeClr>
-          </a:lnRef>
-          <a:fillRef idx="1">
-            <a:schemeClr val="accent1"/>
-          </a:fillRef>
-          <a:effectRef idx="0">
-            <a:schemeClr val="accent1"/>
-          </a:effectRef>
-          <a:fontRef idx="minor">
-            <a:schemeClr val="lt1"/>
-          </a:fontRef>
-        </p:style>
-        <p:txBody>
-          <a:bodyPr wrap="square" rtlCol="0" anchor="ctr">
-            <a:noAutofit/>
-          </a:bodyPr>
-          <a:lstStyle/>
-          <a:p>
-            <a:pPr algn="ctr"/>
-            <a:endParaRPr lang="en-US" dirty="0">
-              <a:solidFill>
-                <a:schemeClr val="tx1"/>
-              </a:solidFill>
-            </a:endParaRPr>
-          </a:p>
-        </p:txBody>
-      </p:sp>
-      <p:sp>
-        <p:nvSpPr>
-          <p:cNvPr id="41" name="Oval 11">
-            <a:extLst>
-              <a:ext uri="{FF2B5EF4-FFF2-40B4-BE49-F238E27FC236}">
-                <a16:creationId xmlns:a16="http://schemas.microsoft.com/office/drawing/2014/main" id="{2AE18936-8FC4-4357-B2D0-AEEAFF4D7029}"/>
-              </a:ext>
-              <a:ext uri="{C183D7F6-B498-43B3-948B-1728B52AA6E4}">
-                <adec:decorative xmlns:adec="http://schemas.microsoft.com/office/drawing/2017/decorative" val="1"/>
-              </a:ext>
-            </a:extLst>
-          </p:cNvPr>
-          <p:cNvSpPr>
-            <a:spLocks noGrp="1" noRot="1" noChangeAspect="1" noMove="1" noResize="1" noEditPoints="1" noAdjustHandles="1" noChangeArrowheads="1" noChangeShapeType="1" noTextEdit="1"/>
-          </p:cNvSpPr>
-          <p:nvPr>
-            <p:extLst>
-              <p:ext uri="{386F3935-93C4-4BCD-93E2-E3B085C9AB24}">
-                <p16:designElem xmlns:p16="http://schemas.microsoft.com/office/powerpoint/2015/main" val="1"/>
-              </p:ext>
-            </p:extLst>
-          </p:nvPr>
-        </p:nvSpPr>
-        <p:spPr>
-          <a:xfrm rot="2700000">
-            <a:off x="1968027" y="-45404"/>
-            <a:ext cx="107098" cy="466589"/>
-          </a:xfrm>
-          <a:prstGeom prst="ellipse">
-            <a:avLst/>
-          </a:prstGeom>
-          <a:solidFill>
-            <a:schemeClr val="bg2">
-              <a:lumMod val="90000"/>
-              <a:lumOff val="10000"/>
-            </a:schemeClr>
-          </a:solidFill>
-          <a:ln>
-            <a:noFill/>
-          </a:ln>
-          <a:effectLst>
-            <a:innerShdw blurRad="63500" dist="2540000">
-              <a:schemeClr val="accent1">
-                <a:lumMod val="60000"/>
-                <a:lumOff val="40000"/>
-                <a:alpha val="40000"/>
-              </a:schemeClr>
-            </a:innerShdw>
-          </a:effectLst>
-        </p:spPr>
-        <p:style>
-          <a:lnRef idx="2">
-            <a:schemeClr val="accent1">
-              <a:shade val="50000"/>
-            </a:schemeClr>
-          </a:lnRef>
-          <a:fillRef idx="1">
-            <a:schemeClr val="accent1"/>
-          </a:fillRef>
-          <a:effectRef idx="0">
-            <a:schemeClr val="accent1"/>
-          </a:effectRef>
-          <a:fontRef idx="minor">
-            <a:schemeClr val="lt1"/>
-          </a:fontRef>
-        </p:style>
-        <p:txBody>
-          <a:bodyPr rot="0" spcFirstLastPara="0" vertOverflow="overflow" horzOverflow="overflow" vert="horz" wrap="square" lIns="91440" tIns="45720" rIns="91440" bIns="45720" numCol="1" spcCol="0" rtlCol="0" fromWordArt="0" anchor="ctr" anchorCtr="0" forceAA="0" compatLnSpc="1">
-            <a:prstTxWarp prst="textNoShape">
-              <a:avLst/>
-            </a:prstTxWarp>
-            <a:noAutofit/>
-          </a:bodyPr>
-          <a:lstStyle/>
-          <a:p>
-            <a:pPr algn="ctr"/>
-            <a:endParaRPr lang="en-US"/>
-          </a:p>
-        </p:txBody>
-      </p:sp>
-      <p:sp>
-        <p:nvSpPr>
-          <p:cNvPr id="42" name="Oval 13">
-            <a:extLst>
-              <a:ext uri="{FF2B5EF4-FFF2-40B4-BE49-F238E27FC236}">
-                <a16:creationId xmlns:a16="http://schemas.microsoft.com/office/drawing/2014/main" id="{3CF94A42-720D-4B81-8D24-E4A974DE0225}"/>
-              </a:ext>
-              <a:ext uri="{C183D7F6-B498-43B3-948B-1728B52AA6E4}">
-                <adec:decorative xmlns:adec="http://schemas.microsoft.com/office/drawing/2017/decorative" val="1"/>
-              </a:ext>
-            </a:extLst>
-          </p:cNvPr>
-          <p:cNvSpPr>
-            <a:spLocks noGrp="1" noRot="1" noChangeAspect="1" noMove="1" noResize="1" noEditPoints="1" noAdjustHandles="1" noChangeArrowheads="1" noChangeShapeType="1" noTextEdit="1"/>
-          </p:cNvSpPr>
-          <p:nvPr>
-            <p:extLst>
-              <p:ext uri="{386F3935-93C4-4BCD-93E2-E3B085C9AB24}">
-                <p16:designElem xmlns:p16="http://schemas.microsoft.com/office/powerpoint/2015/main" val="1"/>
-              </p:ext>
-            </p:extLst>
-          </p:nvPr>
-        </p:nvSpPr>
-        <p:spPr>
-          <a:xfrm rot="2700000">
-            <a:off x="987001" y="935623"/>
-            <a:ext cx="107098" cy="466589"/>
-          </a:xfrm>
-          <a:prstGeom prst="ellipse">
-            <a:avLst/>
-          </a:prstGeom>
-          <a:solidFill>
-            <a:schemeClr val="bg2">
-              <a:lumMod val="90000"/>
-              <a:lumOff val="10000"/>
-            </a:schemeClr>
-          </a:solidFill>
-          <a:ln>
-            <a:noFill/>
-          </a:ln>
-          <a:effectLst>
-            <a:innerShdw blurRad="63500" dist="2540000">
-              <a:schemeClr val="accent1">
-                <a:lumMod val="60000"/>
-                <a:lumOff val="40000"/>
-                <a:alpha val="40000"/>
-              </a:schemeClr>
-            </a:innerShdw>
-          </a:effectLst>
-        </p:spPr>
-        <p:style>
-          <a:lnRef idx="2">
-            <a:schemeClr val="accent1">
-              <a:shade val="50000"/>
-            </a:schemeClr>
-          </a:lnRef>
-          <a:fillRef idx="1">
-            <a:schemeClr val="accent1"/>
-          </a:fillRef>
-          <a:effectRef idx="0">
-            <a:schemeClr val="accent1"/>
-          </a:effectRef>
-          <a:fontRef idx="minor">
-            <a:schemeClr val="lt1"/>
-          </a:fontRef>
-        </p:style>
-        <p:txBody>
-          <a:bodyPr rot="0" spcFirstLastPara="0" vertOverflow="overflow" horzOverflow="overflow" vert="horz" wrap="square" lIns="91440" tIns="45720" rIns="91440" bIns="45720" numCol="1" spcCol="0" rtlCol="0" fromWordArt="0" anchor="ctr" anchorCtr="0" forceAA="0" compatLnSpc="1">
-            <a:prstTxWarp prst="textNoShape">
-              <a:avLst/>
-            </a:prstTxWarp>
-            <a:noAutofit/>
-          </a:bodyPr>
-          <a:lstStyle/>
-          <a:p>
-            <a:pPr algn="ctr"/>
-            <a:endParaRPr lang="en-US"/>
-          </a:p>
-        </p:txBody>
-      </p:sp>
-      <p:sp>
-        <p:nvSpPr>
-          <p:cNvPr id="43" name="Freeform: Shape 15">
-            <a:extLst>
-              <a:ext uri="{FF2B5EF4-FFF2-40B4-BE49-F238E27FC236}">
-                <a16:creationId xmlns:a16="http://schemas.microsoft.com/office/drawing/2014/main" id="{E15EB72A-E1B0-4CE0-BB0D-BEFCDF8EFFB0}"/>
-              </a:ext>
-              <a:ext uri="{C183D7F6-B498-43B3-948B-1728B52AA6E4}">
-                <adec:decorative xmlns:adec="http://schemas.microsoft.com/office/drawing/2017/decorative" val="1"/>
-              </a:ext>
-            </a:extLst>
-          </p:cNvPr>
-          <p:cNvSpPr>
-            <a:spLocks noGrp="1" noRot="1" noChangeAspect="1" noMove="1" noResize="1" noEditPoints="1" noAdjustHandles="1" noChangeArrowheads="1" noChangeShapeType="1" noTextEdit="1"/>
-          </p:cNvSpPr>
-          <p:nvPr>
-            <p:extLst>
-              <p:ext uri="{386F3935-93C4-4BCD-93E2-E3B085C9AB24}">
-                <p16:designElem xmlns:p16="http://schemas.microsoft.com/office/powerpoint/2015/main" val="1"/>
-              </p:ext>
-            </p:extLst>
-          </p:nvPr>
-        </p:nvSpPr>
-        <p:spPr>
-          <a:xfrm rot="18900000">
-            <a:off x="315857" y="-131277"/>
-            <a:ext cx="1853969" cy="1042921"/>
-          </a:xfrm>
-          <a:custGeom>
-            <a:avLst/>
-            <a:gdLst>
-              <a:gd name="connsiteX0" fmla="*/ 959154 w 1853969"/>
-              <a:gd name="connsiteY0" fmla="*/ 1828 h 1042921"/>
-              <a:gd name="connsiteX1" fmla="*/ 1842210 w 1853969"/>
-              <a:gd name="connsiteY1" fmla="*/ 884883 h 1042921"/>
-              <a:gd name="connsiteX2" fmla="*/ 1849183 w 1853969"/>
-              <a:gd name="connsiteY2" fmla="*/ 936288 h 1042921"/>
-              <a:gd name="connsiteX3" fmla="*/ 1853969 w 1853969"/>
-              <a:gd name="connsiteY3" fmla="*/ 1042921 h 1042921"/>
-              <a:gd name="connsiteX4" fmla="*/ 1390476 w 1853969"/>
-              <a:gd name="connsiteY4" fmla="*/ 1042921 h 1042921"/>
-              <a:gd name="connsiteX5" fmla="*/ 926984 w 1853969"/>
-              <a:gd name="connsiteY5" fmla="*/ 521461 h 1042921"/>
-              <a:gd name="connsiteX6" fmla="*/ 463493 w 1853969"/>
-              <a:gd name="connsiteY6" fmla="*/ 1042921 h 1042921"/>
-              <a:gd name="connsiteX7" fmla="*/ 0 w 1853969"/>
-              <a:gd name="connsiteY7" fmla="*/ 1042921 h 1042921"/>
-              <a:gd name="connsiteX8" fmla="*/ 926985 w 1853969"/>
-              <a:gd name="connsiteY8" fmla="*/ 0 h 1042921"/>
-            </a:gdLst>
-            <a:ahLst/>
-            <a:cxnLst>
-              <a:cxn ang="0">
-                <a:pos x="connsiteX0" y="connsiteY0"/>
-              </a:cxn>
-              <a:cxn ang="0">
-                <a:pos x="connsiteX1" y="connsiteY1"/>
-              </a:cxn>
-              <a:cxn ang="0">
-                <a:pos x="connsiteX2" y="connsiteY2"/>
-              </a:cxn>
-              <a:cxn ang="0">
-                <a:pos x="connsiteX3" y="connsiteY3"/>
-              </a:cxn>
-              <a:cxn ang="0">
-                <a:pos x="connsiteX4" y="connsiteY4"/>
-              </a:cxn>
-              <a:cxn ang="0">
-                <a:pos x="connsiteX5" y="connsiteY5"/>
-              </a:cxn>
-              <a:cxn ang="0">
-                <a:pos x="connsiteX6" y="connsiteY6"/>
-              </a:cxn>
-              <a:cxn ang="0">
-                <a:pos x="connsiteX7" y="connsiteY7"/>
-              </a:cxn>
-              <a:cxn ang="0">
-                <a:pos x="connsiteX8" y="connsiteY8"/>
-              </a:cxn>
-            </a:cxnLst>
-            <a:rect l="l" t="t" r="r" b="b"/>
-            <a:pathLst>
-              <a:path w="1853969" h="1042921">
-                <a:moveTo>
-                  <a:pt x="959154" y="1828"/>
-                </a:moveTo>
-                <a:lnTo>
-                  <a:pt x="1842210" y="884883"/>
-                </a:lnTo>
-                <a:lnTo>
-                  <a:pt x="1849183" y="936288"/>
-                </a:lnTo>
-                <a:cubicBezTo>
-                  <a:pt x="1852348" y="971348"/>
-                  <a:pt x="1853969" y="1006922"/>
-                  <a:pt x="1853969" y="1042921"/>
-                </a:cubicBezTo>
-                <a:lnTo>
-                  <a:pt x="1390476" y="1042921"/>
-                </a:lnTo>
-                <a:cubicBezTo>
-                  <a:pt x="1390476" y="754927"/>
-                  <a:pt x="1182964" y="521461"/>
-                  <a:pt x="926984" y="521461"/>
-                </a:cubicBezTo>
-                <a:cubicBezTo>
-                  <a:pt x="671005" y="521461"/>
-                  <a:pt x="463493" y="754927"/>
-                  <a:pt x="463493" y="1042921"/>
-                </a:cubicBezTo>
-                <a:lnTo>
-                  <a:pt x="0" y="1042921"/>
-                </a:lnTo>
-                <a:cubicBezTo>
-                  <a:pt x="0" y="466932"/>
-                  <a:pt x="415025" y="0"/>
-                  <a:pt x="926985" y="0"/>
-                </a:cubicBezTo>
-                <a:close/>
-              </a:path>
-            </a:pathLst>
-          </a:custGeom>
-          <a:solidFill>
-            <a:schemeClr val="bg2">
-              <a:lumMod val="50000"/>
-              <a:lumOff val="50000"/>
-              <a:alpha val="20000"/>
-            </a:schemeClr>
-          </a:solidFill>
-          <a:ln>
-            <a:noFill/>
-          </a:ln>
-          <a:effectLst>
-            <a:softEdge rad="190500"/>
-          </a:effectLst>
-        </p:spPr>
-        <p:style>
-          <a:lnRef idx="2">
-            <a:schemeClr val="accent1">
-              <a:shade val="50000"/>
-            </a:schemeClr>
-          </a:lnRef>
-          <a:fillRef idx="1">
-            <a:schemeClr val="accent1"/>
-          </a:fillRef>
-          <a:effectRef idx="0">
-            <a:schemeClr val="accent1"/>
-          </a:effectRef>
-          <a:fontRef idx="minor">
-            <a:schemeClr val="lt1"/>
-          </a:fontRef>
-        </p:style>
-        <p:txBody>
-          <a:bodyPr wrap="square" rtlCol="0" anchor="ctr">
-            <a:noAutofit/>
-          </a:bodyPr>
-          <a:lstStyle/>
-          <a:p>
-            <a:pPr algn="ctr"/>
-            <a:endParaRPr lang="en-US" dirty="0">
-              <a:solidFill>
-                <a:schemeClr val="tx1"/>
-              </a:solidFill>
-            </a:endParaRPr>
-          </a:p>
-        </p:txBody>
-      </p:sp>
-      <p:sp>
-        <p:nvSpPr>
-          <p:cNvPr id="44" name="Oval 17">
-            <a:extLst>
-              <a:ext uri="{FF2B5EF4-FFF2-40B4-BE49-F238E27FC236}">
-                <a16:creationId xmlns:a16="http://schemas.microsoft.com/office/drawing/2014/main" id="{88D9FE19-3EE9-41F7-8054-F2C86DBEB361}"/>
+                <a16:creationId xmlns:a16="http://schemas.microsoft.com/office/drawing/2014/main" id="{88392DC7-0988-443B-A0D0-E726C7DB622B}"/>
               </a:ext>
               <a:ext uri="{C183D7F6-B498-43B3-948B-1728B52AA6E4}">
                 <adec:decorative xmlns:adec="http://schemas.microsoft.com/office/drawing/2017/decorative" val="1"/>
@@ -14560,487 +15649,21 @@
         </p:nvSpPr>
         <p:spPr>
           <a:xfrm>
-            <a:off x="979908" y="4729022"/>
-            <a:ext cx="360000" cy="360000"/>
+            <a:off x="0" y="2083435"/>
+            <a:ext cx="12192000" cy="4774564"/>
           </a:xfrm>
-          <a:prstGeom prst="ellipse">
-            <a:avLst/>
-          </a:prstGeom>
-          <a:gradFill flip="none" rotWithShape="1">
-            <a:gsLst>
-              <a:gs pos="100000">
-                <a:schemeClr val="bg2">
-                  <a:lumMod val="50000"/>
-                  <a:lumOff val="50000"/>
-                </a:schemeClr>
-              </a:gs>
-              <a:gs pos="60000">
-                <a:schemeClr val="bg2"/>
-              </a:gs>
-            </a:gsLst>
-            <a:path path="circle">
-              <a:fillToRect l="100000" b="100000"/>
-            </a:path>
-            <a:tileRect t="-100000" r="-100000"/>
-          </a:gradFill>
-          <a:ln>
-            <a:noFill/>
-          </a:ln>
-          <a:effectLst>
-            <a:innerShdw blurRad="127000" dist="63500" dir="2700000">
-              <a:schemeClr val="accent1">
-                <a:lumMod val="60000"/>
-                <a:lumOff val="40000"/>
-                <a:alpha val="20000"/>
-              </a:schemeClr>
-            </a:innerShdw>
-            <a:softEdge rad="0"/>
-          </a:effectLst>
-        </p:spPr>
-        <p:style>
-          <a:lnRef idx="2">
-            <a:schemeClr val="accent1">
-              <a:shade val="50000"/>
-            </a:schemeClr>
-          </a:lnRef>
-          <a:fillRef idx="1">
-            <a:schemeClr val="accent1"/>
-          </a:fillRef>
-          <a:effectRef idx="0">
-            <a:schemeClr val="accent1"/>
-          </a:effectRef>
-          <a:fontRef idx="minor">
-            <a:schemeClr val="lt1"/>
-          </a:fontRef>
-        </p:style>
-        <p:txBody>
-          <a:bodyPr rot="0" spcFirstLastPara="0" vertOverflow="overflow" horzOverflow="overflow" vert="horz" wrap="square" lIns="91440" tIns="45720" rIns="91440" bIns="45720" numCol="1" spcCol="0" rtlCol="0" fromWordArt="0" anchor="ctr" anchorCtr="0" forceAA="0" compatLnSpc="1">
-            <a:prstTxWarp prst="textNoShape">
-              <a:avLst/>
-            </a:prstTxWarp>
-            <a:noAutofit/>
-          </a:bodyPr>
-          <a:lstStyle/>
-          <a:p>
-            <a:pPr algn="ctr"/>
-            <a:endParaRPr lang="en-US"/>
-          </a:p>
-        </p:txBody>
-      </p:sp>
-      <p:sp>
-        <p:nvSpPr>
-          <p:cNvPr id="3" name="Content Placeholder 2">
-            <a:extLst>
-              <a:ext uri="{FF2B5EF4-FFF2-40B4-BE49-F238E27FC236}">
-                <a16:creationId xmlns:a16="http://schemas.microsoft.com/office/drawing/2014/main" id="{A67BAAA7-DC26-4627-853D-5AF80AD35BE7}"/>
-              </a:ext>
-            </a:extLst>
-          </p:cNvPr>
-          <p:cNvSpPr>
-            <a:spLocks noGrp="1"/>
-          </p:cNvSpPr>
-          <p:nvPr>
-            <p:ph idx="1"/>
-          </p:nvPr>
-        </p:nvSpPr>
-        <p:spPr>
-          <a:xfrm>
-            <a:off x="3377566" y="3052367"/>
-            <a:ext cx="5418772" cy="3040458"/>
-          </a:xfrm>
-        </p:spPr>
-        <p:txBody>
-          <a:bodyPr anchor="t">
-            <a:normAutofit/>
-          </a:bodyPr>
-          <a:lstStyle/>
-          <a:p>
-            <a:r>
-              <a:rPr lang="fr-FR" sz="1600"/>
-              <a:t>NavBar et Footer</a:t>
-            </a:r>
-          </a:p>
-          <a:p>
-            <a:r>
-              <a:rPr lang="fr-FR" sz="1600"/>
-              <a:t>Backoffice</a:t>
-            </a:r>
-          </a:p>
-          <a:p>
-            <a:endParaRPr lang="fr-FR" sz="1600"/>
-          </a:p>
-          <a:p>
-            <a:endParaRPr lang="fr-FR" sz="1600"/>
-          </a:p>
-        </p:txBody>
-      </p:sp>
-      <p:grpSp>
-        <p:nvGrpSpPr>
-          <p:cNvPr id="20" name="Group 19">
-            <a:extLst>
-              <a:ext uri="{FF2B5EF4-FFF2-40B4-BE49-F238E27FC236}">
-                <a16:creationId xmlns:a16="http://schemas.microsoft.com/office/drawing/2014/main" id="{1D7EF0A0-9237-4001-884B-9E0F5ECE4944}"/>
-              </a:ext>
-              <a:ext uri="{C183D7F6-B498-43B3-948B-1728B52AA6E4}">
-                <adec:decorative xmlns:adec="http://schemas.microsoft.com/office/drawing/2017/decorative" val="1"/>
-              </a:ext>
-            </a:extLst>
-          </p:cNvPr>
-          <p:cNvGrpSpPr>
-            <a:grpSpLocks noGrp="1" noUngrp="1" noRot="1" noChangeAspect="1" noMove="1" noResize="1"/>
-          </p:cNvGrpSpPr>
-          <p:nvPr>
-            <p:extLst>
-              <p:ext uri="{386F3935-93C4-4BCD-93E2-E3B085C9AB24}">
-                <p16:designElem xmlns:p16="http://schemas.microsoft.com/office/powerpoint/2015/main" val="1"/>
-              </p:ext>
-            </p:extLst>
-          </p:nvPr>
-        </p:nvGrpSpPr>
-        <p:grpSpPr>
-          <a:xfrm>
-            <a:off x="8962595" y="3429000"/>
-            <a:ext cx="2679292" cy="2525894"/>
-            <a:chOff x="9469123" y="4029759"/>
-            <a:chExt cx="2679292" cy="2525894"/>
-          </a:xfrm>
-        </p:grpSpPr>
-        <p:sp>
-          <p:nvSpPr>
-            <p:cNvPr id="45" name="Freeform: Shape 20">
-              <a:extLst>
-                <a:ext uri="{FF2B5EF4-FFF2-40B4-BE49-F238E27FC236}">
-                  <a16:creationId xmlns:a16="http://schemas.microsoft.com/office/drawing/2014/main" id="{149490B2-2AF9-4660-9B40-248A345D9532}"/>
-                </a:ext>
-                <a:ext uri="{C183D7F6-B498-43B3-948B-1728B52AA6E4}">
-                  <adec:decorative xmlns:adec="http://schemas.microsoft.com/office/drawing/2017/decorative" val="1"/>
-                </a:ext>
-              </a:extLst>
-            </p:cNvPr>
-            <p:cNvSpPr>
-              <a:spLocks noChangeAspect="1"/>
-            </p:cNvSpPr>
-            <p:nvPr>
-              <p:extLst>
-                <p:ext uri="{386F3935-93C4-4BCD-93E2-E3B085C9AB24}">
-                  <p16:designElem xmlns:p16="http://schemas.microsoft.com/office/powerpoint/2015/main" val="1"/>
-                </p:ext>
-              </p:extLst>
-            </p:nvPr>
-          </p:nvSpPr>
-          <p:spPr>
-            <a:xfrm rot="8100000">
-              <a:off x="9988415" y="4029759"/>
-              <a:ext cx="2160000" cy="2525894"/>
-            </a:xfrm>
-            <a:custGeom>
-              <a:avLst/>
-              <a:gdLst>
-                <a:gd name="connsiteX0" fmla="*/ 540000 w 1080000"/>
-                <a:gd name="connsiteY0" fmla="*/ 0 h 1262947"/>
-                <a:gd name="connsiteX1" fmla="*/ 1080000 w 1080000"/>
-                <a:gd name="connsiteY1" fmla="*/ 931034 h 1262947"/>
-                <a:gd name="connsiteX2" fmla="*/ 1064374 w 1080000"/>
-                <a:gd name="connsiteY2" fmla="*/ 931034 h 1262947"/>
-                <a:gd name="connsiteX3" fmla="*/ 1069029 w 1080000"/>
-                <a:gd name="connsiteY3" fmla="*/ 938533 h 1262947"/>
-                <a:gd name="connsiteX4" fmla="*/ 1080000 w 1080000"/>
-                <a:gd name="connsiteY4" fmla="*/ 992947 h 1262947"/>
-                <a:gd name="connsiteX5" fmla="*/ 540000 w 1080000"/>
-                <a:gd name="connsiteY5" fmla="*/ 1262947 h 1262947"/>
-                <a:gd name="connsiteX6" fmla="*/ 0 w 1080000"/>
-                <a:gd name="connsiteY6" fmla="*/ 992947 h 1262947"/>
-                <a:gd name="connsiteX7" fmla="*/ 10971 w 1080000"/>
-                <a:gd name="connsiteY7" fmla="*/ 938533 h 1262947"/>
-                <a:gd name="connsiteX8" fmla="*/ 15626 w 1080000"/>
-                <a:gd name="connsiteY8" fmla="*/ 931034 h 1262947"/>
-                <a:gd name="connsiteX9" fmla="*/ 0 w 1080000"/>
-                <a:gd name="connsiteY9" fmla="*/ 931034 h 1262947"/>
-                <a:gd name="connsiteX0" fmla="*/ 540000 w 1080000"/>
-                <a:gd name="connsiteY0" fmla="*/ 0 h 1262947"/>
-                <a:gd name="connsiteX1" fmla="*/ 1080000 w 1080000"/>
-                <a:gd name="connsiteY1" fmla="*/ 931034 h 1262947"/>
-                <a:gd name="connsiteX2" fmla="*/ 1064374 w 1080000"/>
-                <a:gd name="connsiteY2" fmla="*/ 931034 h 1262947"/>
-                <a:gd name="connsiteX3" fmla="*/ 1069029 w 1080000"/>
-                <a:gd name="connsiteY3" fmla="*/ 938533 h 1262947"/>
-                <a:gd name="connsiteX4" fmla="*/ 1080000 w 1080000"/>
-                <a:gd name="connsiteY4" fmla="*/ 992947 h 1262947"/>
-                <a:gd name="connsiteX5" fmla="*/ 540000 w 1080000"/>
-                <a:gd name="connsiteY5" fmla="*/ 1262947 h 1262947"/>
-                <a:gd name="connsiteX6" fmla="*/ 0 w 1080000"/>
-                <a:gd name="connsiteY6" fmla="*/ 992947 h 1262947"/>
-                <a:gd name="connsiteX7" fmla="*/ 10971 w 1080000"/>
-                <a:gd name="connsiteY7" fmla="*/ 938533 h 1262947"/>
-                <a:gd name="connsiteX8" fmla="*/ 15626 w 1080000"/>
-                <a:gd name="connsiteY8" fmla="*/ 931034 h 1262947"/>
-                <a:gd name="connsiteX9" fmla="*/ 540000 w 1080000"/>
-                <a:gd name="connsiteY9" fmla="*/ 0 h 1262947"/>
-                <a:gd name="connsiteX0" fmla="*/ 540000 w 1080000"/>
-                <a:gd name="connsiteY0" fmla="*/ 0 h 1262947"/>
-                <a:gd name="connsiteX1" fmla="*/ 1064374 w 1080000"/>
-                <a:gd name="connsiteY1" fmla="*/ 931034 h 1262947"/>
-                <a:gd name="connsiteX2" fmla="*/ 1069029 w 1080000"/>
-                <a:gd name="connsiteY2" fmla="*/ 938533 h 1262947"/>
-                <a:gd name="connsiteX3" fmla="*/ 1080000 w 1080000"/>
-                <a:gd name="connsiteY3" fmla="*/ 992947 h 1262947"/>
-                <a:gd name="connsiteX4" fmla="*/ 540000 w 1080000"/>
-                <a:gd name="connsiteY4" fmla="*/ 1262947 h 1262947"/>
-                <a:gd name="connsiteX5" fmla="*/ 0 w 1080000"/>
-                <a:gd name="connsiteY5" fmla="*/ 992947 h 1262947"/>
-                <a:gd name="connsiteX6" fmla="*/ 10971 w 1080000"/>
-                <a:gd name="connsiteY6" fmla="*/ 938533 h 1262947"/>
-                <a:gd name="connsiteX7" fmla="*/ 15626 w 1080000"/>
-                <a:gd name="connsiteY7" fmla="*/ 931034 h 1262947"/>
-                <a:gd name="connsiteX8" fmla="*/ 540000 w 1080000"/>
-                <a:gd name="connsiteY8" fmla="*/ 0 h 1262947"/>
-              </a:gdLst>
-              <a:ahLst/>
-              <a:cxnLst>
-                <a:cxn ang="0">
-                  <a:pos x="connsiteX0" y="connsiteY0"/>
-                </a:cxn>
-                <a:cxn ang="0">
-                  <a:pos x="connsiteX1" y="connsiteY1"/>
-                </a:cxn>
-                <a:cxn ang="0">
-                  <a:pos x="connsiteX2" y="connsiteY2"/>
-                </a:cxn>
-                <a:cxn ang="0">
-                  <a:pos x="connsiteX3" y="connsiteY3"/>
-                </a:cxn>
-                <a:cxn ang="0">
-                  <a:pos x="connsiteX4" y="connsiteY4"/>
-                </a:cxn>
-                <a:cxn ang="0">
-                  <a:pos x="connsiteX5" y="connsiteY5"/>
-                </a:cxn>
-                <a:cxn ang="0">
-                  <a:pos x="connsiteX6" y="connsiteY6"/>
-                </a:cxn>
-                <a:cxn ang="0">
-                  <a:pos x="connsiteX7" y="connsiteY7"/>
-                </a:cxn>
-                <a:cxn ang="0">
-                  <a:pos x="connsiteX8" y="connsiteY8"/>
-                </a:cxn>
-              </a:cxnLst>
-              <a:rect l="l" t="t" r="r" b="b"/>
-              <a:pathLst>
-                <a:path w="1080000" h="1262947">
-                  <a:moveTo>
-                    <a:pt x="540000" y="0"/>
-                  </a:moveTo>
-                  <a:lnTo>
-                    <a:pt x="1064374" y="931034"/>
-                  </a:lnTo>
-                  <a:lnTo>
-                    <a:pt x="1069029" y="938533"/>
-                  </a:lnTo>
-                  <a:cubicBezTo>
-                    <a:pt x="1076223" y="956109"/>
-                    <a:pt x="1080000" y="974307"/>
-                    <a:pt x="1080000" y="992947"/>
-                  </a:cubicBezTo>
-                  <a:cubicBezTo>
-                    <a:pt x="1080000" y="1142064"/>
-                    <a:pt x="838234" y="1262947"/>
-                    <a:pt x="540000" y="1262947"/>
-                  </a:cubicBezTo>
-                  <a:cubicBezTo>
-                    <a:pt x="241766" y="1262947"/>
-                    <a:pt x="0" y="1142064"/>
-                    <a:pt x="0" y="992947"/>
-                  </a:cubicBezTo>
-                  <a:cubicBezTo>
-                    <a:pt x="0" y="974307"/>
-                    <a:pt x="3778" y="956109"/>
-                    <a:pt x="10971" y="938533"/>
-                  </a:cubicBezTo>
-                  <a:lnTo>
-                    <a:pt x="15626" y="931034"/>
-                  </a:lnTo>
-                  <a:lnTo>
-                    <a:pt x="540000" y="0"/>
-                  </a:lnTo>
-                  <a:close/>
-                </a:path>
-              </a:pathLst>
-            </a:custGeom>
-            <a:gradFill>
-              <a:gsLst>
-                <a:gs pos="60000">
-                  <a:schemeClr val="bg2">
-                    <a:lumMod val="90000"/>
-                    <a:lumOff val="10000"/>
-                  </a:schemeClr>
-                </a:gs>
-                <a:gs pos="30000">
-                  <a:schemeClr val="bg2">
-                    <a:lumMod val="90000"/>
-                    <a:lumOff val="10000"/>
-                  </a:schemeClr>
-                </a:gs>
-                <a:gs pos="40000">
-                  <a:schemeClr val="bg2">
-                    <a:lumMod val="80000"/>
-                    <a:lumOff val="20000"/>
-                  </a:schemeClr>
-                </a:gs>
-                <a:gs pos="100000">
-                  <a:schemeClr val="bg2"/>
-                </a:gs>
-              </a:gsLst>
-              <a:lin ang="600000" scaled="0"/>
-            </a:gradFill>
-            <a:ln>
-              <a:noFill/>
-            </a:ln>
-            <a:effectLst>
-              <a:innerShdw blurRad="508000" dist="203200" dir="7320000">
-                <a:schemeClr val="accent1">
-                  <a:lumMod val="60000"/>
-                  <a:lumOff val="40000"/>
-                </a:schemeClr>
-              </a:innerShdw>
-            </a:effectLst>
-          </p:spPr>
-          <p:style>
-            <a:lnRef idx="2">
-              <a:schemeClr val="accent1">
-                <a:shade val="50000"/>
-              </a:schemeClr>
-            </a:lnRef>
-            <a:fillRef idx="1">
-              <a:schemeClr val="accent1"/>
-            </a:fillRef>
-            <a:effectRef idx="0">
-              <a:schemeClr val="accent1"/>
-            </a:effectRef>
-            <a:fontRef idx="minor">
-              <a:schemeClr val="lt1"/>
-            </a:fontRef>
-          </p:style>
-          <p:txBody>
-            <a:bodyPr rot="0" spcFirstLastPara="0" vertOverflow="overflow" horzOverflow="overflow" vert="horz" wrap="square" lIns="91440" tIns="45720" rIns="91440" bIns="45720" numCol="1" spcCol="0" rtlCol="0" fromWordArt="0" anchor="ctr" anchorCtr="0" forceAA="0" compatLnSpc="1">
-              <a:prstTxWarp prst="textNoShape">
-                <a:avLst/>
-              </a:prstTxWarp>
-              <a:noAutofit/>
-            </a:bodyPr>
-            <a:lstStyle/>
-            <a:p>
-              <a:pPr algn="ctr"/>
-              <a:endParaRPr lang="en-US"/>
-            </a:p>
-          </p:txBody>
-        </p:sp>
-        <p:sp>
-          <p:nvSpPr>
-            <p:cNvPr id="46" name="Oval 21">
-              <a:extLst>
-                <a:ext uri="{FF2B5EF4-FFF2-40B4-BE49-F238E27FC236}">
-                  <a16:creationId xmlns:a16="http://schemas.microsoft.com/office/drawing/2014/main" id="{0364A160-6ADA-4260-92B9-9BD8B6681296}"/>
-                </a:ext>
-                <a:ext uri="{C183D7F6-B498-43B3-948B-1728B52AA6E4}">
-                  <adec:decorative xmlns:adec="http://schemas.microsoft.com/office/drawing/2017/decorative" val="1"/>
-                </a:ext>
-              </a:extLst>
-            </p:cNvPr>
-            <p:cNvSpPr/>
-            <p:nvPr>
-              <p:extLst>
-                <p:ext uri="{386F3935-93C4-4BCD-93E2-E3B085C9AB24}">
-                  <p16:designElem xmlns:p16="http://schemas.microsoft.com/office/powerpoint/2015/main" val="1"/>
-                </p:ext>
-              </p:extLst>
-            </p:nvPr>
-          </p:nvSpPr>
-          <p:spPr>
-            <a:xfrm rot="13500000">
-              <a:off x="10009123" y="3693413"/>
-              <a:ext cx="1080000" cy="2160000"/>
-            </a:xfrm>
-            <a:prstGeom prst="ellipse">
-              <a:avLst/>
-            </a:prstGeom>
-            <a:solidFill>
-              <a:schemeClr val="bg2">
-                <a:lumMod val="90000"/>
-                <a:lumOff val="10000"/>
-              </a:schemeClr>
-            </a:solidFill>
-            <a:ln>
-              <a:noFill/>
-            </a:ln>
-            <a:effectLst>
-              <a:innerShdw blurRad="1270000" dist="2540000">
-                <a:schemeClr val="accent1">
-                  <a:lumMod val="60000"/>
-                  <a:lumOff val="40000"/>
-                  <a:alpha val="0"/>
-                </a:schemeClr>
-              </a:innerShdw>
-            </a:effectLst>
-          </p:spPr>
-          <p:style>
-            <a:lnRef idx="2">
-              <a:schemeClr val="accent1">
-                <a:shade val="50000"/>
-              </a:schemeClr>
-            </a:lnRef>
-            <a:fillRef idx="1">
-              <a:schemeClr val="accent1"/>
-            </a:fillRef>
-            <a:effectRef idx="0">
-              <a:schemeClr val="accent1"/>
-            </a:effectRef>
-            <a:fontRef idx="minor">
-              <a:schemeClr val="lt1"/>
-            </a:fontRef>
-          </p:style>
-          <p:txBody>
-            <a:bodyPr rot="0" spcFirstLastPara="0" vertOverflow="overflow" horzOverflow="overflow" vert="horz" wrap="square" lIns="91440" tIns="45720" rIns="91440" bIns="45720" numCol="1" spcCol="0" rtlCol="0" fromWordArt="0" anchor="ctr" anchorCtr="0" forceAA="0" compatLnSpc="1">
-              <a:prstTxWarp prst="textNoShape">
-                <a:avLst/>
-              </a:prstTxWarp>
-              <a:noAutofit/>
-            </a:bodyPr>
-            <a:lstStyle/>
-            <a:p>
-              <a:pPr algn="ctr"/>
-              <a:endParaRPr lang="en-US"/>
-            </a:p>
-          </p:txBody>
-        </p:sp>
-      </p:grpSp>
-      <p:sp>
-        <p:nvSpPr>
-          <p:cNvPr id="47" name="Oval 46">
-            <a:extLst>
-              <a:ext uri="{FF2B5EF4-FFF2-40B4-BE49-F238E27FC236}">
-                <a16:creationId xmlns:a16="http://schemas.microsoft.com/office/drawing/2014/main" id="{775ECED9-B192-4892-A822-01EA5C41F5AD}"/>
-              </a:ext>
-            </a:extLst>
-          </p:cNvPr>
-          <p:cNvSpPr/>
-          <p:nvPr/>
-        </p:nvSpPr>
-        <p:spPr>
-          <a:xfrm>
-            <a:off x="221942" y="6275609"/>
-            <a:ext cx="360960" cy="364888"/>
-          </a:xfrm>
-          <a:prstGeom prst="ellipse">
+          <a:prstGeom prst="rect">
             <a:avLst/>
           </a:prstGeom>
           <a:solidFill>
-            <a:schemeClr val="tx1"/>
+            <a:schemeClr val="bg2">
+              <a:lumMod val="10000"/>
+              <a:lumOff val="90000"/>
+              <a:alpha val="5000"/>
+            </a:schemeClr>
           </a:solidFill>
           <a:ln>
-            <a:solidFill>
-              <a:schemeClr val="tx1"/>
-            </a:solidFill>
+            <a:noFill/>
           </a:ln>
         </p:spPr>
         <p:style>
@@ -15064,106 +15687,7 @@
           <a:lstStyle/>
           <a:p>
             <a:pPr algn="ctr"/>
-            <a:r>
-              <a:rPr lang="fr-FR" dirty="0">
-                <a:solidFill>
-                  <a:schemeClr val="bg1"/>
-                </a:solidFill>
-              </a:rPr>
-              <a:t>4</a:t>
-            </a:r>
-          </a:p>
-        </p:txBody>
-      </p:sp>
-    </p:spTree>
-    <p:extLst>
-      <p:ext uri="{BB962C8B-B14F-4D97-AF65-F5344CB8AC3E}">
-        <p14:creationId xmlns:p14="http://schemas.microsoft.com/office/powerpoint/2010/main" val="4263290905"/>
-      </p:ext>
-    </p:extLst>
-  </p:cSld>
-  <p:clrMapOvr>
-    <a:masterClrMapping/>
-  </p:clrMapOvr>
-</p:sld>
-</file>
-
-<file path=ppt/slides/slide5.xml><?xml version="1.0" encoding="utf-8"?>
-<p:sld xmlns:a="http://schemas.openxmlformats.org/drawingml/2006/main" xmlns:r="http://schemas.openxmlformats.org/officeDocument/2006/relationships" xmlns:p="http://schemas.openxmlformats.org/presentationml/2006/main">
-  <p:cSld>
-    <p:spTree>
-      <p:nvGrpSpPr>
-        <p:cNvPr id="1" name=""/>
-        <p:cNvGrpSpPr/>
-        <p:nvPr/>
-      </p:nvGrpSpPr>
-      <p:grpSpPr>
-        <a:xfrm>
-          <a:off x="0" y="0"/>
-          <a:ext cx="0" cy="0"/>
-          <a:chOff x="0" y="0"/>
-          <a:chExt cx="0" cy="0"/>
-        </a:xfrm>
-      </p:grpSpPr>
-      <p:sp>
-        <p:nvSpPr>
-          <p:cNvPr id="2" name="Title 1">
-            <a:extLst>
-              <a:ext uri="{FF2B5EF4-FFF2-40B4-BE49-F238E27FC236}">
-                <a16:creationId xmlns:a16="http://schemas.microsoft.com/office/drawing/2014/main" id="{45871263-DA50-4482-A7C9-30F855F90DC2}"/>
-              </a:ext>
-            </a:extLst>
-          </p:cNvPr>
-          <p:cNvSpPr>
-            <a:spLocks noGrp="1"/>
-          </p:cNvSpPr>
-          <p:nvPr>
-            <p:ph type="title"/>
-          </p:nvPr>
-        </p:nvSpPr>
-        <p:spPr/>
-        <p:txBody>
-          <a:bodyPr/>
-          <a:lstStyle/>
-          <a:p>
-            <a:r>
-              <a:rPr lang="fr-FR" dirty="0"/>
-              <a:t>RETOUR EXPERIENCE</a:t>
-            </a:r>
-          </a:p>
-        </p:txBody>
-      </p:sp>
-      <p:sp>
-        <p:nvSpPr>
-          <p:cNvPr id="3" name="Content Placeholder 2">
-            <a:extLst>
-              <a:ext uri="{FF2B5EF4-FFF2-40B4-BE49-F238E27FC236}">
-                <a16:creationId xmlns:a16="http://schemas.microsoft.com/office/drawing/2014/main" id="{B82E9FB9-874D-48AF-883E-3388FC427958}"/>
-              </a:ext>
-            </a:extLst>
-          </p:cNvPr>
-          <p:cNvSpPr>
-            <a:spLocks noGrp="1"/>
-          </p:cNvSpPr>
-          <p:nvPr>
-            <p:ph idx="1"/>
-          </p:nvPr>
-        </p:nvSpPr>
-        <p:spPr/>
-        <p:txBody>
-          <a:bodyPr/>
-          <a:lstStyle/>
-          <a:p>
-            <a:r>
-              <a:rPr lang="fr-FR" dirty="0"/>
-              <a:t>Framework agréable</a:t>
-            </a:r>
-          </a:p>
-          <a:p>
-            <a:r>
-              <a:rPr lang="fr-FR" dirty="0"/>
-              <a:t>Durée correcte</a:t>
-            </a:r>
+            <a:endParaRPr lang="en-US"/>
           </a:p>
         </p:txBody>
       </p:sp>
@@ -15216,9 +15740,13 @@
           <a:bodyPr rtlCol="0" anchor="ctr"/>
           <a:lstStyle/>
           <a:p>
-            <a:pPr algn="ctr"/>
+            <a:pPr algn="ctr">
+              <a:spcAft>
+                <a:spcPts val="600"/>
+              </a:spcAft>
+            </a:pPr>
             <a:r>
-              <a:rPr lang="fr-FR" dirty="0">
+              <a:rPr lang="fr-FR">
                 <a:solidFill>
                   <a:schemeClr val="bg1"/>
                 </a:solidFill>
@@ -15228,6 +15756,37 @@
           </a:p>
         </p:txBody>
       </p:sp>
+      <p:graphicFrame>
+        <p:nvGraphicFramePr>
+          <p:cNvPr id="6" name="Content Placeholder 2">
+            <a:extLst>
+              <a:ext uri="{FF2B5EF4-FFF2-40B4-BE49-F238E27FC236}">
+                <a16:creationId xmlns:a16="http://schemas.microsoft.com/office/drawing/2014/main" id="{9453DE80-9D96-4953-B1DC-4BEC6408472E}"/>
+              </a:ext>
+            </a:extLst>
+          </p:cNvPr>
+          <p:cNvGraphicFramePr>
+            <a:graphicFrameLocks noGrp="1"/>
+          </p:cNvGraphicFramePr>
+          <p:nvPr>
+            <p:ph idx="1"/>
+            <p:extLst>
+              <p:ext uri="{D42A27DB-BD31-4B8C-83A1-F6EECF244321}">
+                <p14:modId xmlns:p14="http://schemas.microsoft.com/office/powerpoint/2010/main" val="830478476"/>
+              </p:ext>
+            </p:extLst>
+          </p:nvPr>
+        </p:nvGraphicFramePr>
+        <p:xfrm>
+          <a:off x="550863" y="2624135"/>
+          <a:ext cx="11090276" cy="3468690"/>
+        </p:xfrm>
+        <a:graphic>
+          <a:graphicData uri="http://schemas.openxmlformats.org/drawingml/2006/diagram">
+            <dgm:relIds xmlns:dgm="http://schemas.openxmlformats.org/drawingml/2006/diagram" xmlns:r="http://schemas.openxmlformats.org/officeDocument/2006/relationships" r:dm="rId2" r:lo="rId3" r:qs="rId4" r:cs="rId5"/>
+          </a:graphicData>
+        </a:graphic>
+      </p:graphicFrame>
     </p:spTree>
     <p:extLst>
       <p:ext uri="{BB962C8B-B14F-4D97-AF65-F5344CB8AC3E}">
